--- a/trunk/SeamAmiciDelGas/risorse_gassose/presentazione_demo/SeamAmiciDelGas - finale.pptx
+++ b/trunk/SeamAmiciDelGas/risorse_gassose/presentazione_demo/SeamAmiciDelGas - finale.pptx
@@ -4,81 +4,84 @@
   <p:sldMasterIdLst>
     <p:sldMasterId id="2147483732" r:id="rId1"/>
     <p:sldMasterId id="2147483744" r:id="rId2"/>
-    <p:sldMasterId id="2147483756" r:id="rId3"/>
   </p:sldMasterIdLst>
   <p:notesMasterIdLst>
-    <p:notesMasterId r:id="rId63"/>
+    <p:notesMasterId r:id="rId62"/>
   </p:notesMasterIdLst>
   <p:sldIdLst>
-    <p:sldId id="256" r:id="rId4"/>
-    <p:sldId id="351" r:id="rId5"/>
-    <p:sldId id="304" r:id="rId6"/>
-    <p:sldId id="258" r:id="rId7"/>
-    <p:sldId id="284" r:id="rId8"/>
-    <p:sldId id="311" r:id="rId9"/>
-    <p:sldId id="286" r:id="rId10"/>
-    <p:sldId id="312" r:id="rId11"/>
-    <p:sldId id="293" r:id="rId12"/>
-    <p:sldId id="313" r:id="rId13"/>
-    <p:sldId id="260" r:id="rId14"/>
-    <p:sldId id="314" r:id="rId15"/>
-    <p:sldId id="315" r:id="rId16"/>
-    <p:sldId id="261" r:id="rId17"/>
-    <p:sldId id="265" r:id="rId18"/>
-    <p:sldId id="271" r:id="rId19"/>
-    <p:sldId id="267" r:id="rId20"/>
-    <p:sldId id="281" r:id="rId21"/>
-    <p:sldId id="317" r:id="rId22"/>
-    <p:sldId id="283" r:id="rId23"/>
-    <p:sldId id="262" r:id="rId24"/>
-    <p:sldId id="263" r:id="rId25"/>
-    <p:sldId id="296" r:id="rId26"/>
-    <p:sldId id="316" r:id="rId27"/>
-    <p:sldId id="294" r:id="rId28"/>
-    <p:sldId id="273" r:id="rId29"/>
-    <p:sldId id="306" r:id="rId30"/>
-    <p:sldId id="353" r:id="rId31"/>
-    <p:sldId id="354" r:id="rId32"/>
-    <p:sldId id="307" r:id="rId33"/>
-    <p:sldId id="297" r:id="rId34"/>
-    <p:sldId id="301" r:id="rId35"/>
-    <p:sldId id="302" r:id="rId36"/>
-    <p:sldId id="303" r:id="rId37"/>
-    <p:sldId id="298" r:id="rId38"/>
-    <p:sldId id="299" r:id="rId39"/>
-    <p:sldId id="300" r:id="rId40"/>
-    <p:sldId id="305" r:id="rId41"/>
-    <p:sldId id="308" r:id="rId42"/>
-    <p:sldId id="309" r:id="rId43"/>
-    <p:sldId id="335" r:id="rId44"/>
-    <p:sldId id="346" r:id="rId45"/>
-    <p:sldId id="347" r:id="rId46"/>
-    <p:sldId id="349" r:id="rId47"/>
-    <p:sldId id="352" r:id="rId48"/>
-    <p:sldId id="310" r:id="rId49"/>
-    <p:sldId id="318" r:id="rId50"/>
-    <p:sldId id="319" r:id="rId51"/>
-    <p:sldId id="350" r:id="rId52"/>
-    <p:sldId id="325" r:id="rId53"/>
-    <p:sldId id="326" r:id="rId54"/>
-    <p:sldId id="327" r:id="rId55"/>
-    <p:sldId id="328" r:id="rId56"/>
-    <p:sldId id="329" r:id="rId57"/>
-    <p:sldId id="330" r:id="rId58"/>
-    <p:sldId id="331" r:id="rId59"/>
-    <p:sldId id="332" r:id="rId60"/>
-    <p:sldId id="333" r:id="rId61"/>
-    <p:sldId id="334" r:id="rId62"/>
+    <p:sldId id="256" r:id="rId3"/>
+    <p:sldId id="351" r:id="rId4"/>
+    <p:sldId id="304" r:id="rId5"/>
+    <p:sldId id="258" r:id="rId6"/>
+    <p:sldId id="284" r:id="rId7"/>
+    <p:sldId id="311" r:id="rId8"/>
+    <p:sldId id="286" r:id="rId9"/>
+    <p:sldId id="312" r:id="rId10"/>
+    <p:sldId id="293" r:id="rId11"/>
+    <p:sldId id="313" r:id="rId12"/>
+    <p:sldId id="260" r:id="rId13"/>
+    <p:sldId id="314" r:id="rId14"/>
+    <p:sldId id="315" r:id="rId15"/>
+    <p:sldId id="261" r:id="rId16"/>
+    <p:sldId id="265" r:id="rId17"/>
+    <p:sldId id="271" r:id="rId18"/>
+    <p:sldId id="267" r:id="rId19"/>
+    <p:sldId id="281" r:id="rId20"/>
+    <p:sldId id="317" r:id="rId21"/>
+    <p:sldId id="283" r:id="rId22"/>
+    <p:sldId id="262" r:id="rId23"/>
+    <p:sldId id="263" r:id="rId24"/>
+    <p:sldId id="296" r:id="rId25"/>
+    <p:sldId id="316" r:id="rId26"/>
+    <p:sldId id="294" r:id="rId27"/>
+    <p:sldId id="273" r:id="rId28"/>
+    <p:sldId id="306" r:id="rId29"/>
+    <p:sldId id="353" r:id="rId30"/>
+    <p:sldId id="354" r:id="rId31"/>
+    <p:sldId id="307" r:id="rId32"/>
+    <p:sldId id="297" r:id="rId33"/>
+    <p:sldId id="301" r:id="rId34"/>
+    <p:sldId id="302" r:id="rId35"/>
+    <p:sldId id="303" r:id="rId36"/>
+    <p:sldId id="298" r:id="rId37"/>
+    <p:sldId id="299" r:id="rId38"/>
+    <p:sldId id="300" r:id="rId39"/>
+    <p:sldId id="305" r:id="rId40"/>
+    <p:sldId id="308" r:id="rId41"/>
+    <p:sldId id="309" r:id="rId42"/>
+    <p:sldId id="335" r:id="rId43"/>
+    <p:sldId id="346" r:id="rId44"/>
+    <p:sldId id="347" r:id="rId45"/>
+    <p:sldId id="349" r:id="rId46"/>
+    <p:sldId id="352" r:id="rId47"/>
+    <p:sldId id="310" r:id="rId48"/>
+    <p:sldId id="318" r:id="rId49"/>
+    <p:sldId id="319" r:id="rId50"/>
+    <p:sldId id="350" r:id="rId51"/>
+    <p:sldId id="325" r:id="rId52"/>
+    <p:sldId id="326" r:id="rId53"/>
+    <p:sldId id="327" r:id="rId54"/>
+    <p:sldId id="328" r:id="rId55"/>
+    <p:sldId id="329" r:id="rId56"/>
+    <p:sldId id="330" r:id="rId57"/>
+    <p:sldId id="331" r:id="rId58"/>
+    <p:sldId id="332" r:id="rId59"/>
+    <p:sldId id="333" r:id="rId60"/>
+    <p:sldId id="334" r:id="rId61"/>
   </p:sldIdLst>
   <p:sldSz cx="9144000" cy="6858000" type="screen4x3"/>
   <p:notesSz cx="6858000" cy="9144000"/>
   <p:embeddedFontLst>
     <p:embeddedFont>
       <p:font typeface="Calibri" pitchFamily="34" charset="0"/>
-      <p:regular r:id="rId64"/>
-      <p:bold r:id="rId65"/>
-      <p:italic r:id="rId66"/>
-      <p:boldItalic r:id="rId67"/>
+      <p:regular r:id="rId63"/>
+      <p:bold r:id="rId64"/>
+      <p:italic r:id="rId65"/>
+      <p:boldItalic r:id="rId66"/>
+    </p:embeddedFont>
+    <p:embeddedFont>
+      <p:font typeface="Wingdings 2" pitchFamily="18" charset="2"/>
+      <p:regular r:id="rId67"/>
     </p:embeddedFont>
     <p:embeddedFont>
       <p:font typeface="Constantia" pitchFamily="18" charset="0"/>
@@ -88,19 +91,15 @@
       <p:boldItalic r:id="rId71"/>
     </p:embeddedFont>
     <p:embeddedFont>
-      <p:font typeface="Wingdings 2" pitchFamily="18" charset="2"/>
+      <p:font typeface="Lucida Sans Unicode" pitchFamily="34" charset="0"/>
       <p:regular r:id="rId72"/>
     </p:embeddedFont>
     <p:embeddedFont>
-      <p:font typeface="Lucida Sans Unicode" pitchFamily="34" charset="0"/>
+      <p:font typeface="Georgia" pitchFamily="18" charset="0"/>
       <p:regular r:id="rId73"/>
-    </p:embeddedFont>
-    <p:embeddedFont>
-      <p:font typeface="Georgia" pitchFamily="18" charset="0"/>
-      <p:regular r:id="rId74"/>
-      <p:bold r:id="rId75"/>
-      <p:italic r:id="rId76"/>
-      <p:boldItalic r:id="rId77"/>
+      <p:bold r:id="rId74"/>
+      <p:italic r:id="rId75"/>
+      <p:boldItalic r:id="rId76"/>
     </p:embeddedFont>
   </p:embeddedFontLst>
   <p:defaultTextStyle>
@@ -3804,129 +3803,6 @@
           <a:bodyPr/>
           <a:lstStyle/>
           <a:p>
-            <a:fld id="{94FA48B4-583C-4F04-84DA-6CADC20DB60B}" type="slidenum">
-              <a:rPr lang="it-IT"/>
-              <a:pPr/>
-              <a:t>43</a:t>
-            </a:fld>
-            <a:endParaRPr lang="it-IT"/>
-          </a:p>
-        </p:txBody>
-      </p:sp>
-      <p:sp>
-        <p:nvSpPr>
-          <p:cNvPr id="39937" name="Rectangle 1"/>
-          <p:cNvSpPr txBox="1">
-            <a:spLocks noGrp="1" noRot="1" noChangeAspect="1" noChangeArrowheads="1"/>
-          </p:cNvSpPr>
-          <p:nvPr>
-            <p:ph type="sldImg"/>
-          </p:nvPr>
-        </p:nvSpPr>
-        <p:spPr bwMode="auto">
-          <a:xfrm>
-            <a:off x="1143000" y="685800"/>
-            <a:ext cx="4572000" cy="3429000"/>
-          </a:xfrm>
-          <a:prstGeom prst="rect">
-            <a:avLst/>
-          </a:prstGeom>
-          <a:solidFill>
-            <a:srgbClr val="FFFFFF"/>
-          </a:solidFill>
-          <a:ln>
-            <a:solidFill>
-              <a:srgbClr val="000000"/>
-            </a:solidFill>
-            <a:miter lim="800000"/>
-            <a:headEnd/>
-            <a:tailEnd/>
-          </a:ln>
-        </p:spPr>
-      </p:sp>
-      <p:sp>
-        <p:nvSpPr>
-          <p:cNvPr id="39938" name="Rectangle 2"/>
-          <p:cNvSpPr txBox="1">
-            <a:spLocks noGrp="1" noChangeArrowheads="1"/>
-          </p:cNvSpPr>
-          <p:nvPr>
-            <p:ph type="body" idx="1"/>
-          </p:nvPr>
-        </p:nvSpPr>
-        <p:spPr bwMode="auto">
-          <a:xfrm>
-            <a:off x="685800" y="4343400"/>
-            <a:ext cx="5486400" cy="4025900"/>
-          </a:xfrm>
-          <a:prstGeom prst="rect">
-            <a:avLst/>
-          </a:prstGeom>
-          <a:noFill/>
-          <a:ln>
-            <a:round/>
-            <a:headEnd/>
-            <a:tailEnd/>
-          </a:ln>
-        </p:spPr>
-        <p:txBody>
-          <a:bodyPr wrap="none" anchor="ctr"/>
-          <a:lstStyle/>
-          <a:p>
-            <a:endParaRPr lang="it-IT"/>
-          </a:p>
-        </p:txBody>
-      </p:sp>
-    </p:spTree>
-  </p:cSld>
-  <p:clrMapOvr>
-    <a:masterClrMapping/>
-  </p:clrMapOvr>
-</p:notes>
-</file>
-
-<file path=ppt/notesSlides/notesSlide11.xml><?xml version="1.0" encoding="utf-8"?>
-<p:notes xmlns:a="http://schemas.openxmlformats.org/drawingml/2006/main" xmlns:r="http://schemas.openxmlformats.org/officeDocument/2006/relationships" xmlns:p="http://schemas.openxmlformats.org/presentationml/2006/main">
-  <p:cSld>
-    <p:bg>
-      <p:bgPr>
-        <a:solidFill>
-          <a:srgbClr val="FFFFFF"/>
-        </a:solidFill>
-        <a:effectLst/>
-      </p:bgPr>
-    </p:bg>
-    <p:spTree>
-      <p:nvGrpSpPr>
-        <p:cNvPr id="1" name=""/>
-        <p:cNvGrpSpPr/>
-        <p:nvPr/>
-      </p:nvGrpSpPr>
-      <p:grpSpPr>
-        <a:xfrm>
-          <a:off x="0" y="0"/>
-          <a:ext cx="0" cy="0"/>
-          <a:chOff x="0" y="0"/>
-          <a:chExt cx="0" cy="0"/>
-        </a:xfrm>
-      </p:grpSpPr>
-      <p:sp>
-        <p:nvSpPr>
-          <p:cNvPr id="5" name="Rectangle 7"/>
-          <p:cNvSpPr>
-            <a:spLocks noGrp="1" noChangeArrowheads="1"/>
-          </p:cNvSpPr>
-          <p:nvPr>
-            <p:ph type="sldNum"/>
-          </p:nvPr>
-        </p:nvSpPr>
-        <p:spPr>
-          <a:ln/>
-        </p:spPr>
-        <p:txBody>
-          <a:bodyPr/>
-          <a:lstStyle/>
-          <a:p>
             <a:fld id="{1C709263-9BB4-4259-9ED6-0893B9470B4D}" type="slidenum">
               <a:rPr lang="it-IT"/>
               <a:pPr/>
@@ -4008,7 +3884,7 @@
 </p:notes>
 </file>
 
-<file path=ppt/notesSlides/notesSlide12.xml><?xml version="1.0" encoding="utf-8"?>
+<file path=ppt/notesSlides/notesSlide11.xml><?xml version="1.0" encoding="utf-8"?>
 <p:notes xmlns:a="http://schemas.openxmlformats.org/drawingml/2006/main" xmlns:r="http://schemas.openxmlformats.org/officeDocument/2006/relationships" xmlns:p="http://schemas.openxmlformats.org/presentationml/2006/main">
   <p:cSld>
     <p:spTree>
@@ -4110,7 +3986,7 @@
 </p:notes>
 </file>
 
-<file path=ppt/notesSlides/notesSlide13.xml><?xml version="1.0" encoding="utf-8"?>
+<file path=ppt/notesSlides/notesSlide12.xml><?xml version="1.0" encoding="utf-8"?>
 <p:notes xmlns:a="http://schemas.openxmlformats.org/drawingml/2006/main" xmlns:r="http://schemas.openxmlformats.org/officeDocument/2006/relationships" xmlns:p="http://schemas.openxmlformats.org/presentationml/2006/main">
   <p:cSld>
     <p:bg>
@@ -4239,7 +4115,7 @@
 </p:notes>
 </file>
 
-<file path=ppt/notesSlides/notesSlide14.xml><?xml version="1.0" encoding="utf-8"?>
+<file path=ppt/notesSlides/notesSlide13.xml><?xml version="1.0" encoding="utf-8"?>
 <p:notes xmlns:a="http://schemas.openxmlformats.org/drawingml/2006/main" xmlns:r="http://schemas.openxmlformats.org/officeDocument/2006/relationships" xmlns:p="http://schemas.openxmlformats.org/presentationml/2006/main">
   <p:cSld>
     <p:bg>
@@ -4368,7 +4244,7 @@
 </p:notes>
 </file>
 
-<file path=ppt/notesSlides/notesSlide15.xml><?xml version="1.0" encoding="utf-8"?>
+<file path=ppt/notesSlides/notesSlide14.xml><?xml version="1.0" encoding="utf-8"?>
 <p:notes xmlns:a="http://schemas.openxmlformats.org/drawingml/2006/main" xmlns:r="http://schemas.openxmlformats.org/officeDocument/2006/relationships" xmlns:p="http://schemas.openxmlformats.org/presentationml/2006/main">
   <p:cSld>
     <p:bg>
@@ -4491,7 +4367,7 @@
 </p:notes>
 </file>
 
-<file path=ppt/notesSlides/notesSlide16.xml><?xml version="1.0" encoding="utf-8"?>
+<file path=ppt/notesSlides/notesSlide15.xml><?xml version="1.0" encoding="utf-8"?>
 <p:notes xmlns:a="http://schemas.openxmlformats.org/drawingml/2006/main" xmlns:r="http://schemas.openxmlformats.org/officeDocument/2006/relationships" xmlns:p="http://schemas.openxmlformats.org/presentationml/2006/main">
   <p:cSld>
     <p:bg>
@@ -4590,7 +4466,7 @@
 </p:notes>
 </file>
 
-<file path=ppt/notesSlides/notesSlide17.xml><?xml version="1.0" encoding="utf-8"?>
+<file path=ppt/notesSlides/notesSlide16.xml><?xml version="1.0" encoding="utf-8"?>
 <p:notes xmlns:a="http://schemas.openxmlformats.org/drawingml/2006/main" xmlns:r="http://schemas.openxmlformats.org/officeDocument/2006/relationships" xmlns:p="http://schemas.openxmlformats.org/presentationml/2006/main">
   <p:cSld>
     <p:bg>
@@ -4689,7 +4565,7 @@
 </p:notes>
 </file>
 
-<file path=ppt/notesSlides/notesSlide18.xml><?xml version="1.0" encoding="utf-8"?>
+<file path=ppt/notesSlides/notesSlide17.xml><?xml version="1.0" encoding="utf-8"?>
 <p:notes xmlns:a="http://schemas.openxmlformats.org/drawingml/2006/main" xmlns:r="http://schemas.openxmlformats.org/officeDocument/2006/relationships" xmlns:p="http://schemas.openxmlformats.org/presentationml/2006/main">
   <p:cSld>
     <p:bg>
@@ -5193,29 +5069,19 @@
       </p:grpSpPr>
       <p:sp>
         <p:nvSpPr>
-          <p:cNvPr id="19458" name="Segnaposto immagine diapositiva 1"/>
+          <p:cNvPr id="2" name="Segnaposto immagine diapositiva 1"/>
           <p:cNvSpPr>
-            <a:spLocks noGrp="1" noRot="1" noChangeAspect="1" noTextEdit="1"/>
+            <a:spLocks noGrp="1" noRot="1" noChangeAspect="1"/>
           </p:cNvSpPr>
           <p:nvPr>
             <p:ph type="sldImg"/>
           </p:nvPr>
         </p:nvSpPr>
-        <p:spPr bwMode="auto">
-          <a:noFill/>
-          <a:ln>
-            <a:solidFill>
-              <a:srgbClr val="000000"/>
-            </a:solidFill>
-            <a:miter lim="800000"/>
-            <a:headEnd/>
-            <a:tailEnd/>
-          </a:ln>
-        </p:spPr>
+        <p:spPr/>
       </p:sp>
       <p:sp>
         <p:nvSpPr>
-          <p:cNvPr id="19459" name="Segnaposto note 2"/>
+          <p:cNvPr id="3" name="Segnaposto note 2"/>
           <p:cNvSpPr>
             <a:spLocks noGrp="1"/>
           </p:cNvSpPr>
@@ -5223,88 +5089,58 @@
             <p:ph type="body" idx="1"/>
           </p:nvPr>
         </p:nvSpPr>
-        <p:spPr bwMode="auto">
-          <a:noFill/>
-        </p:spPr>
+        <p:spPr/>
         <p:txBody>
-          <a:bodyPr wrap="square" numCol="1" anchor="t" anchorCtr="0" compatLnSpc="1">
-            <a:prstTxWarp prst="textNoShape">
-              <a:avLst/>
-            </a:prstTxWarp>
+          <a:bodyPr>
+            <a:normAutofit/>
           </a:bodyPr>
           <a:lstStyle/>
           <a:p>
-            <a:pPr eaLnBrk="1" hangingPunct="1">
-              <a:spcBef>
-                <a:spcPct val="0"/>
-              </a:spcBef>
-            </a:pPr>
-            <a:endParaRPr lang="it-IT" smtClean="0"/>
+            <a:r>
+              <a:rPr lang="it-IT" dirty="0" smtClean="0"/>
+              <a:t>La presentazione si articola principalmente</a:t>
+            </a:r>
+            <a:r>
+              <a:rPr lang="it-IT" baseline="0" dirty="0" smtClean="0"/>
+              <a:t> su 7 punti:</a:t>
+            </a:r>
+          </a:p>
+          <a:p>
+            <a:r>
+              <a:rPr lang="it-IT" baseline="0" dirty="0" smtClean="0"/>
+              <a:t>Inizialmente descriverò lo scenario e l’obiettivo della tesi, passerò poi alla spiegazione dell’algoritmo che è alla base del MIP solver, programma usato per testare la griglia computazionale.</a:t>
+            </a:r>
+          </a:p>
+          <a:p>
+            <a:r>
+              <a:rPr lang="it-IT" baseline="0" dirty="0" smtClean="0"/>
+              <a:t>Concluderò la presentazione mostrando i risultati della sperimentazione e di alcuni test effettuati sulla rete. </a:t>
+            </a:r>
+            <a:endParaRPr lang="it-IT" dirty="0"/>
           </a:p>
         </p:txBody>
       </p:sp>
       <p:sp>
         <p:nvSpPr>
-          <p:cNvPr id="19460" name="Segnaposto numero diapositiva 3"/>
+          <p:cNvPr id="4" name="Segnaposto numero diapositiva 3"/>
           <p:cNvSpPr>
             <a:spLocks noGrp="1"/>
           </p:cNvSpPr>
           <p:nvPr>
-            <p:ph type="sldNum" sz="quarter" idx="5"/>
+            <p:ph type="sldNum" sz="quarter" idx="10"/>
           </p:nvPr>
         </p:nvSpPr>
-        <p:spPr bwMode="auto">
-          <a:ln>
-            <a:miter lim="800000"/>
-            <a:headEnd/>
-            <a:tailEnd/>
-          </a:ln>
-        </p:spPr>
+        <p:spPr/>
         <p:txBody>
-          <a:bodyPr wrap="square" numCol="1" anchorCtr="0" compatLnSpc="1">
-            <a:prstTxWarp prst="textNoShape">
-              <a:avLst/>
-            </a:prstTxWarp>
-          </a:bodyPr>
+          <a:bodyPr/>
           <a:lstStyle/>
           <a:p>
-            <a:pPr algn="r" rtl="0" fontAlgn="base">
-              <a:spcBef>
-                <a:spcPct val="0"/>
-              </a:spcBef>
-              <a:spcAft>
-                <a:spcPct val="0"/>
-              </a:spcAft>
-              <a:defRPr/>
-            </a:pPr>
-            <a:fld id="{2D5645DC-160E-442E-8E6E-DAE492C3F9BB}" type="slidenum">
-              <a:rPr lang="it-IT" sz="1200" kern="1200">
-                <a:solidFill>
-                  <a:prstClr val="black"/>
-                </a:solidFill>
-                <a:latin typeface="Arial" charset="0"/>
-                <a:ea typeface="+mn-ea"/>
-                <a:cs typeface="+mn-cs"/>
-              </a:rPr>
-              <a:pPr algn="r" rtl="0" fontAlgn="base">
-                <a:spcBef>
-                  <a:spcPct val="0"/>
-                </a:spcBef>
-                <a:spcAft>
-                  <a:spcPct val="0"/>
-                </a:spcAft>
-                <a:defRPr/>
-              </a:pPr>
-              <a:t>29</a:t>
+            <a:fld id="{CA281A89-4495-4BEF-8544-6130B5F8EE19}" type="slidenum">
+              <a:rPr lang="it-IT" smtClean="0"/>
+              <a:pPr/>
+              <a:t>30</a:t>
             </a:fld>
-            <a:endParaRPr lang="it-IT" sz="1200" kern="1200">
-              <a:solidFill>
-                <a:prstClr val="black"/>
-              </a:solidFill>
-              <a:latin typeface="Arial" charset="0"/>
-              <a:ea typeface="+mn-ea"/>
-              <a:cs typeface="+mn-cs"/>
-            </a:endParaRPr>
+            <a:endParaRPr lang="it-IT"/>
           </a:p>
         </p:txBody>
       </p:sp>
@@ -5404,7 +5240,7 @@
             <a:fld id="{CA281A89-4495-4BEF-8544-6130B5F8EE19}" type="slidenum">
               <a:rPr lang="it-IT" smtClean="0"/>
               <a:pPr/>
-              <a:t>30</a:t>
+              <a:t>40</a:t>
             </a:fld>
             <a:endParaRPr lang="it-IT"/>
           </a:p>
@@ -5419,108 +5255,6 @@
 </file>
 
 <file path=ppt/notesSlides/notesSlide7.xml><?xml version="1.0" encoding="utf-8"?>
-<p:notes xmlns:a="http://schemas.openxmlformats.org/drawingml/2006/main" xmlns:r="http://schemas.openxmlformats.org/officeDocument/2006/relationships" xmlns:p="http://schemas.openxmlformats.org/presentationml/2006/main">
-  <p:cSld>
-    <p:spTree>
-      <p:nvGrpSpPr>
-        <p:cNvPr id="1" name=""/>
-        <p:cNvGrpSpPr/>
-        <p:nvPr/>
-      </p:nvGrpSpPr>
-      <p:grpSpPr>
-        <a:xfrm>
-          <a:off x="0" y="0"/>
-          <a:ext cx="0" cy="0"/>
-          <a:chOff x="0" y="0"/>
-          <a:chExt cx="0" cy="0"/>
-        </a:xfrm>
-      </p:grpSpPr>
-      <p:sp>
-        <p:nvSpPr>
-          <p:cNvPr id="2" name="Segnaposto immagine diapositiva 1"/>
-          <p:cNvSpPr>
-            <a:spLocks noGrp="1" noRot="1" noChangeAspect="1"/>
-          </p:cNvSpPr>
-          <p:nvPr>
-            <p:ph type="sldImg"/>
-          </p:nvPr>
-        </p:nvSpPr>
-        <p:spPr/>
-      </p:sp>
-      <p:sp>
-        <p:nvSpPr>
-          <p:cNvPr id="3" name="Segnaposto note 2"/>
-          <p:cNvSpPr>
-            <a:spLocks noGrp="1"/>
-          </p:cNvSpPr>
-          <p:nvPr>
-            <p:ph type="body" idx="1"/>
-          </p:nvPr>
-        </p:nvSpPr>
-        <p:spPr/>
-        <p:txBody>
-          <a:bodyPr>
-            <a:normAutofit/>
-          </a:bodyPr>
-          <a:lstStyle/>
-          <a:p>
-            <a:r>
-              <a:rPr lang="it-IT" dirty="0" smtClean="0"/>
-              <a:t>La presentazione si articola principalmente</a:t>
-            </a:r>
-            <a:r>
-              <a:rPr lang="it-IT" baseline="0" dirty="0" smtClean="0"/>
-              <a:t> su 7 punti:</a:t>
-            </a:r>
-          </a:p>
-          <a:p>
-            <a:r>
-              <a:rPr lang="it-IT" baseline="0" dirty="0" smtClean="0"/>
-              <a:t>Inizialmente descriverò lo scenario e l’obiettivo della tesi, passerò poi alla spiegazione dell’algoritmo che è alla base del MIP solver, programma usato per testare la griglia computazionale.</a:t>
-            </a:r>
-          </a:p>
-          <a:p>
-            <a:r>
-              <a:rPr lang="it-IT" baseline="0" dirty="0" smtClean="0"/>
-              <a:t>Concluderò la presentazione mostrando i risultati della sperimentazione e di alcuni test effettuati sulla rete. </a:t>
-            </a:r>
-            <a:endParaRPr lang="it-IT" dirty="0"/>
-          </a:p>
-        </p:txBody>
-      </p:sp>
-      <p:sp>
-        <p:nvSpPr>
-          <p:cNvPr id="4" name="Segnaposto numero diapositiva 3"/>
-          <p:cNvSpPr>
-            <a:spLocks noGrp="1"/>
-          </p:cNvSpPr>
-          <p:nvPr>
-            <p:ph type="sldNum" sz="quarter" idx="10"/>
-          </p:nvPr>
-        </p:nvSpPr>
-        <p:spPr/>
-        <p:txBody>
-          <a:bodyPr/>
-          <a:lstStyle/>
-          <a:p>
-            <a:fld id="{CA281A89-4495-4BEF-8544-6130B5F8EE19}" type="slidenum">
-              <a:rPr lang="it-IT" smtClean="0"/>
-              <a:pPr/>
-              <a:t>40</a:t>
-            </a:fld>
-            <a:endParaRPr lang="it-IT"/>
-          </a:p>
-        </p:txBody>
-      </p:sp>
-    </p:spTree>
-  </p:cSld>
-  <p:clrMapOvr>
-    <a:masterClrMapping/>
-  </p:clrMapOvr>
-</p:notes>
-</file>
-
-<file path=ppt/notesSlides/notesSlide8.xml><?xml version="1.0" encoding="utf-8"?>
 <p:notes xmlns:a="http://schemas.openxmlformats.org/drawingml/2006/main" xmlns:r="http://schemas.openxmlformats.org/officeDocument/2006/relationships" xmlns:p="http://schemas.openxmlformats.org/presentationml/2006/main">
   <p:cSld>
     <p:bg>
@@ -5643,6 +5377,129 @@
 </p:notes>
 </file>
 
+<file path=ppt/notesSlides/notesSlide8.xml><?xml version="1.0" encoding="utf-8"?>
+<p:notes xmlns:a="http://schemas.openxmlformats.org/drawingml/2006/main" xmlns:r="http://schemas.openxmlformats.org/officeDocument/2006/relationships" xmlns:p="http://schemas.openxmlformats.org/presentationml/2006/main">
+  <p:cSld>
+    <p:bg>
+      <p:bgPr>
+        <a:solidFill>
+          <a:srgbClr val="FFFFFF"/>
+        </a:solidFill>
+        <a:effectLst/>
+      </p:bgPr>
+    </p:bg>
+    <p:spTree>
+      <p:nvGrpSpPr>
+        <p:cNvPr id="1" name=""/>
+        <p:cNvGrpSpPr/>
+        <p:nvPr/>
+      </p:nvGrpSpPr>
+      <p:grpSpPr>
+        <a:xfrm>
+          <a:off x="0" y="0"/>
+          <a:ext cx="0" cy="0"/>
+          <a:chOff x="0" y="0"/>
+          <a:chExt cx="0" cy="0"/>
+        </a:xfrm>
+      </p:grpSpPr>
+      <p:sp>
+        <p:nvSpPr>
+          <p:cNvPr id="5" name="Rectangle 7"/>
+          <p:cNvSpPr>
+            <a:spLocks noGrp="1" noChangeArrowheads="1"/>
+          </p:cNvSpPr>
+          <p:nvPr>
+            <p:ph type="sldNum"/>
+          </p:nvPr>
+        </p:nvSpPr>
+        <p:spPr>
+          <a:ln/>
+        </p:spPr>
+        <p:txBody>
+          <a:bodyPr/>
+          <a:lstStyle/>
+          <a:p>
+            <a:fld id="{C49D2907-C7CF-4572-939C-A61096478FF7}" type="slidenum">
+              <a:rPr lang="it-IT"/>
+              <a:pPr/>
+              <a:t>42</a:t>
+            </a:fld>
+            <a:endParaRPr lang="it-IT"/>
+          </a:p>
+        </p:txBody>
+      </p:sp>
+      <p:sp>
+        <p:nvSpPr>
+          <p:cNvPr id="38913" name="Rectangle 1"/>
+          <p:cNvSpPr txBox="1">
+            <a:spLocks noGrp="1" noRot="1" noChangeAspect="1" noChangeArrowheads="1"/>
+          </p:cNvSpPr>
+          <p:nvPr>
+            <p:ph type="sldImg"/>
+          </p:nvPr>
+        </p:nvSpPr>
+        <p:spPr bwMode="auto">
+          <a:xfrm>
+            <a:off x="1143000" y="685800"/>
+            <a:ext cx="4572000" cy="3429000"/>
+          </a:xfrm>
+          <a:prstGeom prst="rect">
+            <a:avLst/>
+          </a:prstGeom>
+          <a:solidFill>
+            <a:srgbClr val="FFFFFF"/>
+          </a:solidFill>
+          <a:ln>
+            <a:solidFill>
+              <a:srgbClr val="000000"/>
+            </a:solidFill>
+            <a:miter lim="800000"/>
+            <a:headEnd/>
+            <a:tailEnd/>
+          </a:ln>
+        </p:spPr>
+      </p:sp>
+      <p:sp>
+        <p:nvSpPr>
+          <p:cNvPr id="38914" name="Rectangle 2"/>
+          <p:cNvSpPr txBox="1">
+            <a:spLocks noGrp="1" noChangeArrowheads="1"/>
+          </p:cNvSpPr>
+          <p:nvPr>
+            <p:ph type="body" idx="1"/>
+          </p:nvPr>
+        </p:nvSpPr>
+        <p:spPr bwMode="auto">
+          <a:xfrm>
+            <a:off x="685800" y="4343400"/>
+            <a:ext cx="5486400" cy="4025900"/>
+          </a:xfrm>
+          <a:prstGeom prst="rect">
+            <a:avLst/>
+          </a:prstGeom>
+          <a:noFill/>
+          <a:ln>
+            <a:round/>
+            <a:headEnd/>
+            <a:tailEnd/>
+          </a:ln>
+        </p:spPr>
+        <p:txBody>
+          <a:bodyPr wrap="none" anchor="ctr"/>
+          <a:lstStyle/>
+          <a:p>
+            <a:endParaRPr lang="it-IT"/>
+          </a:p>
+        </p:txBody>
+      </p:sp>
+    </p:spTree>
+  </p:cSld>
+  <p:clrMapOvr>
+    <a:masterClrMapping/>
+  </p:clrMapOvr>
+</p:notes>
+</file>
+
 <file path=ppt/notesSlides/notesSlide9.xml><?xml version="1.0" encoding="utf-8"?>
 <p:notes xmlns:a="http://schemas.openxmlformats.org/drawingml/2006/main" xmlns:r="http://schemas.openxmlformats.org/officeDocument/2006/relationships" xmlns:p="http://schemas.openxmlformats.org/presentationml/2006/main">
   <p:cSld>
@@ -5685,10 +5542,10 @@
           <a:bodyPr/>
           <a:lstStyle/>
           <a:p>
-            <a:fld id="{C49D2907-C7CF-4572-939C-A61096478FF7}" type="slidenum">
+            <a:fld id="{94FA48B4-583C-4F04-84DA-6CADC20DB60B}" type="slidenum">
               <a:rPr lang="it-IT"/>
               <a:pPr/>
-              <a:t>42</a:t>
+              <a:t>43</a:t>
             </a:fld>
             <a:endParaRPr lang="it-IT"/>
           </a:p>
@@ -5696,7 +5553,7 @@
       </p:sp>
       <p:sp>
         <p:nvSpPr>
-          <p:cNvPr id="38913" name="Rectangle 1"/>
+          <p:cNvPr id="39937" name="Rectangle 1"/>
           <p:cNvSpPr txBox="1">
             <a:spLocks noGrp="1" noRot="1" noChangeAspect="1" noChangeArrowheads="1"/>
           </p:cNvSpPr>
@@ -5727,7 +5584,7 @@
       </p:sp>
       <p:sp>
         <p:nvSpPr>
-          <p:cNvPr id="38914" name="Rectangle 2"/>
+          <p:cNvPr id="39938" name="Rectangle 2"/>
           <p:cNvSpPr txBox="1">
             <a:spLocks noGrp="1" noChangeArrowheads="1"/>
           </p:cNvSpPr>
@@ -10178,2060 +10035,6 @@
               <a:latin typeface="Constantia" pitchFamily="16" charset="0"/>
               <a:ea typeface="+mn-ea"/>
               <a:cs typeface="Lucida Sans Unicode" charset="0"/>
-            </a:endParaRPr>
-          </a:p>
-        </p:txBody>
-      </p:sp>
-    </p:spTree>
-  </p:cSld>
-  <p:clrMapOvr>
-    <a:masterClrMapping/>
-  </p:clrMapOvr>
-</p:sldLayout>
-</file>
-
-<file path=ppt/slideLayouts/slideLayout23.xml><?xml version="1.0" encoding="utf-8"?>
-<p:sldLayout xmlns:a="http://schemas.openxmlformats.org/drawingml/2006/main" xmlns:r="http://schemas.openxmlformats.org/officeDocument/2006/relationships" xmlns:p="http://schemas.openxmlformats.org/presentationml/2006/main" type="title" preserve="1">
-  <p:cSld name="Diapositiva titolo">
-    <p:spTree>
-      <p:nvGrpSpPr>
-        <p:cNvPr id="1" name=""/>
-        <p:cNvGrpSpPr/>
-        <p:nvPr/>
-      </p:nvGrpSpPr>
-      <p:grpSpPr>
-        <a:xfrm>
-          <a:off x="0" y="0"/>
-          <a:ext cx="0" cy="0"/>
-          <a:chOff x="0" y="0"/>
-          <a:chExt cx="0" cy="0"/>
-        </a:xfrm>
-      </p:grpSpPr>
-      <p:sp>
-        <p:nvSpPr>
-          <p:cNvPr id="9" name="Titolo 8"/>
-          <p:cNvSpPr>
-            <a:spLocks noGrp="1"/>
-          </p:cNvSpPr>
-          <p:nvPr>
-            <p:ph type="ctrTitle"/>
-          </p:nvPr>
-        </p:nvSpPr>
-        <p:spPr>
-          <a:xfrm>
-            <a:off x="533400" y="1371600"/>
-            <a:ext cx="7851648" cy="1828800"/>
-          </a:xfrm>
-          <a:ln>
-            <a:noFill/>
-          </a:ln>
-        </p:spPr>
-        <p:txBody>
-          <a:bodyPr tIns="0" rIns="18288">
-            <a:normAutofit/>
-            <a:scene3d>
-              <a:camera prst="orthographicFront"/>
-              <a:lightRig rig="freezing" dir="t">
-                <a:rot lat="0" lon="0" rev="5640000"/>
-              </a:lightRig>
-            </a:scene3d>
-            <a:sp3d prstMaterial="flat">
-              <a:bevelT w="38100" h="38100"/>
-              <a:contourClr>
-                <a:schemeClr val="tx2"/>
-              </a:contourClr>
-            </a:sp3d>
-          </a:bodyPr>
-          <a:lstStyle>
-            <a:lvl1pPr algn="r" rtl="0">
-              <a:spcBef>
-                <a:spcPct val="0"/>
-              </a:spcBef>
-              <a:buNone/>
-              <a:defRPr sz="5600" b="1">
-                <a:ln>
-                  <a:noFill/>
-                </a:ln>
-                <a:solidFill>
-                  <a:schemeClr val="accent3">
-                    <a:tint val="90000"/>
-                    <a:satMod val="120000"/>
-                  </a:schemeClr>
-                </a:solidFill>
-                <a:effectLst>
-                  <a:outerShdw blurRad="38100" dist="25400" dir="5400000" algn="tl" rotWithShape="0">
-                    <a:srgbClr val="000000">
-                      <a:alpha val="43000"/>
-                    </a:srgbClr>
-                  </a:outerShdw>
-                </a:effectLst>
-                <a:latin typeface="+mj-lt"/>
-                <a:ea typeface="+mj-ea"/>
-                <a:cs typeface="+mj-cs"/>
-              </a:defRPr>
-            </a:lvl1pPr>
-          </a:lstStyle>
-          <a:p>
-            <a:r>
-              <a:rPr lang="it-IT" smtClean="0"/>
-              <a:t>Fare clic per modificare lo stile del titolo</a:t>
-            </a:r>
-            <a:endParaRPr lang="en-US"/>
-          </a:p>
-        </p:txBody>
-      </p:sp>
-      <p:sp>
-        <p:nvSpPr>
-          <p:cNvPr id="17" name="Sottotitolo 16"/>
-          <p:cNvSpPr>
-            <a:spLocks noGrp="1"/>
-          </p:cNvSpPr>
-          <p:nvPr>
-            <p:ph type="subTitle" idx="1"/>
-          </p:nvPr>
-        </p:nvSpPr>
-        <p:spPr>
-          <a:xfrm>
-            <a:off x="533400" y="3228536"/>
-            <a:ext cx="7854696" cy="1752600"/>
-          </a:xfrm>
-        </p:spPr>
-        <p:txBody>
-          <a:bodyPr lIns="0" rIns="18288"/>
-          <a:lstStyle>
-            <a:lvl1pPr marL="0" marR="45720" indent="0" algn="r">
-              <a:buNone/>
-              <a:defRPr>
-                <a:solidFill>
-                  <a:schemeClr val="tx1"/>
-                </a:solidFill>
-              </a:defRPr>
-            </a:lvl1pPr>
-            <a:lvl2pPr marL="457200" indent="0" algn="ctr">
-              <a:buNone/>
-            </a:lvl2pPr>
-            <a:lvl3pPr marL="914400" indent="0" algn="ctr">
-              <a:buNone/>
-            </a:lvl3pPr>
-            <a:lvl4pPr marL="1371600" indent="0" algn="ctr">
-              <a:buNone/>
-            </a:lvl4pPr>
-            <a:lvl5pPr marL="1828800" indent="0" algn="ctr">
-              <a:buNone/>
-            </a:lvl5pPr>
-            <a:lvl6pPr marL="2286000" indent="0" algn="ctr">
-              <a:buNone/>
-            </a:lvl6pPr>
-            <a:lvl7pPr marL="2743200" indent="0" algn="ctr">
-              <a:buNone/>
-            </a:lvl7pPr>
-            <a:lvl8pPr marL="3200400" indent="0" algn="ctr">
-              <a:buNone/>
-            </a:lvl8pPr>
-            <a:lvl9pPr marL="3657600" indent="0" algn="ctr">
-              <a:buNone/>
-            </a:lvl9pPr>
-          </a:lstStyle>
-          <a:p>
-            <a:r>
-              <a:rPr lang="it-IT" smtClean="0"/>
-              <a:t>Fare clic per modificare lo stile del sottotitolo dello schema</a:t>
-            </a:r>
-            <a:endParaRPr lang="en-US"/>
-          </a:p>
-        </p:txBody>
-      </p:sp>
-      <p:sp>
-        <p:nvSpPr>
-          <p:cNvPr id="4" name="Segnaposto data 9"/>
-          <p:cNvSpPr>
-            <a:spLocks noGrp="1"/>
-          </p:cNvSpPr>
-          <p:nvPr>
-            <p:ph type="dt" sz="half" idx="10"/>
-          </p:nvPr>
-        </p:nvSpPr>
-        <p:spPr/>
-        <p:txBody>
-          <a:bodyPr/>
-          <a:lstStyle>
-            <a:lvl1pPr>
-              <a:defRPr/>
-            </a:lvl1pPr>
-          </a:lstStyle>
-          <a:p>
-            <a:pPr algn="l" rtl="0">
-              <a:defRPr/>
-            </a:pPr>
-            <a:fld id="{FD7CB74F-86D2-4416-A7BB-E96225C10B50}" type="datetime1">
-              <a:rPr lang="it-IT" sz="1200" kern="1200">
-                <a:solidFill>
-                  <a:srgbClr val="3B3B3B">
-                    <a:shade val="90000"/>
-                  </a:srgbClr>
-                </a:solidFill>
-                <a:latin typeface="Constantia"/>
-                <a:ea typeface="+mn-ea"/>
-                <a:cs typeface="+mn-cs"/>
-              </a:rPr>
-              <a:pPr algn="l" rtl="0">
-                <a:defRPr/>
-              </a:pPr>
-              <a:t>25/03/2009</a:t>
-            </a:fld>
-            <a:endParaRPr lang="it-IT" sz="1200" kern="1200">
-              <a:solidFill>
-                <a:srgbClr val="3B3B3B">
-                  <a:shade val="90000"/>
-                </a:srgbClr>
-              </a:solidFill>
-              <a:latin typeface="Constantia"/>
-              <a:ea typeface="+mn-ea"/>
-              <a:cs typeface="+mn-cs"/>
-            </a:endParaRPr>
-          </a:p>
-        </p:txBody>
-      </p:sp>
-      <p:sp>
-        <p:nvSpPr>
-          <p:cNvPr id="5" name="Segnaposto piè di pagina 21"/>
-          <p:cNvSpPr>
-            <a:spLocks noGrp="1"/>
-          </p:cNvSpPr>
-          <p:nvPr>
-            <p:ph type="ftr" sz="quarter" idx="11"/>
-          </p:nvPr>
-        </p:nvSpPr>
-        <p:spPr/>
-        <p:txBody>
-          <a:bodyPr/>
-          <a:lstStyle>
-            <a:lvl1pPr>
-              <a:defRPr/>
-            </a:lvl1pPr>
-          </a:lstStyle>
-          <a:p>
-            <a:pPr algn="l" rtl="0">
-              <a:defRPr/>
-            </a:pPr>
-            <a:endParaRPr lang="it-IT" sz="1200" kern="1200">
-              <a:solidFill>
-                <a:srgbClr val="3B3B3B">
-                  <a:shade val="90000"/>
-                </a:srgbClr>
-              </a:solidFill>
-              <a:latin typeface="Constantia"/>
-              <a:ea typeface="+mn-ea"/>
-              <a:cs typeface="+mn-cs"/>
-            </a:endParaRPr>
-          </a:p>
-        </p:txBody>
-      </p:sp>
-      <p:sp>
-        <p:nvSpPr>
-          <p:cNvPr id="6" name="Segnaposto numero diapositiva 17"/>
-          <p:cNvSpPr>
-            <a:spLocks noGrp="1"/>
-          </p:cNvSpPr>
-          <p:nvPr>
-            <p:ph type="sldNum" sz="quarter" idx="12"/>
-          </p:nvPr>
-        </p:nvSpPr>
-        <p:spPr/>
-        <p:txBody>
-          <a:bodyPr/>
-          <a:lstStyle>
-            <a:lvl1pPr>
-              <a:defRPr/>
-            </a:lvl1pPr>
-          </a:lstStyle>
-          <a:p>
-            <a:pPr algn="r" rtl="0">
-              <a:defRPr/>
-            </a:pPr>
-            <a:fld id="{E3BCBE83-E460-4FA3-8579-C8B4A3A77ABC}" type="slidenum">
-              <a:rPr lang="it-IT" kern="1200">
-                <a:solidFill>
-                  <a:srgbClr val="3B3B3B">
-                    <a:shade val="90000"/>
-                  </a:srgbClr>
-                </a:solidFill>
-                <a:effectLst>
-                  <a:reflection blurRad="6350" stA="55000" endA="300" endPos="45500" dir="5400000" sy="-100000" algn="bl" rotWithShape="0"/>
-                </a:effectLst>
-                <a:latin typeface="Calibri"/>
-                <a:ea typeface="+mn-ea"/>
-                <a:cs typeface="+mn-cs"/>
-              </a:rPr>
-              <a:pPr algn="r" rtl="0">
-                <a:defRPr/>
-              </a:pPr>
-              <a:t>‹N›</a:t>
-            </a:fld>
-            <a:endParaRPr lang="it-IT" kern="1200" dirty="0">
-              <a:solidFill>
-                <a:srgbClr val="3B3B3B">
-                  <a:shade val="90000"/>
-                </a:srgbClr>
-              </a:solidFill>
-              <a:effectLst>
-                <a:reflection blurRad="6350" stA="55000" endA="300" endPos="45500" dir="5400000" sy="-100000" algn="bl" rotWithShape="0"/>
-              </a:effectLst>
-              <a:latin typeface="Calibri"/>
-              <a:ea typeface="+mn-ea"/>
-              <a:cs typeface="+mn-cs"/>
-            </a:endParaRPr>
-          </a:p>
-        </p:txBody>
-      </p:sp>
-    </p:spTree>
-  </p:cSld>
-  <p:clrMapOvr>
-    <a:masterClrMapping/>
-  </p:clrMapOvr>
-</p:sldLayout>
-</file>
-
-<file path=ppt/slideLayouts/slideLayout24.xml><?xml version="1.0" encoding="utf-8"?>
-<p:sldLayout xmlns:a="http://schemas.openxmlformats.org/drawingml/2006/main" xmlns:r="http://schemas.openxmlformats.org/officeDocument/2006/relationships" xmlns:p="http://schemas.openxmlformats.org/presentationml/2006/main" type="obj" preserve="1">
-  <p:cSld name="Titolo e contenuto">
-    <p:spTree>
-      <p:nvGrpSpPr>
-        <p:cNvPr id="1" name=""/>
-        <p:cNvGrpSpPr/>
-        <p:nvPr/>
-      </p:nvGrpSpPr>
-      <p:grpSpPr>
-        <a:xfrm>
-          <a:off x="0" y="0"/>
-          <a:ext cx="0" cy="0"/>
-          <a:chOff x="0" y="0"/>
-          <a:chExt cx="0" cy="0"/>
-        </a:xfrm>
-      </p:grpSpPr>
-      <p:sp>
-        <p:nvSpPr>
-          <p:cNvPr id="2" name="Titolo 1"/>
-          <p:cNvSpPr>
-            <a:spLocks noGrp="1"/>
-          </p:cNvSpPr>
-          <p:nvPr>
-            <p:ph type="title"/>
-          </p:nvPr>
-        </p:nvSpPr>
-        <p:spPr/>
-        <p:txBody>
-          <a:bodyPr/>
-          <a:lstStyle/>
-          <a:p>
-            <a:r>
-              <a:rPr lang="it-IT" dirty="0" smtClean="0"/>
-              <a:t>Fare clic per modificare lo stile del titolo</a:t>
-            </a:r>
-            <a:endParaRPr lang="en-US" dirty="0"/>
-          </a:p>
-        </p:txBody>
-      </p:sp>
-      <p:sp>
-        <p:nvSpPr>
-          <p:cNvPr id="3" name="Segnaposto contenuto 2"/>
-          <p:cNvSpPr>
-            <a:spLocks noGrp="1"/>
-          </p:cNvSpPr>
-          <p:nvPr>
-            <p:ph idx="1"/>
-          </p:nvPr>
-        </p:nvSpPr>
-        <p:spPr/>
-        <p:txBody>
-          <a:bodyPr/>
-          <a:lstStyle/>
-          <a:p>
-            <a:pPr lvl="0"/>
-            <a:r>
-              <a:rPr lang="it-IT" smtClean="0"/>
-              <a:t>Fare clic per modificare stili del testo dello schema</a:t>
-            </a:r>
-          </a:p>
-          <a:p>
-            <a:pPr lvl="1"/>
-            <a:r>
-              <a:rPr lang="it-IT" smtClean="0"/>
-              <a:t>Secondo livello</a:t>
-            </a:r>
-          </a:p>
-          <a:p>
-            <a:pPr lvl="2"/>
-            <a:r>
-              <a:rPr lang="it-IT" smtClean="0"/>
-              <a:t>Terzo livello</a:t>
-            </a:r>
-          </a:p>
-          <a:p>
-            <a:pPr lvl="3"/>
-            <a:r>
-              <a:rPr lang="it-IT" smtClean="0"/>
-              <a:t>Quarto livello</a:t>
-            </a:r>
-          </a:p>
-          <a:p>
-            <a:pPr lvl="4"/>
-            <a:r>
-              <a:rPr lang="it-IT" smtClean="0"/>
-              <a:t>Quinto livello</a:t>
-            </a:r>
-            <a:endParaRPr lang="en-US"/>
-          </a:p>
-        </p:txBody>
-      </p:sp>
-      <p:sp>
-        <p:nvSpPr>
-          <p:cNvPr id="4" name="Segnaposto data 9"/>
-          <p:cNvSpPr>
-            <a:spLocks noGrp="1"/>
-          </p:cNvSpPr>
-          <p:nvPr>
-            <p:ph type="dt" sz="half" idx="10"/>
-          </p:nvPr>
-        </p:nvSpPr>
-        <p:spPr/>
-        <p:txBody>
-          <a:bodyPr/>
-          <a:lstStyle>
-            <a:lvl1pPr>
-              <a:defRPr/>
-            </a:lvl1pPr>
-          </a:lstStyle>
-          <a:p>
-            <a:pPr algn="l" rtl="0">
-              <a:defRPr/>
-            </a:pPr>
-            <a:fld id="{033746B0-BCDA-4FC6-9C7F-DEE76E8DDD43}" type="datetime1">
-              <a:rPr lang="it-IT" sz="1200" kern="1200">
-                <a:solidFill>
-                  <a:srgbClr val="3B3B3B">
-                    <a:shade val="90000"/>
-                  </a:srgbClr>
-                </a:solidFill>
-                <a:latin typeface="Constantia"/>
-                <a:ea typeface="+mn-ea"/>
-                <a:cs typeface="+mn-cs"/>
-              </a:rPr>
-              <a:pPr algn="l" rtl="0">
-                <a:defRPr/>
-              </a:pPr>
-              <a:t>25/03/2009</a:t>
-            </a:fld>
-            <a:endParaRPr lang="it-IT" sz="1200" kern="1200">
-              <a:solidFill>
-                <a:srgbClr val="3B3B3B">
-                  <a:shade val="90000"/>
-                </a:srgbClr>
-              </a:solidFill>
-              <a:latin typeface="Constantia"/>
-              <a:ea typeface="+mn-ea"/>
-              <a:cs typeface="+mn-cs"/>
-            </a:endParaRPr>
-          </a:p>
-        </p:txBody>
-      </p:sp>
-      <p:sp>
-        <p:nvSpPr>
-          <p:cNvPr id="5" name="Segnaposto piè di pagina 21"/>
-          <p:cNvSpPr>
-            <a:spLocks noGrp="1"/>
-          </p:cNvSpPr>
-          <p:nvPr>
-            <p:ph type="ftr" sz="quarter" idx="11"/>
-          </p:nvPr>
-        </p:nvSpPr>
-        <p:spPr/>
-        <p:txBody>
-          <a:bodyPr/>
-          <a:lstStyle>
-            <a:lvl1pPr>
-              <a:defRPr/>
-            </a:lvl1pPr>
-          </a:lstStyle>
-          <a:p>
-            <a:pPr algn="l" rtl="0">
-              <a:defRPr/>
-            </a:pPr>
-            <a:endParaRPr lang="it-IT" sz="1200" kern="1200">
-              <a:solidFill>
-                <a:srgbClr val="3B3B3B">
-                  <a:shade val="90000"/>
-                </a:srgbClr>
-              </a:solidFill>
-              <a:latin typeface="Constantia"/>
-              <a:ea typeface="+mn-ea"/>
-              <a:cs typeface="+mn-cs"/>
-            </a:endParaRPr>
-          </a:p>
-        </p:txBody>
-      </p:sp>
-      <p:sp>
-        <p:nvSpPr>
-          <p:cNvPr id="6" name="Segnaposto numero diapositiva 17"/>
-          <p:cNvSpPr>
-            <a:spLocks noGrp="1"/>
-          </p:cNvSpPr>
-          <p:nvPr>
-            <p:ph type="sldNum" sz="quarter" idx="12"/>
-          </p:nvPr>
-        </p:nvSpPr>
-        <p:spPr/>
-        <p:txBody>
-          <a:bodyPr/>
-          <a:lstStyle>
-            <a:lvl1pPr>
-              <a:defRPr/>
-            </a:lvl1pPr>
-          </a:lstStyle>
-          <a:p>
-            <a:pPr algn="r" rtl="0">
-              <a:defRPr/>
-            </a:pPr>
-            <a:fld id="{BC9DCCDD-0E2B-4247-BF1F-1CB082268EC1}" type="slidenum">
-              <a:rPr lang="it-IT" kern="1200">
-                <a:solidFill>
-                  <a:srgbClr val="3B3B3B">
-                    <a:shade val="90000"/>
-                  </a:srgbClr>
-                </a:solidFill>
-                <a:effectLst>
-                  <a:reflection blurRad="6350" stA="55000" endA="300" endPos="45500" dir="5400000" sy="-100000" algn="bl" rotWithShape="0"/>
-                </a:effectLst>
-                <a:latin typeface="Calibri"/>
-                <a:ea typeface="+mn-ea"/>
-                <a:cs typeface="+mn-cs"/>
-              </a:rPr>
-              <a:pPr algn="r" rtl="0">
-                <a:defRPr/>
-              </a:pPr>
-              <a:t>‹N›</a:t>
-            </a:fld>
-            <a:endParaRPr lang="it-IT" kern="1200" dirty="0">
-              <a:solidFill>
-                <a:srgbClr val="3B3B3B">
-                  <a:shade val="90000"/>
-                </a:srgbClr>
-              </a:solidFill>
-              <a:effectLst>
-                <a:reflection blurRad="6350" stA="55000" endA="300" endPos="45500" dir="5400000" sy="-100000" algn="bl" rotWithShape="0"/>
-              </a:effectLst>
-              <a:latin typeface="Calibri"/>
-              <a:ea typeface="+mn-ea"/>
-              <a:cs typeface="+mn-cs"/>
-            </a:endParaRPr>
-          </a:p>
-        </p:txBody>
-      </p:sp>
-    </p:spTree>
-  </p:cSld>
-  <p:clrMapOvr>
-    <a:masterClrMapping/>
-  </p:clrMapOvr>
-</p:sldLayout>
-</file>
-
-<file path=ppt/slideLayouts/slideLayout25.xml><?xml version="1.0" encoding="utf-8"?>
-<p:sldLayout xmlns:a="http://schemas.openxmlformats.org/drawingml/2006/main" xmlns:r="http://schemas.openxmlformats.org/officeDocument/2006/relationships" xmlns:p="http://schemas.openxmlformats.org/presentationml/2006/main" type="secHead" preserve="1">
-  <p:cSld name="Intestazione sezione">
-    <p:spTree>
-      <p:nvGrpSpPr>
-        <p:cNvPr id="1" name=""/>
-        <p:cNvGrpSpPr/>
-        <p:nvPr/>
-      </p:nvGrpSpPr>
-      <p:grpSpPr>
-        <a:xfrm>
-          <a:off x="0" y="0"/>
-          <a:ext cx="0" cy="0"/>
-          <a:chOff x="0" y="0"/>
-          <a:chExt cx="0" cy="0"/>
-        </a:xfrm>
-      </p:grpSpPr>
-      <p:sp>
-        <p:nvSpPr>
-          <p:cNvPr id="2" name="Titolo 1"/>
-          <p:cNvSpPr>
-            <a:spLocks noGrp="1"/>
-          </p:cNvSpPr>
-          <p:nvPr>
-            <p:ph type="title"/>
-          </p:nvPr>
-        </p:nvSpPr>
-        <p:spPr>
-          <a:xfrm>
-            <a:off x="530352" y="1316736"/>
-            <a:ext cx="7772400" cy="1362456"/>
-          </a:xfrm>
-          <a:ln>
-            <a:noFill/>
-          </a:ln>
-        </p:spPr>
-        <p:txBody>
-          <a:bodyPr tIns="0">
-            <a:noAutofit/>
-            <a:scene3d>
-              <a:camera prst="orthographicFront"/>
-              <a:lightRig rig="freezing" dir="t">
-                <a:rot lat="0" lon="0" rev="5640000"/>
-              </a:lightRig>
-            </a:scene3d>
-            <a:sp3d prstMaterial="flat">
-              <a:bevelT w="38100" h="38100"/>
-            </a:sp3d>
-          </a:bodyPr>
-          <a:lstStyle>
-            <a:lvl1pPr algn="l" rtl="0">
-              <a:spcBef>
-                <a:spcPct val="0"/>
-              </a:spcBef>
-              <a:buNone/>
-              <a:defRPr lang="en-US" sz="5600" b="1" cap="none" baseline="0" dirty="0">
-                <a:ln w="635">
-                  <a:noFill/>
-                </a:ln>
-                <a:solidFill>
-                  <a:schemeClr val="accent4">
-                    <a:tint val="90000"/>
-                    <a:satMod val="125000"/>
-                  </a:schemeClr>
-                </a:solidFill>
-                <a:effectLst>
-                  <a:outerShdw blurRad="38100" dist="25400" dir="5400000" algn="tl" rotWithShape="0">
-                    <a:srgbClr val="000000">
-                      <a:alpha val="43000"/>
-                    </a:srgbClr>
-                  </a:outerShdw>
-                </a:effectLst>
-                <a:latin typeface="+mj-lt"/>
-                <a:ea typeface="+mj-ea"/>
-                <a:cs typeface="+mj-cs"/>
-              </a:defRPr>
-            </a:lvl1pPr>
-          </a:lstStyle>
-          <a:p>
-            <a:r>
-              <a:rPr lang="it-IT" smtClean="0"/>
-              <a:t>Fare clic per modificare lo stile del titolo</a:t>
-            </a:r>
-            <a:endParaRPr lang="en-US"/>
-          </a:p>
-        </p:txBody>
-      </p:sp>
-      <p:sp>
-        <p:nvSpPr>
-          <p:cNvPr id="3" name="Segnaposto testo 2"/>
-          <p:cNvSpPr>
-            <a:spLocks noGrp="1"/>
-          </p:cNvSpPr>
-          <p:nvPr>
-            <p:ph type="body" idx="1"/>
-          </p:nvPr>
-        </p:nvSpPr>
-        <p:spPr>
-          <a:xfrm>
-            <a:off x="530352" y="2704664"/>
-            <a:ext cx="7772400" cy="1509712"/>
-          </a:xfrm>
-        </p:spPr>
-        <p:txBody>
-          <a:bodyPr lIns="45720" rIns="45720"/>
-          <a:lstStyle>
-            <a:lvl1pPr marL="0" indent="0">
-              <a:buNone/>
-              <a:defRPr sz="2200">
-                <a:solidFill>
-                  <a:schemeClr val="tx1"/>
-                </a:solidFill>
-              </a:defRPr>
-            </a:lvl1pPr>
-            <a:lvl2pPr>
-              <a:buNone/>
-              <a:defRPr sz="1800">
-                <a:solidFill>
-                  <a:schemeClr val="tx1">
-                    <a:tint val="75000"/>
-                  </a:schemeClr>
-                </a:solidFill>
-              </a:defRPr>
-            </a:lvl2pPr>
-            <a:lvl3pPr>
-              <a:buNone/>
-              <a:defRPr sz="1600">
-                <a:solidFill>
-                  <a:schemeClr val="tx1">
-                    <a:tint val="75000"/>
-                  </a:schemeClr>
-                </a:solidFill>
-              </a:defRPr>
-            </a:lvl3pPr>
-            <a:lvl4pPr>
-              <a:buNone/>
-              <a:defRPr sz="1400">
-                <a:solidFill>
-                  <a:schemeClr val="tx1">
-                    <a:tint val="75000"/>
-                  </a:schemeClr>
-                </a:solidFill>
-              </a:defRPr>
-            </a:lvl4pPr>
-            <a:lvl5pPr>
-              <a:buNone/>
-              <a:defRPr sz="1400">
-                <a:solidFill>
-                  <a:schemeClr val="tx1">
-                    <a:tint val="75000"/>
-                  </a:schemeClr>
-                </a:solidFill>
-              </a:defRPr>
-            </a:lvl5pPr>
-          </a:lstStyle>
-          <a:p>
-            <a:pPr lvl="0"/>
-            <a:r>
-              <a:rPr lang="it-IT" smtClean="0"/>
-              <a:t>Fare clic per modificare stili del testo dello schema</a:t>
-            </a:r>
-          </a:p>
-        </p:txBody>
-      </p:sp>
-      <p:sp>
-        <p:nvSpPr>
-          <p:cNvPr id="4" name="Segnaposto data 9"/>
-          <p:cNvSpPr>
-            <a:spLocks noGrp="1"/>
-          </p:cNvSpPr>
-          <p:nvPr>
-            <p:ph type="dt" sz="half" idx="10"/>
-          </p:nvPr>
-        </p:nvSpPr>
-        <p:spPr/>
-        <p:txBody>
-          <a:bodyPr/>
-          <a:lstStyle>
-            <a:lvl1pPr>
-              <a:defRPr/>
-            </a:lvl1pPr>
-          </a:lstStyle>
-          <a:p>
-            <a:pPr algn="l" rtl="0">
-              <a:defRPr/>
-            </a:pPr>
-            <a:fld id="{008BED60-CFD1-4598-BE38-C64ABFD4EDE7}" type="datetime1">
-              <a:rPr lang="it-IT" sz="1200" kern="1200">
-                <a:solidFill>
-                  <a:srgbClr val="3B3B3B">
-                    <a:shade val="90000"/>
-                  </a:srgbClr>
-                </a:solidFill>
-                <a:latin typeface="Constantia"/>
-                <a:ea typeface="+mn-ea"/>
-                <a:cs typeface="+mn-cs"/>
-              </a:rPr>
-              <a:pPr algn="l" rtl="0">
-                <a:defRPr/>
-              </a:pPr>
-              <a:t>25/03/2009</a:t>
-            </a:fld>
-            <a:endParaRPr lang="it-IT" sz="1200" kern="1200">
-              <a:solidFill>
-                <a:srgbClr val="3B3B3B">
-                  <a:shade val="90000"/>
-                </a:srgbClr>
-              </a:solidFill>
-              <a:latin typeface="Constantia"/>
-              <a:ea typeface="+mn-ea"/>
-              <a:cs typeface="+mn-cs"/>
-            </a:endParaRPr>
-          </a:p>
-        </p:txBody>
-      </p:sp>
-      <p:sp>
-        <p:nvSpPr>
-          <p:cNvPr id="5" name="Segnaposto piè di pagina 21"/>
-          <p:cNvSpPr>
-            <a:spLocks noGrp="1"/>
-          </p:cNvSpPr>
-          <p:nvPr>
-            <p:ph type="ftr" sz="quarter" idx="11"/>
-          </p:nvPr>
-        </p:nvSpPr>
-        <p:spPr/>
-        <p:txBody>
-          <a:bodyPr/>
-          <a:lstStyle>
-            <a:lvl1pPr>
-              <a:defRPr/>
-            </a:lvl1pPr>
-          </a:lstStyle>
-          <a:p>
-            <a:pPr algn="l" rtl="0">
-              <a:defRPr/>
-            </a:pPr>
-            <a:endParaRPr lang="it-IT" sz="1200" kern="1200">
-              <a:solidFill>
-                <a:srgbClr val="3B3B3B">
-                  <a:shade val="90000"/>
-                </a:srgbClr>
-              </a:solidFill>
-              <a:latin typeface="Constantia"/>
-              <a:ea typeface="+mn-ea"/>
-              <a:cs typeface="+mn-cs"/>
-            </a:endParaRPr>
-          </a:p>
-        </p:txBody>
-      </p:sp>
-      <p:sp>
-        <p:nvSpPr>
-          <p:cNvPr id="6" name="Segnaposto numero diapositiva 17"/>
-          <p:cNvSpPr>
-            <a:spLocks noGrp="1"/>
-          </p:cNvSpPr>
-          <p:nvPr>
-            <p:ph type="sldNum" sz="quarter" idx="12"/>
-          </p:nvPr>
-        </p:nvSpPr>
-        <p:spPr/>
-        <p:txBody>
-          <a:bodyPr/>
-          <a:lstStyle>
-            <a:lvl1pPr>
-              <a:defRPr/>
-            </a:lvl1pPr>
-          </a:lstStyle>
-          <a:p>
-            <a:pPr algn="r" rtl="0">
-              <a:defRPr/>
-            </a:pPr>
-            <a:fld id="{C808994A-7E71-4BAD-A58D-D31B281C0123}" type="slidenum">
-              <a:rPr lang="it-IT" kern="1200">
-                <a:solidFill>
-                  <a:srgbClr val="3B3B3B">
-                    <a:shade val="90000"/>
-                  </a:srgbClr>
-                </a:solidFill>
-                <a:effectLst>
-                  <a:reflection blurRad="6350" stA="55000" endA="300" endPos="45500" dir="5400000" sy="-100000" algn="bl" rotWithShape="0"/>
-                </a:effectLst>
-                <a:latin typeface="Calibri"/>
-                <a:ea typeface="+mn-ea"/>
-                <a:cs typeface="+mn-cs"/>
-              </a:rPr>
-              <a:pPr algn="r" rtl="0">
-                <a:defRPr/>
-              </a:pPr>
-              <a:t>‹N›</a:t>
-            </a:fld>
-            <a:endParaRPr lang="it-IT" kern="1200" dirty="0">
-              <a:solidFill>
-                <a:srgbClr val="3B3B3B">
-                  <a:shade val="90000"/>
-                </a:srgbClr>
-              </a:solidFill>
-              <a:effectLst>
-                <a:reflection blurRad="6350" stA="55000" endA="300" endPos="45500" dir="5400000" sy="-100000" algn="bl" rotWithShape="0"/>
-              </a:effectLst>
-              <a:latin typeface="Calibri"/>
-              <a:ea typeface="+mn-ea"/>
-              <a:cs typeface="+mn-cs"/>
-            </a:endParaRPr>
-          </a:p>
-        </p:txBody>
-      </p:sp>
-    </p:spTree>
-  </p:cSld>
-  <p:clrMapOvr>
-    <a:masterClrMapping/>
-  </p:clrMapOvr>
-</p:sldLayout>
-</file>
-
-<file path=ppt/slideLayouts/slideLayout26.xml><?xml version="1.0" encoding="utf-8"?>
-<p:sldLayout xmlns:a="http://schemas.openxmlformats.org/drawingml/2006/main" xmlns:r="http://schemas.openxmlformats.org/officeDocument/2006/relationships" xmlns:p="http://schemas.openxmlformats.org/presentationml/2006/main" type="twoObj" preserve="1">
-  <p:cSld name="Due contenuti">
-    <p:spTree>
-      <p:nvGrpSpPr>
-        <p:cNvPr id="1" name=""/>
-        <p:cNvGrpSpPr/>
-        <p:nvPr/>
-      </p:nvGrpSpPr>
-      <p:grpSpPr>
-        <a:xfrm>
-          <a:off x="0" y="0"/>
-          <a:ext cx="0" cy="0"/>
-          <a:chOff x="0" y="0"/>
-          <a:chExt cx="0" cy="0"/>
-        </a:xfrm>
-      </p:grpSpPr>
-      <p:sp>
-        <p:nvSpPr>
-          <p:cNvPr id="2" name="Titolo 1"/>
-          <p:cNvSpPr>
-            <a:spLocks noGrp="1"/>
-          </p:cNvSpPr>
-          <p:nvPr>
-            <p:ph type="title"/>
-          </p:nvPr>
-        </p:nvSpPr>
-        <p:spPr>
-          <a:xfrm>
-            <a:off x="457200" y="704088"/>
-            <a:ext cx="8229600" cy="1143000"/>
-          </a:xfrm>
-        </p:spPr>
-        <p:txBody>
-          <a:bodyPr/>
-          <a:lstStyle/>
-          <a:p>
-            <a:r>
-              <a:rPr lang="it-IT" smtClean="0"/>
-              <a:t>Fare clic per modificare lo stile del titolo</a:t>
-            </a:r>
-            <a:endParaRPr lang="en-US"/>
-          </a:p>
-        </p:txBody>
-      </p:sp>
-      <p:sp>
-        <p:nvSpPr>
-          <p:cNvPr id="3" name="Segnaposto contenuto 2"/>
-          <p:cNvSpPr>
-            <a:spLocks noGrp="1"/>
-          </p:cNvSpPr>
-          <p:nvPr>
-            <p:ph sz="half" idx="1"/>
-          </p:nvPr>
-        </p:nvSpPr>
-        <p:spPr>
-          <a:xfrm>
-            <a:off x="457200" y="1920085"/>
-            <a:ext cx="4038600" cy="4434840"/>
-          </a:xfrm>
-        </p:spPr>
-        <p:txBody>
-          <a:bodyPr/>
-          <a:lstStyle>
-            <a:lvl1pPr>
-              <a:defRPr sz="2600"/>
-            </a:lvl1pPr>
-            <a:lvl2pPr>
-              <a:defRPr sz="2400"/>
-            </a:lvl2pPr>
-            <a:lvl3pPr>
-              <a:defRPr sz="2000"/>
-            </a:lvl3pPr>
-            <a:lvl4pPr>
-              <a:defRPr sz="1800"/>
-            </a:lvl4pPr>
-            <a:lvl5pPr>
-              <a:defRPr sz="1800"/>
-            </a:lvl5pPr>
-          </a:lstStyle>
-          <a:p>
-            <a:pPr lvl="0"/>
-            <a:r>
-              <a:rPr lang="it-IT" smtClean="0"/>
-              <a:t>Fare clic per modificare stili del testo dello schema</a:t>
-            </a:r>
-          </a:p>
-          <a:p>
-            <a:pPr lvl="1"/>
-            <a:r>
-              <a:rPr lang="it-IT" smtClean="0"/>
-              <a:t>Secondo livello</a:t>
-            </a:r>
-          </a:p>
-          <a:p>
-            <a:pPr lvl="2"/>
-            <a:r>
-              <a:rPr lang="it-IT" smtClean="0"/>
-              <a:t>Terzo livello</a:t>
-            </a:r>
-          </a:p>
-          <a:p>
-            <a:pPr lvl="3"/>
-            <a:r>
-              <a:rPr lang="it-IT" smtClean="0"/>
-              <a:t>Quarto livello</a:t>
-            </a:r>
-          </a:p>
-          <a:p>
-            <a:pPr lvl="4"/>
-            <a:r>
-              <a:rPr lang="it-IT" smtClean="0"/>
-              <a:t>Quinto livello</a:t>
-            </a:r>
-            <a:endParaRPr lang="en-US"/>
-          </a:p>
-        </p:txBody>
-      </p:sp>
-      <p:sp>
-        <p:nvSpPr>
-          <p:cNvPr id="4" name="Segnaposto contenuto 3"/>
-          <p:cNvSpPr>
-            <a:spLocks noGrp="1"/>
-          </p:cNvSpPr>
-          <p:nvPr>
-            <p:ph sz="half" idx="2"/>
-          </p:nvPr>
-        </p:nvSpPr>
-        <p:spPr>
-          <a:xfrm>
-            <a:off x="4648200" y="1920085"/>
-            <a:ext cx="4038600" cy="4434840"/>
-          </a:xfrm>
-        </p:spPr>
-        <p:txBody>
-          <a:bodyPr/>
-          <a:lstStyle>
-            <a:lvl1pPr>
-              <a:defRPr sz="2600"/>
-            </a:lvl1pPr>
-            <a:lvl2pPr>
-              <a:defRPr sz="2400"/>
-            </a:lvl2pPr>
-            <a:lvl3pPr>
-              <a:defRPr sz="2000"/>
-            </a:lvl3pPr>
-            <a:lvl4pPr>
-              <a:defRPr sz="1800"/>
-            </a:lvl4pPr>
-            <a:lvl5pPr>
-              <a:defRPr sz="1800"/>
-            </a:lvl5pPr>
-          </a:lstStyle>
-          <a:p>
-            <a:pPr lvl="0"/>
-            <a:r>
-              <a:rPr lang="it-IT" smtClean="0"/>
-              <a:t>Fare clic per modificare stili del testo dello schema</a:t>
-            </a:r>
-          </a:p>
-          <a:p>
-            <a:pPr lvl="1"/>
-            <a:r>
-              <a:rPr lang="it-IT" smtClean="0"/>
-              <a:t>Secondo livello</a:t>
-            </a:r>
-          </a:p>
-          <a:p>
-            <a:pPr lvl="2"/>
-            <a:r>
-              <a:rPr lang="it-IT" smtClean="0"/>
-              <a:t>Terzo livello</a:t>
-            </a:r>
-          </a:p>
-          <a:p>
-            <a:pPr lvl="3"/>
-            <a:r>
-              <a:rPr lang="it-IT" smtClean="0"/>
-              <a:t>Quarto livello</a:t>
-            </a:r>
-          </a:p>
-          <a:p>
-            <a:pPr lvl="4"/>
-            <a:r>
-              <a:rPr lang="it-IT" smtClean="0"/>
-              <a:t>Quinto livello</a:t>
-            </a:r>
-            <a:endParaRPr lang="en-US"/>
-          </a:p>
-        </p:txBody>
-      </p:sp>
-      <p:sp>
-        <p:nvSpPr>
-          <p:cNvPr id="5" name="Segnaposto data 9"/>
-          <p:cNvSpPr>
-            <a:spLocks noGrp="1"/>
-          </p:cNvSpPr>
-          <p:nvPr>
-            <p:ph type="dt" sz="half" idx="10"/>
-          </p:nvPr>
-        </p:nvSpPr>
-        <p:spPr/>
-        <p:txBody>
-          <a:bodyPr/>
-          <a:lstStyle>
-            <a:lvl1pPr>
-              <a:defRPr/>
-            </a:lvl1pPr>
-          </a:lstStyle>
-          <a:p>
-            <a:pPr algn="l" rtl="0">
-              <a:defRPr/>
-            </a:pPr>
-            <a:fld id="{6677526F-FEF3-48E7-BE49-492112FD353C}" type="datetime1">
-              <a:rPr lang="it-IT" sz="1200" kern="1200">
-                <a:solidFill>
-                  <a:srgbClr val="3B3B3B">
-                    <a:shade val="90000"/>
-                  </a:srgbClr>
-                </a:solidFill>
-                <a:latin typeface="Constantia"/>
-                <a:ea typeface="+mn-ea"/>
-                <a:cs typeface="+mn-cs"/>
-              </a:rPr>
-              <a:pPr algn="l" rtl="0">
-                <a:defRPr/>
-              </a:pPr>
-              <a:t>25/03/2009</a:t>
-            </a:fld>
-            <a:endParaRPr lang="it-IT" sz="1200" kern="1200">
-              <a:solidFill>
-                <a:srgbClr val="3B3B3B">
-                  <a:shade val="90000"/>
-                </a:srgbClr>
-              </a:solidFill>
-              <a:latin typeface="Constantia"/>
-              <a:ea typeface="+mn-ea"/>
-              <a:cs typeface="+mn-cs"/>
-            </a:endParaRPr>
-          </a:p>
-        </p:txBody>
-      </p:sp>
-      <p:sp>
-        <p:nvSpPr>
-          <p:cNvPr id="6" name="Segnaposto piè di pagina 21"/>
-          <p:cNvSpPr>
-            <a:spLocks noGrp="1"/>
-          </p:cNvSpPr>
-          <p:nvPr>
-            <p:ph type="ftr" sz="quarter" idx="11"/>
-          </p:nvPr>
-        </p:nvSpPr>
-        <p:spPr/>
-        <p:txBody>
-          <a:bodyPr/>
-          <a:lstStyle>
-            <a:lvl1pPr>
-              <a:defRPr/>
-            </a:lvl1pPr>
-          </a:lstStyle>
-          <a:p>
-            <a:pPr algn="l" rtl="0">
-              <a:defRPr/>
-            </a:pPr>
-            <a:endParaRPr lang="it-IT" sz="1200" kern="1200">
-              <a:solidFill>
-                <a:srgbClr val="3B3B3B">
-                  <a:shade val="90000"/>
-                </a:srgbClr>
-              </a:solidFill>
-              <a:latin typeface="Constantia"/>
-              <a:ea typeface="+mn-ea"/>
-              <a:cs typeface="+mn-cs"/>
-            </a:endParaRPr>
-          </a:p>
-        </p:txBody>
-      </p:sp>
-      <p:sp>
-        <p:nvSpPr>
-          <p:cNvPr id="7" name="Segnaposto numero diapositiva 17"/>
-          <p:cNvSpPr>
-            <a:spLocks noGrp="1"/>
-          </p:cNvSpPr>
-          <p:nvPr>
-            <p:ph type="sldNum" sz="quarter" idx="12"/>
-          </p:nvPr>
-        </p:nvSpPr>
-        <p:spPr/>
-        <p:txBody>
-          <a:bodyPr/>
-          <a:lstStyle>
-            <a:lvl1pPr>
-              <a:defRPr/>
-            </a:lvl1pPr>
-          </a:lstStyle>
-          <a:p>
-            <a:pPr algn="r" rtl="0">
-              <a:defRPr/>
-            </a:pPr>
-            <a:fld id="{EE156962-8E30-4695-9636-7CD29FDF6B7F}" type="slidenum">
-              <a:rPr lang="it-IT" kern="1200">
-                <a:solidFill>
-                  <a:srgbClr val="3B3B3B">
-                    <a:shade val="90000"/>
-                  </a:srgbClr>
-                </a:solidFill>
-                <a:effectLst>
-                  <a:reflection blurRad="6350" stA="55000" endA="300" endPos="45500" dir="5400000" sy="-100000" algn="bl" rotWithShape="0"/>
-                </a:effectLst>
-                <a:latin typeface="Calibri"/>
-                <a:ea typeface="+mn-ea"/>
-                <a:cs typeface="+mn-cs"/>
-              </a:rPr>
-              <a:pPr algn="r" rtl="0">
-                <a:defRPr/>
-              </a:pPr>
-              <a:t>‹N›</a:t>
-            </a:fld>
-            <a:endParaRPr lang="it-IT" kern="1200" dirty="0">
-              <a:solidFill>
-                <a:srgbClr val="3B3B3B">
-                  <a:shade val="90000"/>
-                </a:srgbClr>
-              </a:solidFill>
-              <a:effectLst>
-                <a:reflection blurRad="6350" stA="55000" endA="300" endPos="45500" dir="5400000" sy="-100000" algn="bl" rotWithShape="0"/>
-              </a:effectLst>
-              <a:latin typeface="Calibri"/>
-              <a:ea typeface="+mn-ea"/>
-              <a:cs typeface="+mn-cs"/>
-            </a:endParaRPr>
-          </a:p>
-        </p:txBody>
-      </p:sp>
-    </p:spTree>
-  </p:cSld>
-  <p:clrMapOvr>
-    <a:masterClrMapping/>
-  </p:clrMapOvr>
-</p:sldLayout>
-</file>
-
-<file path=ppt/slideLayouts/slideLayout27.xml><?xml version="1.0" encoding="utf-8"?>
-<p:sldLayout xmlns:a="http://schemas.openxmlformats.org/drawingml/2006/main" xmlns:r="http://schemas.openxmlformats.org/officeDocument/2006/relationships" xmlns:p="http://schemas.openxmlformats.org/presentationml/2006/main" type="twoTxTwoObj" preserve="1">
-  <p:cSld name="Confronto">
-    <p:spTree>
-      <p:nvGrpSpPr>
-        <p:cNvPr id="1" name=""/>
-        <p:cNvGrpSpPr/>
-        <p:nvPr/>
-      </p:nvGrpSpPr>
-      <p:grpSpPr>
-        <a:xfrm>
-          <a:off x="0" y="0"/>
-          <a:ext cx="0" cy="0"/>
-          <a:chOff x="0" y="0"/>
-          <a:chExt cx="0" cy="0"/>
-        </a:xfrm>
-      </p:grpSpPr>
-      <p:sp>
-        <p:nvSpPr>
-          <p:cNvPr id="2" name="Titolo 1"/>
-          <p:cNvSpPr>
-            <a:spLocks noGrp="1"/>
-          </p:cNvSpPr>
-          <p:nvPr>
-            <p:ph type="title"/>
-          </p:nvPr>
-        </p:nvSpPr>
-        <p:spPr>
-          <a:xfrm>
-            <a:off x="457200" y="704088"/>
-            <a:ext cx="8229600" cy="1143000"/>
-          </a:xfrm>
-        </p:spPr>
-        <p:txBody>
-          <a:bodyPr/>
-          <a:lstStyle>
-            <a:lvl1pPr>
-              <a:defRPr/>
-            </a:lvl1pPr>
-          </a:lstStyle>
-          <a:p>
-            <a:r>
-              <a:rPr lang="it-IT" smtClean="0"/>
-              <a:t>Fare clic per modificare lo stile del titolo</a:t>
-            </a:r>
-            <a:endParaRPr lang="en-US"/>
-          </a:p>
-        </p:txBody>
-      </p:sp>
-      <p:sp>
-        <p:nvSpPr>
-          <p:cNvPr id="3" name="Segnaposto testo 2"/>
-          <p:cNvSpPr>
-            <a:spLocks noGrp="1"/>
-          </p:cNvSpPr>
-          <p:nvPr>
-            <p:ph type="body" idx="1"/>
-          </p:nvPr>
-        </p:nvSpPr>
-        <p:spPr>
-          <a:xfrm>
-            <a:off x="457200" y="1855248"/>
-            <a:ext cx="4040188" cy="659352"/>
-          </a:xfrm>
-        </p:spPr>
-        <p:txBody>
-          <a:bodyPr lIns="45720" tIns="0" rIns="45720" bIns="0" anchor="ctr">
-            <a:noAutofit/>
-          </a:bodyPr>
-          <a:lstStyle>
-            <a:lvl1pPr marL="0" indent="0">
-              <a:buNone/>
-              <a:defRPr sz="2400" b="1" cap="none" baseline="0">
-                <a:solidFill>
-                  <a:schemeClr val="tx2"/>
-                </a:solidFill>
-                <a:effectLst/>
-              </a:defRPr>
-            </a:lvl1pPr>
-            <a:lvl2pPr>
-              <a:buNone/>
-              <a:defRPr sz="2000" b="1"/>
-            </a:lvl2pPr>
-            <a:lvl3pPr>
-              <a:buNone/>
-              <a:defRPr sz="1800" b="1"/>
-            </a:lvl3pPr>
-            <a:lvl4pPr>
-              <a:buNone/>
-              <a:defRPr sz="1600" b="1"/>
-            </a:lvl4pPr>
-            <a:lvl5pPr>
-              <a:buNone/>
-              <a:defRPr sz="1600" b="1"/>
-            </a:lvl5pPr>
-          </a:lstStyle>
-          <a:p>
-            <a:pPr lvl="0"/>
-            <a:r>
-              <a:rPr lang="it-IT" smtClean="0"/>
-              <a:t>Fare clic per modificare stili del testo dello schema</a:t>
-            </a:r>
-          </a:p>
-        </p:txBody>
-      </p:sp>
-      <p:sp>
-        <p:nvSpPr>
-          <p:cNvPr id="4" name="Segnaposto testo 3"/>
-          <p:cNvSpPr>
-            <a:spLocks noGrp="1"/>
-          </p:cNvSpPr>
-          <p:nvPr>
-            <p:ph type="body" sz="half" idx="3"/>
-          </p:nvPr>
-        </p:nvSpPr>
-        <p:spPr>
-          <a:xfrm>
-            <a:off x="4645025" y="1859757"/>
-            <a:ext cx="4041775" cy="654843"/>
-          </a:xfrm>
-        </p:spPr>
-        <p:txBody>
-          <a:bodyPr lIns="45720" tIns="0" rIns="45720" bIns="0" anchor="ctr"/>
-          <a:lstStyle>
-            <a:lvl1pPr marL="0" indent="0">
-              <a:buNone/>
-              <a:defRPr sz="2400" b="1" cap="none" baseline="0">
-                <a:solidFill>
-                  <a:schemeClr val="tx2"/>
-                </a:solidFill>
-                <a:effectLst/>
-              </a:defRPr>
-            </a:lvl1pPr>
-            <a:lvl2pPr>
-              <a:buNone/>
-              <a:defRPr sz="2000" b="1"/>
-            </a:lvl2pPr>
-            <a:lvl3pPr>
-              <a:buNone/>
-              <a:defRPr sz="1800" b="1"/>
-            </a:lvl3pPr>
-            <a:lvl4pPr>
-              <a:buNone/>
-              <a:defRPr sz="1600" b="1"/>
-            </a:lvl4pPr>
-            <a:lvl5pPr>
-              <a:buNone/>
-              <a:defRPr sz="1600" b="1"/>
-            </a:lvl5pPr>
-          </a:lstStyle>
-          <a:p>
-            <a:pPr lvl="0"/>
-            <a:r>
-              <a:rPr lang="it-IT" smtClean="0"/>
-              <a:t>Fare clic per modificare stili del testo dello schema</a:t>
-            </a:r>
-          </a:p>
-        </p:txBody>
-      </p:sp>
-      <p:sp>
-        <p:nvSpPr>
-          <p:cNvPr id="5" name="Segnaposto contenuto 4"/>
-          <p:cNvSpPr>
-            <a:spLocks noGrp="1"/>
-          </p:cNvSpPr>
-          <p:nvPr>
-            <p:ph sz="quarter" idx="2"/>
-          </p:nvPr>
-        </p:nvSpPr>
-        <p:spPr>
-          <a:xfrm>
-            <a:off x="457200" y="2514600"/>
-            <a:ext cx="4040188" cy="3845720"/>
-          </a:xfrm>
-        </p:spPr>
-        <p:txBody>
-          <a:bodyPr tIns="0"/>
-          <a:lstStyle>
-            <a:lvl1pPr>
-              <a:defRPr sz="2200"/>
-            </a:lvl1pPr>
-            <a:lvl2pPr>
-              <a:defRPr sz="2000"/>
-            </a:lvl2pPr>
-            <a:lvl3pPr>
-              <a:defRPr sz="1800"/>
-            </a:lvl3pPr>
-            <a:lvl4pPr>
-              <a:defRPr sz="1600"/>
-            </a:lvl4pPr>
-            <a:lvl5pPr>
-              <a:defRPr sz="1600"/>
-            </a:lvl5pPr>
-          </a:lstStyle>
-          <a:p>
-            <a:pPr lvl="0"/>
-            <a:r>
-              <a:rPr lang="it-IT" smtClean="0"/>
-              <a:t>Fare clic per modificare stili del testo dello schema</a:t>
-            </a:r>
-          </a:p>
-          <a:p>
-            <a:pPr lvl="1"/>
-            <a:r>
-              <a:rPr lang="it-IT" smtClean="0"/>
-              <a:t>Secondo livello</a:t>
-            </a:r>
-          </a:p>
-          <a:p>
-            <a:pPr lvl="2"/>
-            <a:r>
-              <a:rPr lang="it-IT" smtClean="0"/>
-              <a:t>Terzo livello</a:t>
-            </a:r>
-          </a:p>
-          <a:p>
-            <a:pPr lvl="3"/>
-            <a:r>
-              <a:rPr lang="it-IT" smtClean="0"/>
-              <a:t>Quarto livello</a:t>
-            </a:r>
-          </a:p>
-          <a:p>
-            <a:pPr lvl="4"/>
-            <a:r>
-              <a:rPr lang="it-IT" smtClean="0"/>
-              <a:t>Quinto livello</a:t>
-            </a:r>
-            <a:endParaRPr lang="en-US"/>
-          </a:p>
-        </p:txBody>
-      </p:sp>
-      <p:sp>
-        <p:nvSpPr>
-          <p:cNvPr id="6" name="Segnaposto contenuto 5"/>
-          <p:cNvSpPr>
-            <a:spLocks noGrp="1"/>
-          </p:cNvSpPr>
-          <p:nvPr>
-            <p:ph sz="quarter" idx="4"/>
-          </p:nvPr>
-        </p:nvSpPr>
-        <p:spPr>
-          <a:xfrm>
-            <a:off x="4645025" y="2514600"/>
-            <a:ext cx="4041775" cy="3845720"/>
-          </a:xfrm>
-        </p:spPr>
-        <p:txBody>
-          <a:bodyPr tIns="0"/>
-          <a:lstStyle>
-            <a:lvl1pPr>
-              <a:defRPr sz="2200"/>
-            </a:lvl1pPr>
-            <a:lvl2pPr>
-              <a:defRPr sz="2000"/>
-            </a:lvl2pPr>
-            <a:lvl3pPr>
-              <a:defRPr sz="1800"/>
-            </a:lvl3pPr>
-            <a:lvl4pPr>
-              <a:defRPr sz="1600"/>
-            </a:lvl4pPr>
-            <a:lvl5pPr>
-              <a:defRPr sz="1600"/>
-            </a:lvl5pPr>
-          </a:lstStyle>
-          <a:p>
-            <a:pPr lvl="0"/>
-            <a:r>
-              <a:rPr lang="it-IT" smtClean="0"/>
-              <a:t>Fare clic per modificare stili del testo dello schema</a:t>
-            </a:r>
-          </a:p>
-          <a:p>
-            <a:pPr lvl="1"/>
-            <a:r>
-              <a:rPr lang="it-IT" smtClean="0"/>
-              <a:t>Secondo livello</a:t>
-            </a:r>
-          </a:p>
-          <a:p>
-            <a:pPr lvl="2"/>
-            <a:r>
-              <a:rPr lang="it-IT" smtClean="0"/>
-              <a:t>Terzo livello</a:t>
-            </a:r>
-          </a:p>
-          <a:p>
-            <a:pPr lvl="3"/>
-            <a:r>
-              <a:rPr lang="it-IT" smtClean="0"/>
-              <a:t>Quarto livello</a:t>
-            </a:r>
-          </a:p>
-          <a:p>
-            <a:pPr lvl="4"/>
-            <a:r>
-              <a:rPr lang="it-IT" smtClean="0"/>
-              <a:t>Quinto livello</a:t>
-            </a:r>
-            <a:endParaRPr lang="en-US"/>
-          </a:p>
-        </p:txBody>
-      </p:sp>
-      <p:sp>
-        <p:nvSpPr>
-          <p:cNvPr id="7" name="Segnaposto data 9"/>
-          <p:cNvSpPr>
-            <a:spLocks noGrp="1"/>
-          </p:cNvSpPr>
-          <p:nvPr>
-            <p:ph type="dt" sz="half" idx="10"/>
-          </p:nvPr>
-        </p:nvSpPr>
-        <p:spPr/>
-        <p:txBody>
-          <a:bodyPr/>
-          <a:lstStyle>
-            <a:lvl1pPr>
-              <a:defRPr/>
-            </a:lvl1pPr>
-          </a:lstStyle>
-          <a:p>
-            <a:pPr algn="l" rtl="0">
-              <a:defRPr/>
-            </a:pPr>
-            <a:fld id="{8C03CD2E-59F1-4060-803D-7A980070AD63}" type="datetime1">
-              <a:rPr lang="it-IT" sz="1200" kern="1200">
-                <a:solidFill>
-                  <a:srgbClr val="3B3B3B">
-                    <a:shade val="90000"/>
-                  </a:srgbClr>
-                </a:solidFill>
-                <a:latin typeface="Constantia"/>
-                <a:ea typeface="+mn-ea"/>
-                <a:cs typeface="+mn-cs"/>
-              </a:rPr>
-              <a:pPr algn="l" rtl="0">
-                <a:defRPr/>
-              </a:pPr>
-              <a:t>25/03/2009</a:t>
-            </a:fld>
-            <a:endParaRPr lang="it-IT" sz="1200" kern="1200">
-              <a:solidFill>
-                <a:srgbClr val="3B3B3B">
-                  <a:shade val="90000"/>
-                </a:srgbClr>
-              </a:solidFill>
-              <a:latin typeface="Constantia"/>
-              <a:ea typeface="+mn-ea"/>
-              <a:cs typeface="+mn-cs"/>
-            </a:endParaRPr>
-          </a:p>
-        </p:txBody>
-      </p:sp>
-      <p:sp>
-        <p:nvSpPr>
-          <p:cNvPr id="8" name="Segnaposto piè di pagina 21"/>
-          <p:cNvSpPr>
-            <a:spLocks noGrp="1"/>
-          </p:cNvSpPr>
-          <p:nvPr>
-            <p:ph type="ftr" sz="quarter" idx="11"/>
-          </p:nvPr>
-        </p:nvSpPr>
-        <p:spPr/>
-        <p:txBody>
-          <a:bodyPr/>
-          <a:lstStyle>
-            <a:lvl1pPr>
-              <a:defRPr/>
-            </a:lvl1pPr>
-          </a:lstStyle>
-          <a:p>
-            <a:pPr algn="l" rtl="0">
-              <a:defRPr/>
-            </a:pPr>
-            <a:endParaRPr lang="it-IT" sz="1200" kern="1200">
-              <a:solidFill>
-                <a:srgbClr val="3B3B3B">
-                  <a:shade val="90000"/>
-                </a:srgbClr>
-              </a:solidFill>
-              <a:latin typeface="Constantia"/>
-              <a:ea typeface="+mn-ea"/>
-              <a:cs typeface="+mn-cs"/>
-            </a:endParaRPr>
-          </a:p>
-        </p:txBody>
-      </p:sp>
-      <p:sp>
-        <p:nvSpPr>
-          <p:cNvPr id="9" name="Segnaposto numero diapositiva 17"/>
-          <p:cNvSpPr>
-            <a:spLocks noGrp="1"/>
-          </p:cNvSpPr>
-          <p:nvPr>
-            <p:ph type="sldNum" sz="quarter" idx="12"/>
-          </p:nvPr>
-        </p:nvSpPr>
-        <p:spPr/>
-        <p:txBody>
-          <a:bodyPr/>
-          <a:lstStyle>
-            <a:lvl1pPr>
-              <a:defRPr/>
-            </a:lvl1pPr>
-          </a:lstStyle>
-          <a:p>
-            <a:pPr algn="r" rtl="0">
-              <a:defRPr/>
-            </a:pPr>
-            <a:fld id="{166CAD5B-113C-4B12-8DEC-51741990A34B}" type="slidenum">
-              <a:rPr lang="it-IT" kern="1200">
-                <a:solidFill>
-                  <a:srgbClr val="3B3B3B">
-                    <a:shade val="90000"/>
-                  </a:srgbClr>
-                </a:solidFill>
-                <a:effectLst>
-                  <a:reflection blurRad="6350" stA="55000" endA="300" endPos="45500" dir="5400000" sy="-100000" algn="bl" rotWithShape="0"/>
-                </a:effectLst>
-                <a:latin typeface="Calibri"/>
-                <a:ea typeface="+mn-ea"/>
-                <a:cs typeface="+mn-cs"/>
-              </a:rPr>
-              <a:pPr algn="r" rtl="0">
-                <a:defRPr/>
-              </a:pPr>
-              <a:t>‹N›</a:t>
-            </a:fld>
-            <a:endParaRPr lang="it-IT" kern="1200" dirty="0">
-              <a:solidFill>
-                <a:srgbClr val="3B3B3B">
-                  <a:shade val="90000"/>
-                </a:srgbClr>
-              </a:solidFill>
-              <a:effectLst>
-                <a:reflection blurRad="6350" stA="55000" endA="300" endPos="45500" dir="5400000" sy="-100000" algn="bl" rotWithShape="0"/>
-              </a:effectLst>
-              <a:latin typeface="Calibri"/>
-              <a:ea typeface="+mn-ea"/>
-              <a:cs typeface="+mn-cs"/>
-            </a:endParaRPr>
-          </a:p>
-        </p:txBody>
-      </p:sp>
-    </p:spTree>
-  </p:cSld>
-  <p:clrMapOvr>
-    <a:masterClrMapping/>
-  </p:clrMapOvr>
-</p:sldLayout>
-</file>
-
-<file path=ppt/slideLayouts/slideLayout28.xml><?xml version="1.0" encoding="utf-8"?>
-<p:sldLayout xmlns:a="http://schemas.openxmlformats.org/drawingml/2006/main" xmlns:r="http://schemas.openxmlformats.org/officeDocument/2006/relationships" xmlns:p="http://schemas.openxmlformats.org/presentationml/2006/main" type="titleOnly" preserve="1">
-  <p:cSld name="Solo titolo">
-    <p:spTree>
-      <p:nvGrpSpPr>
-        <p:cNvPr id="1" name=""/>
-        <p:cNvGrpSpPr/>
-        <p:nvPr/>
-      </p:nvGrpSpPr>
-      <p:grpSpPr>
-        <a:xfrm>
-          <a:off x="0" y="0"/>
-          <a:ext cx="0" cy="0"/>
-          <a:chOff x="0" y="0"/>
-          <a:chExt cx="0" cy="0"/>
-        </a:xfrm>
-      </p:grpSpPr>
-      <p:sp>
-        <p:nvSpPr>
-          <p:cNvPr id="2" name="Titolo 1"/>
-          <p:cNvSpPr>
-            <a:spLocks noGrp="1"/>
-          </p:cNvSpPr>
-          <p:nvPr>
-            <p:ph type="title"/>
-          </p:nvPr>
-        </p:nvSpPr>
-        <p:spPr>
-          <a:xfrm>
-            <a:off x="457200" y="704088"/>
-            <a:ext cx="8305800" cy="1143000"/>
-          </a:xfrm>
-        </p:spPr>
-        <p:txBody>
-          <a:bodyPr>
-            <a:normAutofit/>
-            <a:scene3d>
-              <a:camera prst="orthographicFront"/>
-              <a:lightRig rig="freezing" dir="t">
-                <a:rot lat="0" lon="0" rev="5640000"/>
-              </a:lightRig>
-            </a:scene3d>
-            <a:sp3d prstMaterial="flat">
-              <a:contourClr>
-                <a:schemeClr val="tx2"/>
-              </a:contourClr>
-            </a:sp3d>
-          </a:bodyPr>
-          <a:lstStyle>
-            <a:lvl1pPr algn="l" rtl="0">
-              <a:spcBef>
-                <a:spcPct val="0"/>
-              </a:spcBef>
-              <a:buNone/>
-              <a:defRPr sz="5000" b="0">
-                <a:ln>
-                  <a:noFill/>
-                </a:ln>
-                <a:solidFill>
-                  <a:schemeClr val="tx2"/>
-                </a:solidFill>
-                <a:effectLst/>
-                <a:latin typeface="+mj-lt"/>
-                <a:ea typeface="+mj-ea"/>
-                <a:cs typeface="+mj-cs"/>
-              </a:defRPr>
-            </a:lvl1pPr>
-          </a:lstStyle>
-          <a:p>
-            <a:r>
-              <a:rPr lang="it-IT" smtClean="0"/>
-              <a:t>Fare clic per modificare lo stile del titolo</a:t>
-            </a:r>
-            <a:endParaRPr lang="en-US"/>
-          </a:p>
-        </p:txBody>
-      </p:sp>
-      <p:sp>
-        <p:nvSpPr>
-          <p:cNvPr id="3" name="Segnaposto data 9"/>
-          <p:cNvSpPr>
-            <a:spLocks noGrp="1"/>
-          </p:cNvSpPr>
-          <p:nvPr>
-            <p:ph type="dt" sz="half" idx="10"/>
-          </p:nvPr>
-        </p:nvSpPr>
-        <p:spPr/>
-        <p:txBody>
-          <a:bodyPr/>
-          <a:lstStyle>
-            <a:lvl1pPr>
-              <a:defRPr/>
-            </a:lvl1pPr>
-          </a:lstStyle>
-          <a:p>
-            <a:pPr algn="l" rtl="0">
-              <a:defRPr/>
-            </a:pPr>
-            <a:fld id="{5D93B3EA-405E-4566-9AE0-AC69DD1D65C0}" type="datetime1">
-              <a:rPr lang="it-IT" sz="1200" kern="1200">
-                <a:solidFill>
-                  <a:srgbClr val="3B3B3B">
-                    <a:shade val="90000"/>
-                  </a:srgbClr>
-                </a:solidFill>
-                <a:latin typeface="Constantia"/>
-                <a:ea typeface="+mn-ea"/>
-                <a:cs typeface="+mn-cs"/>
-              </a:rPr>
-              <a:pPr algn="l" rtl="0">
-                <a:defRPr/>
-              </a:pPr>
-              <a:t>25/03/2009</a:t>
-            </a:fld>
-            <a:endParaRPr lang="it-IT" sz="1200" kern="1200">
-              <a:solidFill>
-                <a:srgbClr val="3B3B3B">
-                  <a:shade val="90000"/>
-                </a:srgbClr>
-              </a:solidFill>
-              <a:latin typeface="Constantia"/>
-              <a:ea typeface="+mn-ea"/>
-              <a:cs typeface="+mn-cs"/>
-            </a:endParaRPr>
-          </a:p>
-        </p:txBody>
-      </p:sp>
-      <p:sp>
-        <p:nvSpPr>
-          <p:cNvPr id="4" name="Segnaposto piè di pagina 21"/>
-          <p:cNvSpPr>
-            <a:spLocks noGrp="1"/>
-          </p:cNvSpPr>
-          <p:nvPr>
-            <p:ph type="ftr" sz="quarter" idx="11"/>
-          </p:nvPr>
-        </p:nvSpPr>
-        <p:spPr/>
-        <p:txBody>
-          <a:bodyPr/>
-          <a:lstStyle>
-            <a:lvl1pPr>
-              <a:defRPr/>
-            </a:lvl1pPr>
-          </a:lstStyle>
-          <a:p>
-            <a:pPr algn="l" rtl="0">
-              <a:defRPr/>
-            </a:pPr>
-            <a:endParaRPr lang="it-IT" sz="1200" kern="1200">
-              <a:solidFill>
-                <a:srgbClr val="3B3B3B">
-                  <a:shade val="90000"/>
-                </a:srgbClr>
-              </a:solidFill>
-              <a:latin typeface="Constantia"/>
-              <a:ea typeface="+mn-ea"/>
-              <a:cs typeface="+mn-cs"/>
-            </a:endParaRPr>
-          </a:p>
-        </p:txBody>
-      </p:sp>
-      <p:sp>
-        <p:nvSpPr>
-          <p:cNvPr id="5" name="Segnaposto numero diapositiva 17"/>
-          <p:cNvSpPr>
-            <a:spLocks noGrp="1"/>
-          </p:cNvSpPr>
-          <p:nvPr>
-            <p:ph type="sldNum" sz="quarter" idx="12"/>
-          </p:nvPr>
-        </p:nvSpPr>
-        <p:spPr/>
-        <p:txBody>
-          <a:bodyPr/>
-          <a:lstStyle>
-            <a:lvl1pPr>
-              <a:defRPr/>
-            </a:lvl1pPr>
-          </a:lstStyle>
-          <a:p>
-            <a:pPr algn="r" rtl="0">
-              <a:defRPr/>
-            </a:pPr>
-            <a:fld id="{DF091585-CC5F-4EE0-A00A-EF95FE4FBC61}" type="slidenum">
-              <a:rPr lang="it-IT" kern="1200">
-                <a:solidFill>
-                  <a:srgbClr val="3B3B3B">
-                    <a:shade val="90000"/>
-                  </a:srgbClr>
-                </a:solidFill>
-                <a:effectLst>
-                  <a:reflection blurRad="6350" stA="55000" endA="300" endPos="45500" dir="5400000" sy="-100000" algn="bl" rotWithShape="0"/>
-                </a:effectLst>
-                <a:latin typeface="Calibri"/>
-                <a:ea typeface="+mn-ea"/>
-                <a:cs typeface="+mn-cs"/>
-              </a:rPr>
-              <a:pPr algn="r" rtl="0">
-                <a:defRPr/>
-              </a:pPr>
-              <a:t>‹N›</a:t>
-            </a:fld>
-            <a:endParaRPr lang="it-IT" kern="1200" dirty="0">
-              <a:solidFill>
-                <a:srgbClr val="3B3B3B">
-                  <a:shade val="90000"/>
-                </a:srgbClr>
-              </a:solidFill>
-              <a:effectLst>
-                <a:reflection blurRad="6350" stA="55000" endA="300" endPos="45500" dir="5400000" sy="-100000" algn="bl" rotWithShape="0"/>
-              </a:effectLst>
-              <a:latin typeface="Calibri"/>
-              <a:ea typeface="+mn-ea"/>
-              <a:cs typeface="+mn-cs"/>
-            </a:endParaRPr>
-          </a:p>
-        </p:txBody>
-      </p:sp>
-    </p:spTree>
-  </p:cSld>
-  <p:clrMapOvr>
-    <a:masterClrMapping/>
-  </p:clrMapOvr>
-</p:sldLayout>
-</file>
-
-<file path=ppt/slideLayouts/slideLayout29.xml><?xml version="1.0" encoding="utf-8"?>
-<p:sldLayout xmlns:a="http://schemas.openxmlformats.org/drawingml/2006/main" xmlns:r="http://schemas.openxmlformats.org/officeDocument/2006/relationships" xmlns:p="http://schemas.openxmlformats.org/presentationml/2006/main" type="blank" preserve="1">
-  <p:cSld name="Vuota">
-    <p:spTree>
-      <p:nvGrpSpPr>
-        <p:cNvPr id="1" name=""/>
-        <p:cNvGrpSpPr/>
-        <p:nvPr/>
-      </p:nvGrpSpPr>
-      <p:grpSpPr>
-        <a:xfrm>
-          <a:off x="0" y="0"/>
-          <a:ext cx="0" cy="0"/>
-          <a:chOff x="0" y="0"/>
-          <a:chExt cx="0" cy="0"/>
-        </a:xfrm>
-      </p:grpSpPr>
-      <p:sp>
-        <p:nvSpPr>
-          <p:cNvPr id="2" name="Segnaposto data 9"/>
-          <p:cNvSpPr>
-            <a:spLocks noGrp="1"/>
-          </p:cNvSpPr>
-          <p:nvPr>
-            <p:ph type="dt" sz="half" idx="10"/>
-          </p:nvPr>
-        </p:nvSpPr>
-        <p:spPr/>
-        <p:txBody>
-          <a:bodyPr/>
-          <a:lstStyle>
-            <a:lvl1pPr>
-              <a:defRPr/>
-            </a:lvl1pPr>
-          </a:lstStyle>
-          <a:p>
-            <a:pPr algn="l" rtl="0">
-              <a:defRPr/>
-            </a:pPr>
-            <a:fld id="{7A1A51E4-BCB7-496F-961F-92382683A384}" type="datetime1">
-              <a:rPr lang="it-IT" sz="1200" kern="1200">
-                <a:solidFill>
-                  <a:srgbClr val="3B3B3B">
-                    <a:shade val="90000"/>
-                  </a:srgbClr>
-                </a:solidFill>
-                <a:latin typeface="Constantia"/>
-                <a:ea typeface="+mn-ea"/>
-                <a:cs typeface="+mn-cs"/>
-              </a:rPr>
-              <a:pPr algn="l" rtl="0">
-                <a:defRPr/>
-              </a:pPr>
-              <a:t>25/03/2009</a:t>
-            </a:fld>
-            <a:endParaRPr lang="it-IT" sz="1200" kern="1200">
-              <a:solidFill>
-                <a:srgbClr val="3B3B3B">
-                  <a:shade val="90000"/>
-                </a:srgbClr>
-              </a:solidFill>
-              <a:latin typeface="Constantia"/>
-              <a:ea typeface="+mn-ea"/>
-              <a:cs typeface="+mn-cs"/>
-            </a:endParaRPr>
-          </a:p>
-        </p:txBody>
-      </p:sp>
-      <p:sp>
-        <p:nvSpPr>
-          <p:cNvPr id="3" name="Segnaposto piè di pagina 21"/>
-          <p:cNvSpPr>
-            <a:spLocks noGrp="1"/>
-          </p:cNvSpPr>
-          <p:nvPr>
-            <p:ph type="ftr" sz="quarter" idx="11"/>
-          </p:nvPr>
-        </p:nvSpPr>
-        <p:spPr/>
-        <p:txBody>
-          <a:bodyPr/>
-          <a:lstStyle>
-            <a:lvl1pPr>
-              <a:defRPr/>
-            </a:lvl1pPr>
-          </a:lstStyle>
-          <a:p>
-            <a:pPr algn="l" rtl="0">
-              <a:defRPr/>
-            </a:pPr>
-            <a:endParaRPr lang="it-IT" sz="1200" kern="1200">
-              <a:solidFill>
-                <a:srgbClr val="3B3B3B">
-                  <a:shade val="90000"/>
-                </a:srgbClr>
-              </a:solidFill>
-              <a:latin typeface="Constantia"/>
-              <a:ea typeface="+mn-ea"/>
-              <a:cs typeface="+mn-cs"/>
-            </a:endParaRPr>
-          </a:p>
-        </p:txBody>
-      </p:sp>
-      <p:sp>
-        <p:nvSpPr>
-          <p:cNvPr id="4" name="Segnaposto numero diapositiva 17"/>
-          <p:cNvSpPr>
-            <a:spLocks noGrp="1"/>
-          </p:cNvSpPr>
-          <p:nvPr>
-            <p:ph type="sldNum" sz="quarter" idx="12"/>
-          </p:nvPr>
-        </p:nvSpPr>
-        <p:spPr/>
-        <p:txBody>
-          <a:bodyPr/>
-          <a:lstStyle>
-            <a:lvl1pPr>
-              <a:defRPr/>
-            </a:lvl1pPr>
-          </a:lstStyle>
-          <a:p>
-            <a:pPr algn="r" rtl="0">
-              <a:defRPr/>
-            </a:pPr>
-            <a:fld id="{45F1BB1A-C3D0-42A5-BBA3-E2916DAA0E3E}" type="slidenum">
-              <a:rPr lang="it-IT" kern="1200">
-                <a:solidFill>
-                  <a:srgbClr val="3B3B3B">
-                    <a:shade val="90000"/>
-                  </a:srgbClr>
-                </a:solidFill>
-                <a:effectLst>
-                  <a:reflection blurRad="6350" stA="55000" endA="300" endPos="45500" dir="5400000" sy="-100000" algn="bl" rotWithShape="0"/>
-                </a:effectLst>
-                <a:latin typeface="Calibri"/>
-                <a:ea typeface="+mn-ea"/>
-                <a:cs typeface="+mn-cs"/>
-              </a:rPr>
-              <a:pPr algn="r" rtl="0">
-                <a:defRPr/>
-              </a:pPr>
-              <a:t>‹N›</a:t>
-            </a:fld>
-            <a:endParaRPr lang="it-IT" kern="1200" dirty="0">
-              <a:solidFill>
-                <a:srgbClr val="3B3B3B">
-                  <a:shade val="90000"/>
-                </a:srgbClr>
-              </a:solidFill>
-              <a:effectLst>
-                <a:reflection blurRad="6350" stA="55000" endA="300" endPos="45500" dir="5400000" sy="-100000" algn="bl" rotWithShape="0"/>
-              </a:effectLst>
-              <a:latin typeface="Calibri"/>
-              <a:ea typeface="+mn-ea"/>
-              <a:cs typeface="+mn-cs"/>
             </a:endParaRPr>
           </a:p>
         </p:txBody>
@@ -12472,1539 +10275,6 @@
               <a:t>‹N›</a:t>
             </a:fld>
             <a:endParaRPr lang="it-IT"/>
-          </a:p>
-        </p:txBody>
-      </p:sp>
-    </p:spTree>
-  </p:cSld>
-  <p:clrMapOvr>
-    <a:masterClrMapping/>
-  </p:clrMapOvr>
-</p:sldLayout>
-</file>
-
-<file path=ppt/slideLayouts/slideLayout30.xml><?xml version="1.0" encoding="utf-8"?>
-<p:sldLayout xmlns:a="http://schemas.openxmlformats.org/drawingml/2006/main" xmlns:r="http://schemas.openxmlformats.org/officeDocument/2006/relationships" xmlns:p="http://schemas.openxmlformats.org/presentationml/2006/main" type="objTx" preserve="1">
-  <p:cSld name="Contenuto con didascalia">
-    <p:spTree>
-      <p:nvGrpSpPr>
-        <p:cNvPr id="1" name=""/>
-        <p:cNvGrpSpPr/>
-        <p:nvPr/>
-      </p:nvGrpSpPr>
-      <p:grpSpPr>
-        <a:xfrm>
-          <a:off x="0" y="0"/>
-          <a:ext cx="0" cy="0"/>
-          <a:chOff x="0" y="0"/>
-          <a:chExt cx="0" cy="0"/>
-        </a:xfrm>
-      </p:grpSpPr>
-      <p:sp>
-        <p:nvSpPr>
-          <p:cNvPr id="2" name="Titolo 1"/>
-          <p:cNvSpPr>
-            <a:spLocks noGrp="1"/>
-          </p:cNvSpPr>
-          <p:nvPr>
-            <p:ph type="title"/>
-          </p:nvPr>
-        </p:nvSpPr>
-        <p:spPr>
-          <a:xfrm>
-            <a:off x="685800" y="514352"/>
-            <a:ext cx="2743200" cy="1162050"/>
-          </a:xfrm>
-        </p:spPr>
-        <p:txBody>
-          <a:bodyPr>
-            <a:noAutofit/>
-          </a:bodyPr>
-          <a:lstStyle>
-            <a:lvl1pPr algn="l" rtl="0">
-              <a:spcBef>
-                <a:spcPct val="0"/>
-              </a:spcBef>
-              <a:buNone/>
-              <a:defRPr sz="2600" b="0">
-                <a:ln>
-                  <a:noFill/>
-                </a:ln>
-                <a:solidFill>
-                  <a:schemeClr val="tx2"/>
-                </a:solidFill>
-                <a:effectLst/>
-                <a:latin typeface="+mj-lt"/>
-                <a:ea typeface="+mj-ea"/>
-                <a:cs typeface="+mj-cs"/>
-              </a:defRPr>
-            </a:lvl1pPr>
-          </a:lstStyle>
-          <a:p>
-            <a:r>
-              <a:rPr lang="it-IT" smtClean="0"/>
-              <a:t>Fare clic per modificare lo stile del titolo</a:t>
-            </a:r>
-            <a:endParaRPr lang="en-US"/>
-          </a:p>
-        </p:txBody>
-      </p:sp>
-      <p:sp>
-        <p:nvSpPr>
-          <p:cNvPr id="3" name="Segnaposto testo 2"/>
-          <p:cNvSpPr>
-            <a:spLocks noGrp="1"/>
-          </p:cNvSpPr>
-          <p:nvPr>
-            <p:ph type="body" idx="2"/>
-          </p:nvPr>
-        </p:nvSpPr>
-        <p:spPr>
-          <a:xfrm>
-            <a:off x="685800" y="1676400"/>
-            <a:ext cx="2743200" cy="4572000"/>
-          </a:xfrm>
-        </p:spPr>
-        <p:txBody>
-          <a:bodyPr lIns="18288" rIns="18288"/>
-          <a:lstStyle>
-            <a:lvl1pPr marL="0" indent="0" algn="l">
-              <a:buNone/>
-              <a:defRPr sz="1400"/>
-            </a:lvl1pPr>
-            <a:lvl2pPr indent="0" algn="l">
-              <a:buNone/>
-              <a:defRPr sz="1200"/>
-            </a:lvl2pPr>
-            <a:lvl3pPr indent="0" algn="l">
-              <a:buNone/>
-              <a:defRPr sz="1000"/>
-            </a:lvl3pPr>
-            <a:lvl4pPr indent="0" algn="l">
-              <a:buNone/>
-              <a:defRPr sz="900"/>
-            </a:lvl4pPr>
-            <a:lvl5pPr indent="0" algn="l">
-              <a:buNone/>
-              <a:defRPr sz="900"/>
-            </a:lvl5pPr>
-          </a:lstStyle>
-          <a:p>
-            <a:pPr lvl="0"/>
-            <a:r>
-              <a:rPr lang="it-IT" smtClean="0"/>
-              <a:t>Fare clic per modificare stili del testo dello schema</a:t>
-            </a:r>
-          </a:p>
-        </p:txBody>
-      </p:sp>
-      <p:sp>
-        <p:nvSpPr>
-          <p:cNvPr id="4" name="Segnaposto contenuto 3"/>
-          <p:cNvSpPr>
-            <a:spLocks noGrp="1"/>
-          </p:cNvSpPr>
-          <p:nvPr>
-            <p:ph sz="half" idx="1"/>
-          </p:nvPr>
-        </p:nvSpPr>
-        <p:spPr>
-          <a:xfrm>
-            <a:off x="3575050" y="1676400"/>
-            <a:ext cx="5111750" cy="4572000"/>
-          </a:xfrm>
-        </p:spPr>
-        <p:txBody>
-          <a:bodyPr tIns="0"/>
-          <a:lstStyle>
-            <a:lvl1pPr>
-              <a:defRPr sz="2800"/>
-            </a:lvl1pPr>
-            <a:lvl2pPr>
-              <a:defRPr sz="2600"/>
-            </a:lvl2pPr>
-            <a:lvl3pPr>
-              <a:defRPr sz="2400"/>
-            </a:lvl3pPr>
-            <a:lvl4pPr>
-              <a:defRPr sz="2000"/>
-            </a:lvl4pPr>
-            <a:lvl5pPr>
-              <a:defRPr sz="1800"/>
-            </a:lvl5pPr>
-          </a:lstStyle>
-          <a:p>
-            <a:pPr lvl="0"/>
-            <a:r>
-              <a:rPr lang="it-IT" smtClean="0"/>
-              <a:t>Fare clic per modificare stili del testo dello schema</a:t>
-            </a:r>
-          </a:p>
-          <a:p>
-            <a:pPr lvl="1"/>
-            <a:r>
-              <a:rPr lang="it-IT" smtClean="0"/>
-              <a:t>Secondo livello</a:t>
-            </a:r>
-          </a:p>
-          <a:p>
-            <a:pPr lvl="2"/>
-            <a:r>
-              <a:rPr lang="it-IT" smtClean="0"/>
-              <a:t>Terzo livello</a:t>
-            </a:r>
-          </a:p>
-          <a:p>
-            <a:pPr lvl="3"/>
-            <a:r>
-              <a:rPr lang="it-IT" smtClean="0"/>
-              <a:t>Quarto livello</a:t>
-            </a:r>
-          </a:p>
-          <a:p>
-            <a:pPr lvl="4"/>
-            <a:r>
-              <a:rPr lang="it-IT" smtClean="0"/>
-              <a:t>Quinto livello</a:t>
-            </a:r>
-            <a:endParaRPr lang="en-US"/>
-          </a:p>
-        </p:txBody>
-      </p:sp>
-      <p:sp>
-        <p:nvSpPr>
-          <p:cNvPr id="5" name="Segnaposto data 9"/>
-          <p:cNvSpPr>
-            <a:spLocks noGrp="1"/>
-          </p:cNvSpPr>
-          <p:nvPr>
-            <p:ph type="dt" sz="half" idx="10"/>
-          </p:nvPr>
-        </p:nvSpPr>
-        <p:spPr/>
-        <p:txBody>
-          <a:bodyPr/>
-          <a:lstStyle>
-            <a:lvl1pPr>
-              <a:defRPr/>
-            </a:lvl1pPr>
-          </a:lstStyle>
-          <a:p>
-            <a:pPr algn="l" rtl="0">
-              <a:defRPr/>
-            </a:pPr>
-            <a:fld id="{90219E2A-7BBE-470A-BCD4-877497B4062B}" type="datetime1">
-              <a:rPr lang="it-IT" sz="1200" kern="1200">
-                <a:solidFill>
-                  <a:srgbClr val="3B3B3B">
-                    <a:shade val="90000"/>
-                  </a:srgbClr>
-                </a:solidFill>
-                <a:latin typeface="Constantia"/>
-                <a:ea typeface="+mn-ea"/>
-                <a:cs typeface="+mn-cs"/>
-              </a:rPr>
-              <a:pPr algn="l" rtl="0">
-                <a:defRPr/>
-              </a:pPr>
-              <a:t>25/03/2009</a:t>
-            </a:fld>
-            <a:endParaRPr lang="it-IT" sz="1200" kern="1200">
-              <a:solidFill>
-                <a:srgbClr val="3B3B3B">
-                  <a:shade val="90000"/>
-                </a:srgbClr>
-              </a:solidFill>
-              <a:latin typeface="Constantia"/>
-              <a:ea typeface="+mn-ea"/>
-              <a:cs typeface="+mn-cs"/>
-            </a:endParaRPr>
-          </a:p>
-        </p:txBody>
-      </p:sp>
-      <p:sp>
-        <p:nvSpPr>
-          <p:cNvPr id="6" name="Segnaposto piè di pagina 21"/>
-          <p:cNvSpPr>
-            <a:spLocks noGrp="1"/>
-          </p:cNvSpPr>
-          <p:nvPr>
-            <p:ph type="ftr" sz="quarter" idx="11"/>
-          </p:nvPr>
-        </p:nvSpPr>
-        <p:spPr/>
-        <p:txBody>
-          <a:bodyPr/>
-          <a:lstStyle>
-            <a:lvl1pPr>
-              <a:defRPr/>
-            </a:lvl1pPr>
-          </a:lstStyle>
-          <a:p>
-            <a:pPr algn="l" rtl="0">
-              <a:defRPr/>
-            </a:pPr>
-            <a:endParaRPr lang="it-IT" sz="1200" kern="1200">
-              <a:solidFill>
-                <a:srgbClr val="3B3B3B">
-                  <a:shade val="90000"/>
-                </a:srgbClr>
-              </a:solidFill>
-              <a:latin typeface="Constantia"/>
-              <a:ea typeface="+mn-ea"/>
-              <a:cs typeface="+mn-cs"/>
-            </a:endParaRPr>
-          </a:p>
-        </p:txBody>
-      </p:sp>
-      <p:sp>
-        <p:nvSpPr>
-          <p:cNvPr id="7" name="Segnaposto numero diapositiva 17"/>
-          <p:cNvSpPr>
-            <a:spLocks noGrp="1"/>
-          </p:cNvSpPr>
-          <p:nvPr>
-            <p:ph type="sldNum" sz="quarter" idx="12"/>
-          </p:nvPr>
-        </p:nvSpPr>
-        <p:spPr/>
-        <p:txBody>
-          <a:bodyPr/>
-          <a:lstStyle>
-            <a:lvl1pPr>
-              <a:defRPr/>
-            </a:lvl1pPr>
-          </a:lstStyle>
-          <a:p>
-            <a:pPr algn="r" rtl="0">
-              <a:defRPr/>
-            </a:pPr>
-            <a:fld id="{689B45B8-9042-4EC8-A853-0665F8D7A9FF}" type="slidenum">
-              <a:rPr lang="it-IT" kern="1200">
-                <a:solidFill>
-                  <a:srgbClr val="3B3B3B">
-                    <a:shade val="90000"/>
-                  </a:srgbClr>
-                </a:solidFill>
-                <a:effectLst>
-                  <a:reflection blurRad="6350" stA="55000" endA="300" endPos="45500" dir="5400000" sy="-100000" algn="bl" rotWithShape="0"/>
-                </a:effectLst>
-                <a:latin typeface="Calibri"/>
-                <a:ea typeface="+mn-ea"/>
-                <a:cs typeface="+mn-cs"/>
-              </a:rPr>
-              <a:pPr algn="r" rtl="0">
-                <a:defRPr/>
-              </a:pPr>
-              <a:t>‹N›</a:t>
-            </a:fld>
-            <a:endParaRPr lang="it-IT" kern="1200" dirty="0">
-              <a:solidFill>
-                <a:srgbClr val="3B3B3B">
-                  <a:shade val="90000"/>
-                </a:srgbClr>
-              </a:solidFill>
-              <a:effectLst>
-                <a:reflection blurRad="6350" stA="55000" endA="300" endPos="45500" dir="5400000" sy="-100000" algn="bl" rotWithShape="0"/>
-              </a:effectLst>
-              <a:latin typeface="Calibri"/>
-              <a:ea typeface="+mn-ea"/>
-              <a:cs typeface="+mn-cs"/>
-            </a:endParaRPr>
-          </a:p>
-        </p:txBody>
-      </p:sp>
-    </p:spTree>
-  </p:cSld>
-  <p:clrMapOvr>
-    <a:masterClrMapping/>
-  </p:clrMapOvr>
-</p:sldLayout>
-</file>
-
-<file path=ppt/slideLayouts/slideLayout31.xml><?xml version="1.0" encoding="utf-8"?>
-<p:sldLayout xmlns:a="http://schemas.openxmlformats.org/drawingml/2006/main" xmlns:r="http://schemas.openxmlformats.org/officeDocument/2006/relationships" xmlns:p="http://schemas.openxmlformats.org/presentationml/2006/main" type="picTx" preserve="1">
-  <p:cSld name="Immagine con didascalia">
-    <p:spTree>
-      <p:nvGrpSpPr>
-        <p:cNvPr id="1" name=""/>
-        <p:cNvGrpSpPr/>
-        <p:nvPr/>
-      </p:nvGrpSpPr>
-      <p:grpSpPr>
-        <a:xfrm>
-          <a:off x="0" y="0"/>
-          <a:ext cx="0" cy="0"/>
-          <a:chOff x="0" y="0"/>
-          <a:chExt cx="0" cy="0"/>
-        </a:xfrm>
-      </p:grpSpPr>
-      <p:sp>
-        <p:nvSpPr>
-          <p:cNvPr id="5" name="Ritaglia e arrotonda singolo angolo rettangolo 4"/>
-          <p:cNvSpPr/>
-          <p:nvPr/>
-        </p:nvSpPr>
-        <p:spPr>
-          <a:xfrm rot="420000" flipV="1">
-            <a:off x="3165475" y="1108075"/>
-            <a:ext cx="5257800" cy="4114800"/>
-          </a:xfrm>
-          <a:prstGeom prst="snipRoundRect">
-            <a:avLst>
-              <a:gd name="adj1" fmla="val 0"/>
-              <a:gd name="adj2" fmla="val 3646"/>
-            </a:avLst>
-          </a:prstGeom>
-          <a:solidFill>
-            <a:srgbClr val="FFFFFF"/>
-          </a:solidFill>
-          <a:ln w="3175" cap="rnd" cmpd="sng" algn="ctr">
-            <a:solidFill>
-              <a:srgbClr val="C0C0C0"/>
-            </a:solidFill>
-            <a:prstDash val="solid"/>
-          </a:ln>
-          <a:effectLst>
-            <a:outerShdw blurRad="63500" dist="38500" dir="7500000" sx="98500" sy="100080" kx="100000" algn="tl" rotWithShape="0">
-              <a:srgbClr val="000000">
-                <a:alpha val="25000"/>
-              </a:srgbClr>
-            </a:outerShdw>
-          </a:effectLst>
-        </p:spPr>
-        <p:style>
-          <a:lnRef idx="2">
-            <a:schemeClr val="accent1"/>
-          </a:lnRef>
-          <a:fillRef idx="1">
-            <a:schemeClr val="accent1"/>
-          </a:fillRef>
-          <a:effectRef idx="0">
-            <a:schemeClr val="accent1"/>
-          </a:effectRef>
-          <a:fontRef idx="minor">
-            <a:schemeClr val="lt1"/>
-          </a:fontRef>
-        </p:style>
-        <p:txBody>
-          <a:bodyPr anchor="ctr"/>
-          <a:lstStyle/>
-          <a:p>
-            <a:pPr algn="ctr" rtl="0">
-              <a:defRPr/>
-            </a:pPr>
-            <a:endParaRPr lang="en-US" kern="1200">
-              <a:solidFill>
-                <a:prstClr val="white"/>
-              </a:solidFill>
-              <a:latin typeface="Constantia"/>
-              <a:ea typeface="+mn-ea"/>
-              <a:cs typeface="+mn-cs"/>
-            </a:endParaRPr>
-          </a:p>
-        </p:txBody>
-      </p:sp>
-      <p:sp>
-        <p:nvSpPr>
-          <p:cNvPr id="6" name="Triangolo rettangolo 5"/>
-          <p:cNvSpPr/>
-          <p:nvPr/>
-        </p:nvSpPr>
-        <p:spPr>
-          <a:xfrm rot="420000" flipV="1">
-            <a:off x="8004175" y="5359400"/>
-            <a:ext cx="155575" cy="155575"/>
-          </a:xfrm>
-          <a:prstGeom prst="rtTriangle">
-            <a:avLst/>
-          </a:prstGeom>
-          <a:solidFill>
-            <a:srgbClr val="FFFFFF"/>
-          </a:solidFill>
-          <a:ln w="12700" cap="flat" cmpd="sng" algn="ctr">
-            <a:solidFill>
-              <a:srgbClr val="FFFFFF"/>
-            </a:solidFill>
-            <a:prstDash val="solid"/>
-            <a:bevel/>
-          </a:ln>
-          <a:effectLst>
-            <a:outerShdw blurRad="19685" dist="6350" dir="12900000" algn="tl" rotWithShape="0">
-              <a:srgbClr val="000000">
-                <a:alpha val="47000"/>
-              </a:srgbClr>
-            </a:outerShdw>
-          </a:effectLst>
-        </p:spPr>
-        <p:style>
-          <a:lnRef idx="2">
-            <a:schemeClr val="accent1"/>
-          </a:lnRef>
-          <a:fillRef idx="1">
-            <a:schemeClr val="accent1"/>
-          </a:fillRef>
-          <a:effectRef idx="0">
-            <a:schemeClr val="accent1"/>
-          </a:effectRef>
-          <a:fontRef idx="minor">
-            <a:schemeClr val="lt1"/>
-          </a:fontRef>
-        </p:style>
-        <p:txBody>
-          <a:bodyPr anchor="ctr"/>
-          <a:lstStyle/>
-          <a:p>
-            <a:pPr algn="ctr" rtl="0">
-              <a:defRPr/>
-            </a:pPr>
-            <a:endParaRPr lang="en-US" kern="1200">
-              <a:solidFill>
-                <a:prstClr val="white"/>
-              </a:solidFill>
-              <a:latin typeface="Constantia"/>
-              <a:ea typeface="+mn-ea"/>
-              <a:cs typeface="+mn-cs"/>
-            </a:endParaRPr>
-          </a:p>
-        </p:txBody>
-      </p:sp>
-      <p:sp>
-        <p:nvSpPr>
-          <p:cNvPr id="7" name="Figura a mano libera 6"/>
-          <p:cNvSpPr>
-            <a:spLocks/>
-          </p:cNvSpPr>
-          <p:nvPr/>
-        </p:nvSpPr>
-        <p:spPr bwMode="auto">
-          <a:xfrm flipV="1">
-            <a:off x="-9525" y="5816600"/>
-            <a:ext cx="9163050" cy="1041400"/>
-          </a:xfrm>
-          <a:custGeom>
-            <a:avLst>
-              <a:gd name="A1" fmla="val 0"/>
-              <a:gd name="A2" fmla="val 0"/>
-              <a:gd name="A3" fmla="val 0"/>
-              <a:gd name="A4" fmla="val 0"/>
-              <a:gd name="A5" fmla="val 0"/>
-              <a:gd name="A6" fmla="val 0"/>
-              <a:gd name="A7" fmla="val 0"/>
-              <a:gd name="A8" fmla="val 0"/>
-            </a:avLst>
-            <a:gdLst/>
-            <a:ahLst/>
-            <a:cxnLst>
-              <a:cxn ang="0">
-                <a:pos x="6" y="2"/>
-              </a:cxn>
-              <a:cxn ang="0">
-                <a:pos x="2542" y="0"/>
-              </a:cxn>
-              <a:cxn ang="0">
-                <a:pos x="4374" y="367"/>
-              </a:cxn>
-              <a:cxn ang="0">
-                <a:pos x="5766" y="55"/>
-              </a:cxn>
-              <a:cxn ang="0">
-                <a:pos x="5772" y="213"/>
-              </a:cxn>
-              <a:cxn ang="0">
-                <a:pos x="4302" y="439"/>
-              </a:cxn>
-              <a:cxn ang="0">
-                <a:pos x="1488" y="201"/>
-              </a:cxn>
-              <a:cxn ang="0">
-                <a:pos x="0" y="656"/>
-              </a:cxn>
-              <a:cxn ang="0">
-                <a:pos x="6" y="2"/>
-              </a:cxn>
-            </a:cxnLst>
-            <a:rect l="0" t="0" r="0" b="0"/>
-            <a:pathLst>
-              <a:path w="5772" h="656">
-                <a:moveTo>
-                  <a:pt x="6" y="2"/>
-                </a:moveTo>
-                <a:lnTo>
-                  <a:pt x="2542" y="0"/>
-                </a:lnTo>
-                <a:cubicBezTo>
-                  <a:pt x="2746" y="101"/>
-                  <a:pt x="3828" y="367"/>
-                  <a:pt x="4374" y="367"/>
-                </a:cubicBezTo>
-                <a:cubicBezTo>
-                  <a:pt x="4920" y="367"/>
-                  <a:pt x="5526" y="152"/>
-                  <a:pt x="5766" y="55"/>
-                </a:cubicBezTo>
-                <a:lnTo>
-                  <a:pt x="5772" y="213"/>
-                </a:lnTo>
-                <a:cubicBezTo>
-                  <a:pt x="5670" y="257"/>
-                  <a:pt x="5016" y="441"/>
-                  <a:pt x="4302" y="439"/>
-                </a:cubicBezTo>
-                <a:cubicBezTo>
-                  <a:pt x="3588" y="437"/>
-                  <a:pt x="2205" y="165"/>
-                  <a:pt x="1488" y="201"/>
-                </a:cubicBezTo>
-                <a:cubicBezTo>
-                  <a:pt x="750" y="209"/>
-                  <a:pt x="270" y="482"/>
-                  <a:pt x="0" y="656"/>
-                </a:cubicBezTo>
-                <a:lnTo>
-                  <a:pt x="6" y="2"/>
-                </a:lnTo>
-                <a:close/>
-              </a:path>
-            </a:pathLst>
-          </a:custGeom>
-          <a:gradFill>
-            <a:gsLst>
-              <a:gs pos="0">
-                <a:schemeClr val="accent2">
-                  <a:shade val="50000"/>
-                  <a:alpha val="45000"/>
-                  <a:satMod val="120000"/>
-                </a:schemeClr>
-              </a:gs>
-              <a:gs pos="100000">
-                <a:schemeClr val="accent3">
-                  <a:shade val="80000"/>
-                  <a:alpha val="55000"/>
-                  <a:satMod val="155000"/>
-                </a:schemeClr>
-              </a:gs>
-            </a:gsLst>
-            <a:lin ang="5400000" scaled="1"/>
-          </a:gradFill>
-          <a:ln w="9525" cap="flat" cmpd="sng" algn="ctr">
-            <a:noFill/>
-            <a:prstDash val="solid"/>
-            <a:round/>
-            <a:headEnd type="none" w="med" len="med"/>
-            <a:tailEnd type="none" w="med" len="med"/>
-          </a:ln>
-          <a:effectLst/>
-        </p:spPr>
-        <p:txBody>
-          <a:bodyPr/>
-          <a:lstStyle/>
-          <a:p>
-            <a:pPr algn="l" rtl="0">
-              <a:defRPr/>
-            </a:pPr>
-            <a:endParaRPr lang="en-US" kern="1200">
-              <a:solidFill>
-                <a:prstClr val="black"/>
-              </a:solidFill>
-              <a:latin typeface="Constantia"/>
-              <a:ea typeface="+mn-ea"/>
-              <a:cs typeface="+mn-cs"/>
-            </a:endParaRPr>
-          </a:p>
-        </p:txBody>
-      </p:sp>
-      <p:sp>
-        <p:nvSpPr>
-          <p:cNvPr id="8" name="Figura a mano libera 7"/>
-          <p:cNvSpPr>
-            <a:spLocks/>
-          </p:cNvSpPr>
-          <p:nvPr/>
-        </p:nvSpPr>
-        <p:spPr bwMode="auto">
-          <a:xfrm flipV="1">
-            <a:off x="4381500" y="6219825"/>
-            <a:ext cx="4762500" cy="638175"/>
-          </a:xfrm>
-          <a:custGeom>
-            <a:avLst>
-              <a:gd name="A1" fmla="val 0"/>
-              <a:gd name="A2" fmla="val 0"/>
-              <a:gd name="A3" fmla="val 0"/>
-              <a:gd name="A4" fmla="val 0"/>
-              <a:gd name="A5" fmla="val 0"/>
-              <a:gd name="A6" fmla="val 0"/>
-              <a:gd name="A7" fmla="val 0"/>
-              <a:gd name="A8" fmla="val 0"/>
-            </a:avLst>
-            <a:gdLst/>
-            <a:ahLst/>
-            <a:cxnLst>
-              <a:cxn ang="0">
-                <a:pos x="0" y="0"/>
-              </a:cxn>
-              <a:cxn ang="0">
-                <a:pos x="1668" y="564"/>
-              </a:cxn>
-              <a:cxn ang="0">
-                <a:pos x="3000" y="186"/>
-              </a:cxn>
-              <a:cxn ang="0">
-                <a:pos x="3000" y="6"/>
-              </a:cxn>
-              <a:cxn ang="0">
-                <a:pos x="0" y="0"/>
-              </a:cxn>
-            </a:cxnLst>
-            <a:rect l="0" t="0" r="0" b="0"/>
-            <a:pathLst>
-              <a:path w="3000" h="595">
-                <a:moveTo>
-                  <a:pt x="0" y="0"/>
-                </a:moveTo>
-                <a:cubicBezTo>
-                  <a:pt x="174" y="102"/>
-                  <a:pt x="1168" y="533"/>
-                  <a:pt x="1668" y="564"/>
-                </a:cubicBezTo>
-                <a:cubicBezTo>
-                  <a:pt x="2168" y="595"/>
-                  <a:pt x="2778" y="279"/>
-                  <a:pt x="3000" y="186"/>
-                </a:cubicBezTo>
-                <a:lnTo>
-                  <a:pt x="3000" y="6"/>
-                </a:lnTo>
-                <a:lnTo>
-                  <a:pt x="0" y="0"/>
-                </a:lnTo>
-                <a:close/>
-              </a:path>
-            </a:pathLst>
-          </a:custGeom>
-          <a:gradFill>
-            <a:gsLst>
-              <a:gs pos="0">
-                <a:schemeClr val="accent3">
-                  <a:shade val="50000"/>
-                  <a:alpha val="30000"/>
-                  <a:satMod val="130000"/>
-                </a:schemeClr>
-              </a:gs>
-              <a:gs pos="80000">
-                <a:schemeClr val="accent2">
-                  <a:shade val="75000"/>
-                  <a:alpha val="45000"/>
-                  <a:satMod val="140000"/>
-                </a:schemeClr>
-              </a:gs>
-            </a:gsLst>
-            <a:lin ang="5400000" scaled="1"/>
-          </a:gradFill>
-          <a:ln w="9525" cap="flat" cmpd="sng" algn="ctr">
-            <a:noFill/>
-            <a:prstDash val="solid"/>
-            <a:round/>
-            <a:headEnd type="none" w="med" len="med"/>
-            <a:tailEnd type="none" w="med" len="med"/>
-          </a:ln>
-          <a:effectLst/>
-        </p:spPr>
-        <p:txBody>
-          <a:bodyPr/>
-          <a:lstStyle/>
-          <a:p>
-            <a:pPr algn="l" rtl="0">
-              <a:defRPr/>
-            </a:pPr>
-            <a:endParaRPr lang="en-US" kern="1200">
-              <a:solidFill>
-                <a:prstClr val="black"/>
-              </a:solidFill>
-              <a:latin typeface="Constantia"/>
-              <a:ea typeface="+mn-ea"/>
-              <a:cs typeface="+mn-cs"/>
-            </a:endParaRPr>
-          </a:p>
-        </p:txBody>
-      </p:sp>
-      <p:sp>
-        <p:nvSpPr>
-          <p:cNvPr id="2" name="Titolo 1"/>
-          <p:cNvSpPr>
-            <a:spLocks noGrp="1"/>
-          </p:cNvSpPr>
-          <p:nvPr>
-            <p:ph type="title"/>
-          </p:nvPr>
-        </p:nvSpPr>
-        <p:spPr>
-          <a:xfrm>
-            <a:off x="609600" y="1176996"/>
-            <a:ext cx="2212848" cy="1582621"/>
-          </a:xfrm>
-        </p:spPr>
-        <p:txBody>
-          <a:bodyPr lIns="45720" rIns="45720" bIns="45720"/>
-          <a:lstStyle>
-            <a:lvl1pPr algn="l">
-              <a:buNone/>
-              <a:defRPr sz="2000" b="1">
-                <a:solidFill>
-                  <a:schemeClr val="tx2"/>
-                </a:solidFill>
-              </a:defRPr>
-            </a:lvl1pPr>
-          </a:lstStyle>
-          <a:p>
-            <a:r>
-              <a:rPr lang="it-IT" smtClean="0"/>
-              <a:t>Fare clic per modificare lo stile del titolo</a:t>
-            </a:r>
-            <a:endParaRPr lang="en-US"/>
-          </a:p>
-        </p:txBody>
-      </p:sp>
-      <p:sp>
-        <p:nvSpPr>
-          <p:cNvPr id="4" name="Segnaposto testo 3"/>
-          <p:cNvSpPr>
-            <a:spLocks noGrp="1"/>
-          </p:cNvSpPr>
-          <p:nvPr>
-            <p:ph type="body" sz="half" idx="2"/>
-          </p:nvPr>
-        </p:nvSpPr>
-        <p:spPr>
-          <a:xfrm>
-            <a:off x="609600" y="2828785"/>
-            <a:ext cx="2209800" cy="2179320"/>
-          </a:xfrm>
-        </p:spPr>
-        <p:txBody>
-          <a:bodyPr lIns="64008" rIns="45720"/>
-          <a:lstStyle>
-            <a:lvl1pPr marL="0" indent="0" algn="l">
-              <a:spcBef>
-                <a:spcPts val="250"/>
-              </a:spcBef>
-              <a:buFontTx/>
-              <a:buNone/>
-              <a:defRPr sz="1300"/>
-            </a:lvl1pPr>
-            <a:lvl2pPr>
-              <a:defRPr sz="1200"/>
-            </a:lvl2pPr>
-            <a:lvl3pPr>
-              <a:defRPr sz="1000"/>
-            </a:lvl3pPr>
-            <a:lvl4pPr>
-              <a:defRPr sz="900"/>
-            </a:lvl4pPr>
-            <a:lvl5pPr>
-              <a:defRPr sz="900"/>
-            </a:lvl5pPr>
-          </a:lstStyle>
-          <a:p>
-            <a:pPr lvl="0"/>
-            <a:r>
-              <a:rPr lang="it-IT" smtClean="0"/>
-              <a:t>Fare clic per modificare stili del testo dello schema</a:t>
-            </a:r>
-          </a:p>
-        </p:txBody>
-      </p:sp>
-      <p:sp>
-        <p:nvSpPr>
-          <p:cNvPr id="3" name="Segnaposto immagine 2"/>
-          <p:cNvSpPr>
-            <a:spLocks noGrp="1"/>
-          </p:cNvSpPr>
-          <p:nvPr>
-            <p:ph type="pic" idx="1"/>
-          </p:nvPr>
-        </p:nvSpPr>
-        <p:spPr>
-          <a:xfrm rot="420000">
-            <a:off x="3485793" y="1199517"/>
-            <a:ext cx="4617720" cy="3931920"/>
-          </a:xfrm>
-          <a:prstGeom prst="rect">
-            <a:avLst/>
-          </a:prstGeom>
-          <a:solidFill>
-            <a:schemeClr val="bg2"/>
-          </a:solidFill>
-          <a:ln w="3000" cap="rnd">
-            <a:solidFill>
-              <a:srgbClr val="C0C0C0"/>
-            </a:solidFill>
-            <a:round/>
-          </a:ln>
-          <a:effectLst/>
-        </p:spPr>
-        <p:txBody>
-          <a:bodyPr>
-            <a:normAutofit/>
-          </a:bodyPr>
-          <a:lstStyle>
-            <a:lvl1pPr marL="0" indent="0">
-              <a:buNone/>
-              <a:defRPr sz="3200"/>
-            </a:lvl1pPr>
-          </a:lstStyle>
-          <a:p>
-            <a:pPr lvl="0"/>
-            <a:r>
-              <a:rPr lang="it-IT" noProof="0" smtClean="0"/>
-              <a:t>Fare clic sull'icona per inserire un'immagine</a:t>
-            </a:r>
-            <a:endParaRPr lang="en-US" noProof="0" dirty="0"/>
-          </a:p>
-        </p:txBody>
-      </p:sp>
-      <p:sp>
-        <p:nvSpPr>
-          <p:cNvPr id="9" name="Segnaposto data 4"/>
-          <p:cNvSpPr>
-            <a:spLocks noGrp="1"/>
-          </p:cNvSpPr>
-          <p:nvPr>
-            <p:ph type="dt" sz="half" idx="10"/>
-          </p:nvPr>
-        </p:nvSpPr>
-        <p:spPr/>
-        <p:txBody>
-          <a:bodyPr/>
-          <a:lstStyle>
-            <a:lvl1pPr>
-              <a:defRPr/>
-            </a:lvl1pPr>
-          </a:lstStyle>
-          <a:p>
-            <a:pPr algn="l" rtl="0">
-              <a:defRPr/>
-            </a:pPr>
-            <a:fld id="{B9D34D29-5A1C-4DF1-83BC-BF8FFD7B93FD}" type="datetime1">
-              <a:rPr lang="it-IT" sz="1200" kern="1200">
-                <a:solidFill>
-                  <a:srgbClr val="3B3B3B">
-                    <a:shade val="90000"/>
-                  </a:srgbClr>
-                </a:solidFill>
-                <a:latin typeface="Constantia"/>
-                <a:ea typeface="+mn-ea"/>
-                <a:cs typeface="+mn-cs"/>
-              </a:rPr>
-              <a:pPr algn="l" rtl="0">
-                <a:defRPr/>
-              </a:pPr>
-              <a:t>25/03/2009</a:t>
-            </a:fld>
-            <a:endParaRPr lang="it-IT" sz="1200" kern="1200">
-              <a:solidFill>
-                <a:srgbClr val="3B3B3B">
-                  <a:shade val="90000"/>
-                </a:srgbClr>
-              </a:solidFill>
-              <a:latin typeface="Constantia"/>
-              <a:ea typeface="+mn-ea"/>
-              <a:cs typeface="+mn-cs"/>
-            </a:endParaRPr>
-          </a:p>
-        </p:txBody>
-      </p:sp>
-      <p:sp>
-        <p:nvSpPr>
-          <p:cNvPr id="10" name="Segnaposto piè di pagina 5"/>
-          <p:cNvSpPr>
-            <a:spLocks noGrp="1"/>
-          </p:cNvSpPr>
-          <p:nvPr>
-            <p:ph type="ftr" sz="quarter" idx="11"/>
-          </p:nvPr>
-        </p:nvSpPr>
-        <p:spPr/>
-        <p:txBody>
-          <a:bodyPr/>
-          <a:lstStyle>
-            <a:lvl1pPr>
-              <a:defRPr/>
-            </a:lvl1pPr>
-          </a:lstStyle>
-          <a:p>
-            <a:pPr algn="l" rtl="0">
-              <a:defRPr/>
-            </a:pPr>
-            <a:endParaRPr lang="it-IT" sz="1200" kern="1200">
-              <a:solidFill>
-                <a:srgbClr val="3B3B3B">
-                  <a:shade val="90000"/>
-                </a:srgbClr>
-              </a:solidFill>
-              <a:latin typeface="Constantia"/>
-              <a:ea typeface="+mn-ea"/>
-              <a:cs typeface="+mn-cs"/>
-            </a:endParaRPr>
-          </a:p>
-        </p:txBody>
-      </p:sp>
-      <p:sp>
-        <p:nvSpPr>
-          <p:cNvPr id="11" name="Segnaposto numero diapositiva 6"/>
-          <p:cNvSpPr>
-            <a:spLocks noGrp="1"/>
-          </p:cNvSpPr>
-          <p:nvPr>
-            <p:ph type="sldNum" sz="quarter" idx="12"/>
-          </p:nvPr>
-        </p:nvSpPr>
-        <p:spPr>
-          <a:xfrm>
-            <a:off x="8077200" y="6356350"/>
-            <a:ext cx="609600" cy="365125"/>
-          </a:xfrm>
-        </p:spPr>
-        <p:txBody>
-          <a:bodyPr/>
-          <a:lstStyle>
-            <a:lvl1pPr>
-              <a:defRPr/>
-            </a:lvl1pPr>
-          </a:lstStyle>
-          <a:p>
-            <a:pPr algn="r" rtl="0">
-              <a:defRPr/>
-            </a:pPr>
-            <a:fld id="{D95AB659-A99E-4B6A-AC3D-99F29F473DC3}" type="slidenum">
-              <a:rPr lang="it-IT" kern="1200">
-                <a:solidFill>
-                  <a:srgbClr val="3B3B3B">
-                    <a:shade val="90000"/>
-                  </a:srgbClr>
-                </a:solidFill>
-                <a:effectLst>
-                  <a:reflection blurRad="6350" stA="55000" endA="300" endPos="45500" dir="5400000" sy="-100000" algn="bl" rotWithShape="0"/>
-                </a:effectLst>
-                <a:latin typeface="Calibri"/>
-                <a:ea typeface="+mn-ea"/>
-                <a:cs typeface="+mn-cs"/>
-              </a:rPr>
-              <a:pPr algn="r" rtl="0">
-                <a:defRPr/>
-              </a:pPr>
-              <a:t>‹N›</a:t>
-            </a:fld>
-            <a:endParaRPr lang="it-IT" kern="1200">
-              <a:solidFill>
-                <a:srgbClr val="3B3B3B">
-                  <a:shade val="90000"/>
-                </a:srgbClr>
-              </a:solidFill>
-              <a:effectLst>
-                <a:reflection blurRad="6350" stA="55000" endA="300" endPos="45500" dir="5400000" sy="-100000" algn="bl" rotWithShape="0"/>
-              </a:effectLst>
-              <a:latin typeface="Calibri"/>
-              <a:ea typeface="+mn-ea"/>
-              <a:cs typeface="+mn-cs"/>
-            </a:endParaRPr>
-          </a:p>
-        </p:txBody>
-      </p:sp>
-    </p:spTree>
-  </p:cSld>
-  <p:clrMapOvr>
-    <a:masterClrMapping/>
-  </p:clrMapOvr>
-</p:sldLayout>
-</file>
-
-<file path=ppt/slideLayouts/slideLayout32.xml><?xml version="1.0" encoding="utf-8"?>
-<p:sldLayout xmlns:a="http://schemas.openxmlformats.org/drawingml/2006/main" xmlns:r="http://schemas.openxmlformats.org/officeDocument/2006/relationships" xmlns:p="http://schemas.openxmlformats.org/presentationml/2006/main" type="vertTx" preserve="1">
-  <p:cSld name="Titolo e testo verticale">
-    <p:spTree>
-      <p:nvGrpSpPr>
-        <p:cNvPr id="1" name=""/>
-        <p:cNvGrpSpPr/>
-        <p:nvPr/>
-      </p:nvGrpSpPr>
-      <p:grpSpPr>
-        <a:xfrm>
-          <a:off x="0" y="0"/>
-          <a:ext cx="0" cy="0"/>
-          <a:chOff x="0" y="0"/>
-          <a:chExt cx="0" cy="0"/>
-        </a:xfrm>
-      </p:grpSpPr>
-      <p:sp>
-        <p:nvSpPr>
-          <p:cNvPr id="2" name="Titolo 1"/>
-          <p:cNvSpPr>
-            <a:spLocks noGrp="1"/>
-          </p:cNvSpPr>
-          <p:nvPr>
-            <p:ph type="title"/>
-          </p:nvPr>
-        </p:nvSpPr>
-        <p:spPr/>
-        <p:txBody>
-          <a:bodyPr/>
-          <a:lstStyle/>
-          <a:p>
-            <a:r>
-              <a:rPr lang="it-IT" smtClean="0"/>
-              <a:t>Fare clic per modificare lo stile del titolo</a:t>
-            </a:r>
-            <a:endParaRPr lang="en-US"/>
-          </a:p>
-        </p:txBody>
-      </p:sp>
-      <p:sp>
-        <p:nvSpPr>
-          <p:cNvPr id="3" name="Segnaposto testo verticale 2"/>
-          <p:cNvSpPr>
-            <a:spLocks noGrp="1"/>
-          </p:cNvSpPr>
-          <p:nvPr>
-            <p:ph type="body" orient="vert" idx="1"/>
-          </p:nvPr>
-        </p:nvSpPr>
-        <p:spPr/>
-        <p:txBody>
-          <a:bodyPr vert="eaVert"/>
-          <a:lstStyle/>
-          <a:p>
-            <a:pPr lvl="0"/>
-            <a:r>
-              <a:rPr lang="it-IT" smtClean="0"/>
-              <a:t>Fare clic per modificare stili del testo dello schema</a:t>
-            </a:r>
-          </a:p>
-          <a:p>
-            <a:pPr lvl="1"/>
-            <a:r>
-              <a:rPr lang="it-IT" smtClean="0"/>
-              <a:t>Secondo livello</a:t>
-            </a:r>
-          </a:p>
-          <a:p>
-            <a:pPr lvl="2"/>
-            <a:r>
-              <a:rPr lang="it-IT" smtClean="0"/>
-              <a:t>Terzo livello</a:t>
-            </a:r>
-          </a:p>
-          <a:p>
-            <a:pPr lvl="3"/>
-            <a:r>
-              <a:rPr lang="it-IT" smtClean="0"/>
-              <a:t>Quarto livello</a:t>
-            </a:r>
-          </a:p>
-          <a:p>
-            <a:pPr lvl="4"/>
-            <a:r>
-              <a:rPr lang="it-IT" smtClean="0"/>
-              <a:t>Quinto livello</a:t>
-            </a:r>
-            <a:endParaRPr lang="en-US"/>
-          </a:p>
-        </p:txBody>
-      </p:sp>
-      <p:sp>
-        <p:nvSpPr>
-          <p:cNvPr id="4" name="Segnaposto data 9"/>
-          <p:cNvSpPr>
-            <a:spLocks noGrp="1"/>
-          </p:cNvSpPr>
-          <p:nvPr>
-            <p:ph type="dt" sz="half" idx="10"/>
-          </p:nvPr>
-        </p:nvSpPr>
-        <p:spPr/>
-        <p:txBody>
-          <a:bodyPr/>
-          <a:lstStyle>
-            <a:lvl1pPr>
-              <a:defRPr/>
-            </a:lvl1pPr>
-          </a:lstStyle>
-          <a:p>
-            <a:pPr algn="l" rtl="0">
-              <a:defRPr/>
-            </a:pPr>
-            <a:fld id="{FE416B55-25DB-46D1-A261-B958BE2A022C}" type="datetime1">
-              <a:rPr lang="it-IT" sz="1200" kern="1200">
-                <a:solidFill>
-                  <a:srgbClr val="3B3B3B">
-                    <a:shade val="90000"/>
-                  </a:srgbClr>
-                </a:solidFill>
-                <a:latin typeface="Constantia"/>
-                <a:ea typeface="+mn-ea"/>
-                <a:cs typeface="+mn-cs"/>
-              </a:rPr>
-              <a:pPr algn="l" rtl="0">
-                <a:defRPr/>
-              </a:pPr>
-              <a:t>25/03/2009</a:t>
-            </a:fld>
-            <a:endParaRPr lang="it-IT" sz="1200" kern="1200">
-              <a:solidFill>
-                <a:srgbClr val="3B3B3B">
-                  <a:shade val="90000"/>
-                </a:srgbClr>
-              </a:solidFill>
-              <a:latin typeface="Constantia"/>
-              <a:ea typeface="+mn-ea"/>
-              <a:cs typeface="+mn-cs"/>
-            </a:endParaRPr>
-          </a:p>
-        </p:txBody>
-      </p:sp>
-      <p:sp>
-        <p:nvSpPr>
-          <p:cNvPr id="5" name="Segnaposto piè di pagina 21"/>
-          <p:cNvSpPr>
-            <a:spLocks noGrp="1"/>
-          </p:cNvSpPr>
-          <p:nvPr>
-            <p:ph type="ftr" sz="quarter" idx="11"/>
-          </p:nvPr>
-        </p:nvSpPr>
-        <p:spPr/>
-        <p:txBody>
-          <a:bodyPr/>
-          <a:lstStyle>
-            <a:lvl1pPr>
-              <a:defRPr/>
-            </a:lvl1pPr>
-          </a:lstStyle>
-          <a:p>
-            <a:pPr algn="l" rtl="0">
-              <a:defRPr/>
-            </a:pPr>
-            <a:endParaRPr lang="it-IT" sz="1200" kern="1200">
-              <a:solidFill>
-                <a:srgbClr val="3B3B3B">
-                  <a:shade val="90000"/>
-                </a:srgbClr>
-              </a:solidFill>
-              <a:latin typeface="Constantia"/>
-              <a:ea typeface="+mn-ea"/>
-              <a:cs typeface="+mn-cs"/>
-            </a:endParaRPr>
-          </a:p>
-        </p:txBody>
-      </p:sp>
-      <p:sp>
-        <p:nvSpPr>
-          <p:cNvPr id="6" name="Segnaposto numero diapositiva 17"/>
-          <p:cNvSpPr>
-            <a:spLocks noGrp="1"/>
-          </p:cNvSpPr>
-          <p:nvPr>
-            <p:ph type="sldNum" sz="quarter" idx="12"/>
-          </p:nvPr>
-        </p:nvSpPr>
-        <p:spPr/>
-        <p:txBody>
-          <a:bodyPr/>
-          <a:lstStyle>
-            <a:lvl1pPr>
-              <a:defRPr/>
-            </a:lvl1pPr>
-          </a:lstStyle>
-          <a:p>
-            <a:pPr algn="r" rtl="0">
-              <a:defRPr/>
-            </a:pPr>
-            <a:fld id="{17FBB63B-A1ED-47DF-9A3D-F64B6CF355B2}" type="slidenum">
-              <a:rPr lang="it-IT" kern="1200">
-                <a:solidFill>
-                  <a:srgbClr val="3B3B3B">
-                    <a:shade val="90000"/>
-                  </a:srgbClr>
-                </a:solidFill>
-                <a:effectLst>
-                  <a:reflection blurRad="6350" stA="55000" endA="300" endPos="45500" dir="5400000" sy="-100000" algn="bl" rotWithShape="0"/>
-                </a:effectLst>
-                <a:latin typeface="Calibri"/>
-                <a:ea typeface="+mn-ea"/>
-                <a:cs typeface="+mn-cs"/>
-              </a:rPr>
-              <a:pPr algn="r" rtl="0">
-                <a:defRPr/>
-              </a:pPr>
-              <a:t>‹N›</a:t>
-            </a:fld>
-            <a:endParaRPr lang="it-IT" kern="1200" dirty="0">
-              <a:solidFill>
-                <a:srgbClr val="3B3B3B">
-                  <a:shade val="90000"/>
-                </a:srgbClr>
-              </a:solidFill>
-              <a:effectLst>
-                <a:reflection blurRad="6350" stA="55000" endA="300" endPos="45500" dir="5400000" sy="-100000" algn="bl" rotWithShape="0"/>
-              </a:effectLst>
-              <a:latin typeface="Calibri"/>
-              <a:ea typeface="+mn-ea"/>
-              <a:cs typeface="+mn-cs"/>
-            </a:endParaRPr>
-          </a:p>
-        </p:txBody>
-      </p:sp>
-    </p:spTree>
-  </p:cSld>
-  <p:clrMapOvr>
-    <a:masterClrMapping/>
-  </p:clrMapOvr>
-</p:sldLayout>
-</file>
-
-<file path=ppt/slideLayouts/slideLayout33.xml><?xml version="1.0" encoding="utf-8"?>
-<p:sldLayout xmlns:a="http://schemas.openxmlformats.org/drawingml/2006/main" xmlns:r="http://schemas.openxmlformats.org/officeDocument/2006/relationships" xmlns:p="http://schemas.openxmlformats.org/presentationml/2006/main" type="vertTitleAndTx" preserve="1">
-  <p:cSld name="1_Titolo e testo verticale">
-    <p:spTree>
-      <p:nvGrpSpPr>
-        <p:cNvPr id="1" name=""/>
-        <p:cNvGrpSpPr/>
-        <p:nvPr/>
-      </p:nvGrpSpPr>
-      <p:grpSpPr>
-        <a:xfrm>
-          <a:off x="0" y="0"/>
-          <a:ext cx="0" cy="0"/>
-          <a:chOff x="0" y="0"/>
-          <a:chExt cx="0" cy="0"/>
-        </a:xfrm>
-      </p:grpSpPr>
-      <p:sp>
-        <p:nvSpPr>
-          <p:cNvPr id="2" name="Titolo verticale 1"/>
-          <p:cNvSpPr>
-            <a:spLocks noGrp="1"/>
-          </p:cNvSpPr>
-          <p:nvPr>
-            <p:ph type="title" orient="vert"/>
-          </p:nvPr>
-        </p:nvSpPr>
-        <p:spPr>
-          <a:xfrm>
-            <a:off x="6629400" y="914401"/>
-            <a:ext cx="2057400" cy="5211763"/>
-          </a:xfrm>
-        </p:spPr>
-        <p:txBody>
-          <a:bodyPr vert="eaVert"/>
-          <a:lstStyle/>
-          <a:p>
-            <a:r>
-              <a:rPr lang="it-IT" smtClean="0"/>
-              <a:t>Fare clic per modificare lo stile del titolo</a:t>
-            </a:r>
-            <a:endParaRPr lang="en-US"/>
-          </a:p>
-        </p:txBody>
-      </p:sp>
-      <p:sp>
-        <p:nvSpPr>
-          <p:cNvPr id="3" name="Segnaposto testo verticale 2"/>
-          <p:cNvSpPr>
-            <a:spLocks noGrp="1"/>
-          </p:cNvSpPr>
-          <p:nvPr>
-            <p:ph type="body" orient="vert" idx="1"/>
-          </p:nvPr>
-        </p:nvSpPr>
-        <p:spPr>
-          <a:xfrm>
-            <a:off x="457200" y="914401"/>
-            <a:ext cx="6019800" cy="5211763"/>
-          </a:xfrm>
-        </p:spPr>
-        <p:txBody>
-          <a:bodyPr vert="eaVert"/>
-          <a:lstStyle/>
-          <a:p>
-            <a:pPr lvl="0"/>
-            <a:r>
-              <a:rPr lang="it-IT" smtClean="0"/>
-              <a:t>Fare clic per modificare stili del testo dello schema</a:t>
-            </a:r>
-          </a:p>
-          <a:p>
-            <a:pPr lvl="1"/>
-            <a:r>
-              <a:rPr lang="it-IT" smtClean="0"/>
-              <a:t>Secondo livello</a:t>
-            </a:r>
-          </a:p>
-          <a:p>
-            <a:pPr lvl="2"/>
-            <a:r>
-              <a:rPr lang="it-IT" smtClean="0"/>
-              <a:t>Terzo livello</a:t>
-            </a:r>
-          </a:p>
-          <a:p>
-            <a:pPr lvl="3"/>
-            <a:r>
-              <a:rPr lang="it-IT" smtClean="0"/>
-              <a:t>Quarto livello</a:t>
-            </a:r>
-          </a:p>
-          <a:p>
-            <a:pPr lvl="4"/>
-            <a:r>
-              <a:rPr lang="it-IT" smtClean="0"/>
-              <a:t>Quinto livello</a:t>
-            </a:r>
-            <a:endParaRPr lang="en-US"/>
-          </a:p>
-        </p:txBody>
-      </p:sp>
-      <p:sp>
-        <p:nvSpPr>
-          <p:cNvPr id="4" name="Segnaposto data 9"/>
-          <p:cNvSpPr>
-            <a:spLocks noGrp="1"/>
-          </p:cNvSpPr>
-          <p:nvPr>
-            <p:ph type="dt" sz="half" idx="10"/>
-          </p:nvPr>
-        </p:nvSpPr>
-        <p:spPr/>
-        <p:txBody>
-          <a:bodyPr/>
-          <a:lstStyle>
-            <a:lvl1pPr>
-              <a:defRPr/>
-            </a:lvl1pPr>
-          </a:lstStyle>
-          <a:p>
-            <a:pPr algn="l" rtl="0">
-              <a:defRPr/>
-            </a:pPr>
-            <a:fld id="{7777B9AF-F2D1-4768-8206-D11C3DDA1220}" type="datetime1">
-              <a:rPr lang="it-IT" sz="1200" kern="1200">
-                <a:solidFill>
-                  <a:srgbClr val="3B3B3B">
-                    <a:shade val="90000"/>
-                  </a:srgbClr>
-                </a:solidFill>
-                <a:latin typeface="Constantia"/>
-                <a:ea typeface="+mn-ea"/>
-                <a:cs typeface="+mn-cs"/>
-              </a:rPr>
-              <a:pPr algn="l" rtl="0">
-                <a:defRPr/>
-              </a:pPr>
-              <a:t>25/03/2009</a:t>
-            </a:fld>
-            <a:endParaRPr lang="it-IT" sz="1200" kern="1200">
-              <a:solidFill>
-                <a:srgbClr val="3B3B3B">
-                  <a:shade val="90000"/>
-                </a:srgbClr>
-              </a:solidFill>
-              <a:latin typeface="Constantia"/>
-              <a:ea typeface="+mn-ea"/>
-              <a:cs typeface="+mn-cs"/>
-            </a:endParaRPr>
-          </a:p>
-        </p:txBody>
-      </p:sp>
-      <p:sp>
-        <p:nvSpPr>
-          <p:cNvPr id="5" name="Segnaposto piè di pagina 21"/>
-          <p:cNvSpPr>
-            <a:spLocks noGrp="1"/>
-          </p:cNvSpPr>
-          <p:nvPr>
-            <p:ph type="ftr" sz="quarter" idx="11"/>
-          </p:nvPr>
-        </p:nvSpPr>
-        <p:spPr/>
-        <p:txBody>
-          <a:bodyPr/>
-          <a:lstStyle>
-            <a:lvl1pPr>
-              <a:defRPr/>
-            </a:lvl1pPr>
-          </a:lstStyle>
-          <a:p>
-            <a:pPr algn="l" rtl="0">
-              <a:defRPr/>
-            </a:pPr>
-            <a:endParaRPr lang="it-IT" sz="1200" kern="1200">
-              <a:solidFill>
-                <a:srgbClr val="3B3B3B">
-                  <a:shade val="90000"/>
-                </a:srgbClr>
-              </a:solidFill>
-              <a:latin typeface="Constantia"/>
-              <a:ea typeface="+mn-ea"/>
-              <a:cs typeface="+mn-cs"/>
-            </a:endParaRPr>
-          </a:p>
-        </p:txBody>
-      </p:sp>
-      <p:sp>
-        <p:nvSpPr>
-          <p:cNvPr id="6" name="Segnaposto numero diapositiva 17"/>
-          <p:cNvSpPr>
-            <a:spLocks noGrp="1"/>
-          </p:cNvSpPr>
-          <p:nvPr>
-            <p:ph type="sldNum" sz="quarter" idx="12"/>
-          </p:nvPr>
-        </p:nvSpPr>
-        <p:spPr/>
-        <p:txBody>
-          <a:bodyPr/>
-          <a:lstStyle>
-            <a:lvl1pPr>
-              <a:defRPr/>
-            </a:lvl1pPr>
-          </a:lstStyle>
-          <a:p>
-            <a:pPr algn="r" rtl="0">
-              <a:defRPr/>
-            </a:pPr>
-            <a:fld id="{F7F76C05-D8BC-465D-B31C-89AAF450B5B6}" type="slidenum">
-              <a:rPr lang="it-IT" kern="1200">
-                <a:solidFill>
-                  <a:srgbClr val="3B3B3B">
-                    <a:shade val="90000"/>
-                  </a:srgbClr>
-                </a:solidFill>
-                <a:effectLst>
-                  <a:reflection blurRad="6350" stA="55000" endA="300" endPos="45500" dir="5400000" sy="-100000" algn="bl" rotWithShape="0"/>
-                </a:effectLst>
-                <a:latin typeface="Calibri"/>
-                <a:ea typeface="+mn-ea"/>
-                <a:cs typeface="+mn-cs"/>
-              </a:rPr>
-              <a:pPr algn="r" rtl="0">
-                <a:defRPr/>
-              </a:pPr>
-              <a:t>‹N›</a:t>
-            </a:fld>
-            <a:endParaRPr lang="it-IT" kern="1200" dirty="0">
-              <a:solidFill>
-                <a:srgbClr val="3B3B3B">
-                  <a:shade val="90000"/>
-                </a:srgbClr>
-              </a:solidFill>
-              <a:effectLst>
-                <a:reflection blurRad="6350" stA="55000" endA="300" endPos="45500" dir="5400000" sy="-100000" algn="bl" rotWithShape="0"/>
-              </a:effectLst>
-              <a:latin typeface="Calibri"/>
-              <a:ea typeface="+mn-ea"/>
-              <a:cs typeface="+mn-cs"/>
-            </a:endParaRPr>
           </a:p>
         </p:txBody>
       </p:sp>
@@ -17453,1607 +13723,6 @@
 </p:sldMaster>
 </file>
 
-<file path=ppt/slideMasters/slideMaster3.xml><?xml version="1.0" encoding="utf-8"?>
-<p:sldMaster xmlns:a="http://schemas.openxmlformats.org/drawingml/2006/main" xmlns:r="http://schemas.openxmlformats.org/officeDocument/2006/relationships" xmlns:p="http://schemas.openxmlformats.org/presentationml/2006/main">
-  <p:cSld>
-    <p:bg>
-      <p:bgPr>
-        <a:gradFill flip="none" rotWithShape="1">
-          <a:gsLst>
-            <a:gs pos="50000">
-              <a:schemeClr val="bg1"/>
-            </a:gs>
-            <a:gs pos="100000">
-              <a:schemeClr val="accent3">
-                <a:lumMod val="20000"/>
-                <a:lumOff val="80000"/>
-              </a:schemeClr>
-            </a:gs>
-          </a:gsLst>
-          <a:lin ang="5400000" scaled="1"/>
-          <a:tileRect/>
-        </a:gradFill>
-        <a:effectLst/>
-      </p:bgPr>
-    </p:bg>
-    <p:spTree>
-      <p:nvGrpSpPr>
-        <p:cNvPr id="1" name=""/>
-        <p:cNvGrpSpPr/>
-        <p:nvPr/>
-      </p:nvGrpSpPr>
-      <p:grpSpPr>
-        <a:xfrm>
-          <a:off x="0" y="0"/>
-          <a:ext cx="0" cy="0"/>
-          <a:chOff x="0" y="0"/>
-          <a:chExt cx="0" cy="0"/>
-        </a:xfrm>
-      </p:grpSpPr>
-      <p:sp>
-        <p:nvSpPr>
-          <p:cNvPr id="23" name="Titolo 1"/>
-          <p:cNvSpPr txBox="1">
-            <a:spLocks/>
-          </p:cNvSpPr>
-          <p:nvPr userDrawn="1"/>
-        </p:nvSpPr>
-        <p:spPr>
-          <a:xfrm>
-            <a:off x="-28638" y="6429222"/>
-            <a:ext cx="9180000" cy="432000"/>
-          </a:xfrm>
-          <a:prstGeom prst="rect">
-            <a:avLst/>
-          </a:prstGeom>
-          <a:blipFill dpi="0" rotWithShape="1">
-            <a:blip r:embed="rId13">
-              <a:alphaModFix amt="50000"/>
-              <a:duotone>
-                <a:schemeClr val="accent1">
-                  <a:shade val="45000"/>
-                  <a:satMod val="135000"/>
-                </a:schemeClr>
-                <a:prstClr val="white"/>
-              </a:duotone>
-            </a:blip>
-            <a:srcRect/>
-            <a:tile tx="0" ty="590550" sx="80000" sy="80000" flip="x" algn="l"/>
-          </a:blipFill>
-          <a:ln w="34925">
-            <a:noFill/>
-          </a:ln>
-          <a:effectLst/>
-        </p:spPr>
-        <p:txBody>
-          <a:bodyPr lIns="0" tIns="0" rIns="0" bIns="0"/>
-          <a:lstStyle/>
-          <a:p>
-            <a:pPr algn="ctr" rtl="0">
-              <a:spcBef>
-                <a:spcPct val="0"/>
-              </a:spcBef>
-              <a:defRPr/>
-            </a:pPr>
-            <a:r>
-              <a:rPr lang="it-IT" sz="3200" b="1" kern="1200" dirty="0">
-                <a:solidFill>
-                  <a:prstClr val="white"/>
-                </a:solidFill>
-                <a:effectLst>
-                  <a:outerShdw blurRad="38100" dist="38100" dir="2700000" algn="tl">
-                    <a:srgbClr val="000000">
-                      <a:alpha val="43137"/>
-                    </a:srgbClr>
-                  </a:outerShdw>
-                </a:effectLst>
-                <a:latin typeface="Calibri"/>
-                <a:ea typeface="+mn-ea"/>
-                <a:cs typeface="+mn-cs"/>
-              </a:rPr>
-              <a:t> </a:t>
-            </a:r>
-          </a:p>
-        </p:txBody>
-      </p:sp>
-      <p:sp>
-        <p:nvSpPr>
-          <p:cNvPr id="8" name="Figura a mano libera 7"/>
-          <p:cNvSpPr>
-            <a:spLocks/>
-          </p:cNvSpPr>
-          <p:nvPr/>
-        </p:nvSpPr>
-        <p:spPr bwMode="auto">
-          <a:xfrm>
-            <a:off x="4381500" y="-7938"/>
-            <a:ext cx="4762500" cy="638176"/>
-          </a:xfrm>
-          <a:custGeom>
-            <a:avLst>
-              <a:gd name="A1" fmla="val 0"/>
-              <a:gd name="A2" fmla="val 0"/>
-              <a:gd name="A3" fmla="val 0"/>
-              <a:gd name="A4" fmla="val 0"/>
-              <a:gd name="A5" fmla="val 0"/>
-              <a:gd name="A6" fmla="val 0"/>
-              <a:gd name="A7" fmla="val 0"/>
-              <a:gd name="A8" fmla="val 0"/>
-            </a:avLst>
-            <a:gdLst/>
-            <a:ahLst/>
-            <a:cxnLst>
-              <a:cxn ang="0">
-                <a:pos x="0" y="0"/>
-              </a:cxn>
-              <a:cxn ang="0">
-                <a:pos x="1668" y="564"/>
-              </a:cxn>
-              <a:cxn ang="0">
-                <a:pos x="3000" y="186"/>
-              </a:cxn>
-              <a:cxn ang="0">
-                <a:pos x="3000" y="6"/>
-              </a:cxn>
-              <a:cxn ang="0">
-                <a:pos x="0" y="0"/>
-              </a:cxn>
-            </a:cxnLst>
-            <a:rect l="0" t="0" r="0" b="0"/>
-            <a:pathLst>
-              <a:path w="3000" h="595">
-                <a:moveTo>
-                  <a:pt x="0" y="0"/>
-                </a:moveTo>
-                <a:cubicBezTo>
-                  <a:pt x="174" y="102"/>
-                  <a:pt x="1168" y="533"/>
-                  <a:pt x="1668" y="564"/>
-                </a:cubicBezTo>
-                <a:cubicBezTo>
-                  <a:pt x="2168" y="595"/>
-                  <a:pt x="2778" y="279"/>
-                  <a:pt x="3000" y="186"/>
-                </a:cubicBezTo>
-                <a:lnTo>
-                  <a:pt x="3000" y="6"/>
-                </a:lnTo>
-                <a:lnTo>
-                  <a:pt x="0" y="0"/>
-                </a:lnTo>
-                <a:close/>
-              </a:path>
-            </a:pathLst>
-          </a:custGeom>
-          <a:gradFill flip="none" rotWithShape="1">
-            <a:gsLst>
-              <a:gs pos="0">
-                <a:schemeClr val="accent1">
-                  <a:lumMod val="75000"/>
-                  <a:alpha val="50000"/>
-                </a:schemeClr>
-              </a:gs>
-              <a:gs pos="80000">
-                <a:schemeClr val="accent1">
-                  <a:lumMod val="20000"/>
-                  <a:lumOff val="80000"/>
-                  <a:alpha val="50000"/>
-                </a:schemeClr>
-              </a:gs>
-            </a:gsLst>
-            <a:lin ang="8100000" scaled="1"/>
-            <a:tileRect/>
-          </a:gradFill>
-          <a:ln w="9525" cap="flat" cmpd="sng" algn="ctr">
-            <a:noFill/>
-            <a:prstDash val="solid"/>
-            <a:round/>
-            <a:headEnd type="none" w="med" len="med"/>
-            <a:tailEnd type="none" w="med" len="med"/>
-          </a:ln>
-          <a:effectLst/>
-        </p:spPr>
-        <p:txBody>
-          <a:bodyPr/>
-          <a:lstStyle/>
-          <a:p>
-            <a:pPr algn="l" rtl="0">
-              <a:defRPr/>
-            </a:pPr>
-            <a:endParaRPr lang="en-US" kern="1200">
-              <a:solidFill>
-                <a:prstClr val="black"/>
-              </a:solidFill>
-              <a:latin typeface="Constantia"/>
-              <a:ea typeface="+mn-ea"/>
-              <a:cs typeface="+mn-cs"/>
-            </a:endParaRPr>
-          </a:p>
-        </p:txBody>
-      </p:sp>
-      <p:sp>
-        <p:nvSpPr>
-          <p:cNvPr id="10" name="Segnaposto data 9"/>
-          <p:cNvSpPr>
-            <a:spLocks noGrp="1"/>
-          </p:cNvSpPr>
-          <p:nvPr>
-            <p:ph type="dt" sz="half" idx="2"/>
-          </p:nvPr>
-        </p:nvSpPr>
-        <p:spPr>
-          <a:xfrm>
-            <a:off x="457200" y="6356350"/>
-            <a:ext cx="2133600" cy="365125"/>
-          </a:xfrm>
-          <a:prstGeom prst="rect">
-            <a:avLst/>
-          </a:prstGeom>
-        </p:spPr>
-        <p:txBody>
-          <a:bodyPr vert="horz" lIns="0" tIns="0" rIns="0" bIns="0" anchor="b"/>
-          <a:lstStyle>
-            <a:lvl1pPr algn="l" eaLnBrk="1" fontAlgn="auto" latinLnBrk="0" hangingPunct="1">
-              <a:spcBef>
-                <a:spcPts val="0"/>
-              </a:spcBef>
-              <a:spcAft>
-                <a:spcPts val="0"/>
-              </a:spcAft>
-              <a:defRPr kumimoji="0" sz="1200">
-                <a:solidFill>
-                  <a:schemeClr val="tx2">
-                    <a:shade val="90000"/>
-                  </a:schemeClr>
-                </a:solidFill>
-                <a:latin typeface="+mn-lt"/>
-              </a:defRPr>
-            </a:lvl1pPr>
-          </a:lstStyle>
-          <a:p>
-            <a:pPr rtl="0">
-              <a:defRPr/>
-            </a:pPr>
-            <a:fld id="{377EB64E-DA97-426A-9BC0-2EB892FAA21E}" type="datetime1">
-              <a:rPr lang="it-IT" kern="1200">
-                <a:solidFill>
-                  <a:srgbClr val="3B3B3B">
-                    <a:shade val="90000"/>
-                  </a:srgbClr>
-                </a:solidFill>
-                <a:latin typeface="Constantia"/>
-                <a:ea typeface="+mn-ea"/>
-                <a:cs typeface="+mn-cs"/>
-              </a:rPr>
-              <a:pPr rtl="0">
-                <a:defRPr/>
-              </a:pPr>
-              <a:t>25/03/2009</a:t>
-            </a:fld>
-            <a:endParaRPr lang="it-IT" kern="1200">
-              <a:solidFill>
-                <a:srgbClr val="3B3B3B">
-                  <a:shade val="90000"/>
-                </a:srgbClr>
-              </a:solidFill>
-              <a:latin typeface="Constantia"/>
-              <a:ea typeface="+mn-ea"/>
-              <a:cs typeface="+mn-cs"/>
-            </a:endParaRPr>
-          </a:p>
-        </p:txBody>
-      </p:sp>
-      <p:sp>
-        <p:nvSpPr>
-          <p:cNvPr id="22" name="Segnaposto piè di pagina 21"/>
-          <p:cNvSpPr>
-            <a:spLocks noGrp="1"/>
-          </p:cNvSpPr>
-          <p:nvPr>
-            <p:ph type="ftr" sz="quarter" idx="3"/>
-          </p:nvPr>
-        </p:nvSpPr>
-        <p:spPr>
-          <a:xfrm>
-            <a:off x="2667000" y="6356350"/>
-            <a:ext cx="3352800" cy="365125"/>
-          </a:xfrm>
-          <a:prstGeom prst="rect">
-            <a:avLst/>
-          </a:prstGeom>
-        </p:spPr>
-        <p:txBody>
-          <a:bodyPr vert="horz" lIns="0" tIns="0" rIns="0" bIns="0" anchor="b"/>
-          <a:lstStyle>
-            <a:lvl1pPr algn="l" eaLnBrk="1" fontAlgn="auto" latinLnBrk="0" hangingPunct="1">
-              <a:spcBef>
-                <a:spcPts val="0"/>
-              </a:spcBef>
-              <a:spcAft>
-                <a:spcPts val="0"/>
-              </a:spcAft>
-              <a:defRPr kumimoji="0" sz="1200">
-                <a:solidFill>
-                  <a:schemeClr val="tx2">
-                    <a:shade val="90000"/>
-                  </a:schemeClr>
-                </a:solidFill>
-                <a:latin typeface="+mn-lt"/>
-              </a:defRPr>
-            </a:lvl1pPr>
-          </a:lstStyle>
-          <a:p>
-            <a:pPr rtl="0">
-              <a:defRPr/>
-            </a:pPr>
-            <a:endParaRPr lang="it-IT" kern="1200">
-              <a:solidFill>
-                <a:srgbClr val="3B3B3B">
-                  <a:shade val="90000"/>
-                </a:srgbClr>
-              </a:solidFill>
-              <a:latin typeface="Constantia"/>
-              <a:ea typeface="+mn-ea"/>
-              <a:cs typeface="+mn-cs"/>
-            </a:endParaRPr>
-          </a:p>
-        </p:txBody>
-      </p:sp>
-      <p:sp>
-        <p:nvSpPr>
-          <p:cNvPr id="18" name="Segnaposto numero diapositiva 17"/>
-          <p:cNvSpPr>
-            <a:spLocks noGrp="1"/>
-          </p:cNvSpPr>
-          <p:nvPr>
-            <p:ph type="sldNum" sz="quarter" idx="4"/>
-          </p:nvPr>
-        </p:nvSpPr>
-        <p:spPr>
-          <a:xfrm>
-            <a:off x="7924800" y="6356350"/>
-            <a:ext cx="762000" cy="365125"/>
-          </a:xfrm>
-          <a:prstGeom prst="rect">
-            <a:avLst/>
-          </a:prstGeom>
-          <a:effectLst/>
-        </p:spPr>
-        <p:txBody>
-          <a:bodyPr vert="horz" lIns="0" tIns="0" rIns="0" bIns="0" anchor="b"/>
-          <a:lstStyle>
-            <a:lvl1pPr algn="r" eaLnBrk="1" fontAlgn="auto" latinLnBrk="0" hangingPunct="1">
-              <a:spcBef>
-                <a:spcPts val="0"/>
-              </a:spcBef>
-              <a:spcAft>
-                <a:spcPts val="0"/>
-              </a:spcAft>
-              <a:defRPr kumimoji="0" sz="1800" b="0">
-                <a:solidFill>
-                  <a:schemeClr val="tx2">
-                    <a:shade val="90000"/>
-                  </a:schemeClr>
-                </a:solidFill>
-                <a:effectLst>
-                  <a:reflection blurRad="6350" stA="55000" endA="300" endPos="45500" dir="5400000" sy="-100000" algn="bl" rotWithShape="0"/>
-                </a:effectLst>
-                <a:latin typeface="+mj-lt"/>
-              </a:defRPr>
-            </a:lvl1pPr>
-          </a:lstStyle>
-          <a:p>
-            <a:pPr rtl="0">
-              <a:defRPr/>
-            </a:pPr>
-            <a:fld id="{FC52C0B0-6228-43A0-B1F7-F94F05889441}" type="slidenum">
-              <a:rPr lang="it-IT" kern="1200">
-                <a:solidFill>
-                  <a:srgbClr val="3B3B3B">
-                    <a:shade val="90000"/>
-                  </a:srgbClr>
-                </a:solidFill>
-                <a:latin typeface="Calibri"/>
-                <a:ea typeface="+mn-ea"/>
-                <a:cs typeface="+mn-cs"/>
-              </a:rPr>
-              <a:pPr rtl="0">
-                <a:defRPr/>
-              </a:pPr>
-              <a:t>‹N›</a:t>
-            </a:fld>
-            <a:endParaRPr lang="it-IT" kern="1200" dirty="0">
-              <a:solidFill>
-                <a:srgbClr val="3B3B3B">
-                  <a:shade val="90000"/>
-                </a:srgbClr>
-              </a:solidFill>
-              <a:latin typeface="Calibri"/>
-              <a:ea typeface="+mn-ea"/>
-              <a:cs typeface="+mn-cs"/>
-            </a:endParaRPr>
-          </a:p>
-        </p:txBody>
-      </p:sp>
-      <p:sp>
-        <p:nvSpPr>
-          <p:cNvPr id="12" name="Figura a mano libera 11"/>
-          <p:cNvSpPr>
-            <a:spLocks/>
-          </p:cNvSpPr>
-          <p:nvPr/>
-        </p:nvSpPr>
-        <p:spPr bwMode="auto">
-          <a:xfrm rot="401886">
-            <a:off x="-19017" y="202408"/>
-            <a:ext cx="9163050" cy="649224"/>
-          </a:xfrm>
-          <a:custGeom>
-            <a:avLst>
-              <a:gd name="A1" fmla="val 0"/>
-              <a:gd name="A2" fmla="val 0"/>
-              <a:gd name="A3" fmla="val 0"/>
-              <a:gd name="A4" fmla="val 0"/>
-              <a:gd name="A5" fmla="val 0"/>
-              <a:gd name="A6" fmla="val 0"/>
-              <a:gd name="A7" fmla="val 0"/>
-              <a:gd name="A8" fmla="val 0"/>
-            </a:avLst>
-            <a:gdLst/>
-            <a:ahLst/>
-            <a:cxnLst>
-              <a:cxn ang="0">
-                <a:pos x="0" y="966"/>
-              </a:cxn>
-              <a:cxn ang="0">
-                <a:pos x="1608" y="282"/>
-              </a:cxn>
-              <a:cxn ang="0">
-                <a:pos x="4110" y="1008"/>
-              </a:cxn>
-              <a:cxn ang="0">
-                <a:pos x="5772" y="0"/>
-              </a:cxn>
-            </a:cxnLst>
-            <a:rect l="0" t="0" r="0" b="0"/>
-            <a:pathLst>
-              <a:path w="5772" h="1055">
-                <a:moveTo>
-                  <a:pt x="0" y="966"/>
-                </a:moveTo>
-                <a:cubicBezTo>
-                  <a:pt x="282" y="738"/>
-                  <a:pt x="923" y="275"/>
-                  <a:pt x="1608" y="282"/>
-                </a:cubicBezTo>
-                <a:cubicBezTo>
-                  <a:pt x="2293" y="289"/>
-                  <a:pt x="3416" y="1055"/>
-                  <a:pt x="4110" y="1008"/>
-                </a:cubicBezTo>
-                <a:cubicBezTo>
-                  <a:pt x="4804" y="961"/>
-                  <a:pt x="5426" y="210"/>
-                  <a:pt x="5772" y="0"/>
-                </a:cubicBezTo>
-              </a:path>
-            </a:pathLst>
-          </a:custGeom>
-          <a:noFill/>
-          <a:ln w="10795" cap="flat" cmpd="sng" algn="ctr">
-            <a:gradFill>
-              <a:gsLst>
-                <a:gs pos="74000">
-                  <a:schemeClr val="accent5">
-                    <a:lumMod val="75000"/>
-                  </a:schemeClr>
-                </a:gs>
-                <a:gs pos="86000">
-                  <a:schemeClr val="tx1">
-                    <a:alpha val="29000"/>
-                  </a:schemeClr>
-                </a:gs>
-                <a:gs pos="16000">
-                  <a:schemeClr val="accent5">
-                    <a:lumMod val="60000"/>
-                    <a:lumOff val="40000"/>
-                  </a:schemeClr>
-                </a:gs>
-              </a:gsLst>
-              <a:lin ang="5400000" scaled="1"/>
-            </a:gradFill>
-            <a:prstDash val="solid"/>
-            <a:round/>
-            <a:headEnd type="none" w="med" len="med"/>
-            <a:tailEnd type="none" w="med" len="med"/>
-          </a:ln>
-          <a:effectLst/>
-        </p:spPr>
-        <p:txBody>
-          <a:bodyPr/>
-          <a:lstStyle/>
-          <a:p>
-            <a:pPr algn="l" rtl="0">
-              <a:defRPr/>
-            </a:pPr>
-            <a:endParaRPr lang="en-US" kern="1200">
-              <a:solidFill>
-                <a:prstClr val="black"/>
-              </a:solidFill>
-              <a:latin typeface="Constantia"/>
-              <a:ea typeface="+mn-ea"/>
-              <a:cs typeface="+mn-cs"/>
-            </a:endParaRPr>
-          </a:p>
-        </p:txBody>
-      </p:sp>
-      <p:sp>
-        <p:nvSpPr>
-          <p:cNvPr id="13" name="Figura a mano libera 12"/>
-          <p:cNvSpPr>
-            <a:spLocks/>
-          </p:cNvSpPr>
-          <p:nvPr/>
-        </p:nvSpPr>
-        <p:spPr bwMode="auto">
-          <a:xfrm rot="232245">
-            <a:off x="-14281" y="275861"/>
-            <a:ext cx="9175812" cy="530352"/>
-          </a:xfrm>
-          <a:custGeom>
-            <a:avLst>
-              <a:gd name="A1" fmla="val 0"/>
-              <a:gd name="A2" fmla="val 0"/>
-              <a:gd name="A3" fmla="val 0"/>
-              <a:gd name="A4" fmla="val 0"/>
-              <a:gd name="A5" fmla="val 0"/>
-              <a:gd name="A6" fmla="val 0"/>
-              <a:gd name="A7" fmla="val 0"/>
-              <a:gd name="A8" fmla="val 0"/>
-            </a:avLst>
-            <a:gdLst/>
-            <a:ahLst/>
-            <a:cxnLst>
-              <a:cxn ang="0">
-                <a:pos x="0" y="732"/>
-              </a:cxn>
-              <a:cxn ang="0">
-                <a:pos x="1638" y="228"/>
-              </a:cxn>
-              <a:cxn ang="0">
-                <a:pos x="4122" y="816"/>
-              </a:cxn>
-              <a:cxn ang="0">
-                <a:pos x="5766" y="0"/>
-              </a:cxn>
-            </a:cxnLst>
-            <a:rect l="0" t="0" r="0" b="0"/>
-            <a:pathLst>
-              <a:path w="5766" h="854">
-                <a:moveTo>
-                  <a:pt x="0" y="732"/>
-                </a:moveTo>
-                <a:cubicBezTo>
-                  <a:pt x="273" y="647"/>
-                  <a:pt x="951" y="214"/>
-                  <a:pt x="1638" y="228"/>
-                </a:cubicBezTo>
-                <a:cubicBezTo>
-                  <a:pt x="2325" y="242"/>
-                  <a:pt x="3434" y="854"/>
-                  <a:pt x="4122" y="816"/>
-                </a:cubicBezTo>
-                <a:cubicBezTo>
-                  <a:pt x="4810" y="778"/>
-                  <a:pt x="5424" y="170"/>
-                  <a:pt x="5766" y="0"/>
-                </a:cubicBezTo>
-              </a:path>
-            </a:pathLst>
-          </a:custGeom>
-          <a:noFill/>
-          <a:ln w="9525" cap="flat" cmpd="sng" algn="ctr">
-            <a:gradFill>
-              <a:gsLst>
-                <a:gs pos="74000">
-                  <a:schemeClr val="accent4">
-                    <a:lumMod val="90000"/>
-                  </a:schemeClr>
-                </a:gs>
-                <a:gs pos="44000">
-                  <a:schemeClr val="accent5">
-                    <a:lumMod val="40000"/>
-                    <a:lumOff val="60000"/>
-                  </a:schemeClr>
-                </a:gs>
-                <a:gs pos="33000">
-                  <a:schemeClr val="accent4">
-                    <a:lumMod val="75000"/>
-                  </a:schemeClr>
-                </a:gs>
-              </a:gsLst>
-              <a:lin ang="5400000" scaled="1"/>
-            </a:gradFill>
-            <a:prstDash val="solid"/>
-            <a:round/>
-            <a:headEnd type="none" w="med" len="med"/>
-            <a:tailEnd type="none" w="med" len="med"/>
-          </a:ln>
-          <a:effectLst/>
-        </p:spPr>
-        <p:txBody>
-          <a:bodyPr/>
-          <a:lstStyle/>
-          <a:p>
-            <a:pPr algn="l" rtl="0">
-              <a:defRPr/>
-            </a:pPr>
-            <a:endParaRPr lang="en-US" kern="1200">
-              <a:solidFill>
-                <a:prstClr val="black"/>
-              </a:solidFill>
-              <a:latin typeface="Constantia"/>
-              <a:ea typeface="+mn-ea"/>
-              <a:cs typeface="+mn-cs"/>
-            </a:endParaRPr>
-          </a:p>
-        </p:txBody>
-      </p:sp>
-      <p:sp>
-        <p:nvSpPr>
-          <p:cNvPr id="14" name="Ovale 13"/>
-          <p:cNvSpPr>
-            <a:spLocks noChangeAspect="1"/>
-          </p:cNvSpPr>
-          <p:nvPr userDrawn="1"/>
-        </p:nvSpPr>
-        <p:spPr bwMode="auto">
-          <a:xfrm flipH="1">
-            <a:off x="1103265" y="145377"/>
-            <a:ext cx="691200" cy="691200"/>
-          </a:xfrm>
-          <a:prstGeom prst="ellipse">
-            <a:avLst/>
-          </a:prstGeom>
-          <a:ln>
-            <a:headEnd type="none" w="med" len="med"/>
-            <a:tailEnd type="none" w="med" len="med"/>
-          </a:ln>
-          <a:effectLst>
-            <a:outerShdw blurRad="50800" dist="25000" dir="5400000" rotWithShape="0">
-              <a:srgbClr val="000000">
-                <a:alpha val="40000"/>
-              </a:srgbClr>
-            </a:outerShdw>
-            <a:reflection blurRad="6350" stA="50000" endA="300" endPos="55000" dir="5400000" sy="-100000" algn="bl" rotWithShape="0"/>
-          </a:effectLst>
-        </p:spPr>
-        <p:style>
-          <a:lnRef idx="1">
-            <a:schemeClr val="accent3"/>
-          </a:lnRef>
-          <a:fillRef idx="2">
-            <a:schemeClr val="accent3"/>
-          </a:fillRef>
-          <a:effectRef idx="1">
-            <a:schemeClr val="accent3"/>
-          </a:effectRef>
-          <a:fontRef idx="minor">
-            <a:schemeClr val="dk1"/>
-          </a:fontRef>
-        </p:style>
-        <p:txBody>
-          <a:bodyPr/>
-          <a:lstStyle/>
-          <a:p>
-            <a:pPr algn="l" rtl="0">
-              <a:defRPr/>
-            </a:pPr>
-            <a:endParaRPr lang="en-US" kern="1200">
-              <a:solidFill>
-                <a:prstClr val="black"/>
-              </a:solidFill>
-              <a:latin typeface="Constantia"/>
-              <a:ea typeface="+mn-ea"/>
-              <a:cs typeface="+mn-cs"/>
-            </a:endParaRPr>
-          </a:p>
-        </p:txBody>
-      </p:sp>
-      <p:sp>
-        <p:nvSpPr>
-          <p:cNvPr id="11" name="Figura a mano libera 10"/>
-          <p:cNvSpPr>
-            <a:spLocks/>
-          </p:cNvSpPr>
-          <p:nvPr userDrawn="1"/>
-        </p:nvSpPr>
-        <p:spPr bwMode="auto">
-          <a:xfrm>
-            <a:off x="-10089" y="428261"/>
-            <a:ext cx="9175812" cy="530352"/>
-          </a:xfrm>
-          <a:custGeom>
-            <a:avLst>
-              <a:gd name="A1" fmla="val 0"/>
-              <a:gd name="A2" fmla="val 0"/>
-              <a:gd name="A3" fmla="val 0"/>
-              <a:gd name="A4" fmla="val 0"/>
-              <a:gd name="A5" fmla="val 0"/>
-              <a:gd name="A6" fmla="val 0"/>
-              <a:gd name="A7" fmla="val 0"/>
-              <a:gd name="A8" fmla="val 0"/>
-            </a:avLst>
-            <a:gdLst/>
-            <a:ahLst/>
-            <a:cxnLst>
-              <a:cxn ang="0">
-                <a:pos x="0" y="732"/>
-              </a:cxn>
-              <a:cxn ang="0">
-                <a:pos x="1638" y="228"/>
-              </a:cxn>
-              <a:cxn ang="0">
-                <a:pos x="4122" y="816"/>
-              </a:cxn>
-              <a:cxn ang="0">
-                <a:pos x="5766" y="0"/>
-              </a:cxn>
-            </a:cxnLst>
-            <a:rect l="0" t="0" r="0" b="0"/>
-            <a:pathLst>
-              <a:path w="5766" h="854">
-                <a:moveTo>
-                  <a:pt x="0" y="732"/>
-                </a:moveTo>
-                <a:cubicBezTo>
-                  <a:pt x="273" y="647"/>
-                  <a:pt x="951" y="214"/>
-                  <a:pt x="1638" y="228"/>
-                </a:cubicBezTo>
-                <a:cubicBezTo>
-                  <a:pt x="2325" y="242"/>
-                  <a:pt x="3434" y="854"/>
-                  <a:pt x="4122" y="816"/>
-                </a:cubicBezTo>
-                <a:cubicBezTo>
-                  <a:pt x="4810" y="778"/>
-                  <a:pt x="5424" y="170"/>
-                  <a:pt x="5766" y="0"/>
-                </a:cubicBezTo>
-              </a:path>
-            </a:pathLst>
-          </a:custGeom>
-          <a:noFill/>
-          <a:ln w="9525" cap="flat" cmpd="sng" algn="ctr">
-            <a:gradFill>
-              <a:gsLst>
-                <a:gs pos="74000">
-                  <a:schemeClr val="accent4">
-                    <a:lumMod val="90000"/>
-                  </a:schemeClr>
-                </a:gs>
-                <a:gs pos="44000">
-                  <a:schemeClr val="accent5">
-                    <a:lumMod val="40000"/>
-                    <a:lumOff val="60000"/>
-                  </a:schemeClr>
-                </a:gs>
-                <a:gs pos="33000">
-                  <a:schemeClr val="accent4">
-                    <a:lumMod val="75000"/>
-                  </a:schemeClr>
-                </a:gs>
-              </a:gsLst>
-              <a:lin ang="5400000" scaled="1"/>
-            </a:gradFill>
-            <a:prstDash val="solid"/>
-            <a:round/>
-            <a:headEnd type="none" w="med" len="med"/>
-            <a:tailEnd type="none" w="med" len="med"/>
-          </a:ln>
-          <a:effectLst/>
-        </p:spPr>
-        <p:txBody>
-          <a:bodyPr/>
-          <a:lstStyle/>
-          <a:p>
-            <a:pPr algn="l" rtl="0">
-              <a:defRPr/>
-            </a:pPr>
-            <a:endParaRPr lang="en-US" kern="1200">
-              <a:solidFill>
-                <a:prstClr val="black"/>
-              </a:solidFill>
-              <a:latin typeface="Constantia"/>
-              <a:ea typeface="+mn-ea"/>
-              <a:cs typeface="+mn-cs"/>
-            </a:endParaRPr>
-          </a:p>
-        </p:txBody>
-      </p:sp>
-      <p:sp>
-        <p:nvSpPr>
-          <p:cNvPr id="15" name="Ovale 14"/>
-          <p:cNvSpPr>
-            <a:spLocks noChangeAspect="1"/>
-          </p:cNvSpPr>
-          <p:nvPr userDrawn="1"/>
-        </p:nvSpPr>
-        <p:spPr bwMode="auto">
-          <a:xfrm flipH="1">
-            <a:off x="709830" y="187551"/>
-            <a:ext cx="576000" cy="576000"/>
-          </a:xfrm>
-          <a:prstGeom prst="ellipse">
-            <a:avLst/>
-          </a:prstGeom>
-          <a:gradFill>
-            <a:gsLst>
-              <a:gs pos="0">
-                <a:schemeClr val="accent4">
-                  <a:tint val="35000"/>
-                  <a:satMod val="260000"/>
-                  <a:alpha val="50000"/>
-                </a:schemeClr>
-              </a:gs>
-              <a:gs pos="30000">
-                <a:schemeClr val="accent4">
-                  <a:tint val="38000"/>
-                  <a:satMod val="260000"/>
-                  <a:alpha val="50000"/>
-                </a:schemeClr>
-              </a:gs>
-              <a:gs pos="75000">
-                <a:schemeClr val="accent4">
-                  <a:tint val="55000"/>
-                  <a:satMod val="255000"/>
-                  <a:alpha val="50000"/>
-                </a:schemeClr>
-              </a:gs>
-              <a:gs pos="100000">
-                <a:schemeClr val="accent4">
-                  <a:tint val="70000"/>
-                  <a:satMod val="255000"/>
-                  <a:alpha val="50000"/>
-                </a:schemeClr>
-              </a:gs>
-            </a:gsLst>
-          </a:gradFill>
-          <a:ln>
-            <a:headEnd type="none" w="med" len="med"/>
-            <a:tailEnd type="none" w="med" len="med"/>
-          </a:ln>
-          <a:effectLst>
-            <a:outerShdw blurRad="50800" dist="25000" dir="5400000" rotWithShape="0">
-              <a:srgbClr val="000000">
-                <a:alpha val="40000"/>
-              </a:srgbClr>
-            </a:outerShdw>
-            <a:reflection blurRad="6350" stA="50000" endA="300" endPos="55000" dir="5400000" sy="-100000" algn="bl" rotWithShape="0"/>
-          </a:effectLst>
-        </p:spPr>
-        <p:style>
-          <a:lnRef idx="1">
-            <a:schemeClr val="accent4"/>
-          </a:lnRef>
-          <a:fillRef idx="2">
-            <a:schemeClr val="accent4"/>
-          </a:fillRef>
-          <a:effectRef idx="1">
-            <a:schemeClr val="accent4"/>
-          </a:effectRef>
-          <a:fontRef idx="minor">
-            <a:schemeClr val="dk1"/>
-          </a:fontRef>
-        </p:style>
-        <p:txBody>
-          <a:bodyPr/>
-          <a:lstStyle/>
-          <a:p>
-            <a:pPr algn="l" rtl="0">
-              <a:defRPr/>
-            </a:pPr>
-            <a:endParaRPr lang="en-US" kern="1200">
-              <a:solidFill>
-                <a:prstClr val="black"/>
-              </a:solidFill>
-              <a:latin typeface="Constantia"/>
-              <a:ea typeface="+mn-ea"/>
-              <a:cs typeface="+mn-cs"/>
-            </a:endParaRPr>
-          </a:p>
-        </p:txBody>
-      </p:sp>
-      <p:sp>
-        <p:nvSpPr>
-          <p:cNvPr id="16" name="Ovale 15"/>
-          <p:cNvSpPr>
-            <a:spLocks/>
-          </p:cNvSpPr>
-          <p:nvPr userDrawn="1"/>
-        </p:nvSpPr>
-        <p:spPr bwMode="auto">
-          <a:xfrm flipH="1">
-            <a:off x="3586149" y="22613"/>
-            <a:ext cx="360000" cy="360000"/>
-          </a:xfrm>
-          <a:prstGeom prst="ellipse">
-            <a:avLst/>
-          </a:prstGeom>
-          <a:ln>
-            <a:headEnd type="none" w="med" len="med"/>
-            <a:tailEnd type="none" w="med" len="med"/>
-          </a:ln>
-          <a:effectLst>
-            <a:reflection blurRad="6350" stA="50000" endA="300" endPos="90000" dir="5400000" sy="-100000" algn="bl" rotWithShape="0"/>
-          </a:effectLst>
-        </p:spPr>
-        <p:style>
-          <a:lnRef idx="1">
-            <a:schemeClr val="accent4"/>
-          </a:lnRef>
-          <a:fillRef idx="2">
-            <a:schemeClr val="accent4"/>
-          </a:fillRef>
-          <a:effectRef idx="1">
-            <a:schemeClr val="accent4"/>
-          </a:effectRef>
-          <a:fontRef idx="minor">
-            <a:schemeClr val="dk1"/>
-          </a:fontRef>
-        </p:style>
-        <p:txBody>
-          <a:bodyPr/>
-          <a:lstStyle/>
-          <a:p>
-            <a:pPr algn="l" rtl="0">
-              <a:defRPr/>
-            </a:pPr>
-            <a:endParaRPr lang="en-US" kern="1200">
-              <a:solidFill>
-                <a:prstClr val="black"/>
-              </a:solidFill>
-              <a:latin typeface="Constantia"/>
-              <a:ea typeface="+mn-ea"/>
-              <a:cs typeface="+mn-cs"/>
-            </a:endParaRPr>
-          </a:p>
-        </p:txBody>
-      </p:sp>
-      <p:sp>
-        <p:nvSpPr>
-          <p:cNvPr id="24" name="Ovale 23"/>
-          <p:cNvSpPr>
-            <a:spLocks/>
-          </p:cNvSpPr>
-          <p:nvPr userDrawn="1"/>
-        </p:nvSpPr>
-        <p:spPr bwMode="auto">
-          <a:xfrm flipH="1">
-            <a:off x="6548832" y="546060"/>
-            <a:ext cx="360000" cy="360000"/>
-          </a:xfrm>
-          <a:prstGeom prst="ellipse">
-            <a:avLst/>
-          </a:prstGeom>
-          <a:ln>
-            <a:headEnd type="none" w="med" len="med"/>
-            <a:tailEnd type="none" w="med" len="med"/>
-          </a:ln>
-          <a:effectLst>
-            <a:reflection blurRad="6350" stA="50000" endA="300" endPos="90000" dir="5400000" sy="-100000" algn="bl" rotWithShape="0"/>
-          </a:effectLst>
-        </p:spPr>
-        <p:style>
-          <a:lnRef idx="1">
-            <a:schemeClr val="accent4"/>
-          </a:lnRef>
-          <a:fillRef idx="2">
-            <a:schemeClr val="accent4"/>
-          </a:fillRef>
-          <a:effectRef idx="1">
-            <a:schemeClr val="accent4"/>
-          </a:effectRef>
-          <a:fontRef idx="minor">
-            <a:schemeClr val="dk1"/>
-          </a:fontRef>
-        </p:style>
-        <p:txBody>
-          <a:bodyPr/>
-          <a:lstStyle/>
-          <a:p>
-            <a:pPr algn="l" rtl="0">
-              <a:defRPr/>
-            </a:pPr>
-            <a:endParaRPr lang="en-US" kern="1200">
-              <a:solidFill>
-                <a:prstClr val="black"/>
-              </a:solidFill>
-              <a:latin typeface="Constantia"/>
-              <a:ea typeface="+mn-ea"/>
-              <a:cs typeface="+mn-cs"/>
-            </a:endParaRPr>
-          </a:p>
-        </p:txBody>
-      </p:sp>
-      <p:sp>
-        <p:nvSpPr>
-          <p:cNvPr id="1046" name="Segnaposto titolo 8"/>
-          <p:cNvSpPr>
-            <a:spLocks noGrp="1"/>
-          </p:cNvSpPr>
-          <p:nvPr>
-            <p:ph type="title"/>
-          </p:nvPr>
-        </p:nvSpPr>
-        <p:spPr bwMode="auto">
-          <a:xfrm>
-            <a:off x="457200" y="704850"/>
-            <a:ext cx="8229600" cy="1143000"/>
-          </a:xfrm>
-          <a:prstGeom prst="rect">
-            <a:avLst/>
-          </a:prstGeom>
-          <a:noFill/>
-          <a:ln w="9525">
-            <a:noFill/>
-            <a:miter lim="800000"/>
-            <a:headEnd/>
-            <a:tailEnd/>
-          </a:ln>
-        </p:spPr>
-        <p:txBody>
-          <a:bodyPr vert="horz" wrap="square" lIns="0" tIns="45720" rIns="0" bIns="0" numCol="1" anchor="b" anchorCtr="0" compatLnSpc="1">
-            <a:prstTxWarp prst="textNoShape">
-              <a:avLst/>
-            </a:prstTxWarp>
-          </a:bodyPr>
-          <a:lstStyle/>
-          <a:p>
-            <a:pPr lvl="0"/>
-            <a:r>
-              <a:rPr lang="it-IT" smtClean="0"/>
-              <a:t>Fare clic per modificare lo stile del titolo</a:t>
-            </a:r>
-            <a:endParaRPr lang="en-US" smtClean="0"/>
-          </a:p>
-        </p:txBody>
-      </p:sp>
-      <p:sp>
-        <p:nvSpPr>
-          <p:cNvPr id="1047" name="Segnaposto testo 29"/>
-          <p:cNvSpPr>
-            <a:spLocks noGrp="1"/>
-          </p:cNvSpPr>
-          <p:nvPr>
-            <p:ph type="body" idx="1"/>
-          </p:nvPr>
-        </p:nvSpPr>
-        <p:spPr bwMode="auto">
-          <a:xfrm>
-            <a:off x="457200" y="1935163"/>
-            <a:ext cx="8229600" cy="4389437"/>
-          </a:xfrm>
-          <a:prstGeom prst="rect">
-            <a:avLst/>
-          </a:prstGeom>
-          <a:noFill/>
-          <a:ln w="9525">
-            <a:noFill/>
-            <a:miter lim="800000"/>
-            <a:headEnd/>
-            <a:tailEnd/>
-          </a:ln>
-        </p:spPr>
-        <p:txBody>
-          <a:bodyPr vert="horz" wrap="square" lIns="91440" tIns="45720" rIns="91440" bIns="45720" numCol="1" anchor="t" anchorCtr="0" compatLnSpc="1">
-            <a:prstTxWarp prst="textNoShape">
-              <a:avLst/>
-            </a:prstTxWarp>
-          </a:bodyPr>
-          <a:lstStyle/>
-          <a:p>
-            <a:pPr lvl="0"/>
-            <a:r>
-              <a:rPr lang="it-IT" smtClean="0"/>
-              <a:t>Fare clic per modificare stili del testo dello schema</a:t>
-            </a:r>
-          </a:p>
-          <a:p>
-            <a:pPr lvl="1"/>
-            <a:r>
-              <a:rPr lang="it-IT" smtClean="0"/>
-              <a:t>Secondo livello</a:t>
-            </a:r>
-          </a:p>
-          <a:p>
-            <a:pPr lvl="2"/>
-            <a:r>
-              <a:rPr lang="it-IT" smtClean="0"/>
-              <a:t>Terzo livello</a:t>
-            </a:r>
-          </a:p>
-          <a:p>
-            <a:pPr lvl="3"/>
-            <a:r>
-              <a:rPr lang="it-IT" smtClean="0"/>
-              <a:t>Quarto livello</a:t>
-            </a:r>
-          </a:p>
-          <a:p>
-            <a:pPr lvl="4"/>
-            <a:r>
-              <a:rPr lang="it-IT" smtClean="0"/>
-              <a:t>Quinto livello</a:t>
-            </a:r>
-            <a:endParaRPr lang="en-US" smtClean="0"/>
-          </a:p>
-        </p:txBody>
-      </p:sp>
-      <p:pic>
-        <p:nvPicPr>
-          <p:cNvPr id="25" name="Immagine 24" descr="nuovo-2.png"/>
-          <p:cNvPicPr>
-            <a:picLocks noChangeAspect="1"/>
-          </p:cNvPicPr>
-          <p:nvPr userDrawn="1"/>
-        </p:nvPicPr>
-        <p:blipFill>
-          <a:blip r:embed="rId14">
-            <a:grayscl/>
-          </a:blip>
-          <a:stretch>
-            <a:fillRect/>
-          </a:stretch>
-        </p:blipFill>
-        <p:spPr>
-          <a:xfrm>
-            <a:off x="80901" y="6145572"/>
-            <a:ext cx="564771" cy="569598"/>
-          </a:xfrm>
-          <a:prstGeom prst="rect">
-            <a:avLst/>
-          </a:prstGeom>
-          <a:effectLst>
-            <a:outerShdw blurRad="63500" sx="102000" sy="102000" algn="ctr" rotWithShape="0">
-              <a:prstClr val="black">
-                <a:alpha val="40000"/>
-              </a:prstClr>
-            </a:outerShdw>
-            <a:reflection blurRad="6350" stA="52000" endA="300" endPos="35000" dir="5400000" sy="-100000" algn="bl" rotWithShape="0"/>
-          </a:effectLst>
-        </p:spPr>
-      </p:pic>
-    </p:spTree>
-  </p:cSld>
-  <p:clrMap bg1="lt1" tx1="dk1" bg2="lt2" tx2="dk2" accent1="accent1" accent2="accent2" accent3="accent3" accent4="accent4" accent5="accent5" accent6="accent6" hlink="hlink" folHlink="folHlink"/>
-  <p:sldLayoutIdLst>
-    <p:sldLayoutId id="2147483757" r:id="rId1"/>
-    <p:sldLayoutId id="2147483758" r:id="rId2"/>
-    <p:sldLayoutId id="2147483759" r:id="rId3"/>
-    <p:sldLayoutId id="2147483760" r:id="rId4"/>
-    <p:sldLayoutId id="2147483761" r:id="rId5"/>
-    <p:sldLayoutId id="2147483762" r:id="rId6"/>
-    <p:sldLayoutId id="2147483763" r:id="rId7"/>
-    <p:sldLayoutId id="2147483764" r:id="rId8"/>
-    <p:sldLayoutId id="2147483765" r:id="rId9"/>
-    <p:sldLayoutId id="2147483766" r:id="rId10"/>
-    <p:sldLayoutId id="2147483767" r:id="rId11"/>
-  </p:sldLayoutIdLst>
-  <p:hf hdr="0" ftr="0" dt="0"/>
-  <p:txStyles>
-    <p:titleStyle>
-      <a:lvl1pPr algn="l" rtl="0" eaLnBrk="0" fontAlgn="base" hangingPunct="0">
-        <a:spcBef>
-          <a:spcPct val="0"/>
-        </a:spcBef>
-        <a:spcAft>
-          <a:spcPct val="0"/>
-        </a:spcAft>
-        <a:defRPr sz="5000" kern="1200">
-          <a:solidFill>
-            <a:schemeClr val="tx2"/>
-          </a:solidFill>
-          <a:latin typeface="+mj-lt"/>
-          <a:ea typeface="+mj-ea"/>
-          <a:cs typeface="+mj-cs"/>
-        </a:defRPr>
-      </a:lvl1pPr>
-      <a:lvl2pPr algn="l" rtl="0" eaLnBrk="0" fontAlgn="base" hangingPunct="0">
-        <a:spcBef>
-          <a:spcPct val="0"/>
-        </a:spcBef>
-        <a:spcAft>
-          <a:spcPct val="0"/>
-        </a:spcAft>
-        <a:defRPr sz="5000">
-          <a:solidFill>
-            <a:schemeClr val="tx2"/>
-          </a:solidFill>
-          <a:latin typeface="Calibri" pitchFamily="34" charset="0"/>
-        </a:defRPr>
-      </a:lvl2pPr>
-      <a:lvl3pPr algn="l" rtl="0" eaLnBrk="0" fontAlgn="base" hangingPunct="0">
-        <a:spcBef>
-          <a:spcPct val="0"/>
-        </a:spcBef>
-        <a:spcAft>
-          <a:spcPct val="0"/>
-        </a:spcAft>
-        <a:defRPr sz="5000">
-          <a:solidFill>
-            <a:schemeClr val="tx2"/>
-          </a:solidFill>
-          <a:latin typeface="Calibri" pitchFamily="34" charset="0"/>
-        </a:defRPr>
-      </a:lvl3pPr>
-      <a:lvl4pPr algn="l" rtl="0" eaLnBrk="0" fontAlgn="base" hangingPunct="0">
-        <a:spcBef>
-          <a:spcPct val="0"/>
-        </a:spcBef>
-        <a:spcAft>
-          <a:spcPct val="0"/>
-        </a:spcAft>
-        <a:defRPr sz="5000">
-          <a:solidFill>
-            <a:schemeClr val="tx2"/>
-          </a:solidFill>
-          <a:latin typeface="Calibri" pitchFamily="34" charset="0"/>
-        </a:defRPr>
-      </a:lvl4pPr>
-      <a:lvl5pPr algn="l" rtl="0" eaLnBrk="0" fontAlgn="base" hangingPunct="0">
-        <a:spcBef>
-          <a:spcPct val="0"/>
-        </a:spcBef>
-        <a:spcAft>
-          <a:spcPct val="0"/>
-        </a:spcAft>
-        <a:defRPr sz="5000">
-          <a:solidFill>
-            <a:schemeClr val="tx2"/>
-          </a:solidFill>
-          <a:latin typeface="Calibri" pitchFamily="34" charset="0"/>
-        </a:defRPr>
-      </a:lvl5pPr>
-      <a:lvl6pPr marL="457200" algn="l" rtl="0" fontAlgn="base">
-        <a:spcBef>
-          <a:spcPct val="0"/>
-        </a:spcBef>
-        <a:spcAft>
-          <a:spcPct val="0"/>
-        </a:spcAft>
-        <a:defRPr sz="5000">
-          <a:solidFill>
-            <a:schemeClr val="tx2"/>
-          </a:solidFill>
-          <a:latin typeface="Calibri" pitchFamily="34" charset="0"/>
-        </a:defRPr>
-      </a:lvl6pPr>
-      <a:lvl7pPr marL="914400" algn="l" rtl="0" fontAlgn="base">
-        <a:spcBef>
-          <a:spcPct val="0"/>
-        </a:spcBef>
-        <a:spcAft>
-          <a:spcPct val="0"/>
-        </a:spcAft>
-        <a:defRPr sz="5000">
-          <a:solidFill>
-            <a:schemeClr val="tx2"/>
-          </a:solidFill>
-          <a:latin typeface="Calibri" pitchFamily="34" charset="0"/>
-        </a:defRPr>
-      </a:lvl7pPr>
-      <a:lvl8pPr marL="1371600" algn="l" rtl="0" fontAlgn="base">
-        <a:spcBef>
-          <a:spcPct val="0"/>
-        </a:spcBef>
-        <a:spcAft>
-          <a:spcPct val="0"/>
-        </a:spcAft>
-        <a:defRPr sz="5000">
-          <a:solidFill>
-            <a:schemeClr val="tx2"/>
-          </a:solidFill>
-          <a:latin typeface="Calibri" pitchFamily="34" charset="0"/>
-        </a:defRPr>
-      </a:lvl8pPr>
-      <a:lvl9pPr marL="1828800" algn="l" rtl="0" fontAlgn="base">
-        <a:spcBef>
-          <a:spcPct val="0"/>
-        </a:spcBef>
-        <a:spcAft>
-          <a:spcPct val="0"/>
-        </a:spcAft>
-        <a:defRPr sz="5000">
-          <a:solidFill>
-            <a:schemeClr val="tx2"/>
-          </a:solidFill>
-          <a:latin typeface="Calibri" pitchFamily="34" charset="0"/>
-        </a:defRPr>
-      </a:lvl9pPr>
-    </p:titleStyle>
-    <p:bodyStyle>
-      <a:lvl1pPr marL="273050" indent="-273050" algn="l" rtl="0" eaLnBrk="0" fontAlgn="base" hangingPunct="0">
-        <a:spcBef>
-          <a:spcPct val="20000"/>
-        </a:spcBef>
-        <a:spcAft>
-          <a:spcPct val="0"/>
-        </a:spcAft>
-        <a:buClr>
-          <a:srgbClr val="8D89A4"/>
-        </a:buClr>
-        <a:buSzPct val="95000"/>
-        <a:buFont typeface="Wingdings 2" pitchFamily="18" charset="2"/>
-        <a:buChar char=""/>
-        <a:defRPr sz="2600" kern="1200">
-          <a:solidFill>
-            <a:schemeClr val="tx1"/>
-          </a:solidFill>
-          <a:latin typeface="+mn-lt"/>
-          <a:ea typeface="+mn-ea"/>
-          <a:cs typeface="+mn-cs"/>
-        </a:defRPr>
-      </a:lvl1pPr>
-      <a:lvl2pPr marL="639763" indent="-246063" algn="l" rtl="0" eaLnBrk="0" fontAlgn="base" hangingPunct="0">
-        <a:spcBef>
-          <a:spcPct val="20000"/>
-        </a:spcBef>
-        <a:spcAft>
-          <a:spcPct val="0"/>
-        </a:spcAft>
-        <a:buClr>
-          <a:schemeClr val="accent1"/>
-        </a:buClr>
-        <a:buSzPct val="85000"/>
-        <a:buFont typeface="Wingdings 2" pitchFamily="18" charset="2"/>
-        <a:buChar char=""/>
-        <a:defRPr sz="2400" kern="1200">
-          <a:solidFill>
-            <a:schemeClr val="tx1"/>
-          </a:solidFill>
-          <a:latin typeface="+mn-lt"/>
-          <a:ea typeface="+mn-ea"/>
-          <a:cs typeface="+mn-cs"/>
-        </a:defRPr>
-      </a:lvl2pPr>
-      <a:lvl3pPr marL="914400" indent="-246063" algn="l" rtl="0" eaLnBrk="0" fontAlgn="base" hangingPunct="0">
-        <a:spcBef>
-          <a:spcPct val="20000"/>
-        </a:spcBef>
-        <a:spcAft>
-          <a:spcPct val="0"/>
-        </a:spcAft>
-        <a:buClr>
-          <a:schemeClr val="accent2"/>
-        </a:buClr>
-        <a:buSzPct val="70000"/>
-        <a:buFont typeface="Wingdings 2" pitchFamily="18" charset="2"/>
-        <a:buChar char=""/>
-        <a:defRPr sz="2100" kern="1200">
-          <a:solidFill>
-            <a:schemeClr val="tx1"/>
-          </a:solidFill>
-          <a:latin typeface="+mn-lt"/>
-          <a:ea typeface="+mn-ea"/>
-          <a:cs typeface="+mn-cs"/>
-        </a:defRPr>
-      </a:lvl3pPr>
-      <a:lvl4pPr marL="1187450" indent="-209550" algn="l" rtl="0" eaLnBrk="0" fontAlgn="base" hangingPunct="0">
-        <a:spcBef>
-          <a:spcPct val="20000"/>
-        </a:spcBef>
-        <a:spcAft>
-          <a:spcPct val="0"/>
-        </a:spcAft>
-        <a:buClr>
-          <a:srgbClr val="8D89A4"/>
-        </a:buClr>
-        <a:buSzPct val="65000"/>
-        <a:buFont typeface="Wingdings 2" pitchFamily="18" charset="2"/>
-        <a:buChar char=""/>
-        <a:defRPr sz="2000" kern="1200">
-          <a:solidFill>
-            <a:schemeClr val="tx1"/>
-          </a:solidFill>
-          <a:latin typeface="+mn-lt"/>
-          <a:ea typeface="+mn-ea"/>
-          <a:cs typeface="+mn-cs"/>
-        </a:defRPr>
-      </a:lvl4pPr>
-      <a:lvl5pPr marL="1462088" indent="-209550" algn="l" rtl="0" eaLnBrk="0" fontAlgn="base" hangingPunct="0">
-        <a:spcBef>
-          <a:spcPct val="20000"/>
-        </a:spcBef>
-        <a:spcAft>
-          <a:spcPct val="0"/>
-        </a:spcAft>
-        <a:buClr>
-          <a:srgbClr val="748560"/>
-        </a:buClr>
-        <a:buSzPct val="65000"/>
-        <a:buFont typeface="Wingdings 2" pitchFamily="18" charset="2"/>
-        <a:buChar char=""/>
-        <a:defRPr sz="2000" kern="1200">
-          <a:solidFill>
-            <a:schemeClr val="tx1"/>
-          </a:solidFill>
-          <a:latin typeface="+mn-lt"/>
-          <a:ea typeface="+mn-ea"/>
-          <a:cs typeface="+mn-cs"/>
-        </a:defRPr>
-      </a:lvl5pPr>
-      <a:lvl6pPr marL="1737360" indent="-210312" algn="l" rtl="0" eaLnBrk="1" latinLnBrk="0" hangingPunct="1">
-        <a:spcBef>
-          <a:spcPct val="20000"/>
-        </a:spcBef>
-        <a:buClr>
-          <a:schemeClr val="accent5"/>
-        </a:buClr>
-        <a:buSzPct val="80000"/>
-        <a:buFont typeface="Wingdings 2"/>
-        <a:buChar char=""/>
-        <a:defRPr kumimoji="0" sz="1800" kern="1200">
-          <a:solidFill>
-            <a:schemeClr val="tx1"/>
-          </a:solidFill>
-          <a:latin typeface="+mn-lt"/>
-          <a:ea typeface="+mn-ea"/>
-          <a:cs typeface="+mn-cs"/>
-        </a:defRPr>
-      </a:lvl6pPr>
-      <a:lvl7pPr marL="1920240" indent="-182880" algn="l" rtl="0" eaLnBrk="1" latinLnBrk="0" hangingPunct="1">
-        <a:spcBef>
-          <a:spcPct val="20000"/>
-        </a:spcBef>
-        <a:buClr>
-          <a:schemeClr val="accent6"/>
-        </a:buClr>
-        <a:buSzPct val="80000"/>
-        <a:buFont typeface="Wingdings 2"/>
-        <a:buChar char=""/>
-        <a:defRPr kumimoji="0" sz="1600" kern="1200" baseline="0">
-          <a:solidFill>
-            <a:schemeClr val="tx1"/>
-          </a:solidFill>
-          <a:latin typeface="+mn-lt"/>
-          <a:ea typeface="+mn-ea"/>
-          <a:cs typeface="+mn-cs"/>
-        </a:defRPr>
-      </a:lvl7pPr>
-      <a:lvl8pPr marL="2194560" indent="-182880" algn="l" rtl="0" eaLnBrk="1" latinLnBrk="0" hangingPunct="1">
-        <a:spcBef>
-          <a:spcPct val="20000"/>
-        </a:spcBef>
-        <a:buClr>
-          <a:schemeClr val="tx2"/>
-        </a:buClr>
-        <a:buChar char="•"/>
-        <a:defRPr kumimoji="0" sz="1600" kern="1200">
-          <a:solidFill>
-            <a:schemeClr val="tx1"/>
-          </a:solidFill>
-          <a:latin typeface="+mn-lt"/>
-          <a:ea typeface="+mn-ea"/>
-          <a:cs typeface="+mn-cs"/>
-        </a:defRPr>
-      </a:lvl8pPr>
-      <a:lvl9pPr marL="2468880" indent="-182880" algn="l" rtl="0" eaLnBrk="1" latinLnBrk="0" hangingPunct="1">
-        <a:spcBef>
-          <a:spcPct val="20000"/>
-        </a:spcBef>
-        <a:buClr>
-          <a:schemeClr val="tx2"/>
-        </a:buClr>
-        <a:buFontTx/>
-        <a:buChar char="•"/>
-        <a:defRPr kumimoji="0" sz="1400" kern="1200" baseline="0">
-          <a:solidFill>
-            <a:schemeClr val="tx1"/>
-          </a:solidFill>
-          <a:latin typeface="+mn-lt"/>
-          <a:ea typeface="+mn-ea"/>
-          <a:cs typeface="+mn-cs"/>
-        </a:defRPr>
-      </a:lvl9pPr>
-    </p:bodyStyle>
-    <p:otherStyle>
-      <a:lvl1pPr marL="0" algn="l" rtl="0" eaLnBrk="1" latinLnBrk="0" hangingPunct="1">
-        <a:defRPr kumimoji="0" kern="1200">
-          <a:solidFill>
-            <a:schemeClr val="tx1"/>
-          </a:solidFill>
-          <a:latin typeface="+mn-lt"/>
-          <a:ea typeface="+mn-ea"/>
-          <a:cs typeface="+mn-cs"/>
-        </a:defRPr>
-      </a:lvl1pPr>
-      <a:lvl2pPr marL="457200" algn="l" rtl="0" eaLnBrk="1" latinLnBrk="0" hangingPunct="1">
-        <a:defRPr kumimoji="0" kern="1200">
-          <a:solidFill>
-            <a:schemeClr val="tx1"/>
-          </a:solidFill>
-          <a:latin typeface="+mn-lt"/>
-          <a:ea typeface="+mn-ea"/>
-          <a:cs typeface="+mn-cs"/>
-        </a:defRPr>
-      </a:lvl2pPr>
-      <a:lvl3pPr marL="914400" algn="l" rtl="0" eaLnBrk="1" latinLnBrk="0" hangingPunct="1">
-        <a:defRPr kumimoji="0" kern="1200">
-          <a:solidFill>
-            <a:schemeClr val="tx1"/>
-          </a:solidFill>
-          <a:latin typeface="+mn-lt"/>
-          <a:ea typeface="+mn-ea"/>
-          <a:cs typeface="+mn-cs"/>
-        </a:defRPr>
-      </a:lvl3pPr>
-      <a:lvl4pPr marL="1371600" algn="l" rtl="0" eaLnBrk="1" latinLnBrk="0" hangingPunct="1">
-        <a:defRPr kumimoji="0" kern="1200">
-          <a:solidFill>
-            <a:schemeClr val="tx1"/>
-          </a:solidFill>
-          <a:latin typeface="+mn-lt"/>
-          <a:ea typeface="+mn-ea"/>
-          <a:cs typeface="+mn-cs"/>
-        </a:defRPr>
-      </a:lvl4pPr>
-      <a:lvl5pPr marL="1828800" algn="l" rtl="0" eaLnBrk="1" latinLnBrk="0" hangingPunct="1">
-        <a:defRPr kumimoji="0" kern="1200">
-          <a:solidFill>
-            <a:schemeClr val="tx1"/>
-          </a:solidFill>
-          <a:latin typeface="+mn-lt"/>
-          <a:ea typeface="+mn-ea"/>
-          <a:cs typeface="+mn-cs"/>
-        </a:defRPr>
-      </a:lvl5pPr>
-      <a:lvl6pPr marL="2286000" algn="l" rtl="0" eaLnBrk="1" latinLnBrk="0" hangingPunct="1">
-        <a:defRPr kumimoji="0" kern="1200">
-          <a:solidFill>
-            <a:schemeClr val="tx1"/>
-          </a:solidFill>
-          <a:latin typeface="+mn-lt"/>
-          <a:ea typeface="+mn-ea"/>
-          <a:cs typeface="+mn-cs"/>
-        </a:defRPr>
-      </a:lvl6pPr>
-      <a:lvl7pPr marL="2743200" algn="l" rtl="0" eaLnBrk="1" latinLnBrk="0" hangingPunct="1">
-        <a:defRPr kumimoji="0" kern="1200">
-          <a:solidFill>
-            <a:schemeClr val="tx1"/>
-          </a:solidFill>
-          <a:latin typeface="+mn-lt"/>
-          <a:ea typeface="+mn-ea"/>
-          <a:cs typeface="+mn-cs"/>
-        </a:defRPr>
-      </a:lvl7pPr>
-      <a:lvl8pPr marL="3200400" algn="l" rtl="0" eaLnBrk="1" latinLnBrk="0" hangingPunct="1">
-        <a:defRPr kumimoji="0" kern="1200">
-          <a:solidFill>
-            <a:schemeClr val="tx1"/>
-          </a:solidFill>
-          <a:latin typeface="+mn-lt"/>
-          <a:ea typeface="+mn-ea"/>
-          <a:cs typeface="+mn-cs"/>
-        </a:defRPr>
-      </a:lvl8pPr>
-      <a:lvl9pPr marL="3657600" algn="l" rtl="0" eaLnBrk="1" latinLnBrk="0" hangingPunct="1">
-        <a:defRPr kumimoji="0" kern="1200">
-          <a:solidFill>
-            <a:schemeClr val="tx1"/>
-          </a:solidFill>
-          <a:latin typeface="+mn-lt"/>
-          <a:ea typeface="+mn-ea"/>
-          <a:cs typeface="+mn-cs"/>
-        </a:defRPr>
-      </a:lvl9pPr>
-    </p:otherStyle>
-  </p:txStyles>
-</p:sldMaster>
-</file>
-
 <file path=ppt/slides/slide1.xml><?xml version="1.0" encoding="utf-8"?>
 <p:sld xmlns:a="http://schemas.openxmlformats.org/drawingml/2006/main" xmlns:r="http://schemas.openxmlformats.org/officeDocument/2006/relationships" xmlns:p="http://schemas.openxmlformats.org/presentationml/2006/main">
   <p:cSld>
@@ -28550,7 +23219,11 @@
           <a:p>
             <a:r>
               <a:rPr lang="it-IT" dirty="0" smtClean="0"/>
-              <a:t>Configurazione Distribuita Demo</a:t>
+              <a:t>Configurazione Demo </a:t>
+            </a:r>
+            <a:r>
+              <a:rPr lang="it-IT" dirty="0" smtClean="0"/>
+              <a:t>Distribuita</a:t>
             </a:r>
             <a:endParaRPr lang="it-IT" dirty="0"/>
           </a:p>
@@ -28566,7 +23239,12 @@
             <p:ph idx="1"/>
           </p:nvPr>
         </p:nvSpPr>
-        <p:spPr/>
+        <p:spPr>
+          <a:xfrm>
+            <a:off x="226953" y="763551"/>
+            <a:ext cx="8229600" cy="4389120"/>
+          </a:xfrm>
+        </p:spPr>
         <p:txBody>
           <a:bodyPr/>
           <a:lstStyle/>
@@ -28625,7 +23303,7 @@
         </p:nvGrpSpPr>
         <p:grpSpPr>
           <a:xfrm>
-            <a:off x="920700" y="4124325"/>
+            <a:off x="620512" y="2698740"/>
             <a:ext cx="1505117" cy="1458942"/>
             <a:chOff x="920700" y="4124325"/>
             <a:chExt cx="1505117" cy="1458942"/>
@@ -28837,8 +23515,8 @@
         </p:nvSpPr>
         <p:spPr>
           <a:xfrm>
-            <a:off x="3258180" y="3227418"/>
-            <a:ext cx="5731893" cy="3341700"/>
+            <a:off x="3258180" y="2041506"/>
+            <a:ext cx="5731893" cy="4527612"/>
           </a:xfrm>
           <a:prstGeom prst="roundRect">
             <a:avLst>
@@ -28940,7 +23618,7 @@
         </p:blipFill>
         <p:spPr bwMode="auto">
           <a:xfrm>
-            <a:off x="3159156" y="3146430"/>
+            <a:off x="3159156" y="1941501"/>
             <a:ext cx="3676650" cy="647700"/>
           </a:xfrm>
           <a:prstGeom prst="roundRect">
@@ -28964,498 +23642,323 @@
           </a:effectLst>
         </p:spPr>
       </p:pic>
-    </p:spTree>
-  </p:cSld>
-  <p:clrMapOvr>
-    <a:masterClrMapping/>
-  </p:clrMapOvr>
-</p:sld>
-</file>
-
-<file path=ppt/slides/slide29.xml><?xml version="1.0" encoding="utf-8"?>
-<p:sld xmlns:a="http://schemas.openxmlformats.org/drawingml/2006/main" xmlns:r="http://schemas.openxmlformats.org/officeDocument/2006/relationships" xmlns:p="http://schemas.openxmlformats.org/presentationml/2006/main">
-  <p:cSld>
-    <p:spTree>
-      <p:nvGrpSpPr>
-        <p:cNvPr id="1" name=""/>
-        <p:cNvGrpSpPr/>
-        <p:nvPr/>
-      </p:nvGrpSpPr>
-      <p:grpSpPr>
-        <a:xfrm>
-          <a:off x="0" y="0"/>
-          <a:ext cx="0" cy="0"/>
-          <a:chOff x="0" y="0"/>
-          <a:chExt cx="0" cy="0"/>
-        </a:xfrm>
-      </p:grpSpPr>
+      <p:cxnSp>
+        <p:nvCxnSpPr>
+          <p:cNvPr id="29" name="Connettore 1 28"/>
+          <p:cNvCxnSpPr>
+            <a:stCxn id="36" idx="4"/>
+          </p:cNvCxnSpPr>
+          <p:nvPr/>
+        </p:nvCxnSpPr>
+        <p:spPr>
+          <a:xfrm flipV="1">
+            <a:off x="2855889" y="5360989"/>
+            <a:ext cx="402291" cy="465046"/>
+          </a:xfrm>
+          <a:prstGeom prst="line">
+            <a:avLst/>
+          </a:prstGeom>
+          <a:noFill/>
+          <a:ln w="31750" cap="flat" cmpd="sng" algn="ctr">
+            <a:solidFill>
+              <a:sysClr val="windowText" lastClr="000000">
+                <a:alpha val="20000"/>
+              </a:sysClr>
+            </a:solidFill>
+            <a:prstDash val="solid"/>
+            <a:headEnd type="oval"/>
+            <a:tailEnd type="oval"/>
+          </a:ln>
+          <a:effectLst/>
+        </p:spPr>
+      </p:cxnSp>
+      <p:cxnSp>
+        <p:nvCxnSpPr>
+          <p:cNvPr id="30" name="Connettore 1 29"/>
+          <p:cNvCxnSpPr>
+            <a:stCxn id="28" idx="3"/>
+            <a:endCxn id="36" idx="2"/>
+          </p:cNvCxnSpPr>
+          <p:nvPr/>
+        </p:nvCxnSpPr>
+        <p:spPr>
+          <a:xfrm>
+            <a:off x="1781175" y="5437190"/>
+            <a:ext cx="462714" cy="388845"/>
+          </a:xfrm>
+          <a:prstGeom prst="line">
+            <a:avLst/>
+          </a:prstGeom>
+          <a:noFill/>
+          <a:ln w="31750" cap="flat" cmpd="sng" algn="ctr">
+            <a:solidFill>
+              <a:sysClr val="windowText" lastClr="000000">
+                <a:alpha val="20000"/>
+              </a:sysClr>
+            </a:solidFill>
+            <a:prstDash val="solid"/>
+            <a:headEnd type="oval"/>
+            <a:tailEnd type="oval"/>
+          </a:ln>
+          <a:effectLst/>
+        </p:spPr>
+      </p:cxnSp>
+      <p:cxnSp>
+        <p:nvCxnSpPr>
+          <p:cNvPr id="31" name="Connettore 1 30"/>
+          <p:cNvCxnSpPr/>
+          <p:nvPr/>
+        </p:nvCxnSpPr>
+        <p:spPr>
+          <a:xfrm>
+            <a:off x="1793875" y="4898268"/>
+            <a:ext cx="1464305" cy="1588"/>
+          </a:xfrm>
+          <a:prstGeom prst="line">
+            <a:avLst/>
+          </a:prstGeom>
+          <a:noFill/>
+          <a:ln w="31750" cap="flat" cmpd="sng" algn="ctr">
+            <a:solidFill>
+              <a:sysClr val="windowText" lastClr="000000">
+                <a:alpha val="20000"/>
+              </a:sysClr>
+            </a:solidFill>
+            <a:prstDash val="solid"/>
+            <a:headEnd type="oval"/>
+            <a:tailEnd type="oval"/>
+          </a:ln>
+          <a:effectLst/>
+        </p:spPr>
+      </p:cxnSp>
       <p:sp>
         <p:nvSpPr>
-          <p:cNvPr id="60" name="Rettangolo arrotondato 59"/>
+          <p:cNvPr id="36" name="Cilindro 35"/>
           <p:cNvSpPr/>
           <p:nvPr/>
         </p:nvSpPr>
         <p:spPr>
           <a:xfrm>
-            <a:off x="153988" y="3981450"/>
-            <a:ext cx="1627187" cy="2039938"/>
+            <a:off x="2243889" y="5510241"/>
+            <a:ext cx="612000" cy="631588"/>
           </a:xfrm>
-          <a:prstGeom prst="roundRect">
+          <a:prstGeom prst="can">
             <a:avLst>
-              <a:gd name="adj" fmla="val 4710"/>
+              <a:gd name="adj" fmla="val 33417"/>
             </a:avLst>
           </a:prstGeom>
-          <a:noFill/>
-          <a:ln>
+          <a:gradFill rotWithShape="1">
+            <a:gsLst>
+              <a:gs pos="0">
+                <a:srgbClr val="8D89A4">
+                  <a:tint val="35000"/>
+                  <a:satMod val="260000"/>
+                </a:srgbClr>
+              </a:gs>
+              <a:gs pos="30000">
+                <a:srgbClr val="8D89A4">
+                  <a:tint val="38000"/>
+                  <a:satMod val="260000"/>
+                </a:srgbClr>
+              </a:gs>
+              <a:gs pos="75000">
+                <a:srgbClr val="8D89A4">
+                  <a:tint val="55000"/>
+                  <a:satMod val="255000"/>
+                </a:srgbClr>
+              </a:gs>
+              <a:gs pos="100000">
+                <a:srgbClr val="8D89A4">
+                  <a:tint val="70000"/>
+                  <a:satMod val="255000"/>
+                </a:srgbClr>
+              </a:gs>
+            </a:gsLst>
+            <a:path path="circle">
+              <a:fillToRect l="5000" t="100000" r="120000" b="10000"/>
+            </a:path>
+          </a:gradFill>
+          <a:ln w="12700" cap="flat" cmpd="sng" algn="ctr">
             <a:solidFill>
-              <a:schemeClr val="accent6">
+              <a:srgbClr val="8D89A4">
                 <a:shade val="70000"/>
                 <a:satMod val="150000"/>
-                <a:alpha val="50000"/>
-              </a:schemeClr>
+              </a:srgbClr>
             </a:solidFill>
+            <a:prstDash val="solid"/>
           </a:ln>
-          <a:effectLst/>
+          <a:effectLst>
+            <a:outerShdw blurRad="50800" dist="25000" dir="5400000" rotWithShape="0">
+              <a:srgbClr val="000000">
+                <a:alpha val="40000"/>
+              </a:srgbClr>
+            </a:outerShdw>
+          </a:effectLst>
         </p:spPr>
-        <p:style>
-          <a:lnRef idx="1">
-            <a:schemeClr val="accent6"/>
-          </a:lnRef>
-          <a:fillRef idx="2">
-            <a:schemeClr val="accent6"/>
-          </a:fillRef>
-          <a:effectRef idx="1">
-            <a:schemeClr val="accent6"/>
-          </a:effectRef>
-          <a:fontRef idx="minor">
-            <a:schemeClr val="dk1"/>
-          </a:fontRef>
-        </p:style>
         <p:txBody>
-          <a:bodyPr lIns="36000" tIns="0" rIns="36000" bIns="36000"/>
+          <a:bodyPr lIns="36000" tIns="36000" rIns="36000" bIns="36000" anchor="ctr"/>
           <a:lstStyle/>
           <a:p>
-            <a:pPr algn="ctr" rtl="0" fontAlgn="base">
+            <a:pPr marL="0" marR="0" lvl="0" indent="0" algn="ctr" defTabSz="914400" rtl="0" eaLnBrk="1" fontAlgn="base" latinLnBrk="0" hangingPunct="1">
+              <a:lnSpc>
+                <a:spcPct val="100000"/>
+              </a:lnSpc>
               <a:spcBef>
                 <a:spcPct val="0"/>
               </a:spcBef>
               <a:spcAft>
                 <a:spcPct val="0"/>
               </a:spcAft>
+              <a:buClrTx/>
+              <a:buSzTx/>
+              <a:buFontTx/>
+              <a:buNone/>
+              <a:tabLst/>
               <a:defRPr/>
             </a:pPr>
             <a:r>
-              <a:rPr lang="it-IT" b="1" kern="1200" dirty="0">
+              <a:rPr kumimoji="0" lang="it-IT" sz="1600" b="1" i="0" u="none" strike="noStrike" kern="1200" cap="none" spc="0" normalizeH="0" baseline="0" noProof="0" dirty="0">
+                <a:ln>
+                  <a:noFill/>
+                </a:ln>
                 <a:solidFill>
                   <a:prstClr val="black"/>
                 </a:solidFill>
+                <a:effectLst/>
+                <a:uLnTx/>
+                <a:uFillTx/>
                 <a:latin typeface="Calibri"/>
                 <a:ea typeface="+mn-ea"/>
                 <a:cs typeface="+mn-cs"/>
               </a:rPr>
-              <a:t>FORNITORI</a:t>
+              <a:t>UDDI</a:t>
             </a:r>
           </a:p>
         </p:txBody>
       </p:sp>
-      <p:sp>
-        <p:nvSpPr>
-          <p:cNvPr id="25" name="Rettangolo arrotondato 24"/>
-          <p:cNvSpPr/>
+      <p:grpSp>
+        <p:nvGrpSpPr>
+          <p:cNvPr id="39" name="Gruppo 38"/>
+          <p:cNvGrpSpPr/>
           <p:nvPr/>
-        </p:nvSpPr>
-        <p:spPr>
+        </p:nvGrpSpPr>
+        <p:grpSpPr>
           <a:xfrm>
-            <a:off x="3258180" y="1128681"/>
-            <a:ext cx="5731893" cy="4765707"/>
+            <a:off x="153988" y="4706940"/>
+            <a:ext cx="1627187" cy="1460535"/>
+            <a:chOff x="153988" y="4560888"/>
+            <a:chExt cx="1627187" cy="1460535"/>
           </a:xfrm>
-          <a:prstGeom prst="roundRect">
-            <a:avLst>
-              <a:gd name="adj" fmla="val 1672"/>
-            </a:avLst>
-          </a:prstGeom>
-          <a:gradFill flip="none" rotWithShape="1">
-            <a:gsLst>
-              <a:gs pos="0">
-                <a:schemeClr val="bg1">
-                  <a:alpha val="0"/>
-                </a:schemeClr>
-              </a:gs>
-              <a:gs pos="30000">
-                <a:schemeClr val="accent3">
-                  <a:tint val="38000"/>
-                  <a:satMod val="260000"/>
-                  <a:alpha val="10000"/>
-                </a:schemeClr>
-              </a:gs>
-              <a:gs pos="75000">
-                <a:schemeClr val="accent3">
-                  <a:tint val="55000"/>
-                  <a:satMod val="255000"/>
-                  <a:alpha val="20000"/>
-                </a:schemeClr>
-              </a:gs>
-              <a:gs pos="100000">
-                <a:schemeClr val="accent3">
-                  <a:tint val="70000"/>
-                  <a:satMod val="255000"/>
-                  <a:alpha val="20000"/>
-                </a:schemeClr>
-              </a:gs>
-            </a:gsLst>
-            <a:path path="circle">
-              <a:fillToRect l="50000" t="50000" r="50000" b="50000"/>
-            </a:path>
-            <a:tileRect/>
-          </a:gradFill>
-          <a:ln w="15875" cap="rnd">
-            <a:solidFill>
-              <a:schemeClr val="accent1">
-                <a:lumMod val="50000"/>
-                <a:alpha val="50000"/>
-              </a:schemeClr>
-            </a:solidFill>
-            <a:round/>
-          </a:ln>
-        </p:spPr>
-        <p:style>
-          <a:lnRef idx="2">
-            <a:schemeClr val="accent1">
-              <a:shade val="50000"/>
-            </a:schemeClr>
-          </a:lnRef>
-          <a:fillRef idx="1">
-            <a:schemeClr val="accent1"/>
-          </a:fillRef>
-          <a:effectRef idx="0">
-            <a:schemeClr val="accent1"/>
-          </a:effectRef>
-          <a:fontRef idx="minor">
-            <a:schemeClr val="lt1"/>
-          </a:fontRef>
-        </p:style>
-        <p:txBody>
-          <a:bodyPr anchor="ctr"/>
-          <a:lstStyle/>
-          <a:p>
-            <a:pPr algn="ctr" rtl="0">
-              <a:defRPr/>
-            </a:pPr>
-            <a:endParaRPr lang="it-IT" kern="1200">
+        </p:grpSpPr>
+        <p:sp>
+          <p:nvSpPr>
+            <p:cNvPr id="28" name="Rettangolo arrotondato 27"/>
+            <p:cNvSpPr/>
+            <p:nvPr/>
+          </p:nvSpPr>
+          <p:spPr>
+            <a:xfrm>
+              <a:off x="153988" y="4560888"/>
+              <a:ext cx="1627187" cy="1460500"/>
+            </a:xfrm>
+            <a:prstGeom prst="roundRect">
+              <a:avLst>
+                <a:gd name="adj" fmla="val 4710"/>
+              </a:avLst>
+            </a:prstGeom>
+            <a:noFill/>
+            <a:ln w="12700" cap="flat" cmpd="sng" algn="ctr">
               <a:solidFill>
-                <a:prstClr val="white"/>
+                <a:srgbClr val="7E848D">
+                  <a:shade val="70000"/>
+                  <a:satMod val="150000"/>
+                  <a:alpha val="50000"/>
+                </a:srgbClr>
               </a:solidFill>
-              <a:latin typeface="Constantia"/>
-              <a:ea typeface="+mn-ea"/>
-              <a:cs typeface="+mn-cs"/>
-            </a:endParaRPr>
-          </a:p>
-        </p:txBody>
-      </p:sp>
-      <p:sp>
-        <p:nvSpPr>
-          <p:cNvPr id="11" name="Rettangolo arrotondato 10"/>
-          <p:cNvSpPr/>
-          <p:nvPr/>
-        </p:nvSpPr>
-        <p:spPr>
-          <a:xfrm>
-            <a:off x="144463" y="269875"/>
-            <a:ext cx="8855075" cy="663575"/>
-          </a:xfrm>
-          <a:prstGeom prst="roundRect">
-            <a:avLst>
-              <a:gd name="adj" fmla="val 9760"/>
-            </a:avLst>
-          </a:prstGeom>
-          <a:solidFill>
-            <a:schemeClr val="bg1">
-              <a:alpha val="60000"/>
-            </a:schemeClr>
-          </a:solidFill>
-          <a:ln>
-            <a:solidFill>
-              <a:schemeClr val="bg1">
-                <a:lumMod val="75000"/>
-                <a:alpha val="50000"/>
-              </a:schemeClr>
-            </a:solidFill>
-          </a:ln>
-          <a:effectLst/>
-        </p:spPr>
-        <p:style>
-          <a:lnRef idx="1">
-            <a:schemeClr val="accent3"/>
-          </a:lnRef>
-          <a:fillRef idx="2">
-            <a:schemeClr val="accent3"/>
-          </a:fillRef>
-          <a:effectRef idx="1">
-            <a:schemeClr val="accent3"/>
-          </a:effectRef>
-          <a:fontRef idx="minor">
-            <a:schemeClr val="dk1"/>
-          </a:fontRef>
-        </p:style>
-        <p:txBody>
-          <a:bodyPr wrap="none" lIns="36000" tIns="36000" rIns="36000" bIns="36000" anchor="ctr">
-            <a:spAutoFit/>
-          </a:bodyPr>
-          <a:lstStyle/>
-          <a:p>
-            <a:pPr algn="l" rtl="0">
-              <a:defRPr/>
-            </a:pPr>
-            <a:r>
-              <a:rPr lang="it-IT" sz="3600" b="1" kern="1200" dirty="0">
-                <a:solidFill>
-                  <a:srgbClr val="0070C0"/>
-                </a:solidFill>
-                <a:latin typeface="Calibri"/>
-                <a:ea typeface="+mn-ea"/>
-                <a:cs typeface="+mn-cs"/>
-              </a:rPr>
-              <a:t>Architettura Hardware &amp; Infrastruttura di rete</a:t>
-            </a:r>
-            <a:endParaRPr lang="it-IT" sz="2000" b="1" kern="1200" dirty="0">
-              <a:solidFill>
-                <a:srgbClr val="0070C0"/>
-              </a:solidFill>
-              <a:latin typeface="Constantia"/>
-              <a:ea typeface="+mn-ea"/>
-              <a:cs typeface="+mn-cs"/>
-            </a:endParaRPr>
-          </a:p>
-        </p:txBody>
-      </p:sp>
-      <p:sp>
-        <p:nvSpPr>
-          <p:cNvPr id="13" name="Segnaposto numero diapositiva 12"/>
-          <p:cNvSpPr>
-            <a:spLocks noGrp="1"/>
-          </p:cNvSpPr>
-          <p:nvPr>
-            <p:ph type="sldNum" sz="quarter" idx="12"/>
-          </p:nvPr>
-        </p:nvSpPr>
-        <p:spPr/>
-        <p:txBody>
-          <a:bodyPr/>
-          <a:lstStyle/>
-          <a:p>
-            <a:pPr algn="r" rtl="0">
-              <a:defRPr/>
-            </a:pPr>
-            <a:fld id="{D2A676AE-C959-4EB6-B9FD-28F42A1180E9}" type="slidenum">
-              <a:rPr lang="it-IT" kern="1200">
-                <a:solidFill>
-                  <a:srgbClr val="3B3B3B">
-                    <a:shade val="90000"/>
-                  </a:srgbClr>
-                </a:solidFill>
-                <a:effectLst>
-                  <a:reflection blurRad="6350" stA="55000" endA="300" endPos="45500" dir="5400000" sy="-100000" algn="bl" rotWithShape="0"/>
-                </a:effectLst>
-                <a:latin typeface="Calibri"/>
-                <a:ea typeface="+mn-ea"/>
-                <a:cs typeface="+mn-cs"/>
-              </a:rPr>
-              <a:pPr algn="r" rtl="0">
+              <a:prstDash val="solid"/>
+            </a:ln>
+            <a:effectLst/>
+          </p:spPr>
+          <p:txBody>
+            <a:bodyPr lIns="36000" tIns="0" rIns="36000" bIns="36000"/>
+            <a:lstStyle/>
+            <a:p>
+              <a:pPr marL="0" marR="0" lvl="0" indent="0" algn="ctr" defTabSz="914400" rtl="0" eaLnBrk="1" fontAlgn="base" latinLnBrk="0" hangingPunct="1">
+                <a:lnSpc>
+                  <a:spcPct val="100000"/>
+                </a:lnSpc>
+                <a:spcBef>
+                  <a:spcPct val="0"/>
+                </a:spcBef>
+                <a:spcAft>
+                  <a:spcPct val="0"/>
+                </a:spcAft>
+                <a:buClrTx/>
+                <a:buSzTx/>
+                <a:buFontTx/>
+                <a:buNone/>
+                <a:tabLst/>
                 <a:defRPr/>
               </a:pPr>
-              <a:t>29</a:t>
-            </a:fld>
-            <a:endParaRPr lang="it-IT" kern="1200">
-              <a:solidFill>
-                <a:srgbClr val="3B3B3B">
-                  <a:shade val="90000"/>
-                </a:srgbClr>
-              </a:solidFill>
-              <a:effectLst>
-                <a:reflection blurRad="6350" stA="55000" endA="300" endPos="45500" dir="5400000" sy="-100000" algn="bl" rotWithShape="0"/>
-              </a:effectLst>
-              <a:latin typeface="Calibri"/>
-              <a:ea typeface="+mn-ea"/>
-              <a:cs typeface="+mn-cs"/>
-            </a:endParaRPr>
-          </a:p>
-        </p:txBody>
-      </p:sp>
+              <a:r>
+                <a:rPr kumimoji="0" lang="it-IT" sz="1800" b="1" i="0" u="none" strike="noStrike" kern="1200" cap="none" spc="0" normalizeH="0" baseline="0" noProof="0" dirty="0">
+                  <a:ln>
+                    <a:noFill/>
+                  </a:ln>
+                  <a:solidFill>
+                    <a:prstClr val="black"/>
+                  </a:solidFill>
+                  <a:effectLst/>
+                  <a:uLnTx/>
+                  <a:uFillTx/>
+                  <a:latin typeface="Calibri"/>
+                  <a:ea typeface="+mn-ea"/>
+                  <a:cs typeface="+mn-cs"/>
+                </a:rPr>
+                <a:t>FORNITORI</a:t>
+              </a:r>
+            </a:p>
+          </p:txBody>
+        </p:sp>
+        <p:pic>
+          <p:nvPicPr>
+            <p:cNvPr id="37" name="Immagine 36" descr="contadino.gif"/>
+            <p:cNvPicPr>
+              <a:picLocks noChangeAspect="1"/>
+            </p:cNvPicPr>
+            <p:nvPr/>
+          </p:nvPicPr>
+          <p:blipFill>
+            <a:blip r:embed="rId6">
+              <a:clrChange>
+                <a:clrFrom>
+                  <a:srgbClr val="FFFFFF"/>
+                </a:clrFrom>
+                <a:clrTo>
+                  <a:srgbClr val="FFFFFF">
+                    <a:alpha val="0"/>
+                  </a:srgbClr>
+                </a:clrTo>
+              </a:clrChange>
+            </a:blip>
+            <a:stretch>
+              <a:fillRect/>
+            </a:stretch>
+          </p:blipFill>
+          <p:spPr>
+            <a:xfrm>
+              <a:off x="171729" y="4878423"/>
+              <a:ext cx="1588770" cy="1143000"/>
+            </a:xfrm>
+            <a:prstGeom prst="rect">
+              <a:avLst/>
+            </a:prstGeom>
+          </p:spPr>
+        </p:pic>
+      </p:grpSp>
       <p:pic>
         <p:nvPicPr>
-          <p:cNvPr id="10248" name="Picture 3"/>
-          <p:cNvPicPr>
-            <a:picLocks noChangeAspect="1" noChangeArrowheads="1"/>
-          </p:cNvPicPr>
-          <p:nvPr/>
-        </p:nvPicPr>
-        <p:blipFill>
-          <a:blip r:embed="rId3">
-            <a:clrChange>
-              <a:clrFrom>
-                <a:srgbClr val="FFFFFF"/>
-              </a:clrFrom>
-              <a:clrTo>
-                <a:srgbClr val="FFFFFF">
-                  <a:alpha val="0"/>
-                </a:srgbClr>
-              </a:clrTo>
-            </a:clrChange>
-          </a:blip>
-          <a:srcRect/>
-          <a:stretch>
-            <a:fillRect/>
-          </a:stretch>
-        </p:blipFill>
-        <p:spPr bwMode="auto">
-          <a:xfrm>
-            <a:off x="7816850" y="3854450"/>
-            <a:ext cx="922338" cy="1333500"/>
-          </a:xfrm>
-          <a:prstGeom prst="rect">
-            <a:avLst/>
-          </a:prstGeom>
-          <a:noFill/>
-          <a:ln w="9525">
-            <a:noFill/>
-            <a:miter lim="800000"/>
-            <a:headEnd/>
-            <a:tailEnd/>
-          </a:ln>
-        </p:spPr>
-      </p:pic>
-      <p:pic>
-        <p:nvPicPr>
-          <p:cNvPr id="10249" name="Picture 4"/>
-          <p:cNvPicPr>
-            <a:picLocks noChangeAspect="1" noChangeArrowheads="1"/>
-          </p:cNvPicPr>
-          <p:nvPr/>
-        </p:nvPicPr>
-        <p:blipFill>
-          <a:blip r:embed="rId4">
-            <a:clrChange>
-              <a:clrFrom>
-                <a:srgbClr val="FFFFFF"/>
-              </a:clrFrom>
-              <a:clrTo>
-                <a:srgbClr val="FFFFFF">
-                  <a:alpha val="0"/>
-                </a:srgbClr>
-              </a:clrTo>
-            </a:clrChange>
-          </a:blip>
-          <a:srcRect/>
-          <a:stretch>
-            <a:fillRect/>
-          </a:stretch>
-        </p:blipFill>
-        <p:spPr bwMode="auto">
-          <a:xfrm>
-            <a:off x="5365750" y="1347788"/>
-            <a:ext cx="838200" cy="1333500"/>
-          </a:xfrm>
-          <a:prstGeom prst="rect">
-            <a:avLst/>
-          </a:prstGeom>
-          <a:noFill/>
-          <a:ln w="9525">
-            <a:noFill/>
-            <a:miter lim="800000"/>
-            <a:headEnd/>
-            <a:tailEnd/>
-          </a:ln>
-        </p:spPr>
-      </p:pic>
-      <p:pic>
-        <p:nvPicPr>
-          <p:cNvPr id="10250" name="Picture 8"/>
-          <p:cNvPicPr>
-            <a:picLocks noChangeAspect="1" noChangeArrowheads="1"/>
-          </p:cNvPicPr>
-          <p:nvPr/>
-        </p:nvPicPr>
-        <p:blipFill>
-          <a:blip r:embed="rId5">
-            <a:clrChange>
-              <a:clrFrom>
-                <a:srgbClr val="FFFFFF"/>
-              </a:clrFrom>
-              <a:clrTo>
-                <a:srgbClr val="FFFFFF">
-                  <a:alpha val="0"/>
-                </a:srgbClr>
-              </a:clrTo>
-            </a:clrChange>
-          </a:blip>
-          <a:srcRect/>
-          <a:stretch>
-            <a:fillRect/>
-          </a:stretch>
-        </p:blipFill>
-        <p:spPr bwMode="auto">
-          <a:xfrm>
-            <a:off x="6542088" y="4383088"/>
-            <a:ext cx="942975" cy="1341437"/>
-          </a:xfrm>
-          <a:prstGeom prst="rect">
-            <a:avLst/>
-          </a:prstGeom>
-          <a:noFill/>
-          <a:ln w="9525">
-            <a:noFill/>
-            <a:miter lim="800000"/>
-            <a:headEnd/>
-            <a:tailEnd/>
-          </a:ln>
-        </p:spPr>
-      </p:pic>
-      <p:pic>
-        <p:nvPicPr>
-          <p:cNvPr id="10251" name="Picture 10"/>
-          <p:cNvPicPr>
-            <a:picLocks noChangeAspect="1" noChangeArrowheads="1"/>
-          </p:cNvPicPr>
-          <p:nvPr/>
-        </p:nvPicPr>
-        <p:blipFill>
-          <a:blip r:embed="rId6">
-            <a:clrChange>
-              <a:clrFrom>
-                <a:srgbClr val="FFFFFF"/>
-              </a:clrFrom>
-              <a:clrTo>
-                <a:srgbClr val="FFFFFF">
-                  <a:alpha val="0"/>
-                </a:srgbClr>
-              </a:clrTo>
-            </a:clrChange>
-          </a:blip>
-          <a:srcRect/>
-          <a:stretch>
-            <a:fillRect/>
-          </a:stretch>
-        </p:blipFill>
-        <p:spPr bwMode="auto">
-          <a:xfrm>
-            <a:off x="6799263" y="1339850"/>
-            <a:ext cx="936625" cy="1341438"/>
-          </a:xfrm>
-          <a:prstGeom prst="rect">
-            <a:avLst/>
-          </a:prstGeom>
-          <a:noFill/>
-          <a:ln w="9525">
-            <a:noFill/>
-            <a:miter lim="800000"/>
-            <a:headEnd/>
-            <a:tailEnd/>
-          </a:ln>
-        </p:spPr>
-      </p:pic>
-      <p:pic>
-        <p:nvPicPr>
-          <p:cNvPr id="10252" name="Picture 4"/>
+          <p:cNvPr id="60" name="Picture 3"/>
           <p:cNvPicPr>
             <a:picLocks noChangeAspect="1" noChangeArrowheads="1"/>
           </p:cNvPicPr>
@@ -29481,7 +23984,179 @@
         </p:blipFill>
         <p:spPr bwMode="auto">
           <a:xfrm>
-            <a:off x="7794625" y="2370138"/>
+            <a:off x="7816850" y="4516478"/>
+            <a:ext cx="922338" cy="1333500"/>
+          </a:xfrm>
+          <a:prstGeom prst="rect">
+            <a:avLst/>
+          </a:prstGeom>
+          <a:noFill/>
+          <a:ln w="9525">
+            <a:noFill/>
+            <a:miter lim="800000"/>
+            <a:headEnd/>
+            <a:tailEnd/>
+          </a:ln>
+        </p:spPr>
+      </p:pic>
+      <p:pic>
+        <p:nvPicPr>
+          <p:cNvPr id="61" name="Picture 4"/>
+          <p:cNvPicPr>
+            <a:picLocks noChangeAspect="1" noChangeArrowheads="1"/>
+          </p:cNvPicPr>
+          <p:nvPr/>
+        </p:nvPicPr>
+        <p:blipFill>
+          <a:blip r:embed="rId8">
+            <a:clrChange>
+              <a:clrFrom>
+                <a:srgbClr val="FFFFFF"/>
+              </a:clrFrom>
+              <a:clrTo>
+                <a:srgbClr val="FFFFFF">
+                  <a:alpha val="0"/>
+                </a:srgbClr>
+              </a:clrTo>
+            </a:clrChange>
+          </a:blip>
+          <a:srcRect/>
+          <a:stretch>
+            <a:fillRect/>
+          </a:stretch>
+        </p:blipFill>
+        <p:spPr bwMode="auto">
+          <a:xfrm>
+            <a:off x="5365750" y="2009816"/>
+            <a:ext cx="838200" cy="1333500"/>
+          </a:xfrm>
+          <a:prstGeom prst="rect">
+            <a:avLst/>
+          </a:prstGeom>
+          <a:noFill/>
+          <a:ln w="9525">
+            <a:noFill/>
+            <a:miter lim="800000"/>
+            <a:headEnd/>
+            <a:tailEnd/>
+          </a:ln>
+        </p:spPr>
+      </p:pic>
+      <p:pic>
+        <p:nvPicPr>
+          <p:cNvPr id="62" name="Picture 8"/>
+          <p:cNvPicPr>
+            <a:picLocks noChangeAspect="1" noChangeArrowheads="1"/>
+          </p:cNvPicPr>
+          <p:nvPr/>
+        </p:nvPicPr>
+        <p:blipFill>
+          <a:blip r:embed="rId9">
+            <a:clrChange>
+              <a:clrFrom>
+                <a:srgbClr val="FFFFFF"/>
+              </a:clrFrom>
+              <a:clrTo>
+                <a:srgbClr val="FFFFFF">
+                  <a:alpha val="0"/>
+                </a:srgbClr>
+              </a:clrTo>
+            </a:clrChange>
+          </a:blip>
+          <a:srcRect/>
+          <a:stretch>
+            <a:fillRect/>
+          </a:stretch>
+        </p:blipFill>
+        <p:spPr bwMode="auto">
+          <a:xfrm>
+            <a:off x="6542088" y="5045116"/>
+            <a:ext cx="942975" cy="1341437"/>
+          </a:xfrm>
+          <a:prstGeom prst="rect">
+            <a:avLst/>
+          </a:prstGeom>
+          <a:noFill/>
+          <a:ln w="9525">
+            <a:noFill/>
+            <a:miter lim="800000"/>
+            <a:headEnd/>
+            <a:tailEnd/>
+          </a:ln>
+        </p:spPr>
+      </p:pic>
+      <p:pic>
+        <p:nvPicPr>
+          <p:cNvPr id="63" name="Picture 10"/>
+          <p:cNvPicPr>
+            <a:picLocks noChangeAspect="1" noChangeArrowheads="1"/>
+          </p:cNvPicPr>
+          <p:nvPr/>
+        </p:nvPicPr>
+        <p:blipFill>
+          <a:blip r:embed="rId10">
+            <a:clrChange>
+              <a:clrFrom>
+                <a:srgbClr val="FFFFFF"/>
+              </a:clrFrom>
+              <a:clrTo>
+                <a:srgbClr val="FFFFFF">
+                  <a:alpha val="0"/>
+                </a:srgbClr>
+              </a:clrTo>
+            </a:clrChange>
+          </a:blip>
+          <a:srcRect/>
+          <a:stretch>
+            <a:fillRect/>
+          </a:stretch>
+        </p:blipFill>
+        <p:spPr bwMode="auto">
+          <a:xfrm>
+            <a:off x="6799263" y="2001878"/>
+            <a:ext cx="936625" cy="1341438"/>
+          </a:xfrm>
+          <a:prstGeom prst="rect">
+            <a:avLst/>
+          </a:prstGeom>
+          <a:noFill/>
+          <a:ln w="9525">
+            <a:noFill/>
+            <a:miter lim="800000"/>
+            <a:headEnd/>
+            <a:tailEnd/>
+          </a:ln>
+        </p:spPr>
+      </p:pic>
+      <p:pic>
+        <p:nvPicPr>
+          <p:cNvPr id="64" name="Picture 4"/>
+          <p:cNvPicPr>
+            <a:picLocks noChangeAspect="1" noChangeArrowheads="1"/>
+          </p:cNvPicPr>
+          <p:nvPr/>
+        </p:nvPicPr>
+        <p:blipFill>
+          <a:blip r:embed="rId11">
+            <a:clrChange>
+              <a:clrFrom>
+                <a:srgbClr val="FFFFFF"/>
+              </a:clrFrom>
+              <a:clrTo>
+                <a:srgbClr val="FFFFFF">
+                  <a:alpha val="0"/>
+                </a:srgbClr>
+              </a:clrTo>
+            </a:clrChange>
+          </a:blip>
+          <a:srcRect/>
+          <a:stretch>
+            <a:fillRect/>
+          </a:stretch>
+        </p:blipFill>
+        <p:spPr bwMode="auto">
+          <a:xfrm>
+            <a:off x="7794625" y="3032166"/>
             <a:ext cx="930275" cy="1333500"/>
           </a:xfrm>
           <a:prstGeom prst="rect">
@@ -29498,293 +24173,182 @@
       </p:pic>
       <p:cxnSp>
         <p:nvCxnSpPr>
-          <p:cNvPr id="10" name="Connettore 1 9"/>
+          <p:cNvPr id="65" name="Connettore 1 64"/>
           <p:cNvCxnSpPr>
-            <a:stCxn id="10264" idx="3"/>
-            <a:endCxn id="19" idx="1"/>
+            <a:stCxn id="72" idx="3"/>
+            <a:endCxn id="71" idx="1"/>
+          </p:cNvCxnSpPr>
+          <p:nvPr/>
+        </p:nvCxnSpPr>
+        <p:spPr>
+          <a:xfrm>
+            <a:off x="4583113" y="4471198"/>
+            <a:ext cx="330218" cy="12706"/>
+          </a:xfrm>
+          <a:prstGeom prst="line">
+            <a:avLst/>
+          </a:prstGeom>
+          <a:noFill/>
+          <a:ln w="31750" cap="flat" cmpd="sng" algn="ctr">
+            <a:solidFill>
+              <a:srgbClr val="C00000"/>
+            </a:solidFill>
+            <a:prstDash val="solid"/>
+            <a:headEnd type="oval"/>
+            <a:tailEnd type="oval"/>
+          </a:ln>
+          <a:effectLst/>
+        </p:spPr>
+      </p:cxnSp>
+      <p:cxnSp>
+        <p:nvCxnSpPr>
+          <p:cNvPr id="66" name="Connettore 1 65"/>
+          <p:cNvCxnSpPr>
+            <a:stCxn id="71" idx="3"/>
+          </p:cNvCxnSpPr>
+          <p:nvPr/>
+        </p:nvCxnSpPr>
+        <p:spPr>
+          <a:xfrm>
+            <a:off x="5886468" y="4483110"/>
+            <a:ext cx="1546225" cy="1165225"/>
+          </a:xfrm>
+          <a:prstGeom prst="line">
+            <a:avLst/>
+          </a:prstGeom>
+          <a:noFill/>
+          <a:ln w="25400" cap="flat" cmpd="sng" algn="ctr">
+            <a:solidFill>
+              <a:sysClr val="windowText" lastClr="000000"/>
+            </a:solidFill>
+            <a:prstDash val="solid"/>
+            <a:headEnd type="oval"/>
+            <a:tailEnd type="oval"/>
+          </a:ln>
+          <a:effectLst/>
+        </p:spPr>
+      </p:cxnSp>
+      <p:cxnSp>
+        <p:nvCxnSpPr>
+          <p:cNvPr id="67" name="Connettore 1 66"/>
+          <p:cNvCxnSpPr>
+            <a:stCxn id="71" idx="3"/>
+          </p:cNvCxnSpPr>
+          <p:nvPr/>
+        </p:nvCxnSpPr>
+        <p:spPr>
+          <a:xfrm flipH="1" flipV="1">
+            <a:off x="5784850" y="3390909"/>
+            <a:ext cx="101618" cy="1092995"/>
+          </a:xfrm>
+          <a:prstGeom prst="line">
+            <a:avLst/>
+          </a:prstGeom>
+          <a:noFill/>
+          <a:ln w="25400" cap="flat" cmpd="sng" algn="ctr">
+            <a:solidFill>
+              <a:sysClr val="windowText" lastClr="000000"/>
+            </a:solidFill>
+            <a:prstDash val="solid"/>
+            <a:headEnd type="oval"/>
+            <a:tailEnd type="oval"/>
+          </a:ln>
+          <a:effectLst/>
+        </p:spPr>
+      </p:cxnSp>
+      <p:cxnSp>
+        <p:nvCxnSpPr>
+          <p:cNvPr id="68" name="Connettore 1 67"/>
+          <p:cNvCxnSpPr/>
+          <p:nvPr/>
+        </p:nvCxnSpPr>
+        <p:spPr>
+          <a:xfrm rot="10800000" flipV="1">
+            <a:off x="6542089" y="4157680"/>
+            <a:ext cx="1735933" cy="358797"/>
+          </a:xfrm>
+          <a:prstGeom prst="line">
+            <a:avLst/>
+          </a:prstGeom>
+          <a:noFill/>
+          <a:ln w="25400" cap="flat" cmpd="sng" algn="ctr">
+            <a:solidFill>
+              <a:sysClr val="windowText" lastClr="000000"/>
+            </a:solidFill>
+            <a:prstDash val="solid"/>
+            <a:headEnd type="oval"/>
+            <a:tailEnd type="oval"/>
+          </a:ln>
+          <a:effectLst/>
+        </p:spPr>
+      </p:cxnSp>
+      <p:cxnSp>
+        <p:nvCxnSpPr>
+          <p:cNvPr id="69" name="Connettore 1 68"/>
+          <p:cNvCxnSpPr>
+            <a:stCxn id="71" idx="3"/>
+            <a:endCxn id="63" idx="1"/>
           </p:cNvCxnSpPr>
           <p:nvPr/>
         </p:nvCxnSpPr>
         <p:spPr>
           <a:xfrm flipV="1">
-            <a:off x="4583113" y="3355975"/>
-            <a:ext cx="714375" cy="4763"/>
+            <a:off x="5886468" y="2672597"/>
+            <a:ext cx="912795" cy="1811307"/>
           </a:xfrm>
           <a:prstGeom prst="line">
             <a:avLst/>
           </a:prstGeom>
-          <a:ln w="31750">
+          <a:noFill/>
+          <a:ln w="25400" cap="flat" cmpd="sng" algn="ctr">
             <a:solidFill>
-              <a:srgbClr val="C00000"/>
+              <a:sysClr val="windowText" lastClr="000000"/>
             </a:solidFill>
+            <a:prstDash val="solid"/>
             <a:headEnd type="oval"/>
             <a:tailEnd type="oval"/>
           </a:ln>
+          <a:effectLst/>
         </p:spPr>
-        <p:style>
-          <a:lnRef idx="1">
-            <a:schemeClr val="accent1"/>
-          </a:lnRef>
-          <a:fillRef idx="0">
-            <a:schemeClr val="accent1"/>
-          </a:fillRef>
-          <a:effectRef idx="0">
-            <a:schemeClr val="accent1"/>
-          </a:effectRef>
-          <a:fontRef idx="minor">
-            <a:schemeClr val="tx1"/>
-          </a:fontRef>
-        </p:style>
       </p:cxnSp>
       <p:cxnSp>
         <p:nvCxnSpPr>
-          <p:cNvPr id="12" name="Connettore 1 11"/>
+          <p:cNvPr id="70" name="Connettore 1 69"/>
           <p:cNvCxnSpPr>
-            <a:stCxn id="19" idx="3"/>
-            <a:endCxn id="10247" idx="1"/>
+            <a:stCxn id="71" idx="3"/>
+            <a:endCxn id="62" idx="2"/>
           </p:cNvCxnSpPr>
           <p:nvPr/>
         </p:nvCxnSpPr>
         <p:spPr>
           <a:xfrm>
-            <a:off x="6270625" y="3355975"/>
-            <a:ext cx="1546225" cy="1165225"/>
+            <a:off x="5886468" y="4483904"/>
+            <a:ext cx="1127108" cy="1902649"/>
           </a:xfrm>
           <a:prstGeom prst="line">
             <a:avLst/>
           </a:prstGeom>
-          <a:ln w="25400">
+          <a:noFill/>
+          <a:ln w="25400" cap="flat" cmpd="sng" algn="ctr">
             <a:solidFill>
-              <a:schemeClr val="tx1"/>
+              <a:sysClr val="windowText" lastClr="000000"/>
             </a:solidFill>
+            <a:prstDash val="solid"/>
             <a:headEnd type="oval"/>
             <a:tailEnd type="oval"/>
           </a:ln>
+          <a:effectLst/>
         </p:spPr>
-        <p:style>
-          <a:lnRef idx="1">
-            <a:schemeClr val="accent1"/>
-          </a:lnRef>
-          <a:fillRef idx="0">
-            <a:schemeClr val="accent1"/>
-          </a:fillRef>
-          <a:effectRef idx="0">
-            <a:schemeClr val="accent1"/>
-          </a:effectRef>
-          <a:fontRef idx="minor">
-            <a:schemeClr val="tx1"/>
-          </a:fontRef>
-        </p:style>
-      </p:cxnSp>
-      <p:cxnSp>
-        <p:nvCxnSpPr>
-          <p:cNvPr id="14" name="Connettore 1 13"/>
-          <p:cNvCxnSpPr>
-            <a:stCxn id="19" idx="3"/>
-            <a:endCxn id="10249" idx="0"/>
-          </p:cNvCxnSpPr>
-          <p:nvPr/>
-        </p:nvCxnSpPr>
-        <p:spPr>
-          <a:xfrm>
-            <a:off x="6270625" y="3355975"/>
-            <a:ext cx="742950" cy="1027113"/>
-          </a:xfrm>
-          <a:prstGeom prst="line">
-            <a:avLst/>
-          </a:prstGeom>
-          <a:ln w="25400">
-            <a:solidFill>
-              <a:schemeClr val="tx1"/>
-            </a:solidFill>
-            <a:headEnd type="oval"/>
-            <a:tailEnd type="oval"/>
-          </a:ln>
-        </p:spPr>
-        <p:style>
-          <a:lnRef idx="1">
-            <a:schemeClr val="accent1"/>
-          </a:lnRef>
-          <a:fillRef idx="0">
-            <a:schemeClr val="accent1"/>
-          </a:fillRef>
-          <a:effectRef idx="0">
-            <a:schemeClr val="accent1"/>
-          </a:effectRef>
-          <a:fontRef idx="minor">
-            <a:schemeClr val="tx1"/>
-          </a:fontRef>
-        </p:style>
-      </p:cxnSp>
-      <p:cxnSp>
-        <p:nvCxnSpPr>
-          <p:cNvPr id="15" name="Connettore 1 14"/>
-          <p:cNvCxnSpPr>
-            <a:stCxn id="0" idx="3"/>
-            <a:endCxn id="10264" idx="1"/>
-          </p:cNvCxnSpPr>
-          <p:nvPr/>
-        </p:nvCxnSpPr>
-        <p:spPr>
-          <a:xfrm flipV="1">
-            <a:off x="2216150" y="3360738"/>
-            <a:ext cx="1371600" cy="3175"/>
-          </a:xfrm>
-          <a:prstGeom prst="line">
-            <a:avLst/>
-          </a:prstGeom>
-          <a:ln w="31750">
-            <a:solidFill>
-              <a:schemeClr val="tx1"/>
-            </a:solidFill>
-            <a:headEnd type="oval"/>
-            <a:tailEnd type="oval"/>
-          </a:ln>
-        </p:spPr>
-        <p:style>
-          <a:lnRef idx="1">
-            <a:schemeClr val="accent1"/>
-          </a:lnRef>
-          <a:fillRef idx="0">
-            <a:schemeClr val="accent1"/>
-          </a:fillRef>
-          <a:effectRef idx="0">
-            <a:schemeClr val="accent1"/>
-          </a:effectRef>
-          <a:fontRef idx="minor">
-            <a:schemeClr val="tx1"/>
-          </a:fontRef>
-        </p:style>
-      </p:cxnSp>
-      <p:cxnSp>
-        <p:nvCxnSpPr>
-          <p:cNvPr id="16" name="Connettore 1 15"/>
-          <p:cNvCxnSpPr>
-            <a:stCxn id="10248" idx="2"/>
-            <a:endCxn id="19" idx="0"/>
-          </p:cNvCxnSpPr>
-          <p:nvPr/>
-        </p:nvCxnSpPr>
-        <p:spPr>
-          <a:xfrm rot="5400000">
-            <a:off x="5590382" y="2874169"/>
-            <a:ext cx="387350" cy="1587"/>
-          </a:xfrm>
-          <a:prstGeom prst="line">
-            <a:avLst/>
-          </a:prstGeom>
-          <a:ln w="25400">
-            <a:solidFill>
-              <a:schemeClr val="tx1"/>
-            </a:solidFill>
-            <a:headEnd type="oval"/>
-            <a:tailEnd type="oval"/>
-          </a:ln>
-        </p:spPr>
-        <p:style>
-          <a:lnRef idx="1">
-            <a:schemeClr val="accent1"/>
-          </a:lnRef>
-          <a:fillRef idx="0">
-            <a:schemeClr val="accent1"/>
-          </a:fillRef>
-          <a:effectRef idx="0">
-            <a:schemeClr val="accent1"/>
-          </a:effectRef>
-          <a:fontRef idx="minor">
-            <a:schemeClr val="tx1"/>
-          </a:fontRef>
-        </p:style>
-      </p:cxnSp>
-      <p:cxnSp>
-        <p:nvCxnSpPr>
-          <p:cNvPr id="17" name="Connettore 1 16"/>
-          <p:cNvCxnSpPr>
-            <a:stCxn id="19" idx="3"/>
-            <a:endCxn id="10251" idx="1"/>
-          </p:cNvCxnSpPr>
-          <p:nvPr/>
-        </p:nvCxnSpPr>
-        <p:spPr>
-          <a:xfrm flipV="1">
-            <a:off x="6270625" y="3036888"/>
-            <a:ext cx="1524000" cy="319087"/>
-          </a:xfrm>
-          <a:prstGeom prst="line">
-            <a:avLst/>
-          </a:prstGeom>
-          <a:ln w="25400">
-            <a:solidFill>
-              <a:schemeClr val="tx1"/>
-            </a:solidFill>
-            <a:headEnd type="oval"/>
-            <a:tailEnd type="oval"/>
-          </a:ln>
-        </p:spPr>
-        <p:style>
-          <a:lnRef idx="1">
-            <a:schemeClr val="accent1"/>
-          </a:lnRef>
-          <a:fillRef idx="0">
-            <a:schemeClr val="accent1"/>
-          </a:fillRef>
-          <a:effectRef idx="0">
-            <a:schemeClr val="accent1"/>
-          </a:effectRef>
-          <a:fontRef idx="minor">
-            <a:schemeClr val="tx1"/>
-          </a:fontRef>
-        </p:style>
-      </p:cxnSp>
-      <p:cxnSp>
-        <p:nvCxnSpPr>
-          <p:cNvPr id="18" name="Connettore 1 17"/>
-          <p:cNvCxnSpPr>
-            <a:stCxn id="19" idx="3"/>
-            <a:endCxn id="10250" idx="2"/>
-          </p:cNvCxnSpPr>
-          <p:nvPr/>
-        </p:nvCxnSpPr>
-        <p:spPr>
-          <a:xfrm flipV="1">
-            <a:off x="6270625" y="2681288"/>
-            <a:ext cx="996950" cy="674687"/>
-          </a:xfrm>
-          <a:prstGeom prst="line">
-            <a:avLst/>
-          </a:prstGeom>
-          <a:ln w="25400">
-            <a:solidFill>
-              <a:schemeClr val="tx1"/>
-            </a:solidFill>
-            <a:headEnd type="oval"/>
-            <a:tailEnd type="oval"/>
-          </a:ln>
-        </p:spPr>
-        <p:style>
-          <a:lnRef idx="1">
-            <a:schemeClr val="accent1"/>
-          </a:lnRef>
-          <a:fillRef idx="0">
-            <a:schemeClr val="accent1"/>
-          </a:fillRef>
-          <a:effectRef idx="0">
-            <a:schemeClr val="accent1"/>
-          </a:effectRef>
-          <a:fontRef idx="minor">
-            <a:schemeClr val="tx1"/>
-          </a:fontRef>
-        </p:style>
       </p:cxnSp>
       <p:sp>
         <p:nvSpPr>
-          <p:cNvPr id="19" name="CasellaDiTesto 18"/>
+          <p:cNvPr id="71" name="CasellaDiTesto 70"/>
           <p:cNvSpPr txBox="1"/>
           <p:nvPr/>
         </p:nvSpPr>
         <p:spPr>
           <a:xfrm>
-            <a:off x="5297488" y="3068638"/>
+            <a:off x="4913331" y="4195773"/>
             <a:ext cx="973137" cy="576262"/>
           </a:xfrm>
           <a:prstGeom prst="roundRect">
@@ -29853,69 +24417,16 @@
           </a:p>
         </p:txBody>
       </p:sp>
-      <p:sp>
-        <p:nvSpPr>
-          <p:cNvPr id="23" name="CasellaDiTesto 22"/>
-          <p:cNvSpPr txBox="1"/>
-          <p:nvPr/>
-        </p:nvSpPr>
-        <p:spPr>
-          <a:xfrm>
-            <a:off x="920700" y="3154096"/>
-            <a:ext cx="1296000" cy="420956"/>
-          </a:xfrm>
-          <a:prstGeom prst="roundRect">
-            <a:avLst/>
-          </a:prstGeom>
-          <a:ln/>
-        </p:spPr>
-        <p:style>
-          <a:lnRef idx="1">
-            <a:schemeClr val="accent2"/>
-          </a:lnRef>
-          <a:fillRef idx="2">
-            <a:schemeClr val="accent2"/>
-          </a:fillRef>
-          <a:effectRef idx="1">
-            <a:schemeClr val="accent2"/>
-          </a:effectRef>
-          <a:fontRef idx="minor">
-            <a:schemeClr val="dk1"/>
-          </a:fontRef>
-        </p:style>
-        <p:txBody>
-          <a:bodyPr lIns="36000" tIns="36000" rIns="36000" bIns="36000" anchor="ctr">
-            <a:spAutoFit/>
-          </a:bodyPr>
-          <a:lstStyle/>
-          <a:p>
-            <a:pPr algn="ctr" rtl="0">
-              <a:defRPr/>
-            </a:pPr>
-            <a:r>
-              <a:rPr lang="it-IT" sz="2000" b="1" kern="1200" dirty="0">
-                <a:solidFill>
-                  <a:prstClr val="black"/>
-                </a:solidFill>
-                <a:latin typeface="Calibri"/>
-                <a:ea typeface="+mn-ea"/>
-                <a:cs typeface="+mn-cs"/>
-              </a:rPr>
-              <a:t>INTERNET</a:t>
-            </a:r>
-          </a:p>
-        </p:txBody>
-      </p:sp>
       <p:pic>
         <p:nvPicPr>
-          <p:cNvPr id="10264" name="Picture 2"/>
+          <p:cNvPr id="72" name="Picture 2"/>
           <p:cNvPicPr>
             <a:picLocks noChangeAspect="1" noChangeArrowheads="1"/>
           </p:cNvPicPr>
           <p:nvPr/>
         </p:nvPicPr>
         <p:blipFill>
-          <a:blip r:embed="rId8">
+          <a:blip r:embed="rId12">
             <a:clrChange>
               <a:clrFrom>
                 <a:srgbClr val="FFFFFF"/>
@@ -29934,7 +24445,7 @@
         </p:blipFill>
         <p:spPr bwMode="auto">
           <a:xfrm>
-            <a:off x="3587750" y="2609850"/>
+            <a:off x="3587750" y="3721104"/>
             <a:ext cx="995363" cy="1500188"/>
           </a:xfrm>
           <a:prstGeom prst="rect">
@@ -29949,485 +24460,91 @@
           </a:ln>
         </p:spPr>
       </p:pic>
+    </p:spTree>
+  </p:cSld>
+  <p:clrMapOvr>
+    <a:masterClrMapping/>
+  </p:clrMapOvr>
+</p:sld>
+</file>
+
+<file path=ppt/slides/slide29.xml><?xml version="1.0" encoding="utf-8"?>
+<p:sld xmlns:a="http://schemas.openxmlformats.org/drawingml/2006/main" xmlns:r="http://schemas.openxmlformats.org/officeDocument/2006/relationships" xmlns:p="http://schemas.openxmlformats.org/presentationml/2006/main">
+  <p:cSld>
+    <p:spTree>
+      <p:nvGrpSpPr>
+        <p:cNvPr id="1" name=""/>
+        <p:cNvGrpSpPr/>
+        <p:nvPr/>
+      </p:nvGrpSpPr>
+      <p:grpSpPr>
+        <a:xfrm>
+          <a:off x="0" y="0"/>
+          <a:ext cx="0" cy="0"/>
+          <a:chOff x="0" y="0"/>
+          <a:chExt cx="0" cy="0"/>
+        </a:xfrm>
+      </p:grpSpPr>
+      <p:sp>
+        <p:nvSpPr>
+          <p:cNvPr id="2" name="Titolo 1"/>
+          <p:cNvSpPr>
+            <a:spLocks noGrp="1"/>
+          </p:cNvSpPr>
+          <p:nvPr>
+            <p:ph type="title"/>
+          </p:nvPr>
+        </p:nvSpPr>
+        <p:spPr/>
+        <p:txBody>
+          <a:bodyPr/>
+          <a:lstStyle/>
+          <a:p>
+            <a:endParaRPr lang="it-IT"/>
+          </a:p>
+        </p:txBody>
+      </p:sp>
       <p:pic>
         <p:nvPicPr>
-          <p:cNvPr id="10266" name="Picture 2" descr="C:\Documents and Settings\Darkladycleo\Documenti\Università\Laboratorio di Ingegneria del Software\Progetto\Documentazione\logo.png"/>
+          <p:cNvPr id="4" name="Segnaposto contenuto 3" descr="processimage.jpg"/>
           <p:cNvPicPr>
-            <a:picLocks noChangeAspect="1" noChangeArrowheads="1"/>
+            <a:picLocks noGrp="1" noChangeAspect="1"/>
           </p:cNvPicPr>
-          <p:nvPr/>
+          <p:nvPr>
+            <p:ph idx="1"/>
+          </p:nvPr>
         </p:nvPicPr>
         <p:blipFill>
-          <a:blip r:embed="rId9"/>
-          <a:srcRect/>
+          <a:blip r:embed="rId2"/>
+          <a:srcRect l="465" t="17444" r="39980" b="21966"/>
           <a:stretch>
             <a:fillRect/>
           </a:stretch>
         </p:blipFill>
-        <p:spPr bwMode="auto">
+        <p:spPr>
           <a:xfrm>
-            <a:off x="3138488" y="1064883"/>
-            <a:ext cx="1444625" cy="755650"/>
+            <a:off x="4316409" y="2187558"/>
+            <a:ext cx="4611799" cy="3376110"/>
           </a:xfrm>
           <a:prstGeom prst="roundRect">
             <a:avLst>
-              <a:gd name="adj" fmla="val 11039"/>
+              <a:gd name="adj" fmla="val 3301"/>
             </a:avLst>
           </a:prstGeom>
-          <a:noFill/>
-          <a:ln w="9525">
-            <a:noFill/>
-            <a:miter lim="800000"/>
-            <a:headEnd/>
-            <a:tailEnd/>
-          </a:ln>
           <a:effectLst>
-            <a:outerShdw blurRad="63500" sx="102000" sy="102000" algn="ctr" rotWithShape="0">
+            <a:outerShdw blurRad="63500" sx="101000" sy="101000" algn="ctr" rotWithShape="0">
               <a:prstClr val="black">
-                <a:alpha val="40000"/>
+                <a:alpha val="30000"/>
               </a:prstClr>
             </a:outerShdw>
           </a:effectLst>
         </p:spPr>
       </p:pic>
-      <p:cxnSp>
-        <p:nvCxnSpPr>
-          <p:cNvPr id="28" name="Connettore 1 27"/>
-          <p:cNvCxnSpPr>
-            <a:stCxn id="0" idx="4"/>
-          </p:cNvCxnSpPr>
-          <p:nvPr/>
-        </p:nvCxnSpPr>
-        <p:spPr>
-          <a:xfrm flipV="1">
-            <a:off x="2855913" y="5360988"/>
-            <a:ext cx="388937" cy="465137"/>
-          </a:xfrm>
-          <a:prstGeom prst="line">
-            <a:avLst/>
-          </a:prstGeom>
-          <a:ln w="31750">
-            <a:solidFill>
-              <a:schemeClr val="tx1"/>
-            </a:solidFill>
-            <a:headEnd type="oval"/>
-            <a:tailEnd type="oval"/>
-          </a:ln>
-        </p:spPr>
-        <p:style>
-          <a:lnRef idx="1">
-            <a:schemeClr val="accent1"/>
-          </a:lnRef>
-          <a:fillRef idx="0">
-            <a:schemeClr val="accent1"/>
-          </a:fillRef>
-          <a:effectRef idx="0">
-            <a:schemeClr val="accent1"/>
-          </a:effectRef>
-          <a:fontRef idx="minor">
-            <a:schemeClr val="tx1"/>
-          </a:fontRef>
-        </p:style>
-      </p:cxnSp>
-      <p:cxnSp>
-        <p:nvCxnSpPr>
-          <p:cNvPr id="32" name="Connettore 1 31"/>
-          <p:cNvCxnSpPr>
-            <a:stCxn id="60" idx="3"/>
-            <a:endCxn id="0" idx="2"/>
-          </p:cNvCxnSpPr>
-          <p:nvPr/>
-        </p:nvCxnSpPr>
-        <p:spPr>
-          <a:xfrm>
-            <a:off x="1781175" y="5002213"/>
-            <a:ext cx="461963" cy="823912"/>
-          </a:xfrm>
-          <a:prstGeom prst="line">
-            <a:avLst/>
-          </a:prstGeom>
-          <a:ln w="31750">
-            <a:solidFill>
-              <a:schemeClr val="tx1"/>
-            </a:solidFill>
-            <a:headEnd type="oval"/>
-            <a:tailEnd type="oval"/>
-          </a:ln>
-        </p:spPr>
-        <p:style>
-          <a:lnRef idx="1">
-            <a:schemeClr val="accent1"/>
-          </a:lnRef>
-          <a:fillRef idx="0">
-            <a:schemeClr val="accent1"/>
-          </a:fillRef>
-          <a:effectRef idx="0">
-            <a:schemeClr val="accent1"/>
-          </a:effectRef>
-          <a:fontRef idx="minor">
-            <a:schemeClr val="tx1"/>
-          </a:fontRef>
-        </p:style>
-      </p:cxnSp>
-      <p:cxnSp>
-        <p:nvCxnSpPr>
-          <p:cNvPr id="35" name="Connettore 1 34"/>
-          <p:cNvCxnSpPr/>
-          <p:nvPr/>
-        </p:nvCxnSpPr>
-        <p:spPr>
-          <a:xfrm>
-            <a:off x="1793875" y="4560888"/>
-            <a:ext cx="1463675" cy="1587"/>
-          </a:xfrm>
-          <a:prstGeom prst="line">
-            <a:avLst/>
-          </a:prstGeom>
-          <a:ln w="31750">
-            <a:solidFill>
-              <a:schemeClr val="tx1"/>
-            </a:solidFill>
-            <a:headEnd type="oval"/>
-            <a:tailEnd type="oval"/>
-          </a:ln>
-        </p:spPr>
-        <p:style>
-          <a:lnRef idx="1">
-            <a:schemeClr val="accent1"/>
-          </a:lnRef>
-          <a:fillRef idx="0">
-            <a:schemeClr val="accent1"/>
-          </a:fillRef>
-          <a:effectRef idx="0">
-            <a:schemeClr val="accent1"/>
-          </a:effectRef>
-          <a:fontRef idx="minor">
-            <a:schemeClr val="tx1"/>
-          </a:fontRef>
-        </p:style>
-      </p:cxnSp>
-      <p:grpSp>
-        <p:nvGrpSpPr>
-          <p:cNvPr id="3" name="Gruppo 57"/>
-          <p:cNvGrpSpPr>
-            <a:grpSpLocks/>
-          </p:cNvGrpSpPr>
-          <p:nvPr/>
-        </p:nvGrpSpPr>
-        <p:grpSpPr bwMode="auto">
-          <a:xfrm>
-            <a:off x="338138" y="4341813"/>
-            <a:ext cx="1276350" cy="1571625"/>
-            <a:chOff x="128588" y="4322763"/>
-            <a:chExt cx="1276350" cy="1571625"/>
-          </a:xfrm>
-        </p:grpSpPr>
-        <p:pic>
-          <p:nvPicPr>
-            <p:cNvPr id="2" name="Immagine 37" descr="azienda.jpg"/>
-            <p:cNvPicPr>
-              <a:picLocks noChangeAspect="1"/>
-            </p:cNvPicPr>
-            <p:nvPr/>
-          </p:nvPicPr>
-          <p:blipFill>
-            <a:blip r:embed="rId10">
-              <a:duotone>
-                <a:schemeClr val="accent3">
-                  <a:shade val="45000"/>
-                  <a:satMod val="135000"/>
-                </a:schemeClr>
-                <a:prstClr val="white"/>
-              </a:duotone>
-            </a:blip>
-            <a:srcRect/>
-            <a:stretch>
-              <a:fillRect/>
-            </a:stretch>
-          </p:blipFill>
-          <p:spPr bwMode="auto">
-            <a:xfrm>
-              <a:off x="128588" y="4322763"/>
-              <a:ext cx="749300" cy="755650"/>
-            </a:xfrm>
-            <a:prstGeom prst="roundRect">
-              <a:avLst/>
-            </a:prstGeom>
-            <a:noFill/>
-            <a:ln w="9525">
-              <a:noFill/>
-              <a:miter lim="800000"/>
-              <a:headEnd/>
-              <a:tailEnd/>
-            </a:ln>
-          </p:spPr>
-        </p:pic>
-        <p:pic>
-          <p:nvPicPr>
-            <p:cNvPr id="10270" name="Immagine 38" descr="azienda.jpg"/>
-            <p:cNvPicPr>
-              <a:picLocks noChangeAspect="1"/>
-            </p:cNvPicPr>
-            <p:nvPr/>
-          </p:nvPicPr>
-          <p:blipFill>
-            <a:blip r:embed="rId10">
-              <a:duotone>
-                <a:schemeClr val="accent3">
-                  <a:shade val="45000"/>
-                  <a:satMod val="135000"/>
-                </a:schemeClr>
-                <a:prstClr val="white"/>
-              </a:duotone>
-            </a:blip>
-            <a:srcRect/>
-            <a:stretch>
-              <a:fillRect/>
-            </a:stretch>
-          </p:blipFill>
-          <p:spPr bwMode="auto">
-            <a:xfrm>
-              <a:off x="412750" y="5138738"/>
-              <a:ext cx="749300" cy="755650"/>
-            </a:xfrm>
-            <a:prstGeom prst="roundRect">
-              <a:avLst/>
-            </a:prstGeom>
-            <a:noFill/>
-            <a:ln w="9525">
-              <a:noFill/>
-              <a:miter lim="800000"/>
-              <a:headEnd/>
-              <a:tailEnd/>
-            </a:ln>
-          </p:spPr>
-        </p:pic>
-        <p:pic>
-          <p:nvPicPr>
-            <p:cNvPr id="10271" name="Immagine 39" descr="azienda.jpg"/>
-            <p:cNvPicPr>
-              <a:picLocks noChangeAspect="1"/>
-            </p:cNvPicPr>
-            <p:nvPr/>
-          </p:nvPicPr>
-          <p:blipFill>
-            <a:blip r:embed="rId10"/>
-            <a:srcRect/>
-            <a:stretch>
-              <a:fillRect/>
-            </a:stretch>
-          </p:blipFill>
-          <p:spPr bwMode="auto">
-            <a:xfrm>
-              <a:off x="655638" y="4562475"/>
-              <a:ext cx="749300" cy="755650"/>
-            </a:xfrm>
-            <a:prstGeom prst="roundRect">
-              <a:avLst/>
-            </a:prstGeom>
-            <a:noFill/>
-            <a:ln w="9525">
-              <a:noFill/>
-              <a:miter lim="800000"/>
-              <a:headEnd/>
-              <a:tailEnd/>
-            </a:ln>
-            <a:effectLst>
-              <a:outerShdw blurRad="63500" sx="102000" sy="102000" algn="ctr" rotWithShape="0">
-                <a:prstClr val="black">
-                  <a:alpha val="40000"/>
-                </a:prstClr>
-              </a:outerShdw>
-            </a:effectLst>
-          </p:spPr>
-        </p:pic>
-      </p:grpSp>
-      <p:sp>
-        <p:nvSpPr>
-          <p:cNvPr id="31" name="Cilindro 30"/>
-          <p:cNvSpPr/>
-          <p:nvPr/>
-        </p:nvSpPr>
-        <p:spPr>
-          <a:xfrm>
-            <a:off x="2243889" y="5510241"/>
-            <a:ext cx="612000" cy="631588"/>
-          </a:xfrm>
-          <a:prstGeom prst="can">
-            <a:avLst>
-              <a:gd name="adj" fmla="val 33417"/>
-            </a:avLst>
-          </a:prstGeom>
-        </p:spPr>
-        <p:style>
-          <a:lnRef idx="1">
-            <a:schemeClr val="accent3"/>
-          </a:lnRef>
-          <a:fillRef idx="2">
-            <a:schemeClr val="accent3"/>
-          </a:fillRef>
-          <a:effectRef idx="1">
-            <a:schemeClr val="accent3"/>
-          </a:effectRef>
-          <a:fontRef idx="minor">
-            <a:schemeClr val="dk1"/>
-          </a:fontRef>
-        </p:style>
-        <p:txBody>
-          <a:bodyPr lIns="36000" tIns="36000" rIns="36000" bIns="36000" anchor="ctr"/>
-          <a:lstStyle/>
-          <a:p>
-            <a:pPr algn="ctr" rtl="0" fontAlgn="base">
-              <a:spcBef>
-                <a:spcPct val="0"/>
-              </a:spcBef>
-              <a:spcAft>
-                <a:spcPct val="0"/>
-              </a:spcAft>
-              <a:defRPr/>
-            </a:pPr>
-            <a:r>
-              <a:rPr lang="it-IT" sz="1600" b="1" kern="1200" dirty="0">
-                <a:solidFill>
-                  <a:prstClr val="black"/>
-                </a:solidFill>
-                <a:latin typeface="Calibri"/>
-                <a:ea typeface="+mn-ea"/>
-                <a:cs typeface="+mn-cs"/>
-              </a:rPr>
-              <a:t>UDDI</a:t>
-            </a:r>
-          </a:p>
-        </p:txBody>
-      </p:sp>
-      <p:grpSp>
-        <p:nvGrpSpPr>
-          <p:cNvPr id="4" name="Gruppo 36"/>
-          <p:cNvGrpSpPr>
-            <a:grpSpLocks noChangeAspect="1"/>
-          </p:cNvGrpSpPr>
-          <p:nvPr/>
-        </p:nvGrpSpPr>
-        <p:grpSpPr bwMode="auto">
-          <a:xfrm>
-            <a:off x="774700" y="2130425"/>
-            <a:ext cx="1433513" cy="1225550"/>
-            <a:chOff x="174625" y="2840038"/>
-            <a:chExt cx="1592263" cy="1362075"/>
-          </a:xfrm>
-        </p:grpSpPr>
-        <p:pic>
-          <p:nvPicPr>
-            <p:cNvPr id="10274" name="Immagine 19" descr="Safari.png"/>
-            <p:cNvPicPr>
-              <a:picLocks noChangeAspect="1"/>
-            </p:cNvPicPr>
-            <p:nvPr/>
-          </p:nvPicPr>
-          <p:blipFill>
-            <a:blip r:embed="rId11"/>
-            <a:srcRect/>
-            <a:stretch>
-              <a:fillRect/>
-            </a:stretch>
-          </p:blipFill>
-          <p:spPr bwMode="auto">
-            <a:xfrm>
-              <a:off x="174625" y="2992438"/>
-              <a:ext cx="987425" cy="987425"/>
-            </a:xfrm>
-            <a:prstGeom prst="rect">
-              <a:avLst/>
-            </a:prstGeom>
-            <a:noFill/>
-            <a:ln w="9525">
-              <a:noFill/>
-              <a:miter lim="800000"/>
-              <a:headEnd/>
-              <a:tailEnd/>
-            </a:ln>
-          </p:spPr>
-        </p:pic>
-        <p:pic>
-          <p:nvPicPr>
-            <p:cNvPr id="10275" name="Immagine 20" descr="ReFFlective (22).png"/>
-            <p:cNvPicPr>
-              <a:picLocks noChangeAspect="1"/>
-            </p:cNvPicPr>
-            <p:nvPr/>
-          </p:nvPicPr>
-          <p:blipFill>
-            <a:blip r:embed="rId12"/>
-            <a:srcRect/>
-            <a:stretch>
-              <a:fillRect/>
-            </a:stretch>
-          </p:blipFill>
-          <p:spPr bwMode="auto">
-            <a:xfrm>
-              <a:off x="914400" y="2840038"/>
-              <a:ext cx="852488" cy="852487"/>
-            </a:xfrm>
-            <a:prstGeom prst="rect">
-              <a:avLst/>
-            </a:prstGeom>
-            <a:noFill/>
-            <a:ln w="9525">
-              <a:noFill/>
-              <a:miter lim="800000"/>
-              <a:headEnd/>
-              <a:tailEnd/>
-            </a:ln>
-          </p:spPr>
-        </p:pic>
-        <p:pic>
-          <p:nvPicPr>
-            <p:cNvPr id="10276" name="Immagine 21" descr="FirefoxSZ.png"/>
-            <p:cNvPicPr>
-              <a:picLocks noChangeAspect="1"/>
-            </p:cNvPicPr>
-            <p:nvPr/>
-          </p:nvPicPr>
-          <p:blipFill>
-            <a:blip r:embed="rId13"/>
-            <a:srcRect/>
-            <a:stretch>
-              <a:fillRect/>
-            </a:stretch>
-          </p:blipFill>
-          <p:spPr bwMode="auto">
-            <a:xfrm>
-              <a:off x="608013" y="3227388"/>
-              <a:ext cx="974725" cy="974725"/>
-            </a:xfrm>
-            <a:prstGeom prst="rect">
-              <a:avLst/>
-            </a:prstGeom>
-            <a:noFill/>
-            <a:ln w="9525">
-              <a:noFill/>
-              <a:miter lim="800000"/>
-              <a:headEnd/>
-              <a:tailEnd/>
-            </a:ln>
-          </p:spPr>
-        </p:pic>
-      </p:grpSp>
     </p:spTree>
   </p:cSld>
   <p:clrMapOvr>
     <a:masterClrMapping/>
   </p:clrMapOvr>
-  <p:transition>
-    <p:fade/>
-  </p:transition>
-  <p:timing>
-    <p:tnLst>
-      <p:par>
-        <p:cTn id="1" dur="indefinite" restart="never" nodeType="tmRoot"/>
-      </p:par>
-    </p:tnLst>
-  </p:timing>
 </p:sld>
 </file>
 
@@ -40119,15 +34236,14 @@
         </p:nvPicPr>
         <p:blipFill>
           <a:blip r:embed="rId3"/>
-          <a:srcRect l="2517" t="624" r="7911" b="16216"/>
           <a:stretch>
             <a:fillRect/>
           </a:stretch>
         </p:blipFill>
         <p:spPr bwMode="auto">
           <a:xfrm>
-            <a:off x="88575" y="1128681"/>
-            <a:ext cx="8966851" cy="4800120"/>
+            <a:off x="113284" y="1285111"/>
+            <a:ext cx="8917432" cy="4543806"/>
           </a:xfrm>
           <a:prstGeom prst="roundRect">
             <a:avLst>
@@ -48993,303 +43109,6 @@
 </file>
 
 <file path=ppt/theme/theme3.xml><?xml version="1.0" encoding="utf-8"?>
-<a:theme xmlns:a="http://schemas.openxmlformats.org/drawingml/2006/main" name="1_Equinozio">
-  <a:themeElements>
-    <a:clrScheme name="Tecnologia">
-      <a:dk1>
-        <a:sysClr val="windowText" lastClr="000000"/>
-      </a:dk1>
-      <a:lt1>
-        <a:sysClr val="window" lastClr="FFFFFF"/>
-      </a:lt1>
-      <a:dk2>
-        <a:srgbClr val="3B3B3B"/>
-      </a:dk2>
-      <a:lt2>
-        <a:srgbClr val="D4D2D0"/>
-      </a:lt2>
-      <a:accent1>
-        <a:srgbClr val="6EA0B0"/>
-      </a:accent1>
-      <a:accent2>
-        <a:srgbClr val="CCAF0A"/>
-      </a:accent2>
-      <a:accent3>
-        <a:srgbClr val="8D89A4"/>
-      </a:accent3>
-      <a:accent4>
-        <a:srgbClr val="748560"/>
-      </a:accent4>
-      <a:accent5>
-        <a:srgbClr val="9E9273"/>
-      </a:accent5>
-      <a:accent6>
-        <a:srgbClr val="7E848D"/>
-      </a:accent6>
-      <a:hlink>
-        <a:srgbClr val="00C8C3"/>
-      </a:hlink>
-      <a:folHlink>
-        <a:srgbClr val="A116E0"/>
-      </a:folHlink>
-    </a:clrScheme>
-    <a:fontScheme name="Equinozio">
-      <a:majorFont>
-        <a:latin typeface="Calibri"/>
-        <a:ea typeface=""/>
-        <a:cs typeface=""/>
-        <a:font script="Jpan" typeface="ＭＳ Ｐゴシック"/>
-        <a:font script="Hang" typeface="HY중고딕"/>
-        <a:font script="Hans" typeface="隶书"/>
-        <a:font script="Hant" typeface="微軟正黑體"/>
-        <a:font script="Arab" typeface="Traditional Arabic"/>
-        <a:font script="Hebr" typeface="Arial"/>
-        <a:font script="Thai" typeface="Cordia New"/>
-        <a:font script="Ethi" typeface="Nyala"/>
-        <a:font script="Beng" typeface="Vrinda"/>
-        <a:font script="Gujr" typeface="Shruti"/>
-        <a:font script="Khmr" typeface="DaunPenh"/>
-        <a:font script="Knda" typeface="Tunga"/>
-        <a:font script="Guru" typeface="Raavi"/>
-        <a:font script="Cans" typeface="Euphemia"/>
-        <a:font script="Cher" typeface="Plantagenet Cherokee"/>
-        <a:font script="Yiii" typeface="Microsoft Yi Baiti"/>
-        <a:font script="Tibt" typeface="Microsoft Himalaya"/>
-        <a:font script="Thaa" typeface="MV Boli"/>
-        <a:font script="Deva" typeface="Mangal"/>
-        <a:font script="Telu" typeface="Gautami"/>
-        <a:font script="Taml" typeface="Latha"/>
-        <a:font script="Syrc" typeface="Estrangelo Edessa"/>
-        <a:font script="Orya" typeface="Kalinga"/>
-        <a:font script="Mlym" typeface="Kartika"/>
-        <a:font script="Laoo" typeface="DokChampa"/>
-        <a:font script="Sinh" typeface="Iskoola Pota"/>
-        <a:font script="Mong" typeface="Mongolian Baiti"/>
-        <a:font script="Viet" typeface="Arial"/>
-        <a:font script="Uigh" typeface="Microsoft Uighur"/>
-      </a:majorFont>
-      <a:minorFont>
-        <a:latin typeface="Constantia"/>
-        <a:ea typeface=""/>
-        <a:cs typeface=""/>
-        <a:font script="Jpan" typeface="HGP明朝E"/>
-        <a:font script="Hang" typeface="HY신명조"/>
-        <a:font script="Hans" typeface="宋体"/>
-        <a:font script="Hant" typeface="新細明體"/>
-        <a:font script="Arab" typeface="Majalla UI"/>
-        <a:font script="Hebr" typeface="David"/>
-        <a:font script="Thai" typeface="Browallia New"/>
-        <a:font script="Ethi" typeface="Nyala"/>
-        <a:font script="Beng" typeface="Vrinda"/>
-        <a:font script="Gujr" typeface="Shruti"/>
-        <a:font script="Khmr" typeface="MoolBoran"/>
-        <a:font script="Knda" typeface="Tunga"/>
-        <a:font script="Guru" typeface="Raavi"/>
-        <a:font script="Cans" typeface="Euphemia"/>
-        <a:font script="Cher" typeface="Plantagenet Cherokee"/>
-        <a:font script="Yiii" typeface="Microsoft Yi Baiti"/>
-        <a:font script="Tibt" typeface="Microsoft Himalaya"/>
-        <a:font script="Thaa" typeface="MV Boli"/>
-        <a:font script="Deva" typeface="Mangal"/>
-        <a:font script="Telu" typeface="Gautami"/>
-        <a:font script="Taml" typeface="Latha"/>
-        <a:font script="Syrc" typeface="Estrangelo Edessa"/>
-        <a:font script="Orya" typeface="Kalinga"/>
-        <a:font script="Mlym" typeface="Kartika"/>
-        <a:font script="Laoo" typeface="DokChampa"/>
-        <a:font script="Sinh" typeface="Iskoola Pota"/>
-        <a:font script="Mong" typeface="Mongolian Baiti"/>
-        <a:font script="Viet" typeface="Times New Roman"/>
-        <a:font script="Uigh" typeface="Microsoft Uighur"/>
-      </a:minorFont>
-    </a:fontScheme>
-    <a:fmtScheme name="Loggia">
-      <a:fillStyleLst>
-        <a:solidFill>
-          <a:schemeClr val="phClr"/>
-        </a:solidFill>
-        <a:gradFill rotWithShape="1">
-          <a:gsLst>
-            <a:gs pos="0">
-              <a:schemeClr val="phClr">
-                <a:tint val="35000"/>
-                <a:satMod val="260000"/>
-              </a:schemeClr>
-            </a:gs>
-            <a:gs pos="30000">
-              <a:schemeClr val="phClr">
-                <a:tint val="38000"/>
-                <a:satMod val="260000"/>
-              </a:schemeClr>
-            </a:gs>
-            <a:gs pos="75000">
-              <a:schemeClr val="phClr">
-                <a:tint val="55000"/>
-                <a:satMod val="255000"/>
-              </a:schemeClr>
-            </a:gs>
-            <a:gs pos="100000">
-              <a:schemeClr val="phClr">
-                <a:tint val="70000"/>
-                <a:satMod val="255000"/>
-              </a:schemeClr>
-            </a:gs>
-          </a:gsLst>
-          <a:path path="circle">
-            <a:fillToRect l="5000" t="100000" r="120000" b="10000"/>
-          </a:path>
-        </a:gradFill>
-        <a:gradFill rotWithShape="1">
-          <a:gsLst>
-            <a:gs pos="0">
-              <a:schemeClr val="phClr">
-                <a:shade val="63000"/>
-                <a:satMod val="165000"/>
-              </a:schemeClr>
-            </a:gs>
-            <a:gs pos="30000">
-              <a:schemeClr val="phClr">
-                <a:shade val="58000"/>
-                <a:satMod val="165000"/>
-              </a:schemeClr>
-            </a:gs>
-            <a:gs pos="75000">
-              <a:schemeClr val="phClr">
-                <a:shade val="30000"/>
-                <a:satMod val="175000"/>
-              </a:schemeClr>
-            </a:gs>
-            <a:gs pos="100000">
-              <a:schemeClr val="phClr">
-                <a:shade val="15000"/>
-                <a:satMod val="175000"/>
-              </a:schemeClr>
-            </a:gs>
-          </a:gsLst>
-          <a:path path="circle">
-            <a:fillToRect l="5000" t="100000" r="120000" b="10000"/>
-          </a:path>
-        </a:gradFill>
-      </a:fillStyleLst>
-      <a:lnStyleLst>
-        <a:ln w="12700" cap="flat" cmpd="sng" algn="ctr">
-          <a:solidFill>
-            <a:schemeClr val="phClr">
-              <a:shade val="70000"/>
-              <a:satMod val="150000"/>
-            </a:schemeClr>
-          </a:solidFill>
-          <a:prstDash val="solid"/>
-        </a:ln>
-        <a:ln w="25400" cap="flat" cmpd="sng" algn="ctr">
-          <a:solidFill>
-            <a:schemeClr val="phClr"/>
-          </a:solidFill>
-          <a:prstDash val="solid"/>
-        </a:ln>
-        <a:ln w="34925" cap="flat" cmpd="sng" algn="ctr">
-          <a:solidFill>
-            <a:schemeClr val="phClr"/>
-          </a:solidFill>
-          <a:prstDash val="solid"/>
-        </a:ln>
-      </a:lnStyleLst>
-      <a:effectStyleLst>
-        <a:effectStyle>
-          <a:effectLst>
-            <a:outerShdw blurRad="50800" dist="25000" dir="5400000" rotWithShape="0">
-              <a:srgbClr val="000000">
-                <a:alpha val="40000"/>
-              </a:srgbClr>
-            </a:outerShdw>
-          </a:effectLst>
-        </a:effectStyle>
-        <a:effectStyle>
-          <a:effectLst>
-            <a:outerShdw blurRad="50800" dist="20000" dir="5400000" rotWithShape="0">
-              <a:srgbClr val="000000">
-                <a:alpha val="42000"/>
-              </a:srgbClr>
-            </a:outerShdw>
-          </a:effectLst>
-        </a:effectStyle>
-        <a:effectStyle>
-          <a:effectLst>
-            <a:outerShdw blurRad="50800" dist="20000" dir="5400000" rotWithShape="0">
-              <a:srgbClr val="000000">
-                <a:alpha val="42000"/>
-              </a:srgbClr>
-            </a:outerShdw>
-          </a:effectLst>
-          <a:scene3d>
-            <a:camera prst="orthographicFront">
-              <a:rot lat="0" lon="0" rev="0"/>
-            </a:camera>
-            <a:lightRig rig="balanced" dir="t">
-              <a:rot lat="0" lon="0" rev="0"/>
-            </a:lightRig>
-          </a:scene3d>
-          <a:sp3d>
-            <a:bevelT w="47625" h="69850"/>
-            <a:contourClr>
-              <a:schemeClr val="lt1"/>
-            </a:contourClr>
-          </a:sp3d>
-        </a:effectStyle>
-      </a:effectStyleLst>
-      <a:bgFillStyleLst>
-        <a:solidFill>
-          <a:schemeClr val="phClr"/>
-        </a:solidFill>
-        <a:gradFill rotWithShape="1">
-          <a:gsLst>
-            <a:gs pos="0">
-              <a:schemeClr val="phClr">
-                <a:tint val="80000"/>
-                <a:satMod val="400000"/>
-              </a:schemeClr>
-            </a:gs>
-            <a:gs pos="25000">
-              <a:schemeClr val="phClr">
-                <a:tint val="83000"/>
-                <a:satMod val="320000"/>
-              </a:schemeClr>
-            </a:gs>
-            <a:gs pos="100000">
-              <a:schemeClr val="phClr">
-                <a:shade val="15000"/>
-                <a:satMod val="320000"/>
-              </a:schemeClr>
-            </a:gs>
-          </a:gsLst>
-          <a:path path="circle">
-            <a:fillToRect l="10000" t="110000" r="10000" b="100000"/>
-          </a:path>
-        </a:gradFill>
-        <a:blipFill>
-          <a:blip xmlns:r="http://schemas.openxmlformats.org/officeDocument/2006/relationships" r:embed="rId1">
-            <a:duotone>
-              <a:schemeClr val="phClr">
-                <a:shade val="90000"/>
-                <a:satMod val="150000"/>
-              </a:schemeClr>
-              <a:schemeClr val="phClr">
-                <a:tint val="88000"/>
-                <a:satMod val="150000"/>
-              </a:schemeClr>
-            </a:duotone>
-          </a:blip>
-          <a:tile tx="0" ty="0" sx="65000" sy="65000" flip="none" algn="tl"/>
-        </a:blipFill>
-      </a:bgFillStyleLst>
-    </a:fmtScheme>
-  </a:themeElements>
-  <a:objectDefaults/>
-  <a:extraClrSchemeLst/>
-</a:theme>
-</file>
-
-<file path=ppt/theme/theme4.xml><?xml version="1.0" encoding="utf-8"?>
 <a:theme xmlns:a="http://schemas.openxmlformats.org/drawingml/2006/main" name="Tema di Office">
   <a:themeElements>
     <a:clrScheme name="Office">

--- a/trunk/SeamAmiciDelGas/risorse_gassose/presentazione_demo/SeamAmiciDelGas - finale.pptx
+++ b/trunk/SeamAmiciDelGas/risorse_gassose/presentazione_demo/SeamAmiciDelGas - finale.pptx
@@ -6,7 +6,7 @@
     <p:sldMasterId id="2147483744" r:id="rId2"/>
   </p:sldMasterIdLst>
   <p:notesMasterIdLst>
-    <p:notesMasterId r:id="rId62"/>
+    <p:notesMasterId r:id="rId66"/>
   </p:notesMasterIdLst>
   <p:sldIdLst>
     <p:sldId id="256" r:id="rId3"/>
@@ -37,69 +37,73 @@
     <p:sldId id="273" r:id="rId28"/>
     <p:sldId id="306" r:id="rId29"/>
     <p:sldId id="353" r:id="rId30"/>
-    <p:sldId id="354" r:id="rId31"/>
-    <p:sldId id="307" r:id="rId32"/>
-    <p:sldId id="297" r:id="rId33"/>
-    <p:sldId id="301" r:id="rId34"/>
-    <p:sldId id="302" r:id="rId35"/>
-    <p:sldId id="303" r:id="rId36"/>
-    <p:sldId id="298" r:id="rId37"/>
-    <p:sldId id="299" r:id="rId38"/>
-    <p:sldId id="300" r:id="rId39"/>
-    <p:sldId id="305" r:id="rId40"/>
-    <p:sldId id="308" r:id="rId41"/>
-    <p:sldId id="309" r:id="rId42"/>
-    <p:sldId id="335" r:id="rId43"/>
-    <p:sldId id="346" r:id="rId44"/>
-    <p:sldId id="347" r:id="rId45"/>
-    <p:sldId id="349" r:id="rId46"/>
-    <p:sldId id="352" r:id="rId47"/>
-    <p:sldId id="310" r:id="rId48"/>
-    <p:sldId id="318" r:id="rId49"/>
-    <p:sldId id="319" r:id="rId50"/>
-    <p:sldId id="350" r:id="rId51"/>
-    <p:sldId id="325" r:id="rId52"/>
-    <p:sldId id="326" r:id="rId53"/>
-    <p:sldId id="327" r:id="rId54"/>
-    <p:sldId id="328" r:id="rId55"/>
-    <p:sldId id="329" r:id="rId56"/>
-    <p:sldId id="330" r:id="rId57"/>
-    <p:sldId id="331" r:id="rId58"/>
-    <p:sldId id="332" r:id="rId59"/>
-    <p:sldId id="333" r:id="rId60"/>
-    <p:sldId id="334" r:id="rId61"/>
+    <p:sldId id="307" r:id="rId31"/>
+    <p:sldId id="297" r:id="rId32"/>
+    <p:sldId id="301" r:id="rId33"/>
+    <p:sldId id="302" r:id="rId34"/>
+    <p:sldId id="303" r:id="rId35"/>
+    <p:sldId id="298" r:id="rId36"/>
+    <p:sldId id="299" r:id="rId37"/>
+    <p:sldId id="300" r:id="rId38"/>
+    <p:sldId id="305" r:id="rId39"/>
+    <p:sldId id="308" r:id="rId40"/>
+    <p:sldId id="309" r:id="rId41"/>
+    <p:sldId id="335" r:id="rId42"/>
+    <p:sldId id="346" r:id="rId43"/>
+    <p:sldId id="347" r:id="rId44"/>
+    <p:sldId id="349" r:id="rId45"/>
+    <p:sldId id="352" r:id="rId46"/>
+    <p:sldId id="310" r:id="rId47"/>
+    <p:sldId id="354" r:id="rId48"/>
+    <p:sldId id="356" r:id="rId49"/>
+    <p:sldId id="357" r:id="rId50"/>
+    <p:sldId id="355" r:id="rId51"/>
+    <p:sldId id="358" r:id="rId52"/>
+    <p:sldId id="318" r:id="rId53"/>
+    <p:sldId id="319" r:id="rId54"/>
+    <p:sldId id="350" r:id="rId55"/>
+    <p:sldId id="325" r:id="rId56"/>
+    <p:sldId id="326" r:id="rId57"/>
+    <p:sldId id="327" r:id="rId58"/>
+    <p:sldId id="328" r:id="rId59"/>
+    <p:sldId id="329" r:id="rId60"/>
+    <p:sldId id="330" r:id="rId61"/>
+    <p:sldId id="331" r:id="rId62"/>
+    <p:sldId id="332" r:id="rId63"/>
+    <p:sldId id="333" r:id="rId64"/>
+    <p:sldId id="334" r:id="rId65"/>
   </p:sldIdLst>
   <p:sldSz cx="9144000" cy="6858000" type="screen4x3"/>
   <p:notesSz cx="6858000" cy="9144000"/>
   <p:embeddedFontLst>
     <p:embeddedFont>
       <p:font typeface="Calibri" pitchFamily="34" charset="0"/>
-      <p:regular r:id="rId63"/>
-      <p:bold r:id="rId64"/>
-      <p:italic r:id="rId65"/>
-      <p:boldItalic r:id="rId66"/>
+      <p:regular r:id="rId67"/>
+      <p:bold r:id="rId68"/>
+      <p:italic r:id="rId69"/>
+      <p:boldItalic r:id="rId70"/>
     </p:embeddedFont>
     <p:embeddedFont>
       <p:font typeface="Wingdings 2" pitchFamily="18" charset="2"/>
-      <p:regular r:id="rId67"/>
+      <p:regular r:id="rId71"/>
     </p:embeddedFont>
     <p:embeddedFont>
       <p:font typeface="Constantia" pitchFamily="18" charset="0"/>
-      <p:regular r:id="rId68"/>
-      <p:bold r:id="rId69"/>
-      <p:italic r:id="rId70"/>
-      <p:boldItalic r:id="rId71"/>
+      <p:regular r:id="rId72"/>
+      <p:bold r:id="rId73"/>
+      <p:italic r:id="rId74"/>
+      <p:boldItalic r:id="rId75"/>
     </p:embeddedFont>
     <p:embeddedFont>
       <p:font typeface="Lucida Sans Unicode" pitchFamily="34" charset="0"/>
-      <p:regular r:id="rId72"/>
+      <p:regular r:id="rId76"/>
     </p:embeddedFont>
     <p:embeddedFont>
       <p:font typeface="Georgia" pitchFamily="18" charset="0"/>
-      <p:regular r:id="rId73"/>
-      <p:bold r:id="rId74"/>
-      <p:italic r:id="rId75"/>
-      <p:boldItalic r:id="rId76"/>
+      <p:regular r:id="rId77"/>
+      <p:bold r:id="rId78"/>
+      <p:italic r:id="rId79"/>
+      <p:boldItalic r:id="rId80"/>
     </p:embeddedFont>
   </p:embeddedFontLst>
   <p:defaultTextStyle>
@@ -3354,7 +3358,7 @@
             <a:fld id="{27FD2A19-8E37-4D92-B858-4907290E2CB8}" type="datetimeFigureOut">
               <a:rPr lang="it-IT" smtClean="0"/>
               <a:pPr/>
-              <a:t>25/03/2009</a:t>
+              <a:t>26/03/2009</a:t>
             </a:fld>
             <a:endParaRPr lang="it-IT"/>
           </a:p>
@@ -3806,7 +3810,7 @@
             <a:fld id="{1C709263-9BB4-4259-9ED6-0893B9470B4D}" type="slidenum">
               <a:rPr lang="it-IT"/>
               <a:pPr/>
-              <a:t>44</a:t>
+              <a:t>43</a:t>
             </a:fld>
             <a:endParaRPr lang="it-IT"/>
           </a:p>
@@ -3972,7 +3976,7 @@
             <a:fld id="{CA281A89-4495-4BEF-8544-6130B5F8EE19}" type="slidenum">
               <a:rPr lang="it-IT" smtClean="0"/>
               <a:pPr/>
-              <a:t>46</a:t>
+              <a:t>45</a:t>
             </a:fld>
             <a:endParaRPr lang="it-IT"/>
           </a:p>
@@ -4035,7 +4039,7 @@
                 <a:cs typeface="Lucida Sans Unicode" pitchFamily="34" charset="0"/>
               </a:rPr>
               <a:pPr/>
-              <a:t>47</a:t>
+              <a:t>51</a:t>
             </a:fld>
             <a:endParaRPr lang="it-IT" smtClean="0">
               <a:latin typeface="Calibri" pitchFamily="34" charset="0"/>
@@ -4164,7 +4168,7 @@
                 <a:cs typeface="Lucida Sans Unicode" pitchFamily="34" charset="0"/>
               </a:rPr>
               <a:pPr/>
-              <a:t>48</a:t>
+              <a:t>52</a:t>
             </a:fld>
             <a:endParaRPr lang="it-IT" smtClean="0">
               <a:latin typeface="Calibri" pitchFamily="34" charset="0"/>
@@ -4289,7 +4293,7 @@
             <a:fld id="{C284DAB4-7ED8-4F63-A634-454E49462AE6}" type="slidenum">
               <a:rPr lang="it-IT"/>
               <a:pPr/>
-              <a:t>49</a:t>
+              <a:t>53</a:t>
             </a:fld>
             <a:endParaRPr lang="it-IT"/>
           </a:p>
@@ -5138,7 +5142,7 @@
             <a:fld id="{CA281A89-4495-4BEF-8544-6130B5F8EE19}" type="slidenum">
               <a:rPr lang="it-IT" smtClean="0"/>
               <a:pPr/>
-              <a:t>30</a:t>
+              <a:t>29</a:t>
             </a:fld>
             <a:endParaRPr lang="it-IT"/>
           </a:p>
@@ -5240,7 +5244,7 @@
             <a:fld id="{CA281A89-4495-4BEF-8544-6130B5F8EE19}" type="slidenum">
               <a:rPr lang="it-IT" smtClean="0"/>
               <a:pPr/>
-              <a:t>40</a:t>
+              <a:t>39</a:t>
             </a:fld>
             <a:endParaRPr lang="it-IT"/>
           </a:p>
@@ -5299,7 +5303,7 @@
             <a:fld id="{FF212369-4773-4FFF-9FFC-BD0AFB2BE8F4}" type="slidenum">
               <a:rPr lang="it-IT"/>
               <a:pPr/>
-              <a:t>41</a:t>
+              <a:t>40</a:t>
             </a:fld>
             <a:endParaRPr lang="it-IT"/>
           </a:p>
@@ -5422,7 +5426,7 @@
             <a:fld id="{C49D2907-C7CF-4572-939C-A61096478FF7}" type="slidenum">
               <a:rPr lang="it-IT"/>
               <a:pPr/>
-              <a:t>42</a:t>
+              <a:t>41</a:t>
             </a:fld>
             <a:endParaRPr lang="it-IT"/>
           </a:p>
@@ -5545,7 +5549,7 @@
             <a:fld id="{94FA48B4-583C-4F04-84DA-6CADC20DB60B}" type="slidenum">
               <a:rPr lang="it-IT"/>
               <a:pPr/>
-              <a:t>43</a:t>
+              <a:t>42</a:t>
             </a:fld>
             <a:endParaRPr lang="it-IT"/>
           </a:p>
@@ -5933,7 +5937,7 @@
             <a:fld id="{4B6055F8-1D02-4417-9241-55C834FD9970}" type="datetimeFigureOut">
               <a:rPr lang="it-IT" smtClean="0"/>
               <a:pPr/>
-              <a:t>25/03/2009</a:t>
+              <a:t>26/03/2009</a:t>
             </a:fld>
             <a:endParaRPr lang="it-IT"/>
           </a:p>
@@ -6110,7 +6114,7 @@
             <a:fld id="{4B6055F8-1D02-4417-9241-55C834FD9970}" type="datetimeFigureOut">
               <a:rPr lang="it-IT" smtClean="0"/>
               <a:pPr/>
-              <a:t>25/03/2009</a:t>
+              <a:t>26/03/2009</a:t>
             </a:fld>
             <a:endParaRPr lang="it-IT"/>
           </a:p>
@@ -10229,7 +10233,7 @@
             <a:fld id="{4B6055F8-1D02-4417-9241-55C834FD9970}" type="datetimeFigureOut">
               <a:rPr lang="it-IT" smtClean="0"/>
               <a:pPr/>
-              <a:t>25/03/2009</a:t>
+              <a:t>26/03/2009</a:t>
             </a:fld>
             <a:endParaRPr lang="it-IT"/>
           </a:p>
@@ -10495,7 +10499,7 @@
             <a:fld id="{4B6055F8-1D02-4417-9241-55C834FD9970}" type="datetimeFigureOut">
               <a:rPr lang="it-IT" smtClean="0"/>
               <a:pPr/>
-              <a:t>25/03/2009</a:t>
+              <a:t>26/03/2009</a:t>
             </a:fld>
             <a:endParaRPr lang="it-IT"/>
           </a:p>
@@ -10875,7 +10879,7 @@
             <a:fld id="{4B6055F8-1D02-4417-9241-55C834FD9970}" type="datetimeFigureOut">
               <a:rPr lang="it-IT" smtClean="0"/>
               <a:pPr/>
-              <a:t>25/03/2009</a:t>
+              <a:t>26/03/2009</a:t>
             </a:fld>
             <a:endParaRPr lang="it-IT"/>
           </a:p>
@@ -11027,7 +11031,7 @@
             <a:fld id="{4B6055F8-1D02-4417-9241-55C834FD9970}" type="datetimeFigureOut">
               <a:rPr lang="it-IT" smtClean="0"/>
               <a:pPr/>
-              <a:t>25/03/2009</a:t>
+              <a:t>26/03/2009</a:t>
             </a:fld>
             <a:endParaRPr lang="it-IT"/>
           </a:p>
@@ -11119,7 +11123,7 @@
             <a:fld id="{4B6055F8-1D02-4417-9241-55C834FD9970}" type="datetimeFigureOut">
               <a:rPr lang="it-IT" smtClean="0"/>
               <a:pPr/>
-              <a:t>25/03/2009</a:t>
+              <a:t>26/03/2009</a:t>
             </a:fld>
             <a:endParaRPr lang="it-IT"/>
           </a:p>
@@ -11382,7 +11386,7 @@
             <a:fld id="{4B6055F8-1D02-4417-9241-55C834FD9970}" type="datetimeFigureOut">
               <a:rPr lang="it-IT" smtClean="0"/>
               <a:pPr/>
-              <a:t>25/03/2009</a:t>
+              <a:t>26/03/2009</a:t>
             </a:fld>
             <a:endParaRPr lang="it-IT"/>
           </a:p>
@@ -11672,7 +11676,7 @@
             <a:fld id="{4B6055F8-1D02-4417-9241-55C834FD9970}" type="datetimeFigureOut">
               <a:rPr lang="it-IT" smtClean="0"/>
               <a:pPr/>
-              <a:t>25/03/2009</a:t>
+              <a:t>26/03/2009</a:t>
             </a:fld>
             <a:endParaRPr lang="it-IT"/>
           </a:p>
@@ -12210,7 +12214,7 @@
             <a:fld id="{4B6055F8-1D02-4417-9241-55C834FD9970}" type="datetimeFigureOut">
               <a:rPr lang="it-IT" smtClean="0"/>
               <a:pPr/>
-              <a:t>25/03/2009</a:t>
+              <a:t>26/03/2009</a:t>
             </a:fld>
             <a:endParaRPr lang="it-IT"/>
           </a:p>
@@ -23219,11 +23223,7 @@
           <a:p>
             <a:r>
               <a:rPr lang="it-IT" dirty="0" smtClean="0"/>
-              <a:t>Configurazione Demo </a:t>
-            </a:r>
-            <a:r>
-              <a:rPr lang="it-IT" dirty="0" smtClean="0"/>
-              <a:t>Distribuita</a:t>
+              <a:t>Configurazione Demo Distribuita</a:t>
             </a:r>
             <a:endParaRPr lang="it-IT" dirty="0"/>
           </a:p>
@@ -24487,221 +24487,6 @@
       </p:grpSpPr>
       <p:sp>
         <p:nvSpPr>
-          <p:cNvPr id="2" name="Titolo 1"/>
-          <p:cNvSpPr>
-            <a:spLocks noGrp="1"/>
-          </p:cNvSpPr>
-          <p:nvPr>
-            <p:ph type="title"/>
-          </p:nvPr>
-        </p:nvSpPr>
-        <p:spPr/>
-        <p:txBody>
-          <a:bodyPr/>
-          <a:lstStyle/>
-          <a:p>
-            <a:endParaRPr lang="it-IT"/>
-          </a:p>
-        </p:txBody>
-      </p:sp>
-      <p:pic>
-        <p:nvPicPr>
-          <p:cNvPr id="4" name="Segnaposto contenuto 3" descr="processimage.jpg"/>
-          <p:cNvPicPr>
-            <a:picLocks noGrp="1" noChangeAspect="1"/>
-          </p:cNvPicPr>
-          <p:nvPr>
-            <p:ph idx="1"/>
-          </p:nvPr>
-        </p:nvPicPr>
-        <p:blipFill>
-          <a:blip r:embed="rId2"/>
-          <a:srcRect l="465" t="17444" r="39980" b="21966"/>
-          <a:stretch>
-            <a:fillRect/>
-          </a:stretch>
-        </p:blipFill>
-        <p:spPr>
-          <a:xfrm>
-            <a:off x="4316409" y="2187558"/>
-            <a:ext cx="4611799" cy="3376110"/>
-          </a:xfrm>
-          <a:prstGeom prst="roundRect">
-            <a:avLst>
-              <a:gd name="adj" fmla="val 3301"/>
-            </a:avLst>
-          </a:prstGeom>
-          <a:effectLst>
-            <a:outerShdw blurRad="63500" sx="101000" sy="101000" algn="ctr" rotWithShape="0">
-              <a:prstClr val="black">
-                <a:alpha val="30000"/>
-              </a:prstClr>
-            </a:outerShdw>
-          </a:effectLst>
-        </p:spPr>
-      </p:pic>
-    </p:spTree>
-  </p:cSld>
-  <p:clrMapOvr>
-    <a:masterClrMapping/>
-  </p:clrMapOvr>
-</p:sld>
-</file>
-
-<file path=ppt/slides/slide3.xml><?xml version="1.0" encoding="utf-8"?>
-<p:sld xmlns:a="http://schemas.openxmlformats.org/drawingml/2006/main" xmlns:r="http://schemas.openxmlformats.org/officeDocument/2006/relationships" xmlns:p="http://schemas.openxmlformats.org/presentationml/2006/main">
-  <p:cSld>
-    <p:spTree>
-      <p:nvGrpSpPr>
-        <p:cNvPr id="1" name=""/>
-        <p:cNvGrpSpPr/>
-        <p:nvPr/>
-      </p:nvGrpSpPr>
-      <p:grpSpPr>
-        <a:xfrm>
-          <a:off x="0" y="0"/>
-          <a:ext cx="0" cy="0"/>
-          <a:chOff x="0" y="0"/>
-          <a:chExt cx="0" cy="0"/>
-        </a:xfrm>
-      </p:grpSpPr>
-      <p:sp>
-        <p:nvSpPr>
-          <p:cNvPr id="8" name="Segnaposto contenuto 7"/>
-          <p:cNvSpPr>
-            <a:spLocks noGrp="1"/>
-          </p:cNvSpPr>
-          <p:nvPr>
-            <p:ph idx="1"/>
-          </p:nvPr>
-        </p:nvSpPr>
-        <p:spPr/>
-        <p:txBody>
-          <a:bodyPr/>
-          <a:lstStyle/>
-          <a:p>
-            <a:r>
-              <a:rPr lang="it-IT" dirty="0" smtClean="0"/>
-              <a:t>Visitatore (utente non registrato)</a:t>
-            </a:r>
-          </a:p>
-          <a:p>
-            <a:r>
-              <a:rPr lang="it-IT" dirty="0" err="1" smtClean="0"/>
-              <a:t>Customer</a:t>
-            </a:r>
-            <a:r>
-              <a:rPr lang="it-IT" dirty="0" smtClean="0"/>
-              <a:t> (utente registrato al </a:t>
-            </a:r>
-            <a:r>
-              <a:rPr lang="it-IT" dirty="0" err="1" smtClean="0"/>
-              <a:t>g.a.s.</a:t>
-            </a:r>
-            <a:r>
-              <a:rPr lang="it-IT" dirty="0" smtClean="0"/>
-              <a:t>)</a:t>
-            </a:r>
-          </a:p>
-          <a:p>
-            <a:r>
-              <a:rPr lang="it-IT" dirty="0" smtClean="0"/>
-              <a:t>Driver</a:t>
-            </a:r>
-          </a:p>
-          <a:p>
-            <a:r>
-              <a:rPr lang="it-IT" dirty="0" smtClean="0"/>
-              <a:t>Mediatore</a:t>
-            </a:r>
-          </a:p>
-          <a:p>
-            <a:r>
-              <a:rPr lang="it-IT" dirty="0" err="1" smtClean="0"/>
-              <a:t>Admin</a:t>
-            </a:r>
-            <a:endParaRPr lang="it-IT" dirty="0" smtClean="0"/>
-          </a:p>
-          <a:p>
-            <a:r>
-              <a:rPr lang="it-IT" dirty="0" err="1" smtClean="0"/>
-              <a:t>CyberContadino</a:t>
-            </a:r>
-            <a:endParaRPr lang="it-IT" dirty="0" smtClean="0"/>
-          </a:p>
-          <a:p>
-            <a:endParaRPr lang="it-IT" dirty="0" smtClean="0"/>
-          </a:p>
-          <a:p>
-            <a:endParaRPr lang="it-IT" dirty="0"/>
-          </a:p>
-        </p:txBody>
-      </p:sp>
-      <p:sp>
-        <p:nvSpPr>
-          <p:cNvPr id="5" name="Titolo 1"/>
-          <p:cNvSpPr>
-            <a:spLocks noGrp="1"/>
-          </p:cNvSpPr>
-          <p:nvPr>
-            <p:ph type="title"/>
-          </p:nvPr>
-        </p:nvSpPr>
-        <p:spPr>
-          <a:xfrm>
-            <a:off x="457200" y="704088"/>
-            <a:ext cx="8229600" cy="1143000"/>
-          </a:xfrm>
-        </p:spPr>
-        <p:txBody>
-          <a:bodyPr/>
-          <a:lstStyle/>
-          <a:p>
-            <a:r>
-              <a:rPr lang="it-IT" dirty="0" smtClean="0"/>
-              <a:t>Attori del sistema</a:t>
-            </a:r>
-            <a:endParaRPr lang="it-IT" dirty="0"/>
-          </a:p>
-        </p:txBody>
-      </p:sp>
-    </p:spTree>
-  </p:cSld>
-  <p:clrMapOvr>
-    <a:masterClrMapping/>
-  </p:clrMapOvr>
-  <p:transition>
-    <p:fade/>
-  </p:transition>
-  <p:timing>
-    <p:tnLst>
-      <p:par>
-        <p:cTn id="1" dur="indefinite" restart="never" nodeType="tmRoot"/>
-      </p:par>
-    </p:tnLst>
-  </p:timing>
-</p:sld>
-</file>
-
-<file path=ppt/slides/slide30.xml><?xml version="1.0" encoding="utf-8"?>
-<p:sld xmlns:a="http://schemas.openxmlformats.org/drawingml/2006/main" xmlns:r="http://schemas.openxmlformats.org/officeDocument/2006/relationships" xmlns:p="http://schemas.openxmlformats.org/presentationml/2006/main">
-  <p:cSld>
-    <p:spTree>
-      <p:nvGrpSpPr>
-        <p:cNvPr id="1" name=""/>
-        <p:cNvGrpSpPr/>
-        <p:nvPr/>
-      </p:nvGrpSpPr>
-      <p:grpSpPr>
-        <a:xfrm>
-          <a:off x="0" y="0"/>
-          <a:ext cx="0" cy="0"/>
-          <a:chOff x="0" y="0"/>
-          <a:chExt cx="0" cy="0"/>
-        </a:xfrm>
-      </p:grpSpPr>
-      <p:sp>
-        <p:nvSpPr>
           <p:cNvPr id="46" name="Rectangle 3"/>
           <p:cNvSpPr>
             <a:spLocks noChangeArrowheads="1"/>
@@ -25832,7 +25617,142 @@
 </p:sld>
 </file>
 
-<file path=ppt/slides/slide31.xml><?xml version="1.0" encoding="utf-8"?>
+<file path=ppt/slides/slide3.xml><?xml version="1.0" encoding="utf-8"?>
+<p:sld xmlns:a="http://schemas.openxmlformats.org/drawingml/2006/main" xmlns:r="http://schemas.openxmlformats.org/officeDocument/2006/relationships" xmlns:p="http://schemas.openxmlformats.org/presentationml/2006/main">
+  <p:cSld>
+    <p:spTree>
+      <p:nvGrpSpPr>
+        <p:cNvPr id="1" name=""/>
+        <p:cNvGrpSpPr/>
+        <p:nvPr/>
+      </p:nvGrpSpPr>
+      <p:grpSpPr>
+        <a:xfrm>
+          <a:off x="0" y="0"/>
+          <a:ext cx="0" cy="0"/>
+          <a:chOff x="0" y="0"/>
+          <a:chExt cx="0" cy="0"/>
+        </a:xfrm>
+      </p:grpSpPr>
+      <p:sp>
+        <p:nvSpPr>
+          <p:cNvPr id="8" name="Segnaposto contenuto 7"/>
+          <p:cNvSpPr>
+            <a:spLocks noGrp="1"/>
+          </p:cNvSpPr>
+          <p:nvPr>
+            <p:ph idx="1"/>
+          </p:nvPr>
+        </p:nvSpPr>
+        <p:spPr/>
+        <p:txBody>
+          <a:bodyPr/>
+          <a:lstStyle/>
+          <a:p>
+            <a:r>
+              <a:rPr lang="it-IT" dirty="0" smtClean="0"/>
+              <a:t>Visitatore (utente non registrato)</a:t>
+            </a:r>
+          </a:p>
+          <a:p>
+            <a:r>
+              <a:rPr lang="it-IT" dirty="0" err="1" smtClean="0"/>
+              <a:t>Customer</a:t>
+            </a:r>
+            <a:r>
+              <a:rPr lang="it-IT" dirty="0" smtClean="0"/>
+              <a:t> (utente registrato al </a:t>
+            </a:r>
+            <a:r>
+              <a:rPr lang="it-IT" dirty="0" err="1" smtClean="0"/>
+              <a:t>g.a.s.</a:t>
+            </a:r>
+            <a:r>
+              <a:rPr lang="it-IT" dirty="0" smtClean="0"/>
+              <a:t>)</a:t>
+            </a:r>
+          </a:p>
+          <a:p>
+            <a:r>
+              <a:rPr lang="it-IT" dirty="0" smtClean="0"/>
+              <a:t>Driver</a:t>
+            </a:r>
+          </a:p>
+          <a:p>
+            <a:r>
+              <a:rPr lang="it-IT" dirty="0" smtClean="0"/>
+              <a:t>Mediatore</a:t>
+            </a:r>
+          </a:p>
+          <a:p>
+            <a:r>
+              <a:rPr lang="it-IT" dirty="0" err="1" smtClean="0"/>
+              <a:t>Admin</a:t>
+            </a:r>
+            <a:endParaRPr lang="it-IT" dirty="0" smtClean="0"/>
+          </a:p>
+          <a:p>
+            <a:r>
+              <a:rPr lang="it-IT" dirty="0" err="1" smtClean="0"/>
+              <a:t>CyberContadino</a:t>
+            </a:r>
+            <a:endParaRPr lang="it-IT" dirty="0" smtClean="0"/>
+          </a:p>
+          <a:p>
+            <a:endParaRPr lang="it-IT" dirty="0" smtClean="0"/>
+          </a:p>
+          <a:p>
+            <a:endParaRPr lang="it-IT" dirty="0"/>
+          </a:p>
+        </p:txBody>
+      </p:sp>
+      <p:sp>
+        <p:nvSpPr>
+          <p:cNvPr id="5" name="Titolo 1"/>
+          <p:cNvSpPr>
+            <a:spLocks noGrp="1"/>
+          </p:cNvSpPr>
+          <p:nvPr>
+            <p:ph type="title"/>
+          </p:nvPr>
+        </p:nvSpPr>
+        <p:spPr>
+          <a:xfrm>
+            <a:off x="457200" y="704088"/>
+            <a:ext cx="8229600" cy="1143000"/>
+          </a:xfrm>
+        </p:spPr>
+        <p:txBody>
+          <a:bodyPr/>
+          <a:lstStyle/>
+          <a:p>
+            <a:r>
+              <a:rPr lang="it-IT" dirty="0" smtClean="0"/>
+              <a:t>Attori del sistema</a:t>
+            </a:r>
+            <a:endParaRPr lang="it-IT" dirty="0"/>
+          </a:p>
+        </p:txBody>
+      </p:sp>
+    </p:spTree>
+  </p:cSld>
+  <p:clrMapOvr>
+    <a:masterClrMapping/>
+  </p:clrMapOvr>
+  <p:transition>
+    <p:fade/>
+  </p:transition>
+  <p:timing>
+    <p:tnLst>
+      <p:par>
+        <p:cTn id="1" dur="indefinite" restart="never" nodeType="tmRoot"/>
+      </p:par>
+    </p:tnLst>
+  </p:timing>
+</p:sld>
+</file>
+
+<file path=ppt/slides/slide30.xml><?xml version="1.0" encoding="utf-8"?>
 <p:sld xmlns:a="http://schemas.openxmlformats.org/drawingml/2006/main" xmlns:r="http://schemas.openxmlformats.org/officeDocument/2006/relationships" xmlns:p="http://schemas.openxmlformats.org/presentationml/2006/main">
   <p:cSld>
     <p:spTree>
@@ -26170,6 +26090,246 @@
           </a:p>
         </p:txBody>
       </p:sp>
+    </p:spTree>
+  </p:cSld>
+  <p:clrMapOvr>
+    <a:masterClrMapping/>
+  </p:clrMapOvr>
+  <p:timing>
+    <p:tnLst>
+      <p:par>
+        <p:cTn id="1" dur="indefinite" restart="never" nodeType="tmRoot"/>
+      </p:par>
+    </p:tnLst>
+  </p:timing>
+</p:sld>
+</file>
+
+<file path=ppt/slides/slide31.xml><?xml version="1.0" encoding="utf-8"?>
+<p:sld xmlns:a="http://schemas.openxmlformats.org/drawingml/2006/main" xmlns:r="http://schemas.openxmlformats.org/officeDocument/2006/relationships" xmlns:p="http://schemas.openxmlformats.org/presentationml/2006/main">
+  <p:cSld>
+    <p:spTree>
+      <p:nvGrpSpPr>
+        <p:cNvPr id="1" name=""/>
+        <p:cNvGrpSpPr/>
+        <p:nvPr/>
+      </p:nvGrpSpPr>
+      <p:grpSpPr>
+        <a:xfrm>
+          <a:off x="0" y="0"/>
+          <a:ext cx="0" cy="0"/>
+          <a:chOff x="0" y="0"/>
+          <a:chExt cx="0" cy="0"/>
+        </a:xfrm>
+      </p:grpSpPr>
+      <p:sp>
+        <p:nvSpPr>
+          <p:cNvPr id="2" name="Titolo 1"/>
+          <p:cNvSpPr>
+            <a:spLocks noGrp="1"/>
+          </p:cNvSpPr>
+          <p:nvPr>
+            <p:ph type="title"/>
+          </p:nvPr>
+        </p:nvSpPr>
+        <p:spPr>
+          <a:xfrm>
+            <a:off x="457200" y="288882"/>
+            <a:ext cx="8229600" cy="1143000"/>
+          </a:xfrm>
+        </p:spPr>
+        <p:txBody>
+          <a:bodyPr>
+            <a:normAutofit/>
+          </a:bodyPr>
+          <a:lstStyle/>
+          <a:p>
+            <a:r>
+              <a:rPr lang="it-IT" dirty="0" smtClean="0"/>
+              <a:t>JSF (2)</a:t>
+            </a:r>
+            <a:endParaRPr lang="it-IT" dirty="0"/>
+          </a:p>
+        </p:txBody>
+      </p:sp>
+      <p:sp>
+        <p:nvSpPr>
+          <p:cNvPr id="3" name="Segnaposto contenuto 2"/>
+          <p:cNvSpPr>
+            <a:spLocks noGrp="1"/>
+          </p:cNvSpPr>
+          <p:nvPr>
+            <p:ph idx="1"/>
+          </p:nvPr>
+        </p:nvSpPr>
+        <p:spPr>
+          <a:xfrm>
+            <a:off x="457200" y="1493811"/>
+            <a:ext cx="8229600" cy="4389120"/>
+          </a:xfrm>
+        </p:spPr>
+        <p:txBody>
+          <a:bodyPr>
+            <a:normAutofit/>
+          </a:bodyPr>
+          <a:lstStyle/>
+          <a:p>
+            <a:pPr>
+              <a:buNone/>
+            </a:pPr>
+            <a:r>
+              <a:rPr lang="it-IT" b="1" dirty="0" err="1" smtClean="0"/>
+              <a:t>Servlet</a:t>
+            </a:r>
+            <a:r>
+              <a:rPr lang="it-IT" b="1" dirty="0" smtClean="0"/>
+              <a:t> API</a:t>
+            </a:r>
+          </a:p>
+          <a:p>
+            <a:pPr>
+              <a:buNone/>
+            </a:pPr>
+            <a:r>
+              <a:rPr lang="it-IT" dirty="0" smtClean="0"/>
+              <a:t>Modello richiesta/risposta</a:t>
+            </a:r>
+          </a:p>
+          <a:p>
+            <a:pPr>
+              <a:buNone/>
+            </a:pPr>
+            <a:r>
+              <a:rPr lang="it-IT" dirty="0" smtClean="0"/>
+              <a:t>1. Colleziona le informazioni in una pagina HTML</a:t>
+            </a:r>
+          </a:p>
+          <a:p>
+            <a:pPr>
+              <a:buNone/>
+            </a:pPr>
+            <a:r>
+              <a:rPr lang="en-US" dirty="0" smtClean="0"/>
+              <a:t>2. </a:t>
+            </a:r>
+            <a:r>
+              <a:rPr lang="en-US" dirty="0" err="1" smtClean="0"/>
+              <a:t>Esegue</a:t>
+            </a:r>
+            <a:r>
+              <a:rPr lang="en-US" dirty="0" smtClean="0"/>
+              <a:t> la </a:t>
+            </a:r>
+            <a:r>
+              <a:rPr lang="en-US" dirty="0" err="1" smtClean="0"/>
+              <a:t>logica</a:t>
+            </a:r>
+            <a:r>
+              <a:rPr lang="en-US" dirty="0" smtClean="0"/>
+              <a:t> </a:t>
+            </a:r>
+            <a:r>
+              <a:rPr lang="en-US" dirty="0" err="1" smtClean="0"/>
+              <a:t>di</a:t>
+            </a:r>
+            <a:r>
+              <a:rPr lang="en-US" dirty="0" smtClean="0"/>
+              <a:t> business </a:t>
+            </a:r>
+            <a:r>
+              <a:rPr lang="en-US" dirty="0" err="1" smtClean="0"/>
+              <a:t>nella</a:t>
+            </a:r>
+            <a:r>
+              <a:rPr lang="en-US" dirty="0" smtClean="0"/>
+              <a:t> </a:t>
+            </a:r>
+            <a:r>
+              <a:rPr lang="en-US" dirty="0" err="1" smtClean="0"/>
+              <a:t>servlet</a:t>
+            </a:r>
+            <a:endParaRPr lang="en-US" dirty="0" smtClean="0"/>
+          </a:p>
+          <a:p>
+            <a:pPr>
+              <a:buNone/>
+            </a:pPr>
+            <a:r>
+              <a:rPr lang="en-US" dirty="0" smtClean="0"/>
+              <a:t>3. </a:t>
+            </a:r>
+            <a:r>
+              <a:rPr lang="en-US" dirty="0" err="1" smtClean="0"/>
+              <a:t>Visualizza</a:t>
+            </a:r>
+            <a:r>
+              <a:rPr lang="en-US" dirty="0" smtClean="0"/>
+              <a:t> </a:t>
+            </a:r>
+            <a:r>
+              <a:rPr lang="en-US" dirty="0" err="1" smtClean="0"/>
+              <a:t>i</a:t>
+            </a:r>
+            <a:r>
+              <a:rPr lang="en-US" dirty="0" smtClean="0"/>
+              <a:t> </a:t>
+            </a:r>
+            <a:r>
+              <a:rPr lang="en-US" dirty="0" err="1" smtClean="0"/>
+              <a:t>risultati</a:t>
+            </a:r>
+            <a:r>
+              <a:rPr lang="en-US" dirty="0" smtClean="0"/>
+              <a:t> in HTML</a:t>
+            </a:r>
+            <a:endParaRPr lang="it-IT" dirty="0"/>
+          </a:p>
+        </p:txBody>
+      </p:sp>
+      <p:pic>
+        <p:nvPicPr>
+          <p:cNvPr id="1027" name="Picture 3"/>
+          <p:cNvPicPr>
+            <a:picLocks noChangeAspect="1" noChangeArrowheads="1"/>
+          </p:cNvPicPr>
+          <p:nvPr/>
+        </p:nvPicPr>
+        <p:blipFill>
+          <a:blip r:embed="rId2">
+            <a:clrChange>
+              <a:clrFrom>
+                <a:srgbClr val="FFFFFF"/>
+              </a:clrFrom>
+              <a:clrTo>
+                <a:srgbClr val="FFFFFF">
+                  <a:alpha val="0"/>
+                </a:srgbClr>
+              </a:clrTo>
+            </a:clrChange>
+          </a:blip>
+          <a:srcRect l="2804" r="2804" b="9022"/>
+          <a:stretch>
+            <a:fillRect/>
+          </a:stretch>
+        </p:blipFill>
+        <p:spPr bwMode="auto">
+          <a:xfrm>
+            <a:off x="1614464" y="3941176"/>
+            <a:ext cx="5915073" cy="2737481"/>
+          </a:xfrm>
+          <a:prstGeom prst="rect">
+            <a:avLst/>
+          </a:prstGeom>
+          <a:noFill/>
+          <a:ln w="9525">
+            <a:noFill/>
+            <a:miter lim="800000"/>
+            <a:headEnd/>
+            <a:tailEnd/>
+          </a:ln>
+          <a:effectLst/>
+        </p:spPr>
+      </p:pic>
     </p:spTree>
   </p:cSld>
   <p:clrMapOvr>
@@ -26214,7 +26374,7 @@
         </p:nvSpPr>
         <p:spPr>
           <a:xfrm>
-            <a:off x="457200" y="288882"/>
+            <a:off x="457200" y="69804"/>
             <a:ext cx="8229600" cy="1143000"/>
           </a:xfrm>
         </p:spPr>
@@ -26226,7 +26386,7 @@
           <a:p>
             <a:r>
               <a:rPr lang="it-IT" dirty="0" smtClean="0"/>
-              <a:t>JSF (2)</a:t>
+              <a:t>JSF (3)</a:t>
             </a:r>
             <a:endParaRPr lang="it-IT" dirty="0"/>
           </a:p>
@@ -26244,7 +26404,7 @@
         </p:nvSpPr>
         <p:spPr>
           <a:xfrm>
-            <a:off x="457200" y="1493811"/>
+            <a:off x="457200" y="1340199"/>
             <a:ext cx="8229600" cy="4389120"/>
           </a:xfrm>
         </p:spPr>
@@ -26259,116 +26419,148 @@
             </a:pPr>
             <a:r>
               <a:rPr lang="it-IT" b="1" dirty="0" err="1" smtClean="0"/>
-              <a:t>Servlet</a:t>
+              <a:t>JavaServer</a:t>
             </a:r>
             <a:r>
               <a:rPr lang="it-IT" b="1" dirty="0" smtClean="0"/>
-              <a:t> API</a:t>
-            </a:r>
+              <a:t> </a:t>
+            </a:r>
+            <a:r>
+              <a:rPr lang="it-IT" b="1" dirty="0" err="1" smtClean="0"/>
+              <a:t>Pages</a:t>
+            </a:r>
+            <a:endParaRPr lang="it-IT" b="1" dirty="0" smtClean="0"/>
           </a:p>
           <a:p>
             <a:pPr>
               <a:buNone/>
             </a:pPr>
             <a:r>
-              <a:rPr lang="it-IT" dirty="0" smtClean="0"/>
-              <a:t>Modello richiesta/risposta</a:t>
-            </a:r>
-          </a:p>
-          <a:p>
-            <a:pPr>
+              <a:rPr lang="en-US" sz="2400" dirty="0" smtClean="0"/>
+              <a:t>• </a:t>
+            </a:r>
+            <a:r>
+              <a:rPr lang="en-US" sz="2400" dirty="0" err="1" smtClean="0"/>
+              <a:t>Architettura</a:t>
+            </a:r>
+            <a:r>
+              <a:rPr lang="en-US" sz="2400" dirty="0" smtClean="0"/>
+              <a:t> </a:t>
+            </a:r>
+            <a:r>
+              <a:rPr lang="en-US" sz="2400" dirty="0" err="1" smtClean="0"/>
+              <a:t>migliore</a:t>
+            </a:r>
+            <a:r>
+              <a:rPr lang="en-US" sz="2400" dirty="0" smtClean="0"/>
+              <a:t> </a:t>
+            </a:r>
+            <a:r>
+              <a:rPr lang="en-US" sz="2400" dirty="0" err="1" smtClean="0"/>
+              <a:t>della</a:t>
+            </a:r>
+            <a:r>
+              <a:rPr lang="en-US" sz="2000" dirty="0" smtClean="0"/>
+              <a:t> </a:t>
+            </a:r>
+            <a:r>
+              <a:rPr lang="en-US" sz="2000" dirty="0" err="1" smtClean="0"/>
+              <a:t>Servlet</a:t>
+            </a:r>
+            <a:r>
+              <a:rPr lang="en-US" sz="2000" dirty="0" smtClean="0"/>
+              <a:t> API</a:t>
+            </a:r>
+          </a:p>
+          <a:p>
+            <a:pPr lvl="1">
               <a:buNone/>
             </a:pPr>
             <a:r>
-              <a:rPr lang="it-IT" dirty="0" smtClean="0"/>
-              <a:t>1. Colleziona le informazioni in una pagina HTML</a:t>
-            </a:r>
-          </a:p>
-          <a:p>
-            <a:pPr>
+              <a:rPr lang="en-US" sz="2200" dirty="0" smtClean="0"/>
+              <a:t>– </a:t>
+            </a:r>
+            <a:r>
+              <a:rPr lang="en-US" sz="2000" dirty="0" smtClean="0"/>
+              <a:t>Model-View-Controller (MVC) pattern: </a:t>
+            </a:r>
+            <a:r>
+              <a:rPr lang="en-US" sz="2000" dirty="0" err="1" smtClean="0"/>
+              <a:t>separazione</a:t>
+            </a:r>
+            <a:r>
+              <a:rPr lang="en-US" sz="2000" dirty="0" smtClean="0"/>
+              <a:t> </a:t>
+            </a:r>
+            <a:r>
+              <a:rPr lang="en-US" sz="2000" dirty="0" err="1" smtClean="0"/>
+              <a:t>della</a:t>
+            </a:r>
+            <a:r>
+              <a:rPr lang="en-US" sz="2000" dirty="0" smtClean="0"/>
+              <a:t> </a:t>
+            </a:r>
+            <a:r>
+              <a:rPr lang="en-US" sz="2000" dirty="0" err="1" smtClean="0"/>
+              <a:t>presentazione</a:t>
+            </a:r>
+            <a:r>
+              <a:rPr lang="en-US" sz="2000" dirty="0" smtClean="0"/>
+              <a:t> e </a:t>
+            </a:r>
+            <a:r>
+              <a:rPr lang="en-US" sz="2000" dirty="0" err="1" smtClean="0"/>
+              <a:t>della</a:t>
+            </a:r>
+            <a:r>
+              <a:rPr lang="en-US" sz="2000" dirty="0" smtClean="0"/>
+              <a:t> </a:t>
+            </a:r>
+            <a:r>
+              <a:rPr lang="en-US" sz="2000" dirty="0" err="1" smtClean="0"/>
+              <a:t>logica</a:t>
+            </a:r>
+            <a:r>
+              <a:rPr lang="en-US" sz="2000" dirty="0" smtClean="0"/>
+              <a:t> </a:t>
+            </a:r>
+            <a:r>
+              <a:rPr lang="en-US" sz="2000" dirty="0" err="1" smtClean="0"/>
+              <a:t>di</a:t>
+            </a:r>
+            <a:r>
+              <a:rPr lang="en-US" sz="2000" dirty="0" smtClean="0"/>
+              <a:t> business</a:t>
+            </a:r>
+          </a:p>
+          <a:p>
+            <a:pPr lvl="1">
               <a:buNone/>
             </a:pPr>
             <a:r>
-              <a:rPr lang="en-US" dirty="0" smtClean="0"/>
-              <a:t>2. </a:t>
-            </a:r>
-            <a:r>
-              <a:rPr lang="en-US" dirty="0" err="1" smtClean="0"/>
-              <a:t>Esegue</a:t>
-            </a:r>
-            <a:r>
-              <a:rPr lang="en-US" dirty="0" smtClean="0"/>
-              <a:t> la </a:t>
-            </a:r>
-            <a:r>
-              <a:rPr lang="en-US" dirty="0" err="1" smtClean="0"/>
-              <a:t>logica</a:t>
-            </a:r>
-            <a:r>
-              <a:rPr lang="en-US" dirty="0" smtClean="0"/>
-              <a:t> </a:t>
-            </a:r>
-            <a:r>
-              <a:rPr lang="en-US" dirty="0" err="1" smtClean="0"/>
-              <a:t>di</a:t>
-            </a:r>
-            <a:r>
-              <a:rPr lang="en-US" dirty="0" smtClean="0"/>
-              <a:t> business </a:t>
-            </a:r>
-            <a:r>
-              <a:rPr lang="en-US" dirty="0" err="1" smtClean="0"/>
-              <a:t>nella</a:t>
-            </a:r>
-            <a:r>
-              <a:rPr lang="en-US" dirty="0" smtClean="0"/>
-              <a:t> </a:t>
-            </a:r>
-            <a:r>
-              <a:rPr lang="en-US" dirty="0" err="1" smtClean="0"/>
-              <a:t>servlet</a:t>
-            </a:r>
-            <a:endParaRPr lang="en-US" dirty="0" smtClean="0"/>
-          </a:p>
-          <a:p>
-            <a:pPr>
+              <a:rPr lang="it-IT" sz="2000" dirty="0" smtClean="0"/>
+              <a:t>– Riuso del codice</a:t>
+            </a:r>
+          </a:p>
+          <a:p>
+            <a:pPr lvl="1">
               <a:buNone/>
             </a:pPr>
             <a:r>
-              <a:rPr lang="en-US" dirty="0" smtClean="0"/>
-              <a:t>3. </a:t>
-            </a:r>
-            <a:r>
-              <a:rPr lang="en-US" dirty="0" err="1" smtClean="0"/>
-              <a:t>Visualizza</a:t>
-            </a:r>
-            <a:r>
-              <a:rPr lang="en-US" dirty="0" smtClean="0"/>
-              <a:t> </a:t>
-            </a:r>
-            <a:r>
-              <a:rPr lang="en-US" dirty="0" err="1" smtClean="0"/>
-              <a:t>i</a:t>
-            </a:r>
-            <a:r>
-              <a:rPr lang="en-US" dirty="0" smtClean="0"/>
-              <a:t> </a:t>
-            </a:r>
-            <a:r>
-              <a:rPr lang="en-US" dirty="0" err="1" smtClean="0"/>
-              <a:t>risultati</a:t>
-            </a:r>
-            <a:r>
-              <a:rPr lang="en-US" dirty="0" smtClean="0"/>
-              <a:t> in HTML</a:t>
-            </a:r>
-            <a:endParaRPr lang="it-IT" dirty="0"/>
+              <a:rPr lang="it-IT" sz="2000" dirty="0" smtClean="0"/>
+              <a:t>– Facile da </a:t>
+            </a:r>
+            <a:r>
+              <a:rPr lang="it-IT" sz="2000" dirty="0" err="1" smtClean="0"/>
+              <a:t>manutenere</a:t>
+            </a:r>
+            <a:endParaRPr lang="it-IT" sz="2000" dirty="0"/>
           </a:p>
         </p:txBody>
       </p:sp>
       <p:pic>
         <p:nvPicPr>
-          <p:cNvPr id="1027" name="Picture 3"/>
+          <p:cNvPr id="2050" name="Picture 2"/>
           <p:cNvPicPr>
             <a:picLocks noChangeAspect="1" noChangeArrowheads="1"/>
           </p:cNvPicPr>
@@ -26387,15 +26579,15 @@
               </a:clrTo>
             </a:clrChange>
           </a:blip>
-          <a:srcRect l="2804" r="2804" b="9022"/>
+          <a:srcRect/>
           <a:stretch>
             <a:fillRect/>
           </a:stretch>
         </p:blipFill>
         <p:spPr bwMode="auto">
           <a:xfrm>
-            <a:off x="1614464" y="3941176"/>
-            <a:ext cx="5915073" cy="2737481"/>
+            <a:off x="1099872" y="3962400"/>
+            <a:ext cx="7269480" cy="2895600"/>
           </a:xfrm>
           <a:prstGeom prst="rect">
             <a:avLst/>
@@ -26464,278 +26656,6 @@
           </a:bodyPr>
           <a:lstStyle/>
           <a:p>
-            <a:r>
-              <a:rPr lang="it-IT" dirty="0" smtClean="0"/>
-              <a:t>JSF (3)</a:t>
-            </a:r>
-            <a:endParaRPr lang="it-IT" dirty="0"/>
-          </a:p>
-        </p:txBody>
-      </p:sp>
-      <p:sp>
-        <p:nvSpPr>
-          <p:cNvPr id="3" name="Segnaposto contenuto 2"/>
-          <p:cNvSpPr>
-            <a:spLocks noGrp="1"/>
-          </p:cNvSpPr>
-          <p:nvPr>
-            <p:ph idx="1"/>
-          </p:nvPr>
-        </p:nvSpPr>
-        <p:spPr>
-          <a:xfrm>
-            <a:off x="457200" y="1340199"/>
-            <a:ext cx="8229600" cy="4389120"/>
-          </a:xfrm>
-        </p:spPr>
-        <p:txBody>
-          <a:bodyPr>
-            <a:normAutofit/>
-          </a:bodyPr>
-          <a:lstStyle/>
-          <a:p>
-            <a:pPr>
-              <a:buNone/>
-            </a:pPr>
-            <a:r>
-              <a:rPr lang="it-IT" b="1" dirty="0" err="1" smtClean="0"/>
-              <a:t>JavaServer</a:t>
-            </a:r>
-            <a:r>
-              <a:rPr lang="it-IT" b="1" dirty="0" smtClean="0"/>
-              <a:t> </a:t>
-            </a:r>
-            <a:r>
-              <a:rPr lang="it-IT" b="1" dirty="0" err="1" smtClean="0"/>
-              <a:t>Pages</a:t>
-            </a:r>
-            <a:endParaRPr lang="it-IT" b="1" dirty="0" smtClean="0"/>
-          </a:p>
-          <a:p>
-            <a:pPr>
-              <a:buNone/>
-            </a:pPr>
-            <a:r>
-              <a:rPr lang="en-US" sz="2400" dirty="0" smtClean="0"/>
-              <a:t>• </a:t>
-            </a:r>
-            <a:r>
-              <a:rPr lang="en-US" sz="2400" dirty="0" err="1" smtClean="0"/>
-              <a:t>Architettura</a:t>
-            </a:r>
-            <a:r>
-              <a:rPr lang="en-US" sz="2400" dirty="0" smtClean="0"/>
-              <a:t> </a:t>
-            </a:r>
-            <a:r>
-              <a:rPr lang="en-US" sz="2400" dirty="0" err="1" smtClean="0"/>
-              <a:t>migliore</a:t>
-            </a:r>
-            <a:r>
-              <a:rPr lang="en-US" sz="2400" dirty="0" smtClean="0"/>
-              <a:t> </a:t>
-            </a:r>
-            <a:r>
-              <a:rPr lang="en-US" sz="2400" dirty="0" err="1" smtClean="0"/>
-              <a:t>della</a:t>
-            </a:r>
-            <a:r>
-              <a:rPr lang="en-US" sz="2000" dirty="0" smtClean="0"/>
-              <a:t> </a:t>
-            </a:r>
-            <a:r>
-              <a:rPr lang="en-US" sz="2000" dirty="0" err="1" smtClean="0"/>
-              <a:t>Servlet</a:t>
-            </a:r>
-            <a:r>
-              <a:rPr lang="en-US" sz="2000" dirty="0" smtClean="0"/>
-              <a:t> API</a:t>
-            </a:r>
-          </a:p>
-          <a:p>
-            <a:pPr lvl="1">
-              <a:buNone/>
-            </a:pPr>
-            <a:r>
-              <a:rPr lang="en-US" sz="2200" dirty="0" smtClean="0"/>
-              <a:t>– </a:t>
-            </a:r>
-            <a:r>
-              <a:rPr lang="en-US" sz="2000" dirty="0" smtClean="0"/>
-              <a:t>Model-View-Controller (MVC) pattern: </a:t>
-            </a:r>
-            <a:r>
-              <a:rPr lang="en-US" sz="2000" dirty="0" err="1" smtClean="0"/>
-              <a:t>separazione</a:t>
-            </a:r>
-            <a:r>
-              <a:rPr lang="en-US" sz="2000" dirty="0" smtClean="0"/>
-              <a:t> </a:t>
-            </a:r>
-            <a:r>
-              <a:rPr lang="en-US" sz="2000" dirty="0" err="1" smtClean="0"/>
-              <a:t>della</a:t>
-            </a:r>
-            <a:r>
-              <a:rPr lang="en-US" sz="2000" dirty="0" smtClean="0"/>
-              <a:t> </a:t>
-            </a:r>
-            <a:r>
-              <a:rPr lang="en-US" sz="2000" dirty="0" err="1" smtClean="0"/>
-              <a:t>presentazione</a:t>
-            </a:r>
-            <a:r>
-              <a:rPr lang="en-US" sz="2000" dirty="0" smtClean="0"/>
-              <a:t> e </a:t>
-            </a:r>
-            <a:r>
-              <a:rPr lang="en-US" sz="2000" dirty="0" err="1" smtClean="0"/>
-              <a:t>della</a:t>
-            </a:r>
-            <a:r>
-              <a:rPr lang="en-US" sz="2000" dirty="0" smtClean="0"/>
-              <a:t> </a:t>
-            </a:r>
-            <a:r>
-              <a:rPr lang="en-US" sz="2000" dirty="0" err="1" smtClean="0"/>
-              <a:t>logica</a:t>
-            </a:r>
-            <a:r>
-              <a:rPr lang="en-US" sz="2000" dirty="0" smtClean="0"/>
-              <a:t> </a:t>
-            </a:r>
-            <a:r>
-              <a:rPr lang="en-US" sz="2000" dirty="0" err="1" smtClean="0"/>
-              <a:t>di</a:t>
-            </a:r>
-            <a:r>
-              <a:rPr lang="en-US" sz="2000" dirty="0" smtClean="0"/>
-              <a:t> business</a:t>
-            </a:r>
-          </a:p>
-          <a:p>
-            <a:pPr lvl="1">
-              <a:buNone/>
-            </a:pPr>
-            <a:r>
-              <a:rPr lang="it-IT" sz="2000" dirty="0" smtClean="0"/>
-              <a:t>– Riuso del codice</a:t>
-            </a:r>
-          </a:p>
-          <a:p>
-            <a:pPr lvl="1">
-              <a:buNone/>
-            </a:pPr>
-            <a:r>
-              <a:rPr lang="it-IT" sz="2000" dirty="0" smtClean="0"/>
-              <a:t>– Facile da </a:t>
-            </a:r>
-            <a:r>
-              <a:rPr lang="it-IT" sz="2000" dirty="0" err="1" smtClean="0"/>
-              <a:t>manutenere</a:t>
-            </a:r>
-            <a:endParaRPr lang="it-IT" sz="2000" dirty="0"/>
-          </a:p>
-        </p:txBody>
-      </p:sp>
-      <p:pic>
-        <p:nvPicPr>
-          <p:cNvPr id="2050" name="Picture 2"/>
-          <p:cNvPicPr>
-            <a:picLocks noChangeAspect="1" noChangeArrowheads="1"/>
-          </p:cNvPicPr>
-          <p:nvPr/>
-        </p:nvPicPr>
-        <p:blipFill>
-          <a:blip r:embed="rId2">
-            <a:clrChange>
-              <a:clrFrom>
-                <a:srgbClr val="FFFFFF"/>
-              </a:clrFrom>
-              <a:clrTo>
-                <a:srgbClr val="FFFFFF">
-                  <a:alpha val="0"/>
-                </a:srgbClr>
-              </a:clrTo>
-            </a:clrChange>
-          </a:blip>
-          <a:srcRect/>
-          <a:stretch>
-            <a:fillRect/>
-          </a:stretch>
-        </p:blipFill>
-        <p:spPr bwMode="auto">
-          <a:xfrm>
-            <a:off x="1099872" y="3962400"/>
-            <a:ext cx="7269480" cy="2895600"/>
-          </a:xfrm>
-          <a:prstGeom prst="rect">
-            <a:avLst/>
-          </a:prstGeom>
-          <a:noFill/>
-          <a:ln w="9525">
-            <a:noFill/>
-            <a:miter lim="800000"/>
-            <a:headEnd/>
-            <a:tailEnd/>
-          </a:ln>
-          <a:effectLst/>
-        </p:spPr>
-      </p:pic>
-    </p:spTree>
-  </p:cSld>
-  <p:clrMapOvr>
-    <a:masterClrMapping/>
-  </p:clrMapOvr>
-  <p:timing>
-    <p:tnLst>
-      <p:par>
-        <p:cTn id="1" dur="indefinite" restart="never" nodeType="tmRoot"/>
-      </p:par>
-    </p:tnLst>
-  </p:timing>
-</p:sld>
-</file>
-
-<file path=ppt/slides/slide34.xml><?xml version="1.0" encoding="utf-8"?>
-<p:sld xmlns:a="http://schemas.openxmlformats.org/drawingml/2006/main" xmlns:r="http://schemas.openxmlformats.org/officeDocument/2006/relationships" xmlns:p="http://schemas.openxmlformats.org/presentationml/2006/main">
-  <p:cSld>
-    <p:spTree>
-      <p:nvGrpSpPr>
-        <p:cNvPr id="1" name=""/>
-        <p:cNvGrpSpPr/>
-        <p:nvPr/>
-      </p:nvGrpSpPr>
-      <p:grpSpPr>
-        <a:xfrm>
-          <a:off x="0" y="0"/>
-          <a:ext cx="0" cy="0"/>
-          <a:chOff x="0" y="0"/>
-          <a:chExt cx="0" cy="0"/>
-        </a:xfrm>
-      </p:grpSpPr>
-      <p:sp>
-        <p:nvSpPr>
-          <p:cNvPr id="2" name="Titolo 1"/>
-          <p:cNvSpPr>
-            <a:spLocks noGrp="1"/>
-          </p:cNvSpPr>
-          <p:nvPr>
-            <p:ph type="title"/>
-          </p:nvPr>
-        </p:nvSpPr>
-        <p:spPr>
-          <a:xfrm>
-            <a:off x="457200" y="69804"/>
-            <a:ext cx="8229600" cy="1143000"/>
-          </a:xfrm>
-        </p:spPr>
-        <p:txBody>
-          <a:bodyPr>
-            <a:normAutofit/>
-          </a:bodyPr>
-          <a:lstStyle/>
-          <a:p>
             <a:pPr algn="r"/>
             <a:r>
               <a:rPr lang="it-IT" dirty="0" smtClean="0"/>
@@ -27348,6 +27268,262 @@
 </p:sld>
 </file>
 
+<file path=ppt/slides/slide34.xml><?xml version="1.0" encoding="utf-8"?>
+<p:sld xmlns:a="http://schemas.openxmlformats.org/drawingml/2006/main" xmlns:r="http://schemas.openxmlformats.org/officeDocument/2006/relationships" xmlns:p="http://schemas.openxmlformats.org/presentationml/2006/main">
+  <p:cSld>
+    <p:spTree>
+      <p:nvGrpSpPr>
+        <p:cNvPr id="1" name=""/>
+        <p:cNvGrpSpPr/>
+        <p:nvPr/>
+      </p:nvGrpSpPr>
+      <p:grpSpPr>
+        <a:xfrm>
+          <a:off x="0" y="0"/>
+          <a:ext cx="0" cy="0"/>
+          <a:chOff x="0" y="0"/>
+          <a:chExt cx="0" cy="0"/>
+        </a:xfrm>
+      </p:grpSpPr>
+      <p:sp>
+        <p:nvSpPr>
+          <p:cNvPr id="2" name="Titolo 1"/>
+          <p:cNvSpPr>
+            <a:spLocks noGrp="1"/>
+          </p:cNvSpPr>
+          <p:nvPr>
+            <p:ph type="title"/>
+          </p:nvPr>
+        </p:nvSpPr>
+        <p:spPr>
+          <a:xfrm>
+            <a:off x="457200" y="533376"/>
+            <a:ext cx="8229600" cy="1143000"/>
+          </a:xfrm>
+        </p:spPr>
+        <p:txBody>
+          <a:bodyPr>
+            <a:normAutofit/>
+          </a:bodyPr>
+          <a:lstStyle/>
+          <a:p>
+            <a:r>
+              <a:rPr lang="it-IT" dirty="0" smtClean="0"/>
+              <a:t>JSF – </a:t>
+            </a:r>
+            <a:r>
+              <a:rPr lang="it-IT" dirty="0" err="1" smtClean="0"/>
+              <a:t>Expression</a:t>
+            </a:r>
+            <a:r>
+              <a:rPr lang="it-IT" dirty="0" smtClean="0"/>
+              <a:t> </a:t>
+            </a:r>
+            <a:r>
+              <a:rPr lang="it-IT" dirty="0" err="1" smtClean="0"/>
+              <a:t>Language</a:t>
+            </a:r>
+            <a:r>
+              <a:rPr lang="it-IT" dirty="0" smtClean="0"/>
+              <a:t> (EL)</a:t>
+            </a:r>
+            <a:endParaRPr lang="it-IT" dirty="0"/>
+          </a:p>
+        </p:txBody>
+      </p:sp>
+      <p:sp>
+        <p:nvSpPr>
+          <p:cNvPr id="3" name="Segnaposto contenuto 2"/>
+          <p:cNvSpPr>
+            <a:spLocks noGrp="1"/>
+          </p:cNvSpPr>
+          <p:nvPr>
+            <p:ph idx="1"/>
+          </p:nvPr>
+        </p:nvSpPr>
+        <p:spPr/>
+        <p:txBody>
+          <a:bodyPr>
+            <a:normAutofit/>
+          </a:bodyPr>
+          <a:lstStyle/>
+          <a:p>
+            <a:pPr>
+              <a:buNone/>
+            </a:pPr>
+            <a:r>
+              <a:rPr lang="it-IT" dirty="0" smtClean="0"/>
+              <a:t>Linguaggio di </a:t>
+            </a:r>
+            <a:r>
+              <a:rPr lang="it-IT" dirty="0" err="1" smtClean="0"/>
+              <a:t>scripting</a:t>
+            </a:r>
+            <a:r>
+              <a:rPr lang="it-IT" dirty="0" smtClean="0"/>
+              <a:t> per potenziare e semplificare l’utilizzo dei </a:t>
+            </a:r>
+            <a:r>
+              <a:rPr lang="it-IT" dirty="0" err="1" smtClean="0"/>
+              <a:t>JavaBeans</a:t>
+            </a:r>
+            <a:endParaRPr lang="it-IT" dirty="0" smtClean="0"/>
+          </a:p>
+          <a:p>
+            <a:pPr lvl="1"/>
+            <a:r>
+              <a:rPr lang="it-IT" dirty="0" smtClean="0"/>
+              <a:t>si riduce drasticamente il codice necessario per l’accesso ai </a:t>
+            </a:r>
+            <a:r>
+              <a:rPr lang="it-IT" dirty="0" err="1" smtClean="0"/>
+              <a:t>javabeans</a:t>
+            </a:r>
+            <a:endParaRPr lang="it-IT" dirty="0" smtClean="0"/>
+          </a:p>
+          <a:p>
+            <a:pPr>
+              <a:buNone/>
+            </a:pPr>
+            <a:endParaRPr lang="it-IT" dirty="0" smtClean="0"/>
+          </a:p>
+          <a:p>
+            <a:pPr lvl="1">
+              <a:lnSpc>
+                <a:spcPct val="120000"/>
+              </a:lnSpc>
+              <a:buNone/>
+            </a:pPr>
+            <a:r>
+              <a:rPr lang="it-IT" i="1" dirty="0" smtClean="0">
+                <a:latin typeface="Arial" pitchFamily="34" charset="0"/>
+                <a:cs typeface="Arial" pitchFamily="34" charset="0"/>
+              </a:rPr>
+              <a:t>#{</a:t>
+            </a:r>
+            <a:r>
+              <a:rPr lang="it-IT" i="1" dirty="0" err="1" smtClean="0">
+                <a:latin typeface="Arial" pitchFamily="34" charset="0"/>
+                <a:cs typeface="Arial" pitchFamily="34" charset="0"/>
+              </a:rPr>
+              <a:t>partita.tentativo</a:t>
+            </a:r>
+            <a:r>
+              <a:rPr lang="it-IT" i="1" dirty="0" smtClean="0">
+                <a:latin typeface="Arial" pitchFamily="34" charset="0"/>
+                <a:cs typeface="Arial" pitchFamily="34" charset="0"/>
+              </a:rPr>
+              <a:t>}</a:t>
+            </a:r>
+          </a:p>
+          <a:p>
+            <a:pPr lvl="1">
+              <a:lnSpc>
+                <a:spcPct val="120000"/>
+              </a:lnSpc>
+              <a:buNone/>
+            </a:pPr>
+            <a:r>
+              <a:rPr lang="it-IT" i="1" dirty="0" smtClean="0">
+                <a:latin typeface="Arial" pitchFamily="34" charset="0"/>
+                <a:cs typeface="Arial" pitchFamily="34" charset="0"/>
+              </a:rPr>
+              <a:t>#{</a:t>
+            </a:r>
+            <a:r>
+              <a:rPr lang="it-IT" i="1" dirty="0" err="1" smtClean="0">
+                <a:latin typeface="Arial" pitchFamily="34" charset="0"/>
+                <a:cs typeface="Arial" pitchFamily="34" charset="0"/>
+              </a:rPr>
+              <a:t>automobile.proprietario.codiceFiscale</a:t>
+            </a:r>
+            <a:r>
+              <a:rPr lang="it-IT" i="1" dirty="0" smtClean="0">
+                <a:latin typeface="Arial" pitchFamily="34" charset="0"/>
+                <a:cs typeface="Arial" pitchFamily="34" charset="0"/>
+              </a:rPr>
+              <a:t>}</a:t>
+            </a:r>
+          </a:p>
+          <a:p>
+            <a:pPr lvl="1">
+              <a:lnSpc>
+                <a:spcPct val="120000"/>
+              </a:lnSpc>
+              <a:buNone/>
+            </a:pPr>
+            <a:r>
+              <a:rPr lang="it-IT" i="1" dirty="0" smtClean="0">
+                <a:latin typeface="Arial" pitchFamily="34" charset="0"/>
+                <a:cs typeface="Arial" pitchFamily="34" charset="0"/>
+              </a:rPr>
+              <a:t>#{</a:t>
+            </a:r>
+            <a:r>
+              <a:rPr lang="it-IT" i="1" dirty="0" err="1" smtClean="0">
+                <a:latin typeface="Arial" pitchFamily="34" charset="0"/>
+                <a:cs typeface="Arial" pitchFamily="34" charset="0"/>
+              </a:rPr>
+              <a:t>proprietario.listaAutomobili</a:t>
+            </a:r>
+            <a:r>
+              <a:rPr lang="it-IT" i="1" dirty="0" smtClean="0">
+                <a:latin typeface="Arial" pitchFamily="34" charset="0"/>
+                <a:cs typeface="Arial" pitchFamily="34" charset="0"/>
+              </a:rPr>
+              <a:t>[0].targa}</a:t>
+            </a:r>
+          </a:p>
+          <a:p>
+            <a:pPr lvl="1">
+              <a:lnSpc>
+                <a:spcPct val="120000"/>
+              </a:lnSpc>
+              <a:buNone/>
+            </a:pPr>
+            <a:r>
+              <a:rPr lang="it-IT" i="1" dirty="0" smtClean="0">
+                <a:latin typeface="Arial" pitchFamily="34" charset="0"/>
+                <a:cs typeface="Arial" pitchFamily="34" charset="0"/>
+              </a:rPr>
+              <a:t>#{</a:t>
+            </a:r>
+            <a:r>
+              <a:rPr lang="it-IT" i="1" dirty="0" err="1" smtClean="0">
+                <a:latin typeface="Arial" pitchFamily="34" charset="0"/>
+                <a:cs typeface="Arial" pitchFamily="34" charset="0"/>
+              </a:rPr>
+              <a:t>numeroGiocatori</a:t>
+            </a:r>
+            <a:r>
+              <a:rPr lang="it-IT" i="1" dirty="0" smtClean="0">
+                <a:latin typeface="Arial" pitchFamily="34" charset="0"/>
+                <a:cs typeface="Arial" pitchFamily="34" charset="0"/>
+              </a:rPr>
+              <a:t> + 1}</a:t>
+            </a:r>
+            <a:endParaRPr lang="it-IT" i="1" dirty="0">
+              <a:latin typeface="Arial" pitchFamily="34" charset="0"/>
+              <a:cs typeface="Arial" pitchFamily="34" charset="0"/>
+            </a:endParaRPr>
+          </a:p>
+        </p:txBody>
+      </p:sp>
+    </p:spTree>
+  </p:cSld>
+  <p:clrMapOvr>
+    <a:masterClrMapping/>
+  </p:clrMapOvr>
+  <p:timing>
+    <p:tnLst>
+      <p:par>
+        <p:cTn id="1" dur="indefinite" restart="never" nodeType="tmRoot"/>
+      </p:par>
+    </p:tnLst>
+  </p:timing>
+</p:sld>
+</file>
+
 <file path=ppt/slides/slide35.xml><?xml version="1.0" encoding="utf-8"?>
 <p:sld xmlns:a="http://schemas.openxmlformats.org/drawingml/2006/main" xmlns:r="http://schemas.openxmlformats.org/officeDocument/2006/relationships" xmlns:p="http://schemas.openxmlformats.org/presentationml/2006/main">
   <p:cSld>
@@ -27405,7 +27581,7 @@
             </a:r>
             <a:r>
               <a:rPr lang="it-IT" dirty="0" smtClean="0"/>
-              <a:t> (EL)</a:t>
+              <a:t> (2)</a:t>
             </a:r>
             <a:endParaRPr lang="it-IT" dirty="0"/>
           </a:p>
@@ -27423,102 +27599,43 @@
         </p:nvSpPr>
         <p:spPr/>
         <p:txBody>
-          <a:bodyPr>
-            <a:normAutofit/>
-          </a:bodyPr>
+          <a:bodyPr/>
           <a:lstStyle/>
           <a:p>
             <a:pPr>
-              <a:buNone/>
-            </a:pPr>
-            <a:r>
-              <a:rPr lang="it-IT" dirty="0" smtClean="0"/>
-              <a:t>Linguaggio di </a:t>
-            </a:r>
-            <a:r>
-              <a:rPr lang="it-IT" dirty="0" err="1" smtClean="0"/>
-              <a:t>scripting</a:t>
-            </a:r>
-            <a:r>
-              <a:rPr lang="it-IT" dirty="0" smtClean="0"/>
-              <a:t> per potenziare e semplificare l’utilizzo dei </a:t>
-            </a:r>
-            <a:r>
-              <a:rPr lang="it-IT" dirty="0" err="1" smtClean="0"/>
-              <a:t>JavaBeans</a:t>
-            </a:r>
-            <a:endParaRPr lang="it-IT" dirty="0" smtClean="0"/>
-          </a:p>
-          <a:p>
-            <a:pPr lvl="1"/>
-            <a:r>
-              <a:rPr lang="it-IT" dirty="0" smtClean="0"/>
-              <a:t>si riduce drasticamente il codice necessario per l’accesso ai </a:t>
-            </a:r>
-            <a:r>
-              <a:rPr lang="it-IT" dirty="0" err="1" smtClean="0"/>
-              <a:t>javabeans</a:t>
-            </a:r>
-            <a:endParaRPr lang="it-IT" dirty="0" smtClean="0"/>
-          </a:p>
-          <a:p>
-            <a:pPr>
-              <a:buNone/>
-            </a:pPr>
-            <a:endParaRPr lang="it-IT" dirty="0" smtClean="0"/>
-          </a:p>
-          <a:p>
-            <a:pPr lvl="1">
               <a:lnSpc>
-                <a:spcPct val="120000"/>
+                <a:spcPct val="150000"/>
               </a:lnSpc>
               <a:buNone/>
             </a:pPr>
             <a:r>
-              <a:rPr lang="it-IT" i="1" dirty="0" smtClean="0">
-                <a:latin typeface="Arial" pitchFamily="34" charset="0"/>
-                <a:cs typeface="Arial" pitchFamily="34" charset="0"/>
-              </a:rPr>
-              <a:t>#{</a:t>
-            </a:r>
-            <a:r>
-              <a:rPr lang="it-IT" i="1" dirty="0" err="1" smtClean="0">
-                <a:latin typeface="Arial" pitchFamily="34" charset="0"/>
-                <a:cs typeface="Arial" pitchFamily="34" charset="0"/>
-              </a:rPr>
-              <a:t>partita.tentativo</a:t>
-            </a:r>
-            <a:r>
-              <a:rPr lang="it-IT" i="1" dirty="0" smtClean="0">
-                <a:latin typeface="Arial" pitchFamily="34" charset="0"/>
-                <a:cs typeface="Arial" pitchFamily="34" charset="0"/>
-              </a:rPr>
-              <a:t>}</a:t>
+              <a:rPr lang="it-IT" dirty="0" smtClean="0"/>
+              <a:t>Esempio</a:t>
             </a:r>
           </a:p>
           <a:p>
             <a:pPr lvl="1">
               <a:lnSpc>
-                <a:spcPct val="120000"/>
+                <a:spcPct val="150000"/>
               </a:lnSpc>
               <a:buNone/>
             </a:pPr>
             <a:r>
-              <a:rPr lang="it-IT" i="1" dirty="0" smtClean="0">
+              <a:rPr lang="it-IT" sz="2000" i="1" dirty="0" smtClean="0">
                 <a:latin typeface="Arial" pitchFamily="34" charset="0"/>
                 <a:cs typeface="Arial" pitchFamily="34" charset="0"/>
               </a:rPr>
               <a:t>#{</a:t>
             </a:r>
             <a:r>
-              <a:rPr lang="it-IT" i="1" dirty="0" err="1" smtClean="0">
+              <a:rPr lang="it-IT" sz="2000" i="1" dirty="0" err="1" smtClean="0">
                 <a:latin typeface="Arial" pitchFamily="34" charset="0"/>
                 <a:cs typeface="Arial" pitchFamily="34" charset="0"/>
               </a:rPr>
-              <a:t>automobile.proprietario.codiceFiscale</a:t>
-            </a:r>
-            <a:r>
-              <a:rPr lang="it-IT" i="1" dirty="0" smtClean="0">
+              <a:t>sessionScope.utente.nome</a:t>
+            </a:r>
+            <a:r>
+              <a:rPr lang="it-IT" sz="2000" i="1" dirty="0" smtClean="0">
                 <a:latin typeface="Arial" pitchFamily="34" charset="0"/>
                 <a:cs typeface="Arial" pitchFamily="34" charset="0"/>
               </a:rPr>
@@ -27526,63 +27643,146 @@
             </a:r>
           </a:p>
           <a:p>
-            <a:pPr lvl="1">
+            <a:pPr>
               <a:lnSpc>
-                <a:spcPct val="120000"/>
+                <a:spcPct val="150000"/>
               </a:lnSpc>
               <a:buNone/>
             </a:pPr>
             <a:r>
-              <a:rPr lang="it-IT" i="1" dirty="0" smtClean="0">
-                <a:latin typeface="Arial" pitchFamily="34" charset="0"/>
-                <a:cs typeface="Arial" pitchFamily="34" charset="0"/>
-              </a:rPr>
-              <a:t>#{</a:t>
-            </a:r>
-            <a:r>
-              <a:rPr lang="it-IT" i="1" dirty="0" err="1" smtClean="0">
-                <a:latin typeface="Arial" pitchFamily="34" charset="0"/>
-                <a:cs typeface="Arial" pitchFamily="34" charset="0"/>
-              </a:rPr>
-              <a:t>proprietario.listaAutomobili</a:t>
-            </a:r>
-            <a:r>
-              <a:rPr lang="it-IT" i="1" dirty="0" smtClean="0">
-                <a:latin typeface="Arial" pitchFamily="34" charset="0"/>
-                <a:cs typeface="Arial" pitchFamily="34" charset="0"/>
-              </a:rPr>
-              <a:t>[0].targa}</a:t>
+              <a:rPr lang="it-IT" dirty="0" smtClean="0"/>
+              <a:t>È equivalente a</a:t>
             </a:r>
           </a:p>
           <a:p>
             <a:pPr lvl="1">
               <a:lnSpc>
-                <a:spcPct val="120000"/>
+                <a:spcPct val="150000"/>
               </a:lnSpc>
               <a:buNone/>
             </a:pPr>
             <a:r>
-              <a:rPr lang="it-IT" i="1" dirty="0" smtClean="0">
+              <a:rPr lang="it-IT" sz="2000" i="1" dirty="0" smtClean="0">
                 <a:latin typeface="Arial" pitchFamily="34" charset="0"/>
                 <a:cs typeface="Arial" pitchFamily="34" charset="0"/>
               </a:rPr>
-              <a:t>#{</a:t>
-            </a:r>
-            <a:r>
-              <a:rPr lang="it-IT" i="1" dirty="0" err="1" smtClean="0">
+              <a:t>&lt;%@ </a:t>
+            </a:r>
+            <a:r>
+              <a:rPr lang="it-IT" sz="2000" i="1" dirty="0" err="1" smtClean="0">
                 <a:latin typeface="Arial" pitchFamily="34" charset="0"/>
                 <a:cs typeface="Arial" pitchFamily="34" charset="0"/>
               </a:rPr>
-              <a:t>numeroGiocatori</a:t>
-            </a:r>
-            <a:r>
-              <a:rPr lang="it-IT" i="1" dirty="0" smtClean="0">
+              <a:t>page</a:t>
+            </a:r>
+            <a:r>
+              <a:rPr lang="it-IT" sz="2000" i="1" dirty="0" smtClean="0">
                 <a:latin typeface="Arial" pitchFamily="34" charset="0"/>
                 <a:cs typeface="Arial" pitchFamily="34" charset="0"/>
               </a:rPr>
-              <a:t> + 1}</a:t>
-            </a:r>
-            <a:endParaRPr lang="it-IT" i="1" dirty="0">
+              <a:t> </a:t>
+            </a:r>
+            <a:r>
+              <a:rPr lang="it-IT" sz="2000" i="1" dirty="0" err="1" smtClean="0">
+                <a:latin typeface="Arial" pitchFamily="34" charset="0"/>
+                <a:cs typeface="Arial" pitchFamily="34" charset="0"/>
+              </a:rPr>
+              <a:t>import=</a:t>
+            </a:r>
+            <a:r>
+              <a:rPr lang="it-IT" sz="2000" i="1" dirty="0" smtClean="0">
+                <a:latin typeface="Arial" pitchFamily="34" charset="0"/>
+                <a:cs typeface="Arial" pitchFamily="34" charset="0"/>
+              </a:rPr>
+              <a:t>“</a:t>
+            </a:r>
+            <a:r>
+              <a:rPr lang="it-IT" sz="2000" i="1" dirty="0" err="1" smtClean="0">
+                <a:latin typeface="Arial" pitchFamily="34" charset="0"/>
+                <a:cs typeface="Arial" pitchFamily="34" charset="0"/>
+              </a:rPr>
+              <a:t>org.seam.seamamicidelgas.Utente</a:t>
+            </a:r>
+            <a:r>
+              <a:rPr lang="it-IT" sz="2000" i="1" dirty="0" smtClean="0">
+                <a:latin typeface="Arial" pitchFamily="34" charset="0"/>
+                <a:cs typeface="Arial" pitchFamily="34" charset="0"/>
+              </a:rPr>
+              <a:t>” %&gt;</a:t>
+            </a:r>
+          </a:p>
+          <a:p>
+            <a:pPr lvl="1">
+              <a:lnSpc>
+                <a:spcPct val="150000"/>
+              </a:lnSpc>
+              <a:buNone/>
+            </a:pPr>
+            <a:r>
+              <a:rPr lang="it-IT" sz="2000" i="1" dirty="0" smtClean="0">
+                <a:latin typeface="Arial" pitchFamily="34" charset="0"/>
+                <a:cs typeface="Arial" pitchFamily="34" charset="0"/>
+              </a:rPr>
+              <a:t>&lt;% Utente </a:t>
+            </a:r>
+            <a:r>
+              <a:rPr lang="it-IT" sz="2000" i="1" dirty="0" err="1" smtClean="0">
+                <a:latin typeface="Arial" pitchFamily="34" charset="0"/>
+                <a:cs typeface="Arial" pitchFamily="34" charset="0"/>
+              </a:rPr>
+              <a:t>utente</a:t>
+            </a:r>
+            <a:r>
+              <a:rPr lang="it-IT" sz="2000" i="1" dirty="0" smtClean="0">
+                <a:latin typeface="Arial" pitchFamily="34" charset="0"/>
+                <a:cs typeface="Arial" pitchFamily="34" charset="0"/>
+              </a:rPr>
+              <a:t> = (Utente)</a:t>
+            </a:r>
+            <a:r>
+              <a:rPr lang="it-IT" sz="2000" i="1" dirty="0" err="1" smtClean="0">
+                <a:latin typeface="Arial" pitchFamily="34" charset="0"/>
+                <a:cs typeface="Arial" pitchFamily="34" charset="0"/>
+              </a:rPr>
+              <a:t>session.getAttribute</a:t>
+            </a:r>
+            <a:r>
+              <a:rPr lang="it-IT" sz="2000" i="1" dirty="0" smtClean="0">
+                <a:latin typeface="Arial" pitchFamily="34" charset="0"/>
+                <a:cs typeface="Arial" pitchFamily="34" charset="0"/>
+              </a:rPr>
+              <a:t>(“utente”); %&gt;</a:t>
+            </a:r>
+          </a:p>
+          <a:p>
+            <a:pPr lvl="1">
+              <a:lnSpc>
+                <a:spcPct val="150000"/>
+              </a:lnSpc>
+              <a:buNone/>
+            </a:pPr>
+            <a:r>
+              <a:rPr lang="it-IT" sz="2000" i="1" dirty="0" smtClean="0">
+                <a:latin typeface="Arial" pitchFamily="34" charset="0"/>
+                <a:cs typeface="Arial" pitchFamily="34" charset="0"/>
+              </a:rPr>
+              <a:t>&lt;%= </a:t>
+            </a:r>
+            <a:r>
+              <a:rPr lang="it-IT" sz="2000" i="1" dirty="0" err="1" smtClean="0">
+                <a:latin typeface="Arial" pitchFamily="34" charset="0"/>
+                <a:cs typeface="Arial" pitchFamily="34" charset="0"/>
+              </a:rPr>
+              <a:t>utente.getNome</a:t>
+            </a:r>
+            <a:r>
+              <a:rPr lang="it-IT" sz="2000" i="1" dirty="0" smtClean="0">
+                <a:latin typeface="Arial" pitchFamily="34" charset="0"/>
+                <a:cs typeface="Arial" pitchFamily="34" charset="0"/>
+              </a:rPr>
+              <a:t>() %&gt;</a:t>
+            </a:r>
+            <a:endParaRPr lang="it-IT" sz="2000" i="1" dirty="0">
               <a:latin typeface="Arial" pitchFamily="34" charset="0"/>
               <a:cs typeface="Arial" pitchFamily="34" charset="0"/>
             </a:endParaRPr>
@@ -27633,286 +27833,6 @@
         </p:nvSpPr>
         <p:spPr>
           <a:xfrm>
-            <a:off x="457200" y="533376"/>
-            <a:ext cx="8229600" cy="1143000"/>
-          </a:xfrm>
-        </p:spPr>
-        <p:txBody>
-          <a:bodyPr>
-            <a:normAutofit/>
-          </a:bodyPr>
-          <a:lstStyle/>
-          <a:p>
-            <a:r>
-              <a:rPr lang="it-IT" dirty="0" smtClean="0"/>
-              <a:t>JSF – </a:t>
-            </a:r>
-            <a:r>
-              <a:rPr lang="it-IT" dirty="0" err="1" smtClean="0"/>
-              <a:t>Expression</a:t>
-            </a:r>
-            <a:r>
-              <a:rPr lang="it-IT" dirty="0" smtClean="0"/>
-              <a:t> </a:t>
-            </a:r>
-            <a:r>
-              <a:rPr lang="it-IT" dirty="0" err="1" smtClean="0"/>
-              <a:t>Language</a:t>
-            </a:r>
-            <a:r>
-              <a:rPr lang="it-IT" dirty="0" smtClean="0"/>
-              <a:t> (2)</a:t>
-            </a:r>
-            <a:endParaRPr lang="it-IT" dirty="0"/>
-          </a:p>
-        </p:txBody>
-      </p:sp>
-      <p:sp>
-        <p:nvSpPr>
-          <p:cNvPr id="3" name="Segnaposto contenuto 2"/>
-          <p:cNvSpPr>
-            <a:spLocks noGrp="1"/>
-          </p:cNvSpPr>
-          <p:nvPr>
-            <p:ph idx="1"/>
-          </p:nvPr>
-        </p:nvSpPr>
-        <p:spPr/>
-        <p:txBody>
-          <a:bodyPr/>
-          <a:lstStyle/>
-          <a:p>
-            <a:pPr>
-              <a:lnSpc>
-                <a:spcPct val="150000"/>
-              </a:lnSpc>
-              <a:buNone/>
-            </a:pPr>
-            <a:r>
-              <a:rPr lang="it-IT" dirty="0" smtClean="0"/>
-              <a:t>Esempio</a:t>
-            </a:r>
-          </a:p>
-          <a:p>
-            <a:pPr lvl="1">
-              <a:lnSpc>
-                <a:spcPct val="150000"/>
-              </a:lnSpc>
-              <a:buNone/>
-            </a:pPr>
-            <a:r>
-              <a:rPr lang="it-IT" sz="2000" i="1" dirty="0" smtClean="0">
-                <a:latin typeface="Arial" pitchFamily="34" charset="0"/>
-                <a:cs typeface="Arial" pitchFamily="34" charset="0"/>
-              </a:rPr>
-              <a:t>#{</a:t>
-            </a:r>
-            <a:r>
-              <a:rPr lang="it-IT" sz="2000" i="1" dirty="0" err="1" smtClean="0">
-                <a:latin typeface="Arial" pitchFamily="34" charset="0"/>
-                <a:cs typeface="Arial" pitchFamily="34" charset="0"/>
-              </a:rPr>
-              <a:t>sessionScope.utente.nome</a:t>
-            </a:r>
-            <a:r>
-              <a:rPr lang="it-IT" sz="2000" i="1" dirty="0" smtClean="0">
-                <a:latin typeface="Arial" pitchFamily="34" charset="0"/>
-                <a:cs typeface="Arial" pitchFamily="34" charset="0"/>
-              </a:rPr>
-              <a:t>}</a:t>
-            </a:r>
-          </a:p>
-          <a:p>
-            <a:pPr>
-              <a:lnSpc>
-                <a:spcPct val="150000"/>
-              </a:lnSpc>
-              <a:buNone/>
-            </a:pPr>
-            <a:r>
-              <a:rPr lang="it-IT" dirty="0" smtClean="0"/>
-              <a:t>È equivalente a</a:t>
-            </a:r>
-          </a:p>
-          <a:p>
-            <a:pPr lvl="1">
-              <a:lnSpc>
-                <a:spcPct val="150000"/>
-              </a:lnSpc>
-              <a:buNone/>
-            </a:pPr>
-            <a:r>
-              <a:rPr lang="it-IT" sz="2000" i="1" dirty="0" smtClean="0">
-                <a:latin typeface="Arial" pitchFamily="34" charset="0"/>
-                <a:cs typeface="Arial" pitchFamily="34" charset="0"/>
-              </a:rPr>
-              <a:t>&lt;%@ </a:t>
-            </a:r>
-            <a:r>
-              <a:rPr lang="it-IT" sz="2000" i="1" dirty="0" err="1" smtClean="0">
-                <a:latin typeface="Arial" pitchFamily="34" charset="0"/>
-                <a:cs typeface="Arial" pitchFamily="34" charset="0"/>
-              </a:rPr>
-              <a:t>page</a:t>
-            </a:r>
-            <a:r>
-              <a:rPr lang="it-IT" sz="2000" i="1" dirty="0" smtClean="0">
-                <a:latin typeface="Arial" pitchFamily="34" charset="0"/>
-                <a:cs typeface="Arial" pitchFamily="34" charset="0"/>
-              </a:rPr>
-              <a:t> </a:t>
-            </a:r>
-            <a:r>
-              <a:rPr lang="it-IT" sz="2000" i="1" dirty="0" err="1" smtClean="0">
-                <a:latin typeface="Arial" pitchFamily="34" charset="0"/>
-                <a:cs typeface="Arial" pitchFamily="34" charset="0"/>
-              </a:rPr>
-              <a:t>import=</a:t>
-            </a:r>
-            <a:r>
-              <a:rPr lang="it-IT" sz="2000" i="1" dirty="0" smtClean="0">
-                <a:latin typeface="Arial" pitchFamily="34" charset="0"/>
-                <a:cs typeface="Arial" pitchFamily="34" charset="0"/>
-              </a:rPr>
-              <a:t>“</a:t>
-            </a:r>
-            <a:r>
-              <a:rPr lang="it-IT" sz="2000" i="1" dirty="0" err="1" smtClean="0">
-                <a:latin typeface="Arial" pitchFamily="34" charset="0"/>
-                <a:cs typeface="Arial" pitchFamily="34" charset="0"/>
-              </a:rPr>
-              <a:t>org.seam.seamamicidelgas.Utente</a:t>
-            </a:r>
-            <a:r>
-              <a:rPr lang="it-IT" sz="2000" i="1" dirty="0" smtClean="0">
-                <a:latin typeface="Arial" pitchFamily="34" charset="0"/>
-                <a:cs typeface="Arial" pitchFamily="34" charset="0"/>
-              </a:rPr>
-              <a:t>” %&gt;</a:t>
-            </a:r>
-          </a:p>
-          <a:p>
-            <a:pPr lvl="1">
-              <a:lnSpc>
-                <a:spcPct val="150000"/>
-              </a:lnSpc>
-              <a:buNone/>
-            </a:pPr>
-            <a:r>
-              <a:rPr lang="it-IT" sz="2000" i="1" dirty="0" smtClean="0">
-                <a:latin typeface="Arial" pitchFamily="34" charset="0"/>
-                <a:cs typeface="Arial" pitchFamily="34" charset="0"/>
-              </a:rPr>
-              <a:t>&lt;% Utente </a:t>
-            </a:r>
-            <a:r>
-              <a:rPr lang="it-IT" sz="2000" i="1" dirty="0" err="1" smtClean="0">
-                <a:latin typeface="Arial" pitchFamily="34" charset="0"/>
-                <a:cs typeface="Arial" pitchFamily="34" charset="0"/>
-              </a:rPr>
-              <a:t>utente</a:t>
-            </a:r>
-            <a:r>
-              <a:rPr lang="it-IT" sz="2000" i="1" dirty="0" smtClean="0">
-                <a:latin typeface="Arial" pitchFamily="34" charset="0"/>
-                <a:cs typeface="Arial" pitchFamily="34" charset="0"/>
-              </a:rPr>
-              <a:t> = (Utente)</a:t>
-            </a:r>
-            <a:r>
-              <a:rPr lang="it-IT" sz="2000" i="1" dirty="0" err="1" smtClean="0">
-                <a:latin typeface="Arial" pitchFamily="34" charset="0"/>
-                <a:cs typeface="Arial" pitchFamily="34" charset="0"/>
-              </a:rPr>
-              <a:t>session.getAttribute</a:t>
-            </a:r>
-            <a:r>
-              <a:rPr lang="it-IT" sz="2000" i="1" dirty="0" smtClean="0">
-                <a:latin typeface="Arial" pitchFamily="34" charset="0"/>
-                <a:cs typeface="Arial" pitchFamily="34" charset="0"/>
-              </a:rPr>
-              <a:t>(“utente”); %&gt;</a:t>
-            </a:r>
-          </a:p>
-          <a:p>
-            <a:pPr lvl="1">
-              <a:lnSpc>
-                <a:spcPct val="150000"/>
-              </a:lnSpc>
-              <a:buNone/>
-            </a:pPr>
-            <a:r>
-              <a:rPr lang="it-IT" sz="2000" i="1" dirty="0" smtClean="0">
-                <a:latin typeface="Arial" pitchFamily="34" charset="0"/>
-                <a:cs typeface="Arial" pitchFamily="34" charset="0"/>
-              </a:rPr>
-              <a:t>&lt;%= </a:t>
-            </a:r>
-            <a:r>
-              <a:rPr lang="it-IT" sz="2000" i="1" dirty="0" err="1" smtClean="0">
-                <a:latin typeface="Arial" pitchFamily="34" charset="0"/>
-                <a:cs typeface="Arial" pitchFamily="34" charset="0"/>
-              </a:rPr>
-              <a:t>utente.getNome</a:t>
-            </a:r>
-            <a:r>
-              <a:rPr lang="it-IT" sz="2000" i="1" dirty="0" smtClean="0">
-                <a:latin typeface="Arial" pitchFamily="34" charset="0"/>
-                <a:cs typeface="Arial" pitchFamily="34" charset="0"/>
-              </a:rPr>
-              <a:t>() %&gt;</a:t>
-            </a:r>
-            <a:endParaRPr lang="it-IT" sz="2000" i="1" dirty="0">
-              <a:latin typeface="Arial" pitchFamily="34" charset="0"/>
-              <a:cs typeface="Arial" pitchFamily="34" charset="0"/>
-            </a:endParaRPr>
-          </a:p>
-        </p:txBody>
-      </p:sp>
-    </p:spTree>
-  </p:cSld>
-  <p:clrMapOvr>
-    <a:masterClrMapping/>
-  </p:clrMapOvr>
-  <p:timing>
-    <p:tnLst>
-      <p:par>
-        <p:cTn id="1" dur="indefinite" restart="never" nodeType="tmRoot"/>
-      </p:par>
-    </p:tnLst>
-  </p:timing>
-</p:sld>
-</file>
-
-<file path=ppt/slides/slide37.xml><?xml version="1.0" encoding="utf-8"?>
-<p:sld xmlns:a="http://schemas.openxmlformats.org/drawingml/2006/main" xmlns:r="http://schemas.openxmlformats.org/officeDocument/2006/relationships" xmlns:p="http://schemas.openxmlformats.org/presentationml/2006/main">
-  <p:cSld>
-    <p:spTree>
-      <p:nvGrpSpPr>
-        <p:cNvPr id="1" name=""/>
-        <p:cNvGrpSpPr/>
-        <p:nvPr/>
-      </p:nvGrpSpPr>
-      <p:grpSpPr>
-        <a:xfrm>
-          <a:off x="0" y="0"/>
-          <a:ext cx="0" cy="0"/>
-          <a:chOff x="0" y="0"/>
-          <a:chExt cx="0" cy="0"/>
-        </a:xfrm>
-      </p:grpSpPr>
-      <p:sp>
-        <p:nvSpPr>
-          <p:cNvPr id="2" name="Titolo 1"/>
-          <p:cNvSpPr>
-            <a:spLocks noGrp="1"/>
-          </p:cNvSpPr>
-          <p:nvPr>
-            <p:ph type="title"/>
-          </p:nvPr>
-        </p:nvSpPr>
-        <p:spPr>
-          <a:xfrm>
             <a:off x="457200" y="-3222"/>
             <a:ext cx="8229600" cy="1143000"/>
           </a:xfrm>
@@ -29567,7 +29487,7 @@
 </p:sld>
 </file>
 
-<file path=ppt/slides/slide38.xml><?xml version="1.0" encoding="utf-8"?>
+<file path=ppt/slides/slide37.xml><?xml version="1.0" encoding="utf-8"?>
 <p:sld xmlns:a="http://schemas.openxmlformats.org/drawingml/2006/main" xmlns:r="http://schemas.openxmlformats.org/officeDocument/2006/relationships" xmlns:p="http://schemas.openxmlformats.org/presentationml/2006/main">
   <p:cSld>
     <p:spTree>
@@ -29711,7 +29631,7 @@
 </p:sld>
 </file>
 
-<file path=ppt/slides/slide39.xml><?xml version="1.0" encoding="utf-8"?>
+<file path=ppt/slides/slide38.xml><?xml version="1.0" encoding="utf-8"?>
 <p:sld xmlns:a="http://schemas.openxmlformats.org/drawingml/2006/main" xmlns:r="http://schemas.openxmlformats.org/officeDocument/2006/relationships" xmlns:p="http://schemas.openxmlformats.org/presentationml/2006/main">
   <p:cSld>
     <p:spTree>
@@ -29864,6 +29784,103 @@
   <p:clrMapOvr>
     <a:masterClrMapping/>
   </p:clrMapOvr>
+  <p:timing>
+    <p:tnLst>
+      <p:par>
+        <p:cTn id="1" dur="indefinite" restart="never" nodeType="tmRoot"/>
+      </p:par>
+    </p:tnLst>
+  </p:timing>
+</p:sld>
+</file>
+
+<file path=ppt/slides/slide39.xml><?xml version="1.0" encoding="utf-8"?>
+<p:sld xmlns:a="http://schemas.openxmlformats.org/drawingml/2006/main" xmlns:r="http://schemas.openxmlformats.org/officeDocument/2006/relationships" xmlns:p="http://schemas.openxmlformats.org/presentationml/2006/main">
+  <p:cSld>
+    <p:spTree>
+      <p:nvGrpSpPr>
+        <p:cNvPr id="1" name=""/>
+        <p:cNvGrpSpPr/>
+        <p:nvPr/>
+      </p:nvGrpSpPr>
+      <p:grpSpPr>
+        <a:xfrm>
+          <a:off x="0" y="0"/>
+          <a:ext cx="0" cy="0"/>
+          <a:chOff x="0" y="0"/>
+          <a:chExt cx="0" cy="0"/>
+        </a:xfrm>
+      </p:grpSpPr>
+      <p:pic>
+        <p:nvPicPr>
+          <p:cNvPr id="8194" name="Picture 2"/>
+          <p:cNvPicPr>
+            <a:picLocks noChangeAspect="1" noChangeArrowheads="1"/>
+          </p:cNvPicPr>
+          <p:nvPr/>
+        </p:nvPicPr>
+        <p:blipFill>
+          <a:blip r:embed="rId3">
+            <a:clrChange>
+              <a:clrFrom>
+                <a:srgbClr val="FFFFFF"/>
+              </a:clrFrom>
+              <a:clrTo>
+                <a:srgbClr val="FFFFFF">
+                  <a:alpha val="0"/>
+                </a:srgbClr>
+              </a:clrTo>
+            </a:clrChange>
+          </a:blip>
+          <a:srcRect l="2634" t="5518" r="2634" b="13794"/>
+          <a:stretch>
+            <a:fillRect/>
+          </a:stretch>
+        </p:blipFill>
+        <p:spPr bwMode="auto">
+          <a:xfrm>
+            <a:off x="3277161" y="2917818"/>
+            <a:ext cx="2589679" cy="1052923"/>
+          </a:xfrm>
+          <a:prstGeom prst="rect">
+            <a:avLst/>
+          </a:prstGeom>
+          <a:noFill/>
+          <a:ln w="9525">
+            <a:noFill/>
+            <a:miter lim="800000"/>
+            <a:headEnd/>
+            <a:tailEnd/>
+          </a:ln>
+          <a:effectLst>
+            <a:reflection blurRad="6350" stA="50000" endA="300" endPos="90000" dir="5400000" sy="-100000" algn="bl" rotWithShape="0"/>
+          </a:effectLst>
+        </p:spPr>
+      </p:pic>
+      <p:graphicFrame>
+        <p:nvGraphicFramePr>
+          <p:cNvPr id="35" name="Diagramma 34"/>
+          <p:cNvGraphicFramePr/>
+          <p:nvPr/>
+        </p:nvGraphicFramePr>
+        <p:xfrm>
+          <a:off x="0" y="763551"/>
+          <a:ext cx="9144000" cy="5838858"/>
+        </p:xfrm>
+        <a:graphic>
+          <a:graphicData uri="http://schemas.openxmlformats.org/drawingml/2006/diagram">
+            <dgm:relIds xmlns:dgm="http://schemas.openxmlformats.org/drawingml/2006/diagram" xmlns:r="http://schemas.openxmlformats.org/officeDocument/2006/relationships" r:dm="rId4" r:lo="rId5" r:qs="rId6" r:cs="rId7"/>
+          </a:graphicData>
+        </a:graphic>
+      </p:graphicFrame>
+    </p:spTree>
+  </p:cSld>
+  <p:clrMapOvr>
+    <a:masterClrMapping/>
+  </p:clrMapOvr>
+  <p:transition>
+    <p:fade/>
+  </p:transition>
   <p:timing>
     <p:tnLst>
       <p:par>
@@ -30342,103 +30359,6 @@
           <a:chExt cx="0" cy="0"/>
         </a:xfrm>
       </p:grpSpPr>
-      <p:pic>
-        <p:nvPicPr>
-          <p:cNvPr id="8194" name="Picture 2"/>
-          <p:cNvPicPr>
-            <a:picLocks noChangeAspect="1" noChangeArrowheads="1"/>
-          </p:cNvPicPr>
-          <p:nvPr/>
-        </p:nvPicPr>
-        <p:blipFill>
-          <a:blip r:embed="rId3">
-            <a:clrChange>
-              <a:clrFrom>
-                <a:srgbClr val="FFFFFF"/>
-              </a:clrFrom>
-              <a:clrTo>
-                <a:srgbClr val="FFFFFF">
-                  <a:alpha val="0"/>
-                </a:srgbClr>
-              </a:clrTo>
-            </a:clrChange>
-          </a:blip>
-          <a:srcRect l="2634" t="5518" r="2634" b="13794"/>
-          <a:stretch>
-            <a:fillRect/>
-          </a:stretch>
-        </p:blipFill>
-        <p:spPr bwMode="auto">
-          <a:xfrm>
-            <a:off x="3277161" y="2917818"/>
-            <a:ext cx="2589679" cy="1052923"/>
-          </a:xfrm>
-          <a:prstGeom prst="rect">
-            <a:avLst/>
-          </a:prstGeom>
-          <a:noFill/>
-          <a:ln w="9525">
-            <a:noFill/>
-            <a:miter lim="800000"/>
-            <a:headEnd/>
-            <a:tailEnd/>
-          </a:ln>
-          <a:effectLst>
-            <a:reflection blurRad="6350" stA="50000" endA="300" endPos="90000" dir="5400000" sy="-100000" algn="bl" rotWithShape="0"/>
-          </a:effectLst>
-        </p:spPr>
-      </p:pic>
-      <p:graphicFrame>
-        <p:nvGraphicFramePr>
-          <p:cNvPr id="35" name="Diagramma 34"/>
-          <p:cNvGraphicFramePr/>
-          <p:nvPr/>
-        </p:nvGraphicFramePr>
-        <p:xfrm>
-          <a:off x="0" y="763551"/>
-          <a:ext cx="9144000" cy="5838858"/>
-        </p:xfrm>
-        <a:graphic>
-          <a:graphicData uri="http://schemas.openxmlformats.org/drawingml/2006/diagram">
-            <dgm:relIds xmlns:dgm="http://schemas.openxmlformats.org/drawingml/2006/diagram" xmlns:r="http://schemas.openxmlformats.org/officeDocument/2006/relationships" r:dm="rId4" r:lo="rId5" r:qs="rId6" r:cs="rId7"/>
-          </a:graphicData>
-        </a:graphic>
-      </p:graphicFrame>
-    </p:spTree>
-  </p:cSld>
-  <p:clrMapOvr>
-    <a:masterClrMapping/>
-  </p:clrMapOvr>
-  <p:transition>
-    <p:fade/>
-  </p:transition>
-  <p:timing>
-    <p:tnLst>
-      <p:par>
-        <p:cTn id="1" dur="indefinite" restart="never" nodeType="tmRoot"/>
-      </p:par>
-    </p:tnLst>
-  </p:timing>
-</p:sld>
-</file>
-
-<file path=ppt/slides/slide41.xml><?xml version="1.0" encoding="utf-8"?>
-<p:sld xmlns:a="http://schemas.openxmlformats.org/drawingml/2006/main" xmlns:r="http://schemas.openxmlformats.org/officeDocument/2006/relationships" xmlns:p="http://schemas.openxmlformats.org/presentationml/2006/main">
-  <p:cSld>
-    <p:spTree>
-      <p:nvGrpSpPr>
-        <p:cNvPr id="1" name=""/>
-        <p:cNvGrpSpPr/>
-        <p:nvPr/>
-      </p:nvGrpSpPr>
-      <p:grpSpPr>
-        <a:xfrm>
-          <a:off x="0" y="0"/>
-          <a:ext cx="0" cy="0"/>
-          <a:chOff x="0" y="0"/>
-          <a:chExt cx="0" cy="0"/>
-        </a:xfrm>
-      </p:grpSpPr>
       <p:sp>
         <p:nvSpPr>
           <p:cNvPr id="7169" name="Text Box 1"/>
@@ -31146,7 +31066,7 @@
 </p:sld>
 </file>
 
-<file path=ppt/slides/slide42.xml><?xml version="1.0" encoding="utf-8"?>
+<file path=ppt/slides/slide41.xml><?xml version="1.0" encoding="utf-8"?>
 <p:sld xmlns:a="http://schemas.openxmlformats.org/drawingml/2006/main" xmlns:r="http://schemas.openxmlformats.org/officeDocument/2006/relationships" xmlns:p="http://schemas.openxmlformats.org/presentationml/2006/main">
   <p:cSld>
     <p:spTree>
@@ -32275,7 +32195,7 @@
 </p:sld>
 </file>
 
-<file path=ppt/slides/slide43.xml><?xml version="1.0" encoding="utf-8"?>
+<file path=ppt/slides/slide42.xml><?xml version="1.0" encoding="utf-8"?>
 <p:sld xmlns:a="http://schemas.openxmlformats.org/drawingml/2006/main" xmlns:r="http://schemas.openxmlformats.org/officeDocument/2006/relationships" xmlns:p="http://schemas.openxmlformats.org/presentationml/2006/main">
   <p:cSld>
     <p:spTree>
@@ -33100,7 +33020,7 @@
 </p:sld>
 </file>
 
-<file path=ppt/slides/slide44.xml><?xml version="1.0" encoding="utf-8"?>
+<file path=ppt/slides/slide43.xml><?xml version="1.0" encoding="utf-8"?>
 <p:sld xmlns:a="http://schemas.openxmlformats.org/drawingml/2006/main" xmlns:r="http://schemas.openxmlformats.org/officeDocument/2006/relationships" xmlns:p="http://schemas.openxmlformats.org/presentationml/2006/main">
   <p:cSld>
     <p:spTree>
@@ -33795,7 +33715,7 @@
 </p:sld>
 </file>
 
-<file path=ppt/slides/slide45.xml><?xml version="1.0" encoding="utf-8"?>
+<file path=ppt/slides/slide44.xml><?xml version="1.0" encoding="utf-8"?>
 <p:sld xmlns:a="http://schemas.openxmlformats.org/drawingml/2006/main" xmlns:r="http://schemas.openxmlformats.org/officeDocument/2006/relationships" xmlns:p="http://schemas.openxmlformats.org/presentationml/2006/main">
   <p:cSld>
     <p:spTree>
@@ -34168,7 +34088,7 @@
 </p:sld>
 </file>
 
-<file path=ppt/slides/slide46.xml><?xml version="1.0" encoding="utf-8"?>
+<file path=ppt/slides/slide45.xml><?xml version="1.0" encoding="utf-8"?>
 <p:sld xmlns:a="http://schemas.openxmlformats.org/drawingml/2006/main" xmlns:r="http://schemas.openxmlformats.org/officeDocument/2006/relationships" xmlns:p="http://schemas.openxmlformats.org/presentationml/2006/main">
   <p:cSld>
     <p:spTree>
@@ -34274,7 +34194,2601 @@
 </p:sld>
 </file>
 
+<file path=ppt/slides/slide46.xml><?xml version="1.0" encoding="utf-8"?>
+<p:sld xmlns:a="http://schemas.openxmlformats.org/drawingml/2006/main" xmlns:r="http://schemas.openxmlformats.org/officeDocument/2006/relationships" xmlns:p="http://schemas.openxmlformats.org/presentationml/2006/main">
+  <p:cSld>
+    <p:spTree>
+      <p:nvGrpSpPr>
+        <p:cNvPr id="1" name=""/>
+        <p:cNvGrpSpPr/>
+        <p:nvPr/>
+      </p:nvGrpSpPr>
+      <p:grpSpPr>
+        <a:xfrm>
+          <a:off x="0" y="0"/>
+          <a:ext cx="0" cy="0"/>
+          <a:chOff x="0" y="0"/>
+          <a:chExt cx="0" cy="0"/>
+        </a:xfrm>
+      </p:grpSpPr>
+      <p:sp>
+        <p:nvSpPr>
+          <p:cNvPr id="2" name="Titolo 1"/>
+          <p:cNvSpPr>
+            <a:spLocks noGrp="1"/>
+          </p:cNvSpPr>
+          <p:nvPr>
+            <p:ph type="title"/>
+          </p:nvPr>
+        </p:nvSpPr>
+        <p:spPr/>
+        <p:txBody>
+          <a:bodyPr/>
+          <a:lstStyle/>
+          <a:p>
+            <a:r>
+              <a:rPr lang="it-IT" dirty="0" smtClean="0"/>
+              <a:t>Problemi e soluzioni proposte</a:t>
+            </a:r>
+            <a:endParaRPr lang="it-IT" dirty="0"/>
+          </a:p>
+        </p:txBody>
+      </p:sp>
+      <p:sp>
+        <p:nvSpPr>
+          <p:cNvPr id="5" name="Segnaposto contenuto 4"/>
+          <p:cNvSpPr>
+            <a:spLocks noGrp="1"/>
+          </p:cNvSpPr>
+          <p:nvPr>
+            <p:ph idx="1"/>
+          </p:nvPr>
+        </p:nvSpPr>
+        <p:spPr/>
+        <p:txBody>
+          <a:bodyPr/>
+          <a:lstStyle/>
+          <a:p>
+            <a:pPr marL="514350" indent="-514350">
+              <a:buFont typeface="+mj-lt"/>
+              <a:buAutoNum type="arabicPeriod"/>
+            </a:pPr>
+            <a:r>
+              <a:rPr lang="it-IT" dirty="0" smtClean="0"/>
+              <a:t>Inviare notifiche ad un gruppo di utenti in modo che tutti potessero visualizzarle ed accettarle.</a:t>
+            </a:r>
+          </a:p>
+          <a:p>
+            <a:pPr marL="514350" indent="-514350">
+              <a:buFont typeface="+mj-lt"/>
+              <a:buAutoNum type="arabicPeriod"/>
+            </a:pPr>
+            <a:r>
+              <a:rPr lang="it-IT" dirty="0" smtClean="0"/>
+              <a:t>Invio di notifiche in </a:t>
+            </a:r>
+            <a:r>
+              <a:rPr lang="it-IT" dirty="0" err="1" smtClean="0"/>
+              <a:t>multicast</a:t>
+            </a:r>
+            <a:r>
+              <a:rPr lang="it-IT" dirty="0" smtClean="0"/>
+              <a:t> e attesa di una risposta da parte di tutti gli utenti destinatari della notifica.</a:t>
+            </a:r>
+          </a:p>
+          <a:p>
+            <a:pPr marL="514350" indent="-514350">
+              <a:buFont typeface="+mj-lt"/>
+              <a:buAutoNum type="arabicPeriod"/>
+            </a:pPr>
+            <a:r>
+              <a:rPr lang="it-IT" dirty="0" smtClean="0"/>
+              <a:t>Funzionamento dei timer</a:t>
+            </a:r>
+          </a:p>
+          <a:p>
+            <a:pPr marL="514350" indent="-514350">
+              <a:buFont typeface="+mj-lt"/>
+              <a:buAutoNum type="arabicPeriod"/>
+            </a:pPr>
+            <a:r>
+              <a:rPr lang="it-IT" dirty="0" smtClean="0"/>
+              <a:t>JBPM non riconosce il linguaggio EL</a:t>
+            </a:r>
+            <a:endParaRPr lang="it-IT" dirty="0"/>
+          </a:p>
+        </p:txBody>
+      </p:sp>
+    </p:spTree>
+  </p:cSld>
+  <p:clrMapOvr>
+    <a:masterClrMapping/>
+  </p:clrMapOvr>
+</p:sld>
+</file>
+
 <file path=ppt/slides/slide47.xml><?xml version="1.0" encoding="utf-8"?>
+<p:sld xmlns:a="http://schemas.openxmlformats.org/drawingml/2006/main" xmlns:r="http://schemas.openxmlformats.org/officeDocument/2006/relationships" xmlns:p="http://schemas.openxmlformats.org/presentationml/2006/main">
+  <p:cSld>
+    <p:spTree>
+      <p:nvGrpSpPr>
+        <p:cNvPr id="1" name=""/>
+        <p:cNvGrpSpPr/>
+        <p:nvPr/>
+      </p:nvGrpSpPr>
+      <p:grpSpPr>
+        <a:xfrm>
+          <a:off x="0" y="0"/>
+          <a:ext cx="0" cy="0"/>
+          <a:chOff x="0" y="0"/>
+          <a:chExt cx="0" cy="0"/>
+        </a:xfrm>
+      </p:grpSpPr>
+      <p:sp>
+        <p:nvSpPr>
+          <p:cNvPr id="2" name="Titolo 1"/>
+          <p:cNvSpPr>
+            <a:spLocks noGrp="1"/>
+          </p:cNvSpPr>
+          <p:nvPr>
+            <p:ph type="title"/>
+          </p:nvPr>
+        </p:nvSpPr>
+        <p:spPr/>
+        <p:txBody>
+          <a:bodyPr>
+            <a:noAutofit/>
+          </a:bodyPr>
+          <a:lstStyle/>
+          <a:p>
+            <a:r>
+              <a:rPr lang="it-IT" sz="3200" dirty="0" smtClean="0"/>
+              <a:t>Inviare notifiche ad un gruppo di utenti in modo che tutti potessero visualizzarle ed accettarle.</a:t>
+            </a:r>
+          </a:p>
+        </p:txBody>
+      </p:sp>
+      <p:sp>
+        <p:nvSpPr>
+          <p:cNvPr id="5" name="Segnaposto contenuto 4"/>
+          <p:cNvSpPr>
+            <a:spLocks noGrp="1"/>
+          </p:cNvSpPr>
+          <p:nvPr>
+            <p:ph idx="1"/>
+          </p:nvPr>
+        </p:nvSpPr>
+        <p:spPr>
+          <a:xfrm>
+            <a:off x="263466" y="1935480"/>
+            <a:ext cx="8617068" cy="3100092"/>
+          </a:xfrm>
+        </p:spPr>
+        <p:txBody>
+          <a:bodyPr>
+            <a:normAutofit/>
+          </a:bodyPr>
+          <a:lstStyle/>
+          <a:p>
+            <a:pPr marL="360000" indent="-360000" algn="just"/>
+            <a:r>
+              <a:rPr lang="it-IT" sz="2000" b="1" i="1" dirty="0" smtClean="0"/>
+              <a:t>Dominio: </a:t>
+            </a:r>
+            <a:r>
+              <a:rPr lang="it-IT" sz="2000" dirty="0" smtClean="0"/>
+              <a:t>inviare una notifica al gruppo “</a:t>
+            </a:r>
+            <a:r>
+              <a:rPr lang="it-IT" sz="2000" dirty="0" err="1" smtClean="0"/>
+              <a:t>UtenteGAS</a:t>
+            </a:r>
+            <a:r>
+              <a:rPr lang="it-IT" sz="2000" dirty="0" smtClean="0"/>
+              <a:t>” per informarlo dell’esistenza di una visita in azienda.</a:t>
+            </a:r>
+          </a:p>
+          <a:p>
+            <a:pPr marL="360000" indent="-360000" algn="just"/>
+            <a:r>
+              <a:rPr lang="it-IT" sz="2000" b="1" i="1" dirty="0" smtClean="0"/>
+              <a:t>Problema: </a:t>
+            </a:r>
+            <a:r>
+              <a:rPr lang="it-IT" sz="2000" dirty="0" smtClean="0"/>
+              <a:t>JBPM supporta notifiche di tipo broadcast e quindi il primo utente appartenente al gruppo che accetta la notifica cancella automaticamente le notifiche agli altri utenti.</a:t>
+            </a:r>
+          </a:p>
+          <a:p>
+            <a:pPr marL="360000" indent="-360000" algn="just"/>
+            <a:r>
+              <a:rPr lang="it-IT" sz="2000" b="1" i="1" dirty="0" smtClean="0"/>
+              <a:t>Soluzione proposta: </a:t>
+            </a:r>
+            <a:r>
+              <a:rPr lang="it-IT" sz="2000" dirty="0" smtClean="0"/>
+              <a:t>creare un ciclo con un </a:t>
+            </a:r>
+            <a:r>
+              <a:rPr lang="it-IT" sz="2000" dirty="0" err="1" smtClean="0"/>
+              <a:t>decision</a:t>
+            </a:r>
+            <a:r>
+              <a:rPr lang="it-IT" sz="2000" dirty="0" smtClean="0"/>
+              <a:t> </a:t>
+            </a:r>
+            <a:r>
+              <a:rPr lang="it-IT" sz="2000" dirty="0" err="1" smtClean="0"/>
+              <a:t>node</a:t>
+            </a:r>
+            <a:r>
+              <a:rPr lang="it-IT" sz="2000" dirty="0" smtClean="0"/>
+              <a:t> che ricreava il task di notifica quando questa veniva accettata da un utente; a livello grafico agli utenti che già avevano visionato la notifica non veniva più permesso di eseguire di nuovo il task.</a:t>
+            </a:r>
+            <a:endParaRPr lang="it-IT" sz="2000" dirty="0"/>
+          </a:p>
+        </p:txBody>
+      </p:sp>
+      <p:pic>
+        <p:nvPicPr>
+          <p:cNvPr id="1026" name="Picture 2"/>
+          <p:cNvPicPr>
+            <a:picLocks noChangeAspect="1" noChangeArrowheads="1"/>
+          </p:cNvPicPr>
+          <p:nvPr/>
+        </p:nvPicPr>
+        <p:blipFill>
+          <a:blip r:embed="rId2"/>
+          <a:srcRect/>
+          <a:stretch>
+            <a:fillRect/>
+          </a:stretch>
+        </p:blipFill>
+        <p:spPr bwMode="auto">
+          <a:xfrm>
+            <a:off x="3838575" y="4743468"/>
+            <a:ext cx="4848225" cy="1914525"/>
+          </a:xfrm>
+          <a:prstGeom prst="roundRect">
+            <a:avLst>
+              <a:gd name="adj" fmla="val 4882"/>
+            </a:avLst>
+          </a:prstGeom>
+          <a:noFill/>
+          <a:ln w="9525">
+            <a:noFill/>
+            <a:miter lim="800000"/>
+            <a:headEnd/>
+            <a:tailEnd/>
+          </a:ln>
+          <a:effectLst>
+            <a:outerShdw blurRad="63500" sx="101000" sy="101000" algn="ctr" rotWithShape="0">
+              <a:prstClr val="black">
+                <a:alpha val="30000"/>
+              </a:prstClr>
+            </a:outerShdw>
+          </a:effectLst>
+        </p:spPr>
+      </p:pic>
+    </p:spTree>
+  </p:cSld>
+  <p:clrMapOvr>
+    <a:masterClrMapping/>
+  </p:clrMapOvr>
+  <p:timing>
+    <p:tnLst>
+      <p:par>
+        <p:cTn id="1" dur="indefinite" restart="never" nodeType="tmRoot"/>
+      </p:par>
+    </p:tnLst>
+  </p:timing>
+</p:sld>
+</file>
+
+<file path=ppt/slides/slide48.xml><?xml version="1.0" encoding="utf-8"?>
+<p:sld xmlns:a="http://schemas.openxmlformats.org/drawingml/2006/main" xmlns:r="http://schemas.openxmlformats.org/officeDocument/2006/relationships" xmlns:p="http://schemas.openxmlformats.org/presentationml/2006/main">
+  <p:cSld>
+    <p:spTree>
+      <p:nvGrpSpPr>
+        <p:cNvPr id="1" name=""/>
+        <p:cNvGrpSpPr/>
+        <p:nvPr/>
+      </p:nvGrpSpPr>
+      <p:grpSpPr>
+        <a:xfrm>
+          <a:off x="0" y="0"/>
+          <a:ext cx="0" cy="0"/>
+          <a:chOff x="0" y="0"/>
+          <a:chExt cx="0" cy="0"/>
+        </a:xfrm>
+      </p:grpSpPr>
+      <p:sp>
+        <p:nvSpPr>
+          <p:cNvPr id="2" name="Titolo 1"/>
+          <p:cNvSpPr>
+            <a:spLocks noGrp="1"/>
+          </p:cNvSpPr>
+          <p:nvPr>
+            <p:ph type="title"/>
+          </p:nvPr>
+        </p:nvSpPr>
+        <p:spPr>
+          <a:xfrm>
+            <a:off x="263466" y="325395"/>
+            <a:ext cx="8617068" cy="1143000"/>
+          </a:xfrm>
+        </p:spPr>
+        <p:txBody>
+          <a:bodyPr>
+            <a:noAutofit/>
+          </a:bodyPr>
+          <a:lstStyle/>
+          <a:p>
+            <a:pPr algn="just"/>
+            <a:r>
+              <a:rPr lang="it-IT" sz="2800" dirty="0" smtClean="0"/>
+              <a:t>Invio di notifiche in </a:t>
+            </a:r>
+            <a:r>
+              <a:rPr lang="it-IT" sz="2800" dirty="0" err="1" smtClean="0"/>
+              <a:t>multicast</a:t>
+            </a:r>
+            <a:r>
+              <a:rPr lang="it-IT" sz="2800" dirty="0" smtClean="0"/>
+              <a:t> e attesa di una risposta da parte di tutti gli utenti destinatari della notifica.</a:t>
+            </a:r>
+          </a:p>
+        </p:txBody>
+      </p:sp>
+      <p:sp>
+        <p:nvSpPr>
+          <p:cNvPr id="5" name="Segnaposto contenuto 4"/>
+          <p:cNvSpPr>
+            <a:spLocks noGrp="1"/>
+          </p:cNvSpPr>
+          <p:nvPr>
+            <p:ph idx="1"/>
+          </p:nvPr>
+        </p:nvSpPr>
+        <p:spPr>
+          <a:xfrm>
+            <a:off x="263466" y="1785915"/>
+            <a:ext cx="8617068" cy="1712598"/>
+          </a:xfrm>
+        </p:spPr>
+        <p:txBody>
+          <a:bodyPr>
+            <a:normAutofit/>
+          </a:bodyPr>
+          <a:lstStyle/>
+          <a:p>
+            <a:pPr marL="360000" indent="-360000" algn="just"/>
+            <a:r>
+              <a:rPr lang="it-IT" sz="2000" b="1" i="1" dirty="0" smtClean="0"/>
+              <a:t>Dominio: </a:t>
+            </a:r>
+            <a:r>
+              <a:rPr lang="it-IT" sz="2000" dirty="0" smtClean="0"/>
+              <a:t>gestire il sistema di compilazione dei questionari che coinvolge gli “utenti inviati” e il mediatore che ha supervisionato la visita in azienda.</a:t>
+            </a:r>
+          </a:p>
+          <a:p>
+            <a:pPr marL="360000" indent="-360000" algn="just"/>
+            <a:r>
+              <a:rPr lang="it-IT" sz="2000" b="1" i="1" dirty="0" smtClean="0"/>
+              <a:t>Problema: </a:t>
+            </a:r>
+            <a:r>
+              <a:rPr lang="it-IT" sz="2000" dirty="0" smtClean="0"/>
+              <a:t>inviare notifiche solo agli utenti che hanno partecipato alla visita e aspettare che tutti i questionari siano stati compilati.</a:t>
+            </a:r>
+          </a:p>
+        </p:txBody>
+      </p:sp>
+      <p:pic>
+        <p:nvPicPr>
+          <p:cNvPr id="6" name="Segnaposto contenuto 3" descr="processimage.jpg"/>
+          <p:cNvPicPr>
+            <a:picLocks noChangeAspect="1"/>
+          </p:cNvPicPr>
+          <p:nvPr/>
+        </p:nvPicPr>
+        <p:blipFill>
+          <a:blip r:embed="rId2"/>
+          <a:srcRect l="465" t="17444" r="39980" b="21966"/>
+          <a:stretch>
+            <a:fillRect/>
+          </a:stretch>
+        </p:blipFill>
+        <p:spPr>
+          <a:xfrm>
+            <a:off x="4316409" y="3375573"/>
+            <a:ext cx="4611799" cy="3376110"/>
+          </a:xfrm>
+          <a:prstGeom prst="roundRect">
+            <a:avLst>
+              <a:gd name="adj" fmla="val 3301"/>
+            </a:avLst>
+          </a:prstGeom>
+          <a:effectLst>
+            <a:outerShdw blurRad="63500" sx="101000" sy="101000" algn="ctr" rotWithShape="0">
+              <a:prstClr val="black">
+                <a:alpha val="30000"/>
+              </a:prstClr>
+            </a:outerShdw>
+          </a:effectLst>
+        </p:spPr>
+      </p:pic>
+      <p:sp>
+        <p:nvSpPr>
+          <p:cNvPr id="7" name="Rettangolo 6"/>
+          <p:cNvSpPr/>
+          <p:nvPr/>
+        </p:nvSpPr>
+        <p:spPr>
+          <a:xfrm>
+            <a:off x="299979" y="4546764"/>
+            <a:ext cx="3549636" cy="1077218"/>
+          </a:xfrm>
+          <a:prstGeom prst="rect">
+            <a:avLst/>
+          </a:prstGeom>
+        </p:spPr>
+        <p:txBody>
+          <a:bodyPr wrap="square">
+            <a:spAutoFit/>
+          </a:bodyPr>
+          <a:lstStyle/>
+          <a:p>
+            <a:pPr marL="360000" lvl="0" indent="-360000" algn="just">
+              <a:spcBef>
+                <a:spcPct val="20000"/>
+              </a:spcBef>
+              <a:buClr>
+                <a:srgbClr val="969696"/>
+              </a:buClr>
+              <a:buSzPct val="95000"/>
+              <a:buFont typeface="Wingdings 2"/>
+              <a:buChar char=""/>
+            </a:pPr>
+            <a:r>
+              <a:rPr lang="it-IT" sz="2000" b="1" i="1" dirty="0" smtClean="0">
+                <a:solidFill>
+                  <a:prstClr val="black"/>
+                </a:solidFill>
+                <a:latin typeface="Calibri"/>
+              </a:rPr>
+              <a:t>1° Soluzione proposta: </a:t>
+            </a:r>
+            <a:r>
+              <a:rPr lang="it-IT" sz="2000" dirty="0" smtClean="0">
+                <a:solidFill>
+                  <a:prstClr val="black"/>
+                </a:solidFill>
+                <a:latin typeface="Calibri"/>
+              </a:rPr>
+              <a:t>creare un ciclo sul nodo </a:t>
+            </a:r>
+            <a:r>
+              <a:rPr lang="it-IT" sz="2000" dirty="0" err="1" smtClean="0">
+                <a:solidFill>
+                  <a:prstClr val="black"/>
+                </a:solidFill>
+                <a:latin typeface="Calibri"/>
+              </a:rPr>
+              <a:t>fork</a:t>
+            </a:r>
+            <a:r>
+              <a:rPr lang="it-IT" sz="2000" dirty="0" smtClean="0">
+                <a:solidFill>
+                  <a:prstClr val="black"/>
+                </a:solidFill>
+                <a:latin typeface="Calibri"/>
+              </a:rPr>
+              <a:t>.</a:t>
+            </a:r>
+          </a:p>
+          <a:p>
+            <a:pPr marL="360000" lvl="0" indent="-360000" algn="just">
+              <a:spcBef>
+                <a:spcPct val="20000"/>
+              </a:spcBef>
+              <a:buClr>
+                <a:srgbClr val="969696"/>
+              </a:buClr>
+              <a:buSzPct val="95000"/>
+              <a:buFont typeface="Wingdings 2"/>
+              <a:buChar char=""/>
+            </a:pPr>
+            <a:endParaRPr lang="it-IT" sz="2000" i="1" dirty="0">
+              <a:solidFill>
+                <a:prstClr val="black"/>
+              </a:solidFill>
+              <a:latin typeface="Calibri"/>
+            </a:endParaRPr>
+          </a:p>
+        </p:txBody>
+      </p:sp>
+      <p:pic>
+        <p:nvPicPr>
+          <p:cNvPr id="8" name="Immagine 7" descr="1195423550187356949molumen_red_approved_stamp.svg.hi.png"/>
+          <p:cNvPicPr>
+            <a:picLocks noChangeAspect="1"/>
+          </p:cNvPicPr>
+          <p:nvPr/>
+        </p:nvPicPr>
+        <p:blipFill>
+          <a:blip r:embed="rId3"/>
+          <a:stretch>
+            <a:fillRect/>
+          </a:stretch>
+        </p:blipFill>
+        <p:spPr>
+          <a:xfrm>
+            <a:off x="4900617" y="4232286"/>
+            <a:ext cx="3451031" cy="1955584"/>
+          </a:xfrm>
+          <a:prstGeom prst="rect">
+            <a:avLst/>
+          </a:prstGeom>
+        </p:spPr>
+      </p:pic>
+    </p:spTree>
+  </p:cSld>
+  <p:clrMapOvr>
+    <a:masterClrMapping/>
+  </p:clrMapOvr>
+  <p:timing>
+    <p:tnLst>
+      <p:par>
+        <p:cTn id="1" dur="indefinite" restart="never" nodeType="tmRoot">
+          <p:childTnLst>
+            <p:seq concurrent="1" nextAc="seek">
+              <p:cTn id="2" dur="indefinite" nodeType="mainSeq">
+                <p:childTnLst>
+                  <p:par>
+                    <p:cTn id="3" fill="hold">
+                      <p:stCondLst>
+                        <p:cond delay="indefinite"/>
+                      </p:stCondLst>
+                      <p:childTnLst>
+                        <p:par>
+                          <p:cTn id="4" fill="hold">
+                            <p:stCondLst>
+                              <p:cond delay="0"/>
+                            </p:stCondLst>
+                            <p:childTnLst>
+                              <p:par>
+                                <p:cTn id="5" presetID="10" presetClass="entr" presetSubtype="0" fill="hold" nodeType="clickEffect">
+                                  <p:stCondLst>
+                                    <p:cond delay="0"/>
+                                  </p:stCondLst>
+                                  <p:childTnLst>
+                                    <p:set>
+                                      <p:cBhvr>
+                                        <p:cTn id="6" dur="1" fill="hold">
+                                          <p:stCondLst>
+                                            <p:cond delay="0"/>
+                                          </p:stCondLst>
+                                        </p:cTn>
+                                        <p:tgtEl>
+                                          <p:spTgt spid="8"/>
+                                        </p:tgtEl>
+                                        <p:attrNameLst>
+                                          <p:attrName>style.visibility</p:attrName>
+                                        </p:attrNameLst>
+                                      </p:cBhvr>
+                                      <p:to>
+                                        <p:strVal val="visible"/>
+                                      </p:to>
+                                    </p:set>
+                                    <p:animEffect transition="in" filter="fade">
+                                      <p:cBhvr>
+                                        <p:cTn id="7" dur="2000"/>
+                                        <p:tgtEl>
+                                          <p:spTgt spid="8"/>
+                                        </p:tgtEl>
+                                      </p:cBhvr>
+                                    </p:animEffect>
+                                  </p:childTnLst>
+                                </p:cTn>
+                              </p:par>
+                            </p:childTnLst>
+                          </p:cTn>
+                        </p:par>
+                      </p:childTnLst>
+                    </p:cTn>
+                  </p:par>
+                </p:childTnLst>
+              </p:cTn>
+              <p:prevCondLst>
+                <p:cond evt="onPrev" delay="0">
+                  <p:tgtEl>
+                    <p:sldTgt/>
+                  </p:tgtEl>
+                </p:cond>
+              </p:prevCondLst>
+              <p:nextCondLst>
+                <p:cond evt="onNext" delay="0">
+                  <p:tgtEl>
+                    <p:sldTgt/>
+                  </p:tgtEl>
+                </p:cond>
+              </p:nextCondLst>
+            </p:seq>
+          </p:childTnLst>
+        </p:cTn>
+      </p:par>
+    </p:tnLst>
+  </p:timing>
+</p:sld>
+</file>
+
+<file path=ppt/slides/slide49.xml><?xml version="1.0" encoding="utf-8"?>
+<p:sld xmlns:a="http://schemas.openxmlformats.org/drawingml/2006/main" xmlns:r="http://schemas.openxmlformats.org/officeDocument/2006/relationships" xmlns:p="http://schemas.openxmlformats.org/presentationml/2006/main">
+  <p:cSld>
+    <p:spTree>
+      <p:nvGrpSpPr>
+        <p:cNvPr id="1" name=""/>
+        <p:cNvGrpSpPr/>
+        <p:nvPr/>
+      </p:nvGrpSpPr>
+      <p:grpSpPr>
+        <a:xfrm>
+          <a:off x="0" y="0"/>
+          <a:ext cx="0" cy="0"/>
+          <a:chOff x="0" y="0"/>
+          <a:chExt cx="0" cy="0"/>
+        </a:xfrm>
+      </p:grpSpPr>
+      <p:sp>
+        <p:nvSpPr>
+          <p:cNvPr id="6" name="Titolo 1"/>
+          <p:cNvSpPr>
+            <a:spLocks noGrp="1"/>
+          </p:cNvSpPr>
+          <p:nvPr>
+            <p:ph type="title"/>
+          </p:nvPr>
+        </p:nvSpPr>
+        <p:spPr>
+          <a:xfrm>
+            <a:off x="263466" y="325395"/>
+            <a:ext cx="8617068" cy="1143000"/>
+          </a:xfrm>
+        </p:spPr>
+        <p:txBody>
+          <a:bodyPr>
+            <a:noAutofit/>
+          </a:bodyPr>
+          <a:lstStyle/>
+          <a:p>
+            <a:pPr algn="just"/>
+            <a:r>
+              <a:rPr lang="it-IT" sz="2800" dirty="0" smtClean="0"/>
+              <a:t>Invio di notifiche in </a:t>
+            </a:r>
+            <a:r>
+              <a:rPr lang="it-IT" sz="2800" dirty="0" err="1" smtClean="0"/>
+              <a:t>multicast</a:t>
+            </a:r>
+            <a:r>
+              <a:rPr lang="it-IT" sz="2800" dirty="0" smtClean="0"/>
+              <a:t> e attesa di una risposta da parte di tutti gli utenti destinatari della notifica.</a:t>
+            </a:r>
+          </a:p>
+        </p:txBody>
+      </p:sp>
+      <p:sp>
+        <p:nvSpPr>
+          <p:cNvPr id="7" name="Rettangolo 6"/>
+          <p:cNvSpPr/>
+          <p:nvPr/>
+        </p:nvSpPr>
+        <p:spPr>
+          <a:xfrm>
+            <a:off x="299978" y="1913626"/>
+            <a:ext cx="8434503" cy="1077218"/>
+          </a:xfrm>
+          <a:prstGeom prst="rect">
+            <a:avLst/>
+          </a:prstGeom>
+        </p:spPr>
+        <p:txBody>
+          <a:bodyPr wrap="square">
+            <a:spAutoFit/>
+          </a:bodyPr>
+          <a:lstStyle/>
+          <a:p>
+            <a:pPr marL="360000" lvl="0" indent="-360000" algn="just">
+              <a:spcBef>
+                <a:spcPct val="20000"/>
+              </a:spcBef>
+              <a:buClr>
+                <a:srgbClr val="969696"/>
+              </a:buClr>
+              <a:buSzPct val="95000"/>
+              <a:buFont typeface="Wingdings 2"/>
+              <a:buChar char=""/>
+            </a:pPr>
+            <a:r>
+              <a:rPr lang="it-IT" sz="2000" b="1" i="1" dirty="0" smtClean="0">
+                <a:solidFill>
+                  <a:prstClr val="black"/>
+                </a:solidFill>
+                <a:latin typeface="Calibri"/>
+              </a:rPr>
+              <a:t>2° </a:t>
+            </a:r>
+            <a:r>
+              <a:rPr lang="it-IT" sz="2000" b="1" i="1" dirty="0" smtClean="0">
+                <a:solidFill>
+                  <a:prstClr val="black"/>
+                </a:solidFill>
+                <a:latin typeface="Calibri"/>
+              </a:rPr>
+              <a:t>Soluzione proposta: </a:t>
+            </a:r>
+            <a:r>
+              <a:rPr lang="it-IT" sz="2000" dirty="0" smtClean="0">
+                <a:solidFill>
+                  <a:prstClr val="black"/>
+                </a:solidFill>
+                <a:latin typeface="Calibri"/>
+              </a:rPr>
+              <a:t>implementazione di un custom </a:t>
+            </a:r>
+            <a:r>
+              <a:rPr lang="it-IT" sz="2000" dirty="0" err="1" smtClean="0">
+                <a:solidFill>
+                  <a:prstClr val="black"/>
+                </a:solidFill>
+                <a:latin typeface="Calibri"/>
+              </a:rPr>
+              <a:t>node</a:t>
+            </a:r>
+            <a:r>
+              <a:rPr lang="it-IT" sz="2000" dirty="0" smtClean="0">
+                <a:solidFill>
+                  <a:prstClr val="black"/>
+                </a:solidFill>
+                <a:latin typeface="Calibri"/>
+              </a:rPr>
+              <a:t> che realizza una </a:t>
+            </a:r>
+            <a:r>
+              <a:rPr lang="it-IT" sz="2000" dirty="0" err="1" smtClean="0">
+                <a:solidFill>
+                  <a:prstClr val="black"/>
+                </a:solidFill>
+                <a:latin typeface="Calibri"/>
+              </a:rPr>
+              <a:t>fork</a:t>
+            </a:r>
+            <a:r>
+              <a:rPr lang="it-IT" sz="2000" dirty="0" smtClean="0">
+                <a:solidFill>
+                  <a:prstClr val="black"/>
+                </a:solidFill>
+                <a:latin typeface="Calibri"/>
+              </a:rPr>
+              <a:t> creando n-transazioni in modo dinamico (con n = numero di inviati).</a:t>
+            </a:r>
+          </a:p>
+          <a:p>
+            <a:pPr marL="360000" lvl="0" indent="-360000" algn="just">
+              <a:spcBef>
+                <a:spcPct val="20000"/>
+              </a:spcBef>
+              <a:buClr>
+                <a:srgbClr val="969696"/>
+              </a:buClr>
+              <a:buSzPct val="95000"/>
+              <a:buFont typeface="Wingdings 2"/>
+              <a:buChar char=""/>
+            </a:pPr>
+            <a:endParaRPr lang="it-IT" sz="2000" i="1" dirty="0">
+              <a:solidFill>
+                <a:prstClr val="black"/>
+              </a:solidFill>
+              <a:latin typeface="Calibri"/>
+            </a:endParaRPr>
+          </a:p>
+        </p:txBody>
+      </p:sp>
+      <p:pic>
+        <p:nvPicPr>
+          <p:cNvPr id="2050" name="Picture 2"/>
+          <p:cNvPicPr>
+            <a:picLocks noChangeAspect="1" noChangeArrowheads="1"/>
+          </p:cNvPicPr>
+          <p:nvPr/>
+        </p:nvPicPr>
+        <p:blipFill>
+          <a:blip r:embed="rId2"/>
+          <a:srcRect/>
+          <a:stretch>
+            <a:fillRect/>
+          </a:stretch>
+        </p:blipFill>
+        <p:spPr bwMode="auto">
+          <a:xfrm>
+            <a:off x="3400425" y="3411561"/>
+            <a:ext cx="2343150" cy="1733550"/>
+          </a:xfrm>
+          <a:prstGeom prst="roundRect">
+            <a:avLst>
+              <a:gd name="adj" fmla="val 5707"/>
+            </a:avLst>
+          </a:prstGeom>
+          <a:noFill/>
+          <a:ln w="9525">
+            <a:noFill/>
+            <a:miter lim="800000"/>
+            <a:headEnd/>
+            <a:tailEnd/>
+          </a:ln>
+          <a:effectLst>
+            <a:outerShdw blurRad="63500" sx="101000" sy="101000" algn="ctr" rotWithShape="0">
+              <a:prstClr val="black">
+                <a:alpha val="30000"/>
+              </a:prstClr>
+            </a:outerShdw>
+          </a:effectLst>
+        </p:spPr>
+      </p:pic>
+      <p:pic>
+        <p:nvPicPr>
+          <p:cNvPr id="8" name="Immagine 7" descr="1195423550187356949molumen_red_approved_stamp.svg.hi.png"/>
+          <p:cNvPicPr>
+            <a:picLocks noChangeAspect="1"/>
+          </p:cNvPicPr>
+          <p:nvPr/>
+        </p:nvPicPr>
+        <p:blipFill>
+          <a:blip r:embed="rId3"/>
+          <a:stretch>
+            <a:fillRect/>
+          </a:stretch>
+        </p:blipFill>
+        <p:spPr>
+          <a:xfrm>
+            <a:off x="4882193" y="4656994"/>
+            <a:ext cx="1722763" cy="976233"/>
+          </a:xfrm>
+          <a:prstGeom prst="rect">
+            <a:avLst/>
+          </a:prstGeom>
+        </p:spPr>
+      </p:pic>
+      <p:sp>
+        <p:nvSpPr>
+          <p:cNvPr id="9" name="Rettangolo arrotondato 8"/>
+          <p:cNvSpPr/>
+          <p:nvPr/>
+        </p:nvSpPr>
+        <p:spPr>
+          <a:xfrm>
+            <a:off x="628597" y="678835"/>
+            <a:ext cx="7886806" cy="5500330"/>
+          </a:xfrm>
+          <a:prstGeom prst="roundRect">
+            <a:avLst>
+              <a:gd name="adj" fmla="val 2360"/>
+            </a:avLst>
+          </a:prstGeom>
+          <a:solidFill>
+            <a:schemeClr val="bg1"/>
+          </a:solidFill>
+        </p:spPr>
+        <p:txBody>
+          <a:bodyPr wrap="square">
+            <a:spAutoFit/>
+          </a:bodyPr>
+          <a:lstStyle/>
+          <a:p>
+            <a:r>
+              <a:rPr lang="en-US" sz="1200" b="1" dirty="0" smtClean="0">
+                <a:latin typeface="Arial" pitchFamily="34" charset="0"/>
+                <a:cs typeface="Arial" pitchFamily="34" charset="0"/>
+              </a:rPr>
+              <a:t>public void execute(final </a:t>
+            </a:r>
+            <a:r>
+              <a:rPr lang="en-US" sz="1200" b="1" dirty="0" err="1" smtClean="0">
+                <a:latin typeface="Arial" pitchFamily="34" charset="0"/>
+                <a:cs typeface="Arial" pitchFamily="34" charset="0"/>
+              </a:rPr>
+              <a:t>ExecutionContext</a:t>
+            </a:r>
+            <a:r>
+              <a:rPr lang="en-US" sz="1200" b="1" dirty="0" smtClean="0">
+                <a:latin typeface="Arial" pitchFamily="34" charset="0"/>
+                <a:cs typeface="Arial" pitchFamily="34" charset="0"/>
+              </a:rPr>
+              <a:t> </a:t>
+            </a:r>
+            <a:r>
+              <a:rPr lang="en-US" sz="1200" b="1" dirty="0" err="1" smtClean="0">
+                <a:latin typeface="Arial" pitchFamily="34" charset="0"/>
+                <a:cs typeface="Arial" pitchFamily="34" charset="0"/>
+              </a:rPr>
+              <a:t>executionContext</a:t>
+            </a:r>
+            <a:r>
+              <a:rPr lang="en-US" sz="1200" b="1" dirty="0" smtClean="0">
+                <a:latin typeface="Arial" pitchFamily="34" charset="0"/>
+                <a:cs typeface="Arial" pitchFamily="34" charset="0"/>
+              </a:rPr>
+              <a:t>) throws Exception </a:t>
+            </a:r>
+          </a:p>
+          <a:p>
+            <a:r>
+              <a:rPr lang="it-IT" sz="1200" dirty="0" smtClean="0">
+                <a:latin typeface="Arial" pitchFamily="34" charset="0"/>
+                <a:cs typeface="Arial" pitchFamily="34" charset="0"/>
+              </a:rPr>
+              <a:t>{</a:t>
+            </a:r>
+          </a:p>
+          <a:p>
+            <a:r>
+              <a:rPr lang="it-IT" sz="1200" b="1" dirty="0" err="1" smtClean="0">
+                <a:latin typeface="Arial" pitchFamily="34" charset="0"/>
+                <a:cs typeface="Arial" pitchFamily="34" charset="0"/>
+              </a:rPr>
+              <a:t>final</a:t>
+            </a:r>
+            <a:r>
+              <a:rPr lang="it-IT" sz="1200" b="1" dirty="0" smtClean="0">
+                <a:latin typeface="Arial" pitchFamily="34" charset="0"/>
+                <a:cs typeface="Arial" pitchFamily="34" charset="0"/>
+              </a:rPr>
+              <a:t> </a:t>
+            </a:r>
+            <a:r>
+              <a:rPr lang="it-IT" sz="1200" b="1" dirty="0" err="1" smtClean="0">
+                <a:latin typeface="Arial" pitchFamily="34" charset="0"/>
+                <a:cs typeface="Arial" pitchFamily="34" charset="0"/>
+              </a:rPr>
+              <a:t>Token</a:t>
+            </a:r>
+            <a:r>
+              <a:rPr lang="it-IT" sz="1200" b="1" dirty="0" smtClean="0">
+                <a:latin typeface="Arial" pitchFamily="34" charset="0"/>
+                <a:cs typeface="Arial" pitchFamily="34" charset="0"/>
+              </a:rPr>
+              <a:t> </a:t>
+            </a:r>
+            <a:r>
+              <a:rPr lang="it-IT" sz="1200" b="1" dirty="0" err="1" smtClean="0">
+                <a:latin typeface="Arial" pitchFamily="34" charset="0"/>
+                <a:cs typeface="Arial" pitchFamily="34" charset="0"/>
+              </a:rPr>
+              <a:t>rootToken</a:t>
+            </a:r>
+            <a:r>
+              <a:rPr lang="it-IT" sz="1200" b="1" dirty="0" smtClean="0">
+                <a:latin typeface="Arial" pitchFamily="34" charset="0"/>
+                <a:cs typeface="Arial" pitchFamily="34" charset="0"/>
+              </a:rPr>
+              <a:t> = </a:t>
+            </a:r>
+            <a:r>
+              <a:rPr lang="it-IT" sz="1200" b="1" dirty="0" err="1" smtClean="0">
+                <a:latin typeface="Arial" pitchFamily="34" charset="0"/>
+                <a:cs typeface="Arial" pitchFamily="34" charset="0"/>
+              </a:rPr>
+              <a:t>executionContext.getToken</a:t>
+            </a:r>
+            <a:r>
+              <a:rPr lang="it-IT" sz="1200" b="1" dirty="0" smtClean="0">
+                <a:latin typeface="Arial" pitchFamily="34" charset="0"/>
+                <a:cs typeface="Arial" pitchFamily="34" charset="0"/>
+              </a:rPr>
+              <a:t>();</a:t>
+            </a:r>
+          </a:p>
+          <a:p>
+            <a:r>
+              <a:rPr lang="it-IT" sz="1200" dirty="0" smtClean="0">
+                <a:latin typeface="Arial" pitchFamily="34" charset="0"/>
+                <a:cs typeface="Arial" pitchFamily="34" charset="0"/>
+              </a:rPr>
+              <a:t>        </a:t>
+            </a:r>
+            <a:r>
+              <a:rPr lang="it-IT" sz="1200" b="1" dirty="0" err="1" smtClean="0">
+                <a:latin typeface="Arial" pitchFamily="34" charset="0"/>
+                <a:cs typeface="Arial" pitchFamily="34" charset="0"/>
+              </a:rPr>
+              <a:t>final</a:t>
+            </a:r>
+            <a:r>
+              <a:rPr lang="it-IT" sz="1200" b="1" dirty="0" smtClean="0">
+                <a:latin typeface="Arial" pitchFamily="34" charset="0"/>
+                <a:cs typeface="Arial" pitchFamily="34" charset="0"/>
+              </a:rPr>
+              <a:t> </a:t>
+            </a:r>
+            <a:r>
+              <a:rPr lang="it-IT" sz="1200" b="1" dirty="0" err="1" smtClean="0">
+                <a:latin typeface="Arial" pitchFamily="34" charset="0"/>
+                <a:cs typeface="Arial" pitchFamily="34" charset="0"/>
+              </a:rPr>
+              <a:t>Node</a:t>
+            </a:r>
+            <a:r>
+              <a:rPr lang="it-IT" sz="1200" b="1" dirty="0" smtClean="0">
+                <a:latin typeface="Arial" pitchFamily="34" charset="0"/>
+                <a:cs typeface="Arial" pitchFamily="34" charset="0"/>
+              </a:rPr>
+              <a:t> </a:t>
+            </a:r>
+            <a:r>
+              <a:rPr lang="it-IT" sz="1200" b="1" dirty="0" err="1" smtClean="0">
+                <a:latin typeface="Arial" pitchFamily="34" charset="0"/>
+                <a:cs typeface="Arial" pitchFamily="34" charset="0"/>
+              </a:rPr>
+              <a:t>node</a:t>
+            </a:r>
+            <a:r>
+              <a:rPr lang="it-IT" sz="1200" b="1" dirty="0" smtClean="0">
+                <a:latin typeface="Arial" pitchFamily="34" charset="0"/>
+                <a:cs typeface="Arial" pitchFamily="34" charset="0"/>
+              </a:rPr>
+              <a:t> = </a:t>
+            </a:r>
+            <a:r>
+              <a:rPr lang="it-IT" sz="1200" b="1" dirty="0" err="1" smtClean="0">
+                <a:latin typeface="Arial" pitchFamily="34" charset="0"/>
+                <a:cs typeface="Arial" pitchFamily="34" charset="0"/>
+              </a:rPr>
+              <a:t>executionContext.getNode</a:t>
+            </a:r>
+            <a:r>
+              <a:rPr lang="it-IT" sz="1200" b="1" dirty="0" smtClean="0">
+                <a:latin typeface="Arial" pitchFamily="34" charset="0"/>
+                <a:cs typeface="Arial" pitchFamily="34" charset="0"/>
+              </a:rPr>
+              <a:t>();</a:t>
+            </a:r>
+          </a:p>
+          <a:p>
+            <a:r>
+              <a:rPr lang="en-US" sz="1200" dirty="0" smtClean="0">
+                <a:latin typeface="Arial" pitchFamily="34" charset="0"/>
+                <a:cs typeface="Arial" pitchFamily="34" charset="0"/>
+              </a:rPr>
+              <a:t>        </a:t>
+            </a:r>
+            <a:r>
+              <a:rPr lang="en-US" sz="1200" b="1" dirty="0" smtClean="0">
+                <a:latin typeface="Arial" pitchFamily="34" charset="0"/>
+                <a:cs typeface="Arial" pitchFamily="34" charset="0"/>
+              </a:rPr>
+              <a:t>final List </a:t>
+            </a:r>
+            <a:r>
+              <a:rPr lang="en-US" sz="1200" b="1" dirty="0" err="1" smtClean="0">
+                <a:latin typeface="Arial" pitchFamily="34" charset="0"/>
+                <a:cs typeface="Arial" pitchFamily="34" charset="0"/>
+              </a:rPr>
+              <a:t>argSets</a:t>
+            </a:r>
+            <a:r>
+              <a:rPr lang="en-US" sz="1200" b="1" dirty="0" smtClean="0">
+                <a:latin typeface="Arial" pitchFamily="34" charset="0"/>
+                <a:cs typeface="Arial" pitchFamily="34" charset="0"/>
+              </a:rPr>
+              <a:t> = new </a:t>
+            </a:r>
+            <a:r>
+              <a:rPr lang="en-US" sz="1200" b="1" dirty="0" err="1" smtClean="0">
+                <a:latin typeface="Arial" pitchFamily="34" charset="0"/>
+                <a:cs typeface="Arial" pitchFamily="34" charset="0"/>
+              </a:rPr>
+              <a:t>LinkedList</a:t>
+            </a:r>
+            <a:r>
+              <a:rPr lang="en-US" sz="1200" b="1" dirty="0" smtClean="0">
+                <a:latin typeface="Arial" pitchFamily="34" charset="0"/>
+                <a:cs typeface="Arial" pitchFamily="34" charset="0"/>
+              </a:rPr>
+              <a:t>();</a:t>
+            </a:r>
+          </a:p>
+          <a:p>
+            <a:r>
+              <a:rPr lang="it-IT" sz="1200" dirty="0" smtClean="0">
+                <a:latin typeface="Arial" pitchFamily="34" charset="0"/>
+                <a:cs typeface="Arial" pitchFamily="34" charset="0"/>
+              </a:rPr>
+              <a:t>        </a:t>
+            </a:r>
+            <a:r>
+              <a:rPr lang="it-IT" sz="1200" dirty="0" err="1" smtClean="0">
+                <a:latin typeface="Arial" pitchFamily="34" charset="0"/>
+                <a:cs typeface="Arial" pitchFamily="34" charset="0"/>
+              </a:rPr>
+              <a:t>List</a:t>
+            </a:r>
+            <a:r>
+              <a:rPr lang="it-IT" sz="1200" dirty="0" smtClean="0">
+                <a:latin typeface="Arial" pitchFamily="34" charset="0"/>
+                <a:cs typeface="Arial" pitchFamily="34" charset="0"/>
+              </a:rPr>
+              <a:t>&lt;</a:t>
+            </a:r>
+            <a:r>
+              <a:rPr lang="it-IT" sz="1200" dirty="0" err="1" smtClean="0">
+                <a:latin typeface="Arial" pitchFamily="34" charset="0"/>
+                <a:cs typeface="Arial" pitchFamily="34" charset="0"/>
+              </a:rPr>
+              <a:t>String</a:t>
+            </a:r>
+            <a:r>
+              <a:rPr lang="it-IT" sz="1200" dirty="0" smtClean="0">
+                <a:latin typeface="Arial" pitchFamily="34" charset="0"/>
+                <a:cs typeface="Arial" pitchFamily="34" charset="0"/>
+              </a:rPr>
+              <a:t>&gt; </a:t>
+            </a:r>
+            <a:r>
+              <a:rPr lang="it-IT" sz="1200" dirty="0" err="1" smtClean="0">
+                <a:latin typeface="Arial" pitchFamily="34" charset="0"/>
+                <a:cs typeface="Arial" pitchFamily="34" charset="0"/>
+              </a:rPr>
+              <a:t>gruppoInviati</a:t>
+            </a:r>
+            <a:r>
+              <a:rPr lang="it-IT" sz="1200" dirty="0" smtClean="0">
+                <a:latin typeface="Arial" pitchFamily="34" charset="0"/>
+                <a:cs typeface="Arial" pitchFamily="34" charset="0"/>
+              </a:rPr>
+              <a:t> = (</a:t>
+            </a:r>
+            <a:r>
+              <a:rPr lang="it-IT" sz="1200" dirty="0" err="1" smtClean="0">
+                <a:latin typeface="Arial" pitchFamily="34" charset="0"/>
+                <a:cs typeface="Arial" pitchFamily="34" charset="0"/>
+              </a:rPr>
+              <a:t>List</a:t>
+            </a:r>
+            <a:r>
+              <a:rPr lang="it-IT" sz="1200" dirty="0" smtClean="0">
+                <a:latin typeface="Arial" pitchFamily="34" charset="0"/>
+                <a:cs typeface="Arial" pitchFamily="34" charset="0"/>
+              </a:rPr>
+              <a:t>&lt;</a:t>
+            </a:r>
+            <a:r>
+              <a:rPr lang="it-IT" sz="1200" dirty="0" err="1" smtClean="0">
+                <a:latin typeface="Arial" pitchFamily="34" charset="0"/>
+                <a:cs typeface="Arial" pitchFamily="34" charset="0"/>
+              </a:rPr>
+              <a:t>String</a:t>
+            </a:r>
+            <a:r>
+              <a:rPr lang="it-IT" sz="1200" dirty="0" smtClean="0">
+                <a:latin typeface="Arial" pitchFamily="34" charset="0"/>
+                <a:cs typeface="Arial" pitchFamily="34" charset="0"/>
+              </a:rPr>
+              <a:t>&gt;) </a:t>
+            </a:r>
+            <a:r>
+              <a:rPr lang="it-IT" sz="1200" dirty="0" err="1" smtClean="0">
+                <a:latin typeface="Arial" pitchFamily="34" charset="0"/>
+                <a:cs typeface="Arial" pitchFamily="34" charset="0"/>
+              </a:rPr>
+              <a:t>executionContext.getVariable</a:t>
+            </a:r>
+            <a:r>
+              <a:rPr lang="it-IT" sz="1200" dirty="0" smtClean="0">
+                <a:latin typeface="Arial" pitchFamily="34" charset="0"/>
+                <a:cs typeface="Arial" pitchFamily="34" charset="0"/>
+              </a:rPr>
+              <a:t>("inviati");</a:t>
+            </a:r>
+          </a:p>
+          <a:p>
+            <a:r>
+              <a:rPr lang="it-IT" sz="1200" dirty="0" smtClean="0">
+                <a:latin typeface="Arial" pitchFamily="34" charset="0"/>
+                <a:cs typeface="Arial" pitchFamily="34" charset="0"/>
+              </a:rPr>
+              <a:t>        </a:t>
+            </a:r>
+            <a:r>
+              <a:rPr lang="it-IT" sz="1200" b="1" dirty="0" err="1" smtClean="0">
+                <a:latin typeface="Arial" pitchFamily="34" charset="0"/>
+                <a:cs typeface="Arial" pitchFamily="34" charset="0"/>
+              </a:rPr>
+              <a:t>if</a:t>
+            </a:r>
+            <a:r>
+              <a:rPr lang="it-IT" sz="1200" b="1" dirty="0" smtClean="0">
+                <a:latin typeface="Arial" pitchFamily="34" charset="0"/>
+                <a:cs typeface="Arial" pitchFamily="34" charset="0"/>
+              </a:rPr>
+              <a:t>(</a:t>
+            </a:r>
+            <a:r>
+              <a:rPr lang="it-IT" sz="1200" b="1" dirty="0" err="1" smtClean="0">
+                <a:latin typeface="Arial" pitchFamily="34" charset="0"/>
+                <a:cs typeface="Arial" pitchFamily="34" charset="0"/>
+              </a:rPr>
+              <a:t>gruppoInviati</a:t>
+            </a:r>
+            <a:r>
+              <a:rPr lang="it-IT" sz="1200" b="1" dirty="0" smtClean="0">
+                <a:latin typeface="Arial" pitchFamily="34" charset="0"/>
+                <a:cs typeface="Arial" pitchFamily="34" charset="0"/>
+              </a:rPr>
+              <a:t> == </a:t>
+            </a:r>
+            <a:r>
+              <a:rPr lang="it-IT" sz="1200" b="1" dirty="0" err="1" smtClean="0">
+                <a:latin typeface="Arial" pitchFamily="34" charset="0"/>
+                <a:cs typeface="Arial" pitchFamily="34" charset="0"/>
+              </a:rPr>
+              <a:t>null</a:t>
+            </a:r>
+            <a:r>
+              <a:rPr lang="it-IT" sz="1200" b="1" dirty="0" smtClean="0">
+                <a:latin typeface="Arial" pitchFamily="34" charset="0"/>
+                <a:cs typeface="Arial" pitchFamily="34" charset="0"/>
+              </a:rPr>
+              <a:t>)</a:t>
+            </a:r>
+          </a:p>
+          <a:p>
+            <a:r>
+              <a:rPr lang="it-IT" sz="1200" dirty="0" smtClean="0">
+                <a:latin typeface="Arial" pitchFamily="34" charset="0"/>
+                <a:cs typeface="Arial" pitchFamily="34" charset="0"/>
+              </a:rPr>
+              <a:t>        </a:t>
+            </a:r>
+            <a:r>
+              <a:rPr lang="it-IT" sz="1200" b="1" dirty="0" err="1" smtClean="0">
+                <a:latin typeface="Arial" pitchFamily="34" charset="0"/>
+                <a:cs typeface="Arial" pitchFamily="34" charset="0"/>
+              </a:rPr>
+              <a:t>return</a:t>
+            </a:r>
+            <a:r>
+              <a:rPr lang="it-IT" sz="1200" b="1" dirty="0" smtClean="0">
+                <a:latin typeface="Arial" pitchFamily="34" charset="0"/>
+                <a:cs typeface="Arial" pitchFamily="34" charset="0"/>
+              </a:rPr>
+              <a:t>;</a:t>
+            </a:r>
+          </a:p>
+          <a:p>
+            <a:r>
+              <a:rPr lang="it-IT" sz="1200" dirty="0" smtClean="0">
+                <a:latin typeface="Arial" pitchFamily="34" charset="0"/>
+                <a:cs typeface="Arial" pitchFamily="34" charset="0"/>
+              </a:rPr>
+              <a:t>        </a:t>
+            </a:r>
+            <a:r>
+              <a:rPr lang="it-IT" sz="1200" b="1" dirty="0" err="1" smtClean="0">
+                <a:latin typeface="Arial" pitchFamily="34" charset="0"/>
+                <a:cs typeface="Arial" pitchFamily="34" charset="0"/>
+              </a:rPr>
+              <a:t>for</a:t>
+            </a:r>
+            <a:r>
+              <a:rPr lang="it-IT" sz="1200" b="1" dirty="0" smtClean="0">
+                <a:latin typeface="Arial" pitchFamily="34" charset="0"/>
+                <a:cs typeface="Arial" pitchFamily="34" charset="0"/>
+              </a:rPr>
+              <a:t> (</a:t>
+            </a:r>
+            <a:r>
+              <a:rPr lang="it-IT" sz="1200" b="1" dirty="0" err="1" smtClean="0">
+                <a:latin typeface="Arial" pitchFamily="34" charset="0"/>
+                <a:cs typeface="Arial" pitchFamily="34" charset="0"/>
+              </a:rPr>
+              <a:t>int</a:t>
+            </a:r>
+            <a:r>
+              <a:rPr lang="it-IT" sz="1200" b="1" dirty="0" smtClean="0">
+                <a:latin typeface="Arial" pitchFamily="34" charset="0"/>
+                <a:cs typeface="Arial" pitchFamily="34" charset="0"/>
+              </a:rPr>
+              <a:t> i = 0; i &lt; </a:t>
+            </a:r>
+            <a:r>
+              <a:rPr lang="it-IT" sz="1200" b="1" dirty="0" err="1" smtClean="0">
+                <a:latin typeface="Arial" pitchFamily="34" charset="0"/>
+                <a:cs typeface="Arial" pitchFamily="34" charset="0"/>
+              </a:rPr>
+              <a:t>node.getLeavingTransitions</a:t>
+            </a:r>
+            <a:r>
+              <a:rPr lang="it-IT" sz="1200" b="1" dirty="0" smtClean="0">
+                <a:latin typeface="Arial" pitchFamily="34" charset="0"/>
+                <a:cs typeface="Arial" pitchFamily="34" charset="0"/>
+              </a:rPr>
+              <a:t>().</a:t>
+            </a:r>
+            <a:r>
+              <a:rPr lang="it-IT" sz="1200" b="1" dirty="0" err="1" smtClean="0">
+                <a:latin typeface="Arial" pitchFamily="34" charset="0"/>
+                <a:cs typeface="Arial" pitchFamily="34" charset="0"/>
+              </a:rPr>
+              <a:t>size</a:t>
+            </a:r>
+            <a:r>
+              <a:rPr lang="it-IT" sz="1200" b="1" dirty="0" smtClean="0">
+                <a:latin typeface="Arial" pitchFamily="34" charset="0"/>
+                <a:cs typeface="Arial" pitchFamily="34" charset="0"/>
+              </a:rPr>
+              <a:t>(); i++) {</a:t>
+            </a:r>
+          </a:p>
+          <a:p>
+            <a:r>
+              <a:rPr lang="en-US" sz="1200" dirty="0" smtClean="0">
+                <a:latin typeface="Arial" pitchFamily="34" charset="0"/>
+                <a:cs typeface="Arial" pitchFamily="34" charset="0"/>
+              </a:rPr>
+              <a:t>            </a:t>
+            </a:r>
+            <a:r>
+              <a:rPr lang="en-US" sz="1200" b="1" dirty="0" smtClean="0">
+                <a:latin typeface="Arial" pitchFamily="34" charset="0"/>
+                <a:cs typeface="Arial" pitchFamily="34" charset="0"/>
+              </a:rPr>
+              <a:t>final Transition </a:t>
+            </a:r>
+            <a:r>
+              <a:rPr lang="en-US" sz="1200" b="1" dirty="0" err="1" smtClean="0">
+                <a:latin typeface="Arial" pitchFamily="34" charset="0"/>
+                <a:cs typeface="Arial" pitchFamily="34" charset="0"/>
+              </a:rPr>
+              <a:t>transition</a:t>
+            </a:r>
+            <a:r>
+              <a:rPr lang="en-US" sz="1200" b="1" dirty="0" smtClean="0">
+                <a:latin typeface="Arial" pitchFamily="34" charset="0"/>
+                <a:cs typeface="Arial" pitchFamily="34" charset="0"/>
+              </a:rPr>
+              <a:t> = (Transition) </a:t>
+            </a:r>
+            <a:r>
+              <a:rPr lang="en-US" sz="1200" b="1" dirty="0" err="1" smtClean="0">
+                <a:latin typeface="Arial" pitchFamily="34" charset="0"/>
+                <a:cs typeface="Arial" pitchFamily="34" charset="0"/>
+              </a:rPr>
+              <a:t>node.getLeavingTransitions</a:t>
+            </a:r>
+            <a:r>
+              <a:rPr lang="en-US" sz="1200" b="1" dirty="0" smtClean="0">
+                <a:latin typeface="Arial" pitchFamily="34" charset="0"/>
+                <a:cs typeface="Arial" pitchFamily="34" charset="0"/>
+              </a:rPr>
+              <a:t>().get(0);</a:t>
+            </a:r>
+          </a:p>
+          <a:p>
+            <a:endParaRPr lang="it-IT" sz="1200" dirty="0" smtClean="0">
+              <a:latin typeface="Arial" pitchFamily="34" charset="0"/>
+              <a:cs typeface="Arial" pitchFamily="34" charset="0"/>
+            </a:endParaRPr>
+          </a:p>
+          <a:p>
+            <a:r>
+              <a:rPr lang="it-IT" sz="1200" dirty="0" smtClean="0">
+                <a:latin typeface="Arial" pitchFamily="34" charset="0"/>
+                <a:cs typeface="Arial" pitchFamily="34" charset="0"/>
+              </a:rPr>
+              <a:t>            </a:t>
+            </a:r>
+            <a:r>
+              <a:rPr lang="it-IT" sz="1200" b="1" dirty="0" err="1" smtClean="0">
+                <a:latin typeface="Arial" pitchFamily="34" charset="0"/>
+                <a:cs typeface="Arial" pitchFamily="34" charset="0"/>
+              </a:rPr>
+              <a:t>for</a:t>
+            </a:r>
+            <a:r>
+              <a:rPr lang="it-IT" sz="1200" b="1" dirty="0" smtClean="0">
+                <a:latin typeface="Arial" pitchFamily="34" charset="0"/>
+                <a:cs typeface="Arial" pitchFamily="34" charset="0"/>
+              </a:rPr>
+              <a:t> (</a:t>
+            </a:r>
+            <a:r>
+              <a:rPr lang="it-IT" sz="1200" b="1" dirty="0" err="1" smtClean="0">
+                <a:latin typeface="Arial" pitchFamily="34" charset="0"/>
+                <a:cs typeface="Arial" pitchFamily="34" charset="0"/>
+              </a:rPr>
+              <a:t>int</a:t>
+            </a:r>
+            <a:r>
+              <a:rPr lang="it-IT" sz="1200" b="1" dirty="0" smtClean="0">
+                <a:latin typeface="Arial" pitchFamily="34" charset="0"/>
+                <a:cs typeface="Arial" pitchFamily="34" charset="0"/>
+              </a:rPr>
+              <a:t> j = 0; j &lt; </a:t>
+            </a:r>
+            <a:r>
+              <a:rPr lang="it-IT" sz="1200" b="1" dirty="0" err="1" smtClean="0">
+                <a:latin typeface="Arial" pitchFamily="34" charset="0"/>
+                <a:cs typeface="Arial" pitchFamily="34" charset="0"/>
+              </a:rPr>
+              <a:t>gruppoInviati.size</a:t>
+            </a:r>
+            <a:r>
+              <a:rPr lang="it-IT" sz="1200" b="1" dirty="0" smtClean="0">
+                <a:latin typeface="Arial" pitchFamily="34" charset="0"/>
+                <a:cs typeface="Arial" pitchFamily="34" charset="0"/>
+              </a:rPr>
+              <a:t>(); j++) </a:t>
+            </a:r>
+          </a:p>
+          <a:p>
+            <a:r>
+              <a:rPr lang="it-IT" sz="1200" dirty="0" smtClean="0">
+                <a:latin typeface="Arial" pitchFamily="34" charset="0"/>
+                <a:cs typeface="Arial" pitchFamily="34" charset="0"/>
+              </a:rPr>
+              <a:t>            {</a:t>
+            </a:r>
+          </a:p>
+          <a:p>
+            <a:r>
+              <a:rPr lang="it-IT" sz="1200" dirty="0" smtClean="0">
+                <a:latin typeface="Arial" pitchFamily="34" charset="0"/>
+                <a:cs typeface="Arial" pitchFamily="34" charset="0"/>
+              </a:rPr>
+              <a:t>                </a:t>
+            </a:r>
+            <a:r>
+              <a:rPr lang="it-IT" sz="1200" b="1" dirty="0" err="1" smtClean="0">
+                <a:latin typeface="Arial" pitchFamily="34" charset="0"/>
+                <a:cs typeface="Arial" pitchFamily="34" charset="0"/>
+              </a:rPr>
+              <a:t>final</a:t>
+            </a:r>
+            <a:r>
+              <a:rPr lang="it-IT" sz="1200" b="1" dirty="0" smtClean="0">
+                <a:latin typeface="Arial" pitchFamily="34" charset="0"/>
+                <a:cs typeface="Arial" pitchFamily="34" charset="0"/>
+              </a:rPr>
+              <a:t> </a:t>
+            </a:r>
+            <a:r>
+              <a:rPr lang="it-IT" sz="1200" b="1" dirty="0" err="1" smtClean="0">
+                <a:latin typeface="Arial" pitchFamily="34" charset="0"/>
+                <a:cs typeface="Arial" pitchFamily="34" charset="0"/>
+              </a:rPr>
+              <a:t>Token</a:t>
+            </a:r>
+            <a:r>
+              <a:rPr lang="it-IT" sz="1200" b="1" dirty="0" smtClean="0">
+                <a:latin typeface="Arial" pitchFamily="34" charset="0"/>
+                <a:cs typeface="Arial" pitchFamily="34" charset="0"/>
+              </a:rPr>
+              <a:t> </a:t>
+            </a:r>
+            <a:r>
+              <a:rPr lang="it-IT" sz="1200" b="1" dirty="0" err="1" smtClean="0">
+                <a:latin typeface="Arial" pitchFamily="34" charset="0"/>
+                <a:cs typeface="Arial" pitchFamily="34" charset="0"/>
+              </a:rPr>
+              <a:t>newToken</a:t>
+            </a:r>
+            <a:r>
+              <a:rPr lang="it-IT" sz="1200" b="1" dirty="0" smtClean="0">
+                <a:latin typeface="Arial" pitchFamily="34" charset="0"/>
+                <a:cs typeface="Arial" pitchFamily="34" charset="0"/>
+              </a:rPr>
+              <a:t> = </a:t>
+            </a:r>
+            <a:r>
+              <a:rPr lang="it-IT" sz="1200" b="1" dirty="0" err="1" smtClean="0">
+                <a:latin typeface="Arial" pitchFamily="34" charset="0"/>
+                <a:cs typeface="Arial" pitchFamily="34" charset="0"/>
+              </a:rPr>
+              <a:t>new</a:t>
+            </a:r>
+            <a:r>
+              <a:rPr lang="it-IT" sz="1200" b="1" dirty="0" smtClean="0">
+                <a:latin typeface="Arial" pitchFamily="34" charset="0"/>
+                <a:cs typeface="Arial" pitchFamily="34" charset="0"/>
+              </a:rPr>
+              <a:t> </a:t>
+            </a:r>
+            <a:r>
+              <a:rPr lang="it-IT" sz="1200" b="1" dirty="0" err="1" smtClean="0">
+                <a:latin typeface="Arial" pitchFamily="34" charset="0"/>
+                <a:cs typeface="Arial" pitchFamily="34" charset="0"/>
+              </a:rPr>
+              <a:t>Token</a:t>
+            </a:r>
+            <a:r>
+              <a:rPr lang="it-IT" sz="1200" b="1" dirty="0" smtClean="0">
+                <a:latin typeface="Arial" pitchFamily="34" charset="0"/>
+                <a:cs typeface="Arial" pitchFamily="34" charset="0"/>
+              </a:rPr>
+              <a:t>(</a:t>
+            </a:r>
+            <a:r>
+              <a:rPr lang="it-IT" sz="1200" b="1" dirty="0" err="1" smtClean="0">
+                <a:latin typeface="Arial" pitchFamily="34" charset="0"/>
+                <a:cs typeface="Arial" pitchFamily="34" charset="0"/>
+              </a:rPr>
+              <a:t>rootToken</a:t>
+            </a:r>
+            <a:r>
+              <a:rPr lang="it-IT" sz="1200" b="1" dirty="0" smtClean="0">
+                <a:latin typeface="Arial" pitchFamily="34" charset="0"/>
+                <a:cs typeface="Arial" pitchFamily="34" charset="0"/>
+              </a:rPr>
+              <a:t>, </a:t>
+            </a:r>
+            <a:r>
+              <a:rPr lang="it-IT" sz="1200" b="1" i="1" dirty="0" err="1" smtClean="0">
+                <a:latin typeface="Arial" pitchFamily="34" charset="0"/>
+                <a:cs typeface="Arial" pitchFamily="34" charset="0"/>
+              </a:rPr>
+              <a:t>FOREACH_PREFIX</a:t>
+            </a:r>
+            <a:r>
+              <a:rPr lang="it-IT" sz="1200" b="1" i="1" dirty="0" smtClean="0">
+                <a:latin typeface="Arial" pitchFamily="34" charset="0"/>
+                <a:cs typeface="Arial" pitchFamily="34" charset="0"/>
+              </a:rPr>
+              <a:t> + </a:t>
+            </a:r>
+            <a:r>
+              <a:rPr lang="it-IT" sz="1200" b="1" i="1" dirty="0" err="1" smtClean="0">
+                <a:latin typeface="Arial" pitchFamily="34" charset="0"/>
+                <a:cs typeface="Arial" pitchFamily="34" charset="0"/>
+              </a:rPr>
+              <a:t>node.getId</a:t>
+            </a:r>
+            <a:r>
+              <a:rPr lang="it-IT" sz="1200" b="1" i="1" dirty="0" smtClean="0">
+                <a:latin typeface="Arial" pitchFamily="34" charset="0"/>
+                <a:cs typeface="Arial" pitchFamily="34" charset="0"/>
+              </a:rPr>
+              <a:t>() + "." + j);</a:t>
+            </a:r>
+          </a:p>
+          <a:p>
+            <a:r>
+              <a:rPr lang="it-IT" sz="1200" dirty="0" smtClean="0">
+                <a:latin typeface="Arial" pitchFamily="34" charset="0"/>
+                <a:cs typeface="Arial" pitchFamily="34" charset="0"/>
+              </a:rPr>
+              <a:t>                </a:t>
+            </a:r>
+            <a:r>
+              <a:rPr lang="it-IT" sz="1200" dirty="0" err="1" smtClean="0">
+                <a:latin typeface="Arial" pitchFamily="34" charset="0"/>
+                <a:cs typeface="Arial" pitchFamily="34" charset="0"/>
+              </a:rPr>
+              <a:t>newToken.setTerminationImplicit</a:t>
+            </a:r>
+            <a:r>
+              <a:rPr lang="it-IT" sz="1200" dirty="0" smtClean="0">
+                <a:latin typeface="Arial" pitchFamily="34" charset="0"/>
+                <a:cs typeface="Arial" pitchFamily="34" charset="0"/>
+              </a:rPr>
+              <a:t>(</a:t>
+            </a:r>
+            <a:r>
+              <a:rPr lang="it-IT" sz="1200" b="1" dirty="0" err="1" smtClean="0">
+                <a:latin typeface="Arial" pitchFamily="34" charset="0"/>
+                <a:cs typeface="Arial" pitchFamily="34" charset="0"/>
+              </a:rPr>
+              <a:t>true</a:t>
+            </a:r>
+            <a:r>
+              <a:rPr lang="it-IT" sz="1200" b="1" dirty="0" smtClean="0">
+                <a:latin typeface="Arial" pitchFamily="34" charset="0"/>
+                <a:cs typeface="Arial" pitchFamily="34" charset="0"/>
+              </a:rPr>
+              <a:t>);</a:t>
+            </a:r>
+          </a:p>
+          <a:p>
+            <a:r>
+              <a:rPr lang="it-IT" sz="1200" dirty="0" smtClean="0">
+                <a:latin typeface="Arial" pitchFamily="34" charset="0"/>
+                <a:cs typeface="Arial" pitchFamily="34" charset="0"/>
+              </a:rPr>
+              <a:t>                </a:t>
+            </a:r>
+            <a:r>
+              <a:rPr lang="it-IT" sz="1200" dirty="0" err="1" smtClean="0">
+                <a:latin typeface="Arial" pitchFamily="34" charset="0"/>
+                <a:cs typeface="Arial" pitchFamily="34" charset="0"/>
+              </a:rPr>
+              <a:t>executionContext.getJbpmContext</a:t>
+            </a:r>
+            <a:r>
+              <a:rPr lang="it-IT" sz="1200" dirty="0" smtClean="0">
+                <a:latin typeface="Arial" pitchFamily="34" charset="0"/>
+                <a:cs typeface="Arial" pitchFamily="34" charset="0"/>
+              </a:rPr>
+              <a:t>().</a:t>
+            </a:r>
+            <a:r>
+              <a:rPr lang="it-IT" sz="1200" dirty="0" err="1" smtClean="0">
+                <a:latin typeface="Arial" pitchFamily="34" charset="0"/>
+                <a:cs typeface="Arial" pitchFamily="34" charset="0"/>
+              </a:rPr>
+              <a:t>getSession</a:t>
+            </a:r>
+            <a:r>
+              <a:rPr lang="it-IT" sz="1200" dirty="0" smtClean="0">
+                <a:latin typeface="Arial" pitchFamily="34" charset="0"/>
+                <a:cs typeface="Arial" pitchFamily="34" charset="0"/>
+              </a:rPr>
+              <a:t>().</a:t>
+            </a:r>
+            <a:r>
+              <a:rPr lang="it-IT" sz="1200" dirty="0" err="1" smtClean="0">
+                <a:latin typeface="Arial" pitchFamily="34" charset="0"/>
+                <a:cs typeface="Arial" pitchFamily="34" charset="0"/>
+              </a:rPr>
+              <a:t>save</a:t>
+            </a:r>
+            <a:r>
+              <a:rPr lang="it-IT" sz="1200" dirty="0" smtClean="0">
+                <a:latin typeface="Arial" pitchFamily="34" charset="0"/>
+                <a:cs typeface="Arial" pitchFamily="34" charset="0"/>
+              </a:rPr>
+              <a:t>(</a:t>
+            </a:r>
+            <a:r>
+              <a:rPr lang="it-IT" sz="1200" dirty="0" err="1" smtClean="0">
+                <a:latin typeface="Arial" pitchFamily="34" charset="0"/>
+                <a:cs typeface="Arial" pitchFamily="34" charset="0"/>
+              </a:rPr>
+              <a:t>newToken</a:t>
+            </a:r>
+            <a:r>
+              <a:rPr lang="it-IT" sz="1200" dirty="0" smtClean="0">
+                <a:latin typeface="Arial" pitchFamily="34" charset="0"/>
+                <a:cs typeface="Arial" pitchFamily="34" charset="0"/>
+              </a:rPr>
+              <a:t>);   </a:t>
+            </a:r>
+          </a:p>
+          <a:p>
+            <a:r>
+              <a:rPr lang="it-IT" sz="1200" dirty="0" smtClean="0">
+                <a:latin typeface="Arial" pitchFamily="34" charset="0"/>
+                <a:cs typeface="Arial" pitchFamily="34" charset="0"/>
+              </a:rPr>
+              <a:t>                </a:t>
+            </a:r>
+            <a:r>
+              <a:rPr lang="it-IT" sz="1200" b="1" dirty="0" err="1" smtClean="0">
+                <a:latin typeface="Arial" pitchFamily="34" charset="0"/>
+                <a:cs typeface="Arial" pitchFamily="34" charset="0"/>
+              </a:rPr>
+              <a:t>final</a:t>
+            </a:r>
+            <a:r>
+              <a:rPr lang="it-IT" sz="1200" b="1" dirty="0" smtClean="0">
+                <a:latin typeface="Arial" pitchFamily="34" charset="0"/>
+                <a:cs typeface="Arial" pitchFamily="34" charset="0"/>
+              </a:rPr>
+              <a:t> </a:t>
+            </a:r>
+            <a:r>
+              <a:rPr lang="it-IT" sz="1200" b="1" dirty="0" err="1" smtClean="0">
+                <a:latin typeface="Arial" pitchFamily="34" charset="0"/>
+                <a:cs typeface="Arial" pitchFamily="34" charset="0"/>
+              </a:rPr>
+              <a:t>ExecutionContext</a:t>
+            </a:r>
+            <a:r>
+              <a:rPr lang="it-IT" sz="1200" b="1" dirty="0" smtClean="0">
+                <a:latin typeface="Arial" pitchFamily="34" charset="0"/>
+                <a:cs typeface="Arial" pitchFamily="34" charset="0"/>
+              </a:rPr>
+              <a:t> </a:t>
+            </a:r>
+            <a:r>
+              <a:rPr lang="it-IT" sz="1200" b="1" dirty="0" err="1" smtClean="0">
+                <a:latin typeface="Arial" pitchFamily="34" charset="0"/>
+                <a:cs typeface="Arial" pitchFamily="34" charset="0"/>
+              </a:rPr>
+              <a:t>newExecutionContext</a:t>
+            </a:r>
+            <a:r>
+              <a:rPr lang="it-IT" sz="1200" b="1" dirty="0" smtClean="0">
+                <a:latin typeface="Arial" pitchFamily="34" charset="0"/>
+                <a:cs typeface="Arial" pitchFamily="34" charset="0"/>
+              </a:rPr>
+              <a:t> = </a:t>
+            </a:r>
+            <a:r>
+              <a:rPr lang="it-IT" sz="1200" b="1" dirty="0" err="1" smtClean="0">
+                <a:latin typeface="Arial" pitchFamily="34" charset="0"/>
+                <a:cs typeface="Arial" pitchFamily="34" charset="0"/>
+              </a:rPr>
+              <a:t>new</a:t>
+            </a:r>
+            <a:r>
+              <a:rPr lang="it-IT" sz="1200" b="1" dirty="0" smtClean="0">
+                <a:latin typeface="Arial" pitchFamily="34" charset="0"/>
+                <a:cs typeface="Arial" pitchFamily="34" charset="0"/>
+              </a:rPr>
+              <a:t> </a:t>
+            </a:r>
+            <a:r>
+              <a:rPr lang="it-IT" sz="1200" b="1" dirty="0" err="1" smtClean="0">
+                <a:latin typeface="Arial" pitchFamily="34" charset="0"/>
+                <a:cs typeface="Arial" pitchFamily="34" charset="0"/>
+              </a:rPr>
+              <a:t>ExecutionContext</a:t>
+            </a:r>
+            <a:r>
+              <a:rPr lang="it-IT" sz="1200" b="1" dirty="0" smtClean="0">
+                <a:latin typeface="Arial" pitchFamily="34" charset="0"/>
+                <a:cs typeface="Arial" pitchFamily="34" charset="0"/>
+              </a:rPr>
+              <a:t>( </a:t>
+            </a:r>
+            <a:r>
+              <a:rPr lang="it-IT" sz="1200" b="1" dirty="0" err="1" smtClean="0">
+                <a:latin typeface="Arial" pitchFamily="34" charset="0"/>
+                <a:cs typeface="Arial" pitchFamily="34" charset="0"/>
+              </a:rPr>
+              <a:t>newToken</a:t>
+            </a:r>
+            <a:r>
+              <a:rPr lang="it-IT" sz="1200" b="1" dirty="0" smtClean="0">
+                <a:latin typeface="Arial" pitchFamily="34" charset="0"/>
+                <a:cs typeface="Arial" pitchFamily="34" charset="0"/>
+              </a:rPr>
+              <a:t> );</a:t>
+            </a:r>
+          </a:p>
+          <a:p>
+            <a:r>
+              <a:rPr lang="it-IT" sz="1200" dirty="0" smtClean="0">
+                <a:latin typeface="Arial" pitchFamily="34" charset="0"/>
+                <a:cs typeface="Arial" pitchFamily="34" charset="0"/>
+              </a:rPr>
+              <a:t>                //associa la variabile al </a:t>
+            </a:r>
+            <a:r>
+              <a:rPr lang="it-IT" sz="1200" dirty="0" err="1" smtClean="0">
+                <a:latin typeface="Arial" pitchFamily="34" charset="0"/>
+                <a:cs typeface="Arial" pitchFamily="34" charset="0"/>
+              </a:rPr>
+              <a:t>token</a:t>
+            </a:r>
+            <a:endParaRPr lang="it-IT" sz="1200" dirty="0" smtClean="0">
+              <a:latin typeface="Arial" pitchFamily="34" charset="0"/>
+              <a:cs typeface="Arial" pitchFamily="34" charset="0"/>
+            </a:endParaRPr>
+          </a:p>
+          <a:p>
+            <a:r>
+              <a:rPr lang="it-IT" sz="1200" dirty="0" smtClean="0">
+                <a:latin typeface="Arial" pitchFamily="34" charset="0"/>
+                <a:cs typeface="Arial" pitchFamily="34" charset="0"/>
+              </a:rPr>
+              <a:t>                </a:t>
+            </a:r>
+            <a:r>
+              <a:rPr lang="it-IT" sz="1200" dirty="0" err="1" smtClean="0">
+                <a:latin typeface="Arial" pitchFamily="34" charset="0"/>
+                <a:cs typeface="Arial" pitchFamily="34" charset="0"/>
+              </a:rPr>
+              <a:t>newExecutionContext.getContextInstance</a:t>
+            </a:r>
+            <a:r>
+              <a:rPr lang="it-IT" sz="1200" dirty="0" smtClean="0">
+                <a:latin typeface="Arial" pitchFamily="34" charset="0"/>
+                <a:cs typeface="Arial" pitchFamily="34" charset="0"/>
+              </a:rPr>
+              <a:t>().</a:t>
+            </a:r>
+            <a:r>
+              <a:rPr lang="it-IT" sz="1200" dirty="0" err="1" smtClean="0">
+                <a:latin typeface="Arial" pitchFamily="34" charset="0"/>
+                <a:cs typeface="Arial" pitchFamily="34" charset="0"/>
+              </a:rPr>
+              <a:t>createVariable</a:t>
+            </a:r>
+            <a:r>
+              <a:rPr lang="it-IT" sz="1200" dirty="0" smtClean="0">
+                <a:latin typeface="Arial" pitchFamily="34" charset="0"/>
+                <a:cs typeface="Arial" pitchFamily="34" charset="0"/>
+              </a:rPr>
+              <a:t>( "inviato", </a:t>
+            </a:r>
+            <a:r>
+              <a:rPr lang="it-IT" sz="1200" dirty="0" err="1" smtClean="0">
+                <a:latin typeface="Arial" pitchFamily="34" charset="0"/>
+                <a:cs typeface="Arial" pitchFamily="34" charset="0"/>
+              </a:rPr>
+              <a:t>gruppoInviati.get</a:t>
+            </a:r>
+            <a:r>
+              <a:rPr lang="it-IT" sz="1200" dirty="0" smtClean="0">
+                <a:latin typeface="Arial" pitchFamily="34" charset="0"/>
+                <a:cs typeface="Arial" pitchFamily="34" charset="0"/>
+              </a:rPr>
+              <a:t>(j), </a:t>
+            </a:r>
+            <a:r>
+              <a:rPr lang="it-IT" sz="1200" dirty="0" err="1" smtClean="0">
+                <a:latin typeface="Arial" pitchFamily="34" charset="0"/>
+                <a:cs typeface="Arial" pitchFamily="34" charset="0"/>
+              </a:rPr>
+              <a:t>newToken</a:t>
+            </a:r>
+            <a:r>
+              <a:rPr lang="it-IT" sz="1200" dirty="0" smtClean="0">
+                <a:latin typeface="Arial" pitchFamily="34" charset="0"/>
+                <a:cs typeface="Arial" pitchFamily="34" charset="0"/>
+              </a:rPr>
+              <a:t>);</a:t>
+            </a:r>
+          </a:p>
+          <a:p>
+            <a:r>
+              <a:rPr lang="it-IT" sz="1200" dirty="0" smtClean="0">
+                <a:latin typeface="Arial" pitchFamily="34" charset="0"/>
+                <a:cs typeface="Arial" pitchFamily="34" charset="0"/>
+              </a:rPr>
+              <a:t>                </a:t>
+            </a:r>
+            <a:r>
+              <a:rPr lang="it-IT" sz="1200" dirty="0" err="1" smtClean="0">
+                <a:latin typeface="Arial" pitchFamily="34" charset="0"/>
+                <a:cs typeface="Arial" pitchFamily="34" charset="0"/>
+              </a:rPr>
+              <a:t>argSets.add</a:t>
+            </a:r>
+            <a:r>
+              <a:rPr lang="it-IT" sz="1200" dirty="0" smtClean="0">
+                <a:latin typeface="Arial" pitchFamily="34" charset="0"/>
+                <a:cs typeface="Arial" pitchFamily="34" charset="0"/>
+              </a:rPr>
+              <a:t>(</a:t>
+            </a:r>
+            <a:r>
+              <a:rPr lang="it-IT" sz="1200" b="1" dirty="0" err="1" smtClean="0">
+                <a:latin typeface="Arial" pitchFamily="34" charset="0"/>
+                <a:cs typeface="Arial" pitchFamily="34" charset="0"/>
+              </a:rPr>
+              <a:t>new</a:t>
+            </a:r>
+            <a:r>
+              <a:rPr lang="it-IT" sz="1200" b="1" dirty="0" smtClean="0">
+                <a:latin typeface="Arial" pitchFamily="34" charset="0"/>
+                <a:cs typeface="Arial" pitchFamily="34" charset="0"/>
+              </a:rPr>
+              <a:t> </a:t>
+            </a:r>
+            <a:r>
+              <a:rPr lang="it-IT" sz="1200" b="1" dirty="0" err="1" smtClean="0">
+                <a:latin typeface="Arial" pitchFamily="34" charset="0"/>
+                <a:cs typeface="Arial" pitchFamily="34" charset="0"/>
+              </a:rPr>
+              <a:t>Object</a:t>
+            </a:r>
+            <a:r>
+              <a:rPr lang="it-IT" sz="1200" b="1" dirty="0" smtClean="0">
+                <a:latin typeface="Arial" pitchFamily="34" charset="0"/>
+                <a:cs typeface="Arial" pitchFamily="34" charset="0"/>
+              </a:rPr>
+              <a:t>[] {</a:t>
+            </a:r>
+            <a:r>
+              <a:rPr lang="it-IT" sz="1200" b="1" dirty="0" err="1" smtClean="0">
+                <a:latin typeface="Arial" pitchFamily="34" charset="0"/>
+                <a:cs typeface="Arial" pitchFamily="34" charset="0"/>
+              </a:rPr>
+              <a:t>newExecutionContext</a:t>
+            </a:r>
+            <a:r>
+              <a:rPr lang="it-IT" sz="1200" b="1" dirty="0" smtClean="0">
+                <a:latin typeface="Arial" pitchFamily="34" charset="0"/>
+                <a:cs typeface="Arial" pitchFamily="34" charset="0"/>
+              </a:rPr>
+              <a:t>, </a:t>
+            </a:r>
+            <a:r>
+              <a:rPr lang="it-IT" sz="1200" b="1" dirty="0" err="1" smtClean="0">
+                <a:latin typeface="Arial" pitchFamily="34" charset="0"/>
+                <a:cs typeface="Arial" pitchFamily="34" charset="0"/>
+              </a:rPr>
+              <a:t>transition</a:t>
+            </a:r>
+            <a:r>
+              <a:rPr lang="it-IT" sz="1200" b="1" dirty="0" smtClean="0">
+                <a:latin typeface="Arial" pitchFamily="34" charset="0"/>
+                <a:cs typeface="Arial" pitchFamily="34" charset="0"/>
+              </a:rPr>
+              <a:t>});</a:t>
+            </a:r>
+          </a:p>
+          <a:p>
+            <a:r>
+              <a:rPr lang="it-IT" sz="1200" dirty="0" smtClean="0">
+                <a:latin typeface="Arial" pitchFamily="34" charset="0"/>
+                <a:cs typeface="Arial" pitchFamily="34" charset="0"/>
+              </a:rPr>
+              <a:t>            }</a:t>
+            </a:r>
+          </a:p>
+          <a:p>
+            <a:r>
+              <a:rPr lang="it-IT" sz="1200" dirty="0" smtClean="0">
+                <a:latin typeface="Arial" pitchFamily="34" charset="0"/>
+                <a:cs typeface="Arial" pitchFamily="34" charset="0"/>
+              </a:rPr>
+              <a:t>        }</a:t>
+            </a:r>
+          </a:p>
+          <a:p>
+            <a:endParaRPr lang="it-IT" sz="1200" dirty="0" smtClean="0">
+              <a:latin typeface="Arial" pitchFamily="34" charset="0"/>
+              <a:cs typeface="Arial" pitchFamily="34" charset="0"/>
+            </a:endParaRPr>
+          </a:p>
+          <a:p>
+            <a:r>
+              <a:rPr lang="nn-NO" sz="1200" dirty="0" smtClean="0">
+                <a:latin typeface="Arial" pitchFamily="34" charset="0"/>
+                <a:cs typeface="Arial" pitchFamily="34" charset="0"/>
+              </a:rPr>
+              <a:t>        </a:t>
+            </a:r>
+            <a:r>
+              <a:rPr lang="nn-NO" sz="1200" b="1" dirty="0" smtClean="0">
+                <a:latin typeface="Arial" pitchFamily="34" charset="0"/>
+                <a:cs typeface="Arial" pitchFamily="34" charset="0"/>
+              </a:rPr>
+              <a:t>for (int i = 0; i &lt; argSets.size(); i++) </a:t>
+            </a:r>
+          </a:p>
+          <a:p>
+            <a:r>
+              <a:rPr lang="it-IT" sz="1200" dirty="0" smtClean="0">
+                <a:latin typeface="Arial" pitchFamily="34" charset="0"/>
+                <a:cs typeface="Arial" pitchFamily="34" charset="0"/>
+              </a:rPr>
+              <a:t>        {</a:t>
+            </a:r>
+          </a:p>
+          <a:p>
+            <a:r>
+              <a:rPr lang="en-US" sz="1200" dirty="0" smtClean="0">
+                <a:latin typeface="Arial" pitchFamily="34" charset="0"/>
+                <a:cs typeface="Arial" pitchFamily="34" charset="0"/>
+              </a:rPr>
+              <a:t>            </a:t>
+            </a:r>
+            <a:r>
+              <a:rPr lang="en-US" sz="1200" b="1" dirty="0" smtClean="0">
+                <a:latin typeface="Arial" pitchFamily="34" charset="0"/>
+                <a:cs typeface="Arial" pitchFamily="34" charset="0"/>
+              </a:rPr>
+              <a:t>final Object[] </a:t>
+            </a:r>
+            <a:r>
+              <a:rPr lang="en-US" sz="1200" b="1" dirty="0" err="1" smtClean="0">
+                <a:latin typeface="Arial" pitchFamily="34" charset="0"/>
+                <a:cs typeface="Arial" pitchFamily="34" charset="0"/>
+              </a:rPr>
+              <a:t>args</a:t>
+            </a:r>
+            <a:r>
+              <a:rPr lang="en-US" sz="1200" b="1" dirty="0" smtClean="0">
+                <a:latin typeface="Arial" pitchFamily="34" charset="0"/>
+                <a:cs typeface="Arial" pitchFamily="34" charset="0"/>
+              </a:rPr>
+              <a:t> = (Object[]) </a:t>
+            </a:r>
+            <a:r>
+              <a:rPr lang="en-US" sz="1200" b="1" dirty="0" err="1" smtClean="0">
+                <a:latin typeface="Arial" pitchFamily="34" charset="0"/>
+                <a:cs typeface="Arial" pitchFamily="34" charset="0"/>
+              </a:rPr>
+              <a:t>argSets.get</a:t>
+            </a:r>
+            <a:r>
+              <a:rPr lang="en-US" sz="1200" b="1" dirty="0" smtClean="0">
+                <a:latin typeface="Arial" pitchFamily="34" charset="0"/>
+                <a:cs typeface="Arial" pitchFamily="34" charset="0"/>
+              </a:rPr>
+              <a:t>(</a:t>
+            </a:r>
+            <a:r>
+              <a:rPr lang="en-US" sz="1200" b="1" dirty="0" err="1" smtClean="0">
+                <a:latin typeface="Arial" pitchFamily="34" charset="0"/>
+                <a:cs typeface="Arial" pitchFamily="34" charset="0"/>
+              </a:rPr>
+              <a:t>i</a:t>
+            </a:r>
+            <a:r>
+              <a:rPr lang="en-US" sz="1200" b="1" dirty="0" smtClean="0">
+                <a:latin typeface="Arial" pitchFamily="34" charset="0"/>
+                <a:cs typeface="Arial" pitchFamily="34" charset="0"/>
+              </a:rPr>
+              <a:t>);</a:t>
+            </a:r>
+          </a:p>
+          <a:p>
+            <a:r>
+              <a:rPr lang="en-US" sz="1200" dirty="0" smtClean="0">
+                <a:latin typeface="Arial" pitchFamily="34" charset="0"/>
+                <a:cs typeface="Arial" pitchFamily="34" charset="0"/>
+              </a:rPr>
+              <a:t>            </a:t>
+            </a:r>
+            <a:r>
+              <a:rPr lang="en-US" sz="1200" dirty="0" err="1" smtClean="0">
+                <a:latin typeface="Arial" pitchFamily="34" charset="0"/>
+                <a:cs typeface="Arial" pitchFamily="34" charset="0"/>
+              </a:rPr>
+              <a:t>node.leave</a:t>
+            </a:r>
+            <a:r>
+              <a:rPr lang="en-US" sz="1200" dirty="0" smtClean="0">
+                <a:latin typeface="Arial" pitchFamily="34" charset="0"/>
+                <a:cs typeface="Arial" pitchFamily="34" charset="0"/>
+              </a:rPr>
+              <a:t>((</a:t>
+            </a:r>
+            <a:r>
+              <a:rPr lang="en-US" sz="1200" dirty="0" err="1" smtClean="0">
+                <a:latin typeface="Arial" pitchFamily="34" charset="0"/>
+                <a:cs typeface="Arial" pitchFamily="34" charset="0"/>
+              </a:rPr>
+              <a:t>ExecutionContext</a:t>
+            </a:r>
+            <a:r>
+              <a:rPr lang="en-US" sz="1200" dirty="0" smtClean="0">
+                <a:latin typeface="Arial" pitchFamily="34" charset="0"/>
+                <a:cs typeface="Arial" pitchFamily="34" charset="0"/>
+              </a:rPr>
+              <a:t>) </a:t>
+            </a:r>
+            <a:r>
+              <a:rPr lang="en-US" sz="1200" dirty="0" err="1" smtClean="0">
+                <a:latin typeface="Arial" pitchFamily="34" charset="0"/>
+                <a:cs typeface="Arial" pitchFamily="34" charset="0"/>
+              </a:rPr>
+              <a:t>args</a:t>
+            </a:r>
+            <a:r>
+              <a:rPr lang="en-US" sz="1200" dirty="0" smtClean="0">
+                <a:latin typeface="Arial" pitchFamily="34" charset="0"/>
+                <a:cs typeface="Arial" pitchFamily="34" charset="0"/>
+              </a:rPr>
+              <a:t>[0], (Transition) </a:t>
+            </a:r>
+            <a:r>
+              <a:rPr lang="en-US" sz="1200" dirty="0" err="1" smtClean="0">
+                <a:latin typeface="Arial" pitchFamily="34" charset="0"/>
+                <a:cs typeface="Arial" pitchFamily="34" charset="0"/>
+              </a:rPr>
+              <a:t>args</a:t>
+            </a:r>
+            <a:r>
+              <a:rPr lang="en-US" sz="1200" dirty="0" smtClean="0">
+                <a:latin typeface="Arial" pitchFamily="34" charset="0"/>
+                <a:cs typeface="Arial" pitchFamily="34" charset="0"/>
+              </a:rPr>
+              <a:t>[1]);</a:t>
+            </a:r>
+          </a:p>
+          <a:p>
+            <a:r>
+              <a:rPr lang="it-IT" sz="1200" dirty="0" smtClean="0">
+                <a:latin typeface="Arial" pitchFamily="34" charset="0"/>
+                <a:cs typeface="Arial" pitchFamily="34" charset="0"/>
+              </a:rPr>
+              <a:t>        </a:t>
+            </a:r>
+            <a:r>
+              <a:rPr lang="it-IT" sz="1200" dirty="0" smtClean="0">
+                <a:latin typeface="Arial" pitchFamily="34" charset="0"/>
+                <a:cs typeface="Arial" pitchFamily="34" charset="0"/>
+              </a:rPr>
+              <a:t>}</a:t>
+            </a:r>
+            <a:endParaRPr lang="it-IT" sz="1200" dirty="0" smtClean="0">
+              <a:latin typeface="Arial" pitchFamily="34" charset="0"/>
+              <a:cs typeface="Arial" pitchFamily="34" charset="0"/>
+            </a:endParaRPr>
+          </a:p>
+          <a:p>
+            <a:r>
+              <a:rPr lang="it-IT" sz="1200" dirty="0" smtClean="0">
+                <a:latin typeface="Arial" pitchFamily="34" charset="0"/>
+                <a:cs typeface="Arial" pitchFamily="34" charset="0"/>
+              </a:rPr>
+              <a:t>}</a:t>
+            </a:r>
+            <a:endParaRPr lang="it-IT" sz="1200" dirty="0">
+              <a:latin typeface="Arial" pitchFamily="34" charset="0"/>
+              <a:cs typeface="Arial" pitchFamily="34" charset="0"/>
+            </a:endParaRPr>
+          </a:p>
+        </p:txBody>
+      </p:sp>
+    </p:spTree>
+  </p:cSld>
+  <p:clrMapOvr>
+    <a:masterClrMapping/>
+  </p:clrMapOvr>
+  <p:timing>
+    <p:tnLst>
+      <p:par>
+        <p:cTn id="1" dur="indefinite" restart="never" nodeType="tmRoot">
+          <p:childTnLst>
+            <p:seq concurrent="1" nextAc="seek">
+              <p:cTn id="2" dur="indefinite" nodeType="mainSeq">
+                <p:childTnLst>
+                  <p:par>
+                    <p:cTn id="3" fill="hold">
+                      <p:stCondLst>
+                        <p:cond delay="indefinite"/>
+                      </p:stCondLst>
+                      <p:childTnLst>
+                        <p:par>
+                          <p:cTn id="4" fill="hold">
+                            <p:stCondLst>
+                              <p:cond delay="0"/>
+                            </p:stCondLst>
+                            <p:childTnLst>
+                              <p:par>
+                                <p:cTn id="5" presetID="10" presetClass="entr" presetSubtype="0" fill="hold" grpId="0" nodeType="clickEffect">
+                                  <p:stCondLst>
+                                    <p:cond delay="0"/>
+                                  </p:stCondLst>
+                                  <p:childTnLst>
+                                    <p:set>
+                                      <p:cBhvr>
+                                        <p:cTn id="6" dur="1" fill="hold">
+                                          <p:stCondLst>
+                                            <p:cond delay="0"/>
+                                          </p:stCondLst>
+                                        </p:cTn>
+                                        <p:tgtEl>
+                                          <p:spTgt spid="9"/>
+                                        </p:tgtEl>
+                                        <p:attrNameLst>
+                                          <p:attrName>style.visibility</p:attrName>
+                                        </p:attrNameLst>
+                                      </p:cBhvr>
+                                      <p:to>
+                                        <p:strVal val="visible"/>
+                                      </p:to>
+                                    </p:set>
+                                    <p:animEffect transition="in" filter="fade">
+                                      <p:cBhvr>
+                                        <p:cTn id="7" dur="500"/>
+                                        <p:tgtEl>
+                                          <p:spTgt spid="9"/>
+                                        </p:tgtEl>
+                                      </p:cBhvr>
+                                    </p:animEffect>
+                                  </p:childTnLst>
+                                </p:cTn>
+                              </p:par>
+                            </p:childTnLst>
+                          </p:cTn>
+                        </p:par>
+                      </p:childTnLst>
+                    </p:cTn>
+                  </p:par>
+                </p:childTnLst>
+              </p:cTn>
+              <p:prevCondLst>
+                <p:cond evt="onPrev" delay="0">
+                  <p:tgtEl>
+                    <p:sldTgt/>
+                  </p:tgtEl>
+                </p:cond>
+              </p:prevCondLst>
+              <p:nextCondLst>
+                <p:cond evt="onNext" delay="0">
+                  <p:tgtEl>
+                    <p:sldTgt/>
+                  </p:tgtEl>
+                </p:cond>
+              </p:nextCondLst>
+            </p:seq>
+          </p:childTnLst>
+        </p:cTn>
+      </p:par>
+    </p:tnLst>
+    <p:bldLst>
+      <p:bldP spid="9" grpId="0" animBg="1"/>
+    </p:bldLst>
+  </p:timing>
+</p:sld>
+</file>
+
+<file path=ppt/slides/slide5.xml><?xml version="1.0" encoding="utf-8"?>
+<p:sld xmlns:a="http://schemas.openxmlformats.org/drawingml/2006/main" xmlns:r="http://schemas.openxmlformats.org/officeDocument/2006/relationships" xmlns:p="http://schemas.openxmlformats.org/presentationml/2006/main">
+  <p:cSld>
+    <p:spTree>
+      <p:nvGrpSpPr>
+        <p:cNvPr id="1" name=""/>
+        <p:cNvGrpSpPr/>
+        <p:nvPr/>
+      </p:nvGrpSpPr>
+      <p:grpSpPr>
+        <a:xfrm>
+          <a:off x="0" y="0"/>
+          <a:ext cx="0" cy="0"/>
+          <a:chOff x="0" y="0"/>
+          <a:chExt cx="0" cy="0"/>
+        </a:xfrm>
+      </p:grpSpPr>
+      <p:sp>
+        <p:nvSpPr>
+          <p:cNvPr id="2" name="Titolo 1"/>
+          <p:cNvSpPr>
+            <a:spLocks noGrp="1"/>
+          </p:cNvSpPr>
+          <p:nvPr>
+            <p:ph type="title"/>
+          </p:nvPr>
+        </p:nvSpPr>
+        <p:spPr/>
+        <p:txBody>
+          <a:bodyPr/>
+          <a:lstStyle/>
+          <a:p>
+            <a:r>
+              <a:rPr lang="it-IT" dirty="0" smtClean="0"/>
+              <a:t>Visitatore (2)</a:t>
+            </a:r>
+            <a:endParaRPr lang="it-IT" dirty="0"/>
+          </a:p>
+        </p:txBody>
+      </p:sp>
+      <p:sp>
+        <p:nvSpPr>
+          <p:cNvPr id="4" name="CasellaDiTesto 3"/>
+          <p:cNvSpPr txBox="1"/>
+          <p:nvPr/>
+        </p:nvSpPr>
+        <p:spPr>
+          <a:xfrm>
+            <a:off x="457200" y="1952240"/>
+            <a:ext cx="8386821" cy="4247317"/>
+          </a:xfrm>
+          <a:prstGeom prst="rect">
+            <a:avLst/>
+          </a:prstGeom>
+          <a:noFill/>
+        </p:spPr>
+        <p:txBody>
+          <a:bodyPr wrap="square" rtlCol="0">
+            <a:spAutoFit/>
+          </a:bodyPr>
+          <a:lstStyle/>
+          <a:p>
+            <a:r>
+              <a:rPr lang="it-IT" sz="2600" dirty="0" smtClean="0">
+                <a:latin typeface="+mj-lt"/>
+              </a:rPr>
+              <a:t>Procedura registrazione</a:t>
+            </a:r>
+          </a:p>
+          <a:p>
+            <a:endParaRPr lang="it-IT" sz="2600" dirty="0" smtClean="0">
+              <a:latin typeface="+mj-lt"/>
+            </a:endParaRPr>
+          </a:p>
+          <a:p>
+            <a:r>
+              <a:rPr lang="it-IT" sz="2600" dirty="0" smtClean="0">
+                <a:latin typeface="+mj-lt"/>
+              </a:rPr>
+              <a:t>Dati principali da inserire:</a:t>
+            </a:r>
+          </a:p>
+          <a:p>
+            <a:pPr marL="468000" lvl="1" indent="-360000">
+              <a:buFont typeface="Arial" pitchFamily="34" charset="0"/>
+              <a:buChar char="•"/>
+            </a:pPr>
+            <a:r>
+              <a:rPr lang="it-IT" sz="2400" dirty="0" smtClean="0">
+                <a:latin typeface="+mj-lt"/>
+              </a:rPr>
+              <a:t>Dati anagrafici (nome, cognome, data e luogo di nascita, codice fiscale, sesso)</a:t>
+            </a:r>
+          </a:p>
+          <a:p>
+            <a:pPr marL="468000" lvl="1" indent="-360000">
+              <a:buFont typeface="Arial" pitchFamily="34" charset="0"/>
+              <a:buChar char="•"/>
+            </a:pPr>
+            <a:r>
+              <a:rPr lang="it-IT" sz="2400" dirty="0" smtClean="0">
+                <a:latin typeface="+mj-lt"/>
+              </a:rPr>
+              <a:t>Residenza (comune, indirizzo, C.A.P., provincia)</a:t>
+            </a:r>
+          </a:p>
+          <a:p>
+            <a:pPr marL="468000" lvl="1" indent="-360000">
+              <a:buFont typeface="Arial" pitchFamily="34" charset="0"/>
+              <a:buChar char="•"/>
+            </a:pPr>
+            <a:r>
+              <a:rPr lang="it-IT" sz="2400" dirty="0" smtClean="0">
+                <a:latin typeface="+mj-lt"/>
+              </a:rPr>
+              <a:t>E-mail</a:t>
+            </a:r>
+          </a:p>
+          <a:p>
+            <a:pPr marL="468000" lvl="1" indent="-360000">
+              <a:buFont typeface="Arial" pitchFamily="34" charset="0"/>
+              <a:buChar char="•"/>
+            </a:pPr>
+            <a:r>
+              <a:rPr lang="it-IT" sz="2400" dirty="0" smtClean="0">
+                <a:latin typeface="+mj-lt"/>
+              </a:rPr>
+              <a:t>Recapiti telefonici</a:t>
+            </a:r>
+          </a:p>
+          <a:p>
+            <a:pPr marL="468000" lvl="1" indent="-360000">
+              <a:buFont typeface="Arial" pitchFamily="34" charset="0"/>
+              <a:buChar char="•"/>
+            </a:pPr>
+            <a:r>
+              <a:rPr lang="it-IT" sz="2400" dirty="0" smtClean="0">
+                <a:latin typeface="+mj-lt"/>
+              </a:rPr>
+              <a:t>Informazioni Patente (numero patente, tipo)</a:t>
+            </a:r>
+          </a:p>
+          <a:p>
+            <a:pPr marL="468000" lvl="1" indent="-360000">
+              <a:buFont typeface="Arial" pitchFamily="34" charset="0"/>
+              <a:buChar char="•"/>
+            </a:pPr>
+            <a:r>
+              <a:rPr lang="it-IT" sz="2400" dirty="0" smtClean="0">
+                <a:latin typeface="+mj-lt"/>
+              </a:rPr>
+              <a:t>User-name e password</a:t>
+            </a:r>
+          </a:p>
+          <a:p>
+            <a:pPr marL="468000" lvl="1" indent="-360000">
+              <a:buFont typeface="Arial" pitchFamily="34" charset="0"/>
+              <a:buChar char="•"/>
+            </a:pPr>
+            <a:r>
+              <a:rPr lang="it-IT" sz="2400" dirty="0" smtClean="0">
+                <a:latin typeface="+mj-lt"/>
+              </a:rPr>
+              <a:t>Dati pagamento elettronico</a:t>
+            </a:r>
+          </a:p>
+        </p:txBody>
+      </p:sp>
+    </p:spTree>
+  </p:cSld>
+  <p:clrMapOvr>
+    <a:masterClrMapping/>
+  </p:clrMapOvr>
+  <p:timing>
+    <p:tnLst>
+      <p:par>
+        <p:cTn id="1" dur="indefinite" restart="never" nodeType="tmRoot"/>
+      </p:par>
+    </p:tnLst>
+  </p:timing>
+</p:sld>
+</file>
+
+<file path=ppt/slides/slide50.xml><?xml version="1.0" encoding="utf-8"?>
+<p:sld xmlns:a="http://schemas.openxmlformats.org/drawingml/2006/main" xmlns:r="http://schemas.openxmlformats.org/officeDocument/2006/relationships" xmlns:p="http://schemas.openxmlformats.org/presentationml/2006/main">
+  <p:cSld>
+    <p:spTree>
+      <p:nvGrpSpPr>
+        <p:cNvPr id="1" name=""/>
+        <p:cNvGrpSpPr/>
+        <p:nvPr/>
+      </p:nvGrpSpPr>
+      <p:grpSpPr>
+        <a:xfrm>
+          <a:off x="0" y="0"/>
+          <a:ext cx="0" cy="0"/>
+          <a:chOff x="0" y="0"/>
+          <a:chExt cx="0" cy="0"/>
+        </a:xfrm>
+      </p:grpSpPr>
+      <p:sp>
+        <p:nvSpPr>
+          <p:cNvPr id="2" name="Titolo 1"/>
+          <p:cNvSpPr>
+            <a:spLocks noGrp="1"/>
+          </p:cNvSpPr>
+          <p:nvPr>
+            <p:ph type="title"/>
+          </p:nvPr>
+        </p:nvSpPr>
+        <p:spPr/>
+        <p:txBody>
+          <a:bodyPr>
+            <a:noAutofit/>
+          </a:bodyPr>
+          <a:lstStyle/>
+          <a:p>
+            <a:r>
+              <a:rPr lang="it-IT" sz="4000" dirty="0" smtClean="0"/>
+              <a:t>Funzionamento dei </a:t>
+            </a:r>
+            <a:r>
+              <a:rPr lang="it-IT" sz="4000" dirty="0" smtClean="0"/>
+              <a:t>timer</a:t>
+            </a:r>
+            <a:endParaRPr lang="it-IT" sz="4000" dirty="0" smtClean="0"/>
+          </a:p>
+        </p:txBody>
+      </p:sp>
+      <p:sp>
+        <p:nvSpPr>
+          <p:cNvPr id="5" name="Segnaposto contenuto 4"/>
+          <p:cNvSpPr>
+            <a:spLocks noGrp="1"/>
+          </p:cNvSpPr>
+          <p:nvPr>
+            <p:ph idx="1"/>
+          </p:nvPr>
+        </p:nvSpPr>
+        <p:spPr>
+          <a:xfrm>
+            <a:off x="263466" y="1935480"/>
+            <a:ext cx="8617068" cy="3100092"/>
+          </a:xfrm>
+        </p:spPr>
+        <p:txBody>
+          <a:bodyPr>
+            <a:normAutofit/>
+          </a:bodyPr>
+          <a:lstStyle/>
+          <a:p>
+            <a:pPr marL="360000" indent="-360000" algn="just"/>
+            <a:r>
+              <a:rPr lang="it-IT" sz="2000" b="1" i="1" dirty="0" smtClean="0"/>
+              <a:t>Dominio: </a:t>
+            </a:r>
+            <a:r>
+              <a:rPr lang="it-IT" sz="2000" dirty="0" smtClean="0"/>
+              <a:t>inviare una notifica al gruppo “</a:t>
+            </a:r>
+            <a:r>
+              <a:rPr lang="it-IT" sz="2000" dirty="0" err="1" smtClean="0"/>
+              <a:t>UtenteGAS</a:t>
+            </a:r>
+            <a:r>
+              <a:rPr lang="it-IT" sz="2000" dirty="0" smtClean="0"/>
+              <a:t>” per informarlo dell’esistenza di una visita in azienda.</a:t>
+            </a:r>
+          </a:p>
+          <a:p>
+            <a:pPr marL="360000" indent="-360000" algn="just"/>
+            <a:r>
+              <a:rPr lang="it-IT" sz="2000" b="1" i="1" dirty="0" smtClean="0"/>
+              <a:t>Problema: </a:t>
+            </a:r>
+            <a:r>
+              <a:rPr lang="it-IT" sz="2000" dirty="0" smtClean="0"/>
+              <a:t>JBPM supporta notifiche di tipo broadcast e quindi il primo utente appartenente al gruppo che accetta la notifica cancella automaticamente le notifiche agli altri utenti.</a:t>
+            </a:r>
+          </a:p>
+          <a:p>
+            <a:pPr marL="360000" indent="-360000" algn="just"/>
+            <a:r>
+              <a:rPr lang="it-IT" sz="2000" b="1" i="1" dirty="0" smtClean="0"/>
+              <a:t>Soluzione proposta: </a:t>
+            </a:r>
+            <a:r>
+              <a:rPr lang="it-IT" sz="2000" dirty="0" smtClean="0"/>
+              <a:t>creare un ciclo con un </a:t>
+            </a:r>
+            <a:r>
+              <a:rPr lang="it-IT" sz="2000" dirty="0" err="1" smtClean="0"/>
+              <a:t>decision</a:t>
+            </a:r>
+            <a:r>
+              <a:rPr lang="it-IT" sz="2000" dirty="0" smtClean="0"/>
+              <a:t> </a:t>
+            </a:r>
+            <a:r>
+              <a:rPr lang="it-IT" sz="2000" dirty="0" err="1" smtClean="0"/>
+              <a:t>node</a:t>
+            </a:r>
+            <a:r>
+              <a:rPr lang="it-IT" sz="2000" dirty="0" smtClean="0"/>
+              <a:t> che ricreava il task di notifica quando questa veniva accettata da un utente; a livello grafico agli utenti che già avevano visionato la notifica non veniva più permesso di eseguire di nuovo il task.</a:t>
+            </a:r>
+            <a:endParaRPr lang="it-IT" sz="2000" dirty="0"/>
+          </a:p>
+        </p:txBody>
+      </p:sp>
+      <p:pic>
+        <p:nvPicPr>
+          <p:cNvPr id="1026" name="Picture 2"/>
+          <p:cNvPicPr>
+            <a:picLocks noChangeAspect="1" noChangeArrowheads="1"/>
+          </p:cNvPicPr>
+          <p:nvPr/>
+        </p:nvPicPr>
+        <p:blipFill>
+          <a:blip r:embed="rId2"/>
+          <a:srcRect/>
+          <a:stretch>
+            <a:fillRect/>
+          </a:stretch>
+        </p:blipFill>
+        <p:spPr bwMode="auto">
+          <a:xfrm>
+            <a:off x="3838575" y="4743468"/>
+            <a:ext cx="4848225" cy="1914525"/>
+          </a:xfrm>
+          <a:prstGeom prst="roundRect">
+            <a:avLst>
+              <a:gd name="adj" fmla="val 4882"/>
+            </a:avLst>
+          </a:prstGeom>
+          <a:noFill/>
+          <a:ln w="9525">
+            <a:noFill/>
+            <a:miter lim="800000"/>
+            <a:headEnd/>
+            <a:tailEnd/>
+          </a:ln>
+          <a:effectLst>
+            <a:outerShdw blurRad="63500" sx="101000" sy="101000" algn="ctr" rotWithShape="0">
+              <a:prstClr val="black">
+                <a:alpha val="30000"/>
+              </a:prstClr>
+            </a:outerShdw>
+          </a:effectLst>
+        </p:spPr>
+      </p:pic>
+    </p:spTree>
+  </p:cSld>
+  <p:clrMapOvr>
+    <a:masterClrMapping/>
+  </p:clrMapOvr>
+  <p:timing>
+    <p:tnLst>
+      <p:par>
+        <p:cTn id="1" dur="indefinite" restart="never" nodeType="tmRoot"/>
+      </p:par>
+    </p:tnLst>
+  </p:timing>
+</p:sld>
+</file>
+
+<file path=ppt/slides/slide51.xml><?xml version="1.0" encoding="utf-8"?>
 <p:sld xmlns:a="http://schemas.openxmlformats.org/drawingml/2006/main" xmlns:r="http://schemas.openxmlformats.org/officeDocument/2006/relationships" xmlns:p="http://schemas.openxmlformats.org/presentationml/2006/main">
   <p:cSld>
     <p:spTree>
@@ -34472,7 +36986,7 @@
 </p:sld>
 </file>
 
-<file path=ppt/slides/slide48.xml><?xml version="1.0" encoding="utf-8"?>
+<file path=ppt/slides/slide52.xml><?xml version="1.0" encoding="utf-8"?>
 <p:sld xmlns:a="http://schemas.openxmlformats.org/drawingml/2006/main" xmlns:r="http://schemas.openxmlformats.org/officeDocument/2006/relationships" xmlns:p="http://schemas.openxmlformats.org/presentationml/2006/main">
   <p:cSld>
     <p:spTree>
@@ -34670,7 +37184,7 @@
 </p:sld>
 </file>
 
-<file path=ppt/slides/slide49.xml><?xml version="1.0" encoding="utf-8"?>
+<file path=ppt/slides/slide53.xml><?xml version="1.0" encoding="utf-8"?>
 <p:sld xmlns:a="http://schemas.openxmlformats.org/drawingml/2006/main" xmlns:r="http://schemas.openxmlformats.org/officeDocument/2006/relationships" xmlns:p="http://schemas.openxmlformats.org/presentationml/2006/main">
   <p:cSld>
     <p:spTree>
@@ -36684,190 +39198,7 @@
 </p:sld>
 </file>
 
-<file path=ppt/slides/slide5.xml><?xml version="1.0" encoding="utf-8"?>
-<p:sld xmlns:a="http://schemas.openxmlformats.org/drawingml/2006/main" xmlns:r="http://schemas.openxmlformats.org/officeDocument/2006/relationships" xmlns:p="http://schemas.openxmlformats.org/presentationml/2006/main">
-  <p:cSld>
-    <p:spTree>
-      <p:nvGrpSpPr>
-        <p:cNvPr id="1" name=""/>
-        <p:cNvGrpSpPr/>
-        <p:nvPr/>
-      </p:nvGrpSpPr>
-      <p:grpSpPr>
-        <a:xfrm>
-          <a:off x="0" y="0"/>
-          <a:ext cx="0" cy="0"/>
-          <a:chOff x="0" y="0"/>
-          <a:chExt cx="0" cy="0"/>
-        </a:xfrm>
-      </p:grpSpPr>
-      <p:sp>
-        <p:nvSpPr>
-          <p:cNvPr id="2" name="Titolo 1"/>
-          <p:cNvSpPr>
-            <a:spLocks noGrp="1"/>
-          </p:cNvSpPr>
-          <p:nvPr>
-            <p:ph type="title"/>
-          </p:nvPr>
-        </p:nvSpPr>
-        <p:spPr/>
-        <p:txBody>
-          <a:bodyPr/>
-          <a:lstStyle/>
-          <a:p>
-            <a:r>
-              <a:rPr lang="it-IT" dirty="0" smtClean="0"/>
-              <a:t>Visitatore (2)</a:t>
-            </a:r>
-            <a:endParaRPr lang="it-IT" dirty="0"/>
-          </a:p>
-        </p:txBody>
-      </p:sp>
-      <p:sp>
-        <p:nvSpPr>
-          <p:cNvPr id="4" name="CasellaDiTesto 3"/>
-          <p:cNvSpPr txBox="1"/>
-          <p:nvPr/>
-        </p:nvSpPr>
-        <p:spPr>
-          <a:xfrm>
-            <a:off x="457200" y="1952240"/>
-            <a:ext cx="8386821" cy="4247317"/>
-          </a:xfrm>
-          <a:prstGeom prst="rect">
-            <a:avLst/>
-          </a:prstGeom>
-          <a:noFill/>
-        </p:spPr>
-        <p:txBody>
-          <a:bodyPr wrap="square" rtlCol="0">
-            <a:spAutoFit/>
-          </a:bodyPr>
-          <a:lstStyle/>
-          <a:p>
-            <a:r>
-              <a:rPr lang="it-IT" sz="2600" dirty="0" smtClean="0">
-                <a:latin typeface="+mj-lt"/>
-              </a:rPr>
-              <a:t>Procedura registrazione</a:t>
-            </a:r>
-          </a:p>
-          <a:p>
-            <a:endParaRPr lang="it-IT" sz="2600" dirty="0" smtClean="0">
-              <a:latin typeface="+mj-lt"/>
-            </a:endParaRPr>
-          </a:p>
-          <a:p>
-            <a:r>
-              <a:rPr lang="it-IT" sz="2600" dirty="0" smtClean="0">
-                <a:latin typeface="+mj-lt"/>
-              </a:rPr>
-              <a:t>Dati principali da inserire:</a:t>
-            </a:r>
-          </a:p>
-          <a:p>
-            <a:pPr marL="468000" lvl="1" indent="-360000">
-              <a:buFont typeface="Arial" pitchFamily="34" charset="0"/>
-              <a:buChar char="•"/>
-            </a:pPr>
-            <a:r>
-              <a:rPr lang="it-IT" sz="2400" dirty="0" smtClean="0">
-                <a:latin typeface="+mj-lt"/>
-              </a:rPr>
-              <a:t>Dati anagrafici (nome, cognome, data e luogo di nascita, codice fiscale, sesso)</a:t>
-            </a:r>
-          </a:p>
-          <a:p>
-            <a:pPr marL="468000" lvl="1" indent="-360000">
-              <a:buFont typeface="Arial" pitchFamily="34" charset="0"/>
-              <a:buChar char="•"/>
-            </a:pPr>
-            <a:r>
-              <a:rPr lang="it-IT" sz="2400" dirty="0" smtClean="0">
-                <a:latin typeface="+mj-lt"/>
-              </a:rPr>
-              <a:t>Residenza (comune, indirizzo, C.A.P., provincia)</a:t>
-            </a:r>
-          </a:p>
-          <a:p>
-            <a:pPr marL="468000" lvl="1" indent="-360000">
-              <a:buFont typeface="Arial" pitchFamily="34" charset="0"/>
-              <a:buChar char="•"/>
-            </a:pPr>
-            <a:r>
-              <a:rPr lang="it-IT" sz="2400" dirty="0" smtClean="0">
-                <a:latin typeface="+mj-lt"/>
-              </a:rPr>
-              <a:t>E-mail</a:t>
-            </a:r>
-          </a:p>
-          <a:p>
-            <a:pPr marL="468000" lvl="1" indent="-360000">
-              <a:buFont typeface="Arial" pitchFamily="34" charset="0"/>
-              <a:buChar char="•"/>
-            </a:pPr>
-            <a:r>
-              <a:rPr lang="it-IT" sz="2400" dirty="0" smtClean="0">
-                <a:latin typeface="+mj-lt"/>
-              </a:rPr>
-              <a:t>Recapiti telefonici</a:t>
-            </a:r>
-          </a:p>
-          <a:p>
-            <a:pPr marL="468000" lvl="1" indent="-360000">
-              <a:buFont typeface="Arial" pitchFamily="34" charset="0"/>
-              <a:buChar char="•"/>
-            </a:pPr>
-            <a:r>
-              <a:rPr lang="it-IT" sz="2400" dirty="0" smtClean="0">
-                <a:latin typeface="+mj-lt"/>
-              </a:rPr>
-              <a:t>Informazioni Patente (numero patente, tipo)</a:t>
-            </a:r>
-          </a:p>
-          <a:p>
-            <a:pPr marL="468000" lvl="1" indent="-360000">
-              <a:buFont typeface="Arial" pitchFamily="34" charset="0"/>
-              <a:buChar char="•"/>
-            </a:pPr>
-            <a:r>
-              <a:rPr lang="it-IT" sz="2400" dirty="0" smtClean="0">
-                <a:latin typeface="+mj-lt"/>
-              </a:rPr>
-              <a:t>User-name e password</a:t>
-            </a:r>
-          </a:p>
-          <a:p>
-            <a:pPr marL="468000" lvl="1" indent="-360000">
-              <a:buFont typeface="Arial" pitchFamily="34" charset="0"/>
-              <a:buChar char="•"/>
-            </a:pPr>
-            <a:r>
-              <a:rPr lang="it-IT" sz="2400" dirty="0" smtClean="0">
-                <a:latin typeface="+mj-lt"/>
-              </a:rPr>
-              <a:t>Dati pagamento elettronico</a:t>
-            </a:r>
-          </a:p>
-        </p:txBody>
-      </p:sp>
-    </p:spTree>
-  </p:cSld>
-  <p:clrMapOvr>
-    <a:masterClrMapping/>
-  </p:clrMapOvr>
-  <p:timing>
-    <p:tnLst>
-      <p:par>
-        <p:cTn id="1" dur="indefinite" restart="never" nodeType="tmRoot"/>
-      </p:par>
-    </p:tnLst>
-  </p:timing>
-</p:sld>
-</file>
-
-<file path=ppt/slides/slide50.xml><?xml version="1.0" encoding="utf-8"?>
+<file path=ppt/slides/slide54.xml><?xml version="1.0" encoding="utf-8"?>
 <p:sld xmlns:a="http://schemas.openxmlformats.org/drawingml/2006/main" xmlns:r="http://schemas.openxmlformats.org/officeDocument/2006/relationships" xmlns:p="http://schemas.openxmlformats.org/presentationml/2006/main">
   <p:cSld>
     <p:spTree>
@@ -37505,7 +39836,7 @@
 </p:sld>
 </file>
 
-<file path=ppt/slides/slide51.xml><?xml version="1.0" encoding="utf-8"?>
+<file path=ppt/slides/slide55.xml><?xml version="1.0" encoding="utf-8"?>
 <p:sld xmlns:a="http://schemas.openxmlformats.org/drawingml/2006/main" xmlns:r="http://schemas.openxmlformats.org/officeDocument/2006/relationships" xmlns:p="http://schemas.openxmlformats.org/presentationml/2006/main">
   <p:cSld>
     <p:spTree>
@@ -38038,7 +40369,7 @@
 </p:sld>
 </file>
 
-<file path=ppt/slides/slide52.xml><?xml version="1.0" encoding="utf-8"?>
+<file path=ppt/slides/slide56.xml><?xml version="1.0" encoding="utf-8"?>
 <p:sld xmlns:a="http://schemas.openxmlformats.org/drawingml/2006/main" xmlns:r="http://schemas.openxmlformats.org/officeDocument/2006/relationships" xmlns:p="http://schemas.openxmlformats.org/presentationml/2006/main">
   <p:cSld>
     <p:spTree>
@@ -38419,7 +40750,7 @@
 </p:sld>
 </file>
 
-<file path=ppt/slides/slide53.xml><?xml version="1.0" encoding="utf-8"?>
+<file path=ppt/slides/slide57.xml><?xml version="1.0" encoding="utf-8"?>
 <p:sld xmlns:a="http://schemas.openxmlformats.org/drawingml/2006/main" xmlns:r="http://schemas.openxmlformats.org/officeDocument/2006/relationships" xmlns:p="http://schemas.openxmlformats.org/presentationml/2006/main">
   <p:cSld>
     <p:spTree>
@@ -38600,813 +40931,6 @@
                 <a:latin typeface="+mj-lt"/>
               </a:rPr>
               <a:t>Abbiamo utilizzato generalmente POJO </a:t>
-            </a:r>
-          </a:p>
-        </p:txBody>
-      </p:sp>
-    </p:spTree>
-  </p:cSld>
-  <p:clrMapOvr>
-    <a:masterClrMapping/>
-  </p:clrMapOvr>
-  <p:timing>
-    <p:tnLst>
-      <p:par>
-        <p:cTn id="1" dur="indefinite" restart="never" nodeType="tmRoot"/>
-      </p:par>
-    </p:tnLst>
-  </p:timing>
-</p:sld>
-</file>
-
-<file path=ppt/slides/slide54.xml><?xml version="1.0" encoding="utf-8"?>
-<p:sld xmlns:a="http://schemas.openxmlformats.org/drawingml/2006/main" xmlns:r="http://schemas.openxmlformats.org/officeDocument/2006/relationships" xmlns:p="http://schemas.openxmlformats.org/presentationml/2006/main">
-  <p:cSld>
-    <p:spTree>
-      <p:nvGrpSpPr>
-        <p:cNvPr id="1" name=""/>
-        <p:cNvGrpSpPr/>
-        <p:nvPr/>
-      </p:nvGrpSpPr>
-      <p:grpSpPr>
-        <a:xfrm>
-          <a:off x="0" y="0"/>
-          <a:ext cx="0" cy="0"/>
-          <a:chOff x="0" y="0"/>
-          <a:chExt cx="0" cy="0"/>
-        </a:xfrm>
-      </p:grpSpPr>
-      <p:sp>
-        <p:nvSpPr>
-          <p:cNvPr id="51202" name="Rectangle 2"/>
-          <p:cNvSpPr>
-            <a:spLocks noGrp="1"/>
-          </p:cNvSpPr>
-          <p:nvPr>
-            <p:ph type="title" idx="4294967295"/>
-          </p:nvPr>
-        </p:nvSpPr>
-        <p:spPr/>
-        <p:txBody>
-          <a:bodyPr/>
-          <a:lstStyle/>
-          <a:p>
-            <a:r>
-              <a:rPr lang="it-IT" smtClean="0"/>
-              <a:t>Registro UDDI</a:t>
-            </a:r>
-          </a:p>
-        </p:txBody>
-      </p:sp>
-      <p:sp>
-        <p:nvSpPr>
-          <p:cNvPr id="51203" name="Rectangle 3"/>
-          <p:cNvSpPr>
-            <a:spLocks noGrp="1"/>
-          </p:cNvSpPr>
-          <p:nvPr>
-            <p:ph type="body" idx="4294967295"/>
-          </p:nvPr>
-        </p:nvSpPr>
-        <p:spPr/>
-        <p:txBody>
-          <a:bodyPr/>
-          <a:lstStyle/>
-          <a:p>
-            <a:r>
-              <a:rPr lang="it-IT" dirty="0" smtClean="0">
-                <a:latin typeface="+mj-lt"/>
-              </a:rPr>
-              <a:t>All’atto della registrazione, il contadino indica la URL e il </a:t>
-            </a:r>
-            <a:r>
-              <a:rPr lang="it-IT" dirty="0" err="1" smtClean="0">
-                <a:latin typeface="+mj-lt"/>
-              </a:rPr>
-              <a:t>namespace</a:t>
-            </a:r>
-            <a:r>
-              <a:rPr lang="it-IT" dirty="0" smtClean="0">
-                <a:latin typeface="+mj-lt"/>
-              </a:rPr>
-              <a:t>  del WSDL che descrive il proprio servizio;</a:t>
-            </a:r>
-          </a:p>
-          <a:p>
-            <a:r>
-              <a:rPr lang="it-IT" dirty="0" smtClean="0">
-                <a:latin typeface="+mj-lt"/>
-              </a:rPr>
-              <a:t>Queste informazioni vengono memorizzate nel registro UDDI privato del nostro sistema;</a:t>
-            </a:r>
-          </a:p>
-          <a:p>
-            <a:r>
-              <a:rPr lang="it-IT" dirty="0" smtClean="0">
-                <a:latin typeface="+mj-lt"/>
-              </a:rPr>
-              <a:t>L’implementazione del registro UDDI utilizzata è il sistema </a:t>
-            </a:r>
-            <a:r>
-              <a:rPr lang="it-IT" dirty="0" err="1" smtClean="0">
-                <a:latin typeface="+mj-lt"/>
-              </a:rPr>
-              <a:t>jUDDI</a:t>
-            </a:r>
-            <a:r>
-              <a:rPr lang="it-IT" dirty="0" smtClean="0">
-                <a:latin typeface="+mj-lt"/>
-              </a:rPr>
-              <a:t>, al quale si accede da Java utilizzando la libreria UDDI4j;</a:t>
-            </a:r>
-          </a:p>
-        </p:txBody>
-      </p:sp>
-    </p:spTree>
-  </p:cSld>
-  <p:clrMapOvr>
-    <a:masterClrMapping/>
-  </p:clrMapOvr>
-  <p:timing>
-    <p:tnLst>
-      <p:par>
-        <p:cTn id="1" dur="indefinite" restart="never" nodeType="tmRoot"/>
-      </p:par>
-    </p:tnLst>
-  </p:timing>
-</p:sld>
-</file>
-
-<file path=ppt/slides/slide55.xml><?xml version="1.0" encoding="utf-8"?>
-<p:sld xmlns:a="http://schemas.openxmlformats.org/drawingml/2006/main" xmlns:r="http://schemas.openxmlformats.org/officeDocument/2006/relationships" xmlns:p="http://schemas.openxmlformats.org/presentationml/2006/main">
-  <p:cSld>
-    <p:spTree>
-      <p:nvGrpSpPr>
-        <p:cNvPr id="1" name=""/>
-        <p:cNvGrpSpPr/>
-        <p:nvPr/>
-      </p:nvGrpSpPr>
-      <p:grpSpPr>
-        <a:xfrm>
-          <a:off x="0" y="0"/>
-          <a:ext cx="0" cy="0"/>
-          <a:chOff x="0" y="0"/>
-          <a:chExt cx="0" cy="0"/>
-        </a:xfrm>
-      </p:grpSpPr>
-      <p:sp>
-        <p:nvSpPr>
-          <p:cNvPr id="53250" name="Rectangle 2"/>
-          <p:cNvSpPr>
-            <a:spLocks noGrp="1"/>
-          </p:cNvSpPr>
-          <p:nvPr>
-            <p:ph type="title" idx="4294967295"/>
-          </p:nvPr>
-        </p:nvSpPr>
-        <p:spPr/>
-        <p:txBody>
-          <a:bodyPr/>
-          <a:lstStyle/>
-          <a:p>
-            <a:r>
-              <a:rPr lang="it-IT" smtClean="0"/>
-              <a:t>Registro UDDI- Utilizzo</a:t>
-            </a:r>
-          </a:p>
-        </p:txBody>
-      </p:sp>
-      <p:sp>
-        <p:nvSpPr>
-          <p:cNvPr id="53251" name="Rectangle 3"/>
-          <p:cNvSpPr>
-            <a:spLocks noGrp="1"/>
-          </p:cNvSpPr>
-          <p:nvPr>
-            <p:ph type="body" idx="4294967295"/>
-          </p:nvPr>
-        </p:nvSpPr>
-        <p:spPr/>
-        <p:txBody>
-          <a:bodyPr/>
-          <a:lstStyle/>
-          <a:p>
-            <a:r>
-              <a:rPr lang="it-IT" dirty="0" smtClean="0">
-                <a:latin typeface="+mj-lt"/>
-              </a:rPr>
-              <a:t>Quando la registrazione del contadino viene accettata, il sistema crea le entità necessarie a rappresentare il servizio nel registro UDDI, in particolare:</a:t>
-            </a:r>
-          </a:p>
-          <a:p>
-            <a:r>
-              <a:rPr lang="it-IT" dirty="0" smtClean="0">
-                <a:latin typeface="+mj-lt"/>
-              </a:rPr>
-              <a:t> Una nuova </a:t>
-            </a:r>
-            <a:r>
-              <a:rPr lang="it-IT" dirty="0" err="1" smtClean="0">
-                <a:latin typeface="+mj-lt"/>
-              </a:rPr>
-              <a:t>BusinessEntity</a:t>
-            </a:r>
-            <a:r>
-              <a:rPr lang="it-IT" dirty="0" smtClean="0">
-                <a:latin typeface="+mj-lt"/>
-              </a:rPr>
-              <a:t> che rappresenta l’azienda del contadino;</a:t>
-            </a:r>
-          </a:p>
-          <a:p>
-            <a:r>
-              <a:rPr lang="it-IT" dirty="0" smtClean="0">
-                <a:latin typeface="+mj-lt"/>
-              </a:rPr>
-              <a:t> Un nuovo </a:t>
-            </a:r>
-            <a:r>
-              <a:rPr lang="it-IT" dirty="0" err="1" smtClean="0">
-                <a:latin typeface="+mj-lt"/>
-              </a:rPr>
-              <a:t>BusinessService</a:t>
-            </a:r>
-            <a:r>
-              <a:rPr lang="it-IT" dirty="0" smtClean="0">
-                <a:latin typeface="+mj-lt"/>
-              </a:rPr>
-              <a:t> che rappresenta il servizio</a:t>
-            </a:r>
-          </a:p>
-          <a:p>
-            <a:r>
-              <a:rPr lang="it-IT" dirty="0" smtClean="0">
-                <a:latin typeface="+mj-lt"/>
-              </a:rPr>
-              <a:t>Un nuova istanza di </a:t>
-            </a:r>
-            <a:r>
-              <a:rPr lang="it-IT" dirty="0" err="1" smtClean="0">
-                <a:latin typeface="+mj-lt"/>
-              </a:rPr>
-              <a:t>T-Model</a:t>
-            </a:r>
-            <a:r>
-              <a:rPr lang="it-IT" dirty="0" smtClean="0">
-                <a:latin typeface="+mj-lt"/>
-              </a:rPr>
-              <a:t> che mantiene nella </a:t>
-            </a:r>
-            <a:r>
-              <a:rPr lang="it-IT" dirty="0" err="1" smtClean="0">
-                <a:latin typeface="+mj-lt"/>
-              </a:rPr>
-              <a:t>overview</a:t>
-            </a:r>
-            <a:r>
-              <a:rPr lang="it-IT" dirty="0" smtClean="0">
-                <a:latin typeface="+mj-lt"/>
-              </a:rPr>
-              <a:t> URL </a:t>
-            </a:r>
-          </a:p>
-        </p:txBody>
-      </p:sp>
-    </p:spTree>
-  </p:cSld>
-  <p:clrMapOvr>
-    <a:masterClrMapping/>
-  </p:clrMapOvr>
-  <p:timing>
-    <p:tnLst>
-      <p:par>
-        <p:cTn id="1" dur="indefinite" restart="never" nodeType="tmRoot"/>
-      </p:par>
-    </p:tnLst>
-  </p:timing>
-</p:sld>
-</file>
-
-<file path=ppt/slides/slide56.xml><?xml version="1.0" encoding="utf-8"?>
-<p:sld xmlns:a="http://schemas.openxmlformats.org/drawingml/2006/main" xmlns:r="http://schemas.openxmlformats.org/officeDocument/2006/relationships" xmlns:p="http://schemas.openxmlformats.org/presentationml/2006/main">
-  <p:cSld>
-    <p:spTree>
-      <p:nvGrpSpPr>
-        <p:cNvPr id="1" name=""/>
-        <p:cNvGrpSpPr/>
-        <p:nvPr/>
-      </p:nvGrpSpPr>
-      <p:grpSpPr>
-        <a:xfrm>
-          <a:off x="0" y="0"/>
-          <a:ext cx="0" cy="0"/>
-          <a:chOff x="0" y="0"/>
-          <a:chExt cx="0" cy="0"/>
-        </a:xfrm>
-      </p:grpSpPr>
-      <p:sp>
-        <p:nvSpPr>
-          <p:cNvPr id="56322" name="Rectangle 2"/>
-          <p:cNvSpPr>
-            <a:spLocks noGrp="1"/>
-          </p:cNvSpPr>
-          <p:nvPr>
-            <p:ph type="title" idx="4294967295"/>
-          </p:nvPr>
-        </p:nvSpPr>
-        <p:spPr/>
-        <p:txBody>
-          <a:bodyPr>
-            <a:normAutofit fontScale="90000"/>
-          </a:bodyPr>
-          <a:lstStyle/>
-          <a:p>
-            <a:pPr algn="ctr"/>
-            <a:r>
-              <a:rPr lang="it-IT" sz="4600" dirty="0" smtClean="0"/>
-              <a:t>Registro UDDI- una soluzione più generica</a:t>
-            </a:r>
-          </a:p>
-        </p:txBody>
-      </p:sp>
-      <p:sp>
-        <p:nvSpPr>
-          <p:cNvPr id="56323" name="Rectangle 3"/>
-          <p:cNvSpPr>
-            <a:spLocks noGrp="1"/>
-          </p:cNvSpPr>
-          <p:nvPr>
-            <p:ph type="body" idx="4294967295"/>
-          </p:nvPr>
-        </p:nvSpPr>
-        <p:spPr/>
-        <p:txBody>
-          <a:bodyPr/>
-          <a:lstStyle/>
-          <a:p>
-            <a:r>
-              <a:rPr lang="it-IT" dirty="0" smtClean="0">
-                <a:latin typeface="+mj-lt"/>
-              </a:rPr>
-              <a:t>L’implementazione attuale prevede che il ruolo di </a:t>
-            </a:r>
-            <a:r>
-              <a:rPr lang="it-IT" dirty="0" err="1" smtClean="0">
-                <a:latin typeface="+mj-lt"/>
-              </a:rPr>
-              <a:t>publisher</a:t>
-            </a:r>
-            <a:r>
-              <a:rPr lang="it-IT" dirty="0" smtClean="0">
-                <a:latin typeface="+mj-lt"/>
-              </a:rPr>
-              <a:t> sia sempre svolto dal sistema, che utilizza le informazioni ottenute dal contadino in fase di registrazione;</a:t>
-            </a:r>
-          </a:p>
-          <a:p>
-            <a:r>
-              <a:rPr lang="it-IT" dirty="0" smtClean="0">
-                <a:latin typeface="+mj-lt"/>
-              </a:rPr>
-              <a:t>Una migliore soluzione consiste nel fornire le credenziali di </a:t>
-            </a:r>
-            <a:r>
-              <a:rPr lang="it-IT" dirty="0" err="1" smtClean="0">
-                <a:latin typeface="+mj-lt"/>
-              </a:rPr>
-              <a:t>publisher</a:t>
-            </a:r>
-            <a:r>
-              <a:rPr lang="it-IT" dirty="0" smtClean="0">
-                <a:latin typeface="+mj-lt"/>
-              </a:rPr>
-              <a:t> al contadino dopo l’accettazione, in maniera tale che possa gestire direttamente la pubblicazione dei propri servizi;</a:t>
-            </a:r>
-          </a:p>
-          <a:p>
-            <a:r>
-              <a:rPr lang="it-IT" dirty="0" smtClean="0">
-                <a:latin typeface="+mj-lt"/>
-              </a:rPr>
-              <a:t>Per ottenere questa funzionalità sono necessari pochi cambiamenti al sistema; </a:t>
-            </a:r>
-          </a:p>
-        </p:txBody>
-      </p:sp>
-    </p:spTree>
-  </p:cSld>
-  <p:clrMapOvr>
-    <a:masterClrMapping/>
-  </p:clrMapOvr>
-  <p:timing>
-    <p:tnLst>
-      <p:par>
-        <p:cTn id="1" dur="indefinite" restart="never" nodeType="tmRoot"/>
-      </p:par>
-    </p:tnLst>
-  </p:timing>
-</p:sld>
-</file>
-
-<file path=ppt/slides/slide57.xml><?xml version="1.0" encoding="utf-8"?>
-<p:sld xmlns:a="http://schemas.openxmlformats.org/drawingml/2006/main" xmlns:r="http://schemas.openxmlformats.org/officeDocument/2006/relationships" xmlns:p="http://schemas.openxmlformats.org/presentationml/2006/main">
-  <p:cSld>
-    <p:spTree>
-      <p:nvGrpSpPr>
-        <p:cNvPr id="1" name=""/>
-        <p:cNvGrpSpPr/>
-        <p:nvPr/>
-      </p:nvGrpSpPr>
-      <p:grpSpPr>
-        <a:xfrm>
-          <a:off x="0" y="0"/>
-          <a:ext cx="0" cy="0"/>
-          <a:chOff x="0" y="0"/>
-          <a:chExt cx="0" cy="0"/>
-        </a:xfrm>
-      </p:grpSpPr>
-      <p:sp>
-        <p:nvSpPr>
-          <p:cNvPr id="52226" name="Rectangle 2"/>
-          <p:cNvSpPr>
-            <a:spLocks noGrp="1"/>
-          </p:cNvSpPr>
-          <p:nvPr>
-            <p:ph type="title" idx="4294967295"/>
-          </p:nvPr>
-        </p:nvSpPr>
-        <p:spPr/>
-        <p:txBody>
-          <a:bodyPr/>
-          <a:lstStyle/>
-          <a:p>
-            <a:r>
-              <a:rPr lang="it-IT" smtClean="0"/>
-              <a:t>Interfaccia WSDL(1/2)</a:t>
-            </a:r>
-          </a:p>
-        </p:txBody>
-      </p:sp>
-      <p:sp>
-        <p:nvSpPr>
-          <p:cNvPr id="52227" name="Rectangle 3"/>
-          <p:cNvSpPr>
-            <a:spLocks noGrp="1"/>
-          </p:cNvSpPr>
-          <p:nvPr>
-            <p:ph type="body" idx="4294967295"/>
-          </p:nvPr>
-        </p:nvSpPr>
-        <p:spPr/>
-        <p:txBody>
-          <a:bodyPr/>
-          <a:lstStyle/>
-          <a:p>
-            <a:pPr>
-              <a:lnSpc>
-                <a:spcPct val="80000"/>
-              </a:lnSpc>
-            </a:pPr>
-            <a:r>
-              <a:rPr lang="it-IT" sz="1100" smtClean="0"/>
-              <a:t>L’interfaccia Wsdl è generata attraverso JBossws a partire dalla seguente interfaccia Java:</a:t>
-            </a:r>
-          </a:p>
-          <a:p>
-            <a:pPr>
-              <a:lnSpc>
-                <a:spcPct val="80000"/>
-              </a:lnSpc>
-            </a:pPr>
-            <a:endParaRPr lang="it-IT" sz="1100" smtClean="0"/>
-          </a:p>
-          <a:p>
-            <a:pPr>
-              <a:lnSpc>
-                <a:spcPct val="80000"/>
-              </a:lnSpc>
-              <a:buFont typeface="Wingdings 2" pitchFamily="18" charset="2"/>
-              <a:buNone/>
-            </a:pPr>
-            <a:r>
-              <a:rPr lang="it-IT" sz="1100" b="1" smtClean="0"/>
-              <a:t>public</a:t>
-            </a:r>
-            <a:r>
-              <a:rPr lang="it-IT" sz="1100" smtClean="0"/>
-              <a:t> </a:t>
-            </a:r>
-            <a:r>
-              <a:rPr lang="it-IT" sz="1100" b="1" smtClean="0"/>
-              <a:t>interface</a:t>
-            </a:r>
-            <a:r>
-              <a:rPr lang="it-IT" sz="1100" smtClean="0"/>
-              <a:t> CatalogInterface{</a:t>
-            </a:r>
-          </a:p>
-          <a:p>
-            <a:pPr>
-              <a:lnSpc>
-                <a:spcPct val="80000"/>
-              </a:lnSpc>
-              <a:buFont typeface="Wingdings 2" pitchFamily="18" charset="2"/>
-              <a:buNone/>
-            </a:pPr>
-            <a:endParaRPr lang="it-IT" sz="1100" smtClean="0"/>
-          </a:p>
-          <a:p>
-            <a:pPr>
-              <a:lnSpc>
-                <a:spcPct val="80000"/>
-              </a:lnSpc>
-              <a:buFont typeface="Wingdings 2" pitchFamily="18" charset="2"/>
-              <a:buNone/>
-            </a:pPr>
-            <a:r>
-              <a:rPr lang="it-IT" sz="1100" b="1" smtClean="0"/>
-              <a:t>	public</a:t>
-            </a:r>
-            <a:r>
-              <a:rPr lang="it-IT" sz="1100" smtClean="0"/>
-              <a:t> List&lt;Item&gt; getItems();</a:t>
-            </a:r>
-          </a:p>
-          <a:p>
-            <a:pPr>
-              <a:lnSpc>
-                <a:spcPct val="80000"/>
-              </a:lnSpc>
-              <a:buFont typeface="Wingdings 2" pitchFamily="18" charset="2"/>
-              <a:buNone/>
-            </a:pPr>
-            <a:endParaRPr lang="it-IT" sz="1100" smtClean="0"/>
-          </a:p>
-          <a:p>
-            <a:pPr>
-              <a:lnSpc>
-                <a:spcPct val="80000"/>
-              </a:lnSpc>
-              <a:buFont typeface="Wingdings 2" pitchFamily="18" charset="2"/>
-              <a:buNone/>
-            </a:pPr>
-            <a:r>
-              <a:rPr lang="it-IT" sz="1100" b="1" smtClean="0"/>
-              <a:t>	public</a:t>
-            </a:r>
-            <a:r>
-              <a:rPr lang="it-IT" sz="1100" smtClean="0"/>
-              <a:t> String getDescription();</a:t>
-            </a:r>
-          </a:p>
-          <a:p>
-            <a:pPr>
-              <a:lnSpc>
-                <a:spcPct val="80000"/>
-              </a:lnSpc>
-              <a:buFont typeface="Wingdings 2" pitchFamily="18" charset="2"/>
-              <a:buNone/>
-            </a:pPr>
-            <a:endParaRPr lang="it-IT" sz="1100" smtClean="0"/>
-          </a:p>
-          <a:p>
-            <a:pPr>
-              <a:lnSpc>
-                <a:spcPct val="80000"/>
-              </a:lnSpc>
-              <a:buFont typeface="Wingdings 2" pitchFamily="18" charset="2"/>
-              <a:buNone/>
-            </a:pPr>
-            <a:r>
-              <a:rPr lang="it-IT" sz="1100" b="1" smtClean="0"/>
-              <a:t>	public</a:t>
-            </a:r>
-            <a:r>
-              <a:rPr lang="it-IT" sz="1100" smtClean="0"/>
-              <a:t> List&lt;String&gt; getCategories();</a:t>
-            </a:r>
-          </a:p>
-          <a:p>
-            <a:pPr>
-              <a:lnSpc>
-                <a:spcPct val="80000"/>
-              </a:lnSpc>
-              <a:buFont typeface="Wingdings 2" pitchFamily="18" charset="2"/>
-              <a:buNone/>
-            </a:pPr>
-            <a:endParaRPr lang="it-IT" sz="1100" smtClean="0"/>
-          </a:p>
-          <a:p>
-            <a:pPr>
-              <a:lnSpc>
-                <a:spcPct val="80000"/>
-              </a:lnSpc>
-              <a:buFont typeface="Wingdings 2" pitchFamily="18" charset="2"/>
-              <a:buNone/>
-            </a:pPr>
-            <a:r>
-              <a:rPr lang="it-IT" sz="1100" b="1" smtClean="0"/>
-              <a:t>	public</a:t>
-            </a:r>
-            <a:r>
-              <a:rPr lang="it-IT" sz="1100" smtClean="0"/>
-              <a:t> List&lt;Item&gt; getItemsForCategory(String category);</a:t>
-            </a:r>
-          </a:p>
-          <a:p>
-            <a:pPr>
-              <a:lnSpc>
-                <a:spcPct val="80000"/>
-              </a:lnSpc>
-              <a:buFont typeface="Wingdings 2" pitchFamily="18" charset="2"/>
-              <a:buNone/>
-            </a:pPr>
-            <a:endParaRPr lang="it-IT" sz="1100" smtClean="0"/>
-          </a:p>
-          <a:p>
-            <a:pPr>
-              <a:lnSpc>
-                <a:spcPct val="80000"/>
-              </a:lnSpc>
-              <a:buFont typeface="Wingdings 2" pitchFamily="18" charset="2"/>
-              <a:buNone/>
-            </a:pPr>
-            <a:r>
-              <a:rPr lang="it-IT" sz="1100" b="1" smtClean="0"/>
-              <a:t>	public</a:t>
-            </a:r>
-            <a:r>
-              <a:rPr lang="it-IT" sz="1100" smtClean="0"/>
-              <a:t> String beginTransaction(Date deliveryDate);</a:t>
-            </a:r>
-          </a:p>
-          <a:p>
-            <a:pPr>
-              <a:lnSpc>
-                <a:spcPct val="80000"/>
-              </a:lnSpc>
-              <a:buFont typeface="Wingdings 2" pitchFamily="18" charset="2"/>
-              <a:buNone/>
-            </a:pPr>
-            <a:endParaRPr lang="it-IT" sz="1100" smtClean="0"/>
-          </a:p>
-          <a:p>
-            <a:pPr>
-              <a:lnSpc>
-                <a:spcPct val="80000"/>
-              </a:lnSpc>
-              <a:buFont typeface="Wingdings 2" pitchFamily="18" charset="2"/>
-              <a:buNone/>
-            </a:pPr>
-            <a:r>
-              <a:rPr lang="it-IT" sz="1100" b="1" smtClean="0"/>
-              <a:t>	public</a:t>
-            </a:r>
-            <a:r>
-              <a:rPr lang="it-IT" sz="1100" smtClean="0"/>
-              <a:t> </a:t>
-            </a:r>
-            <a:r>
-              <a:rPr lang="it-IT" sz="1100" b="1" smtClean="0"/>
-              <a:t>long</a:t>
-            </a:r>
-            <a:r>
-              <a:rPr lang="it-IT" sz="1100" smtClean="0"/>
-              <a:t> getAvailableQuantity(Item item);</a:t>
-            </a:r>
-          </a:p>
-          <a:p>
-            <a:pPr>
-              <a:lnSpc>
-                <a:spcPct val="80000"/>
-              </a:lnSpc>
-              <a:buFont typeface="Wingdings 2" pitchFamily="18" charset="2"/>
-              <a:buNone/>
-            </a:pPr>
-            <a:endParaRPr lang="it-IT" sz="1100" smtClean="0"/>
-          </a:p>
-          <a:p>
-            <a:pPr>
-              <a:lnSpc>
-                <a:spcPct val="80000"/>
-              </a:lnSpc>
-              <a:buFont typeface="Wingdings 2" pitchFamily="18" charset="2"/>
-              <a:buNone/>
-            </a:pPr>
-            <a:r>
-              <a:rPr lang="it-IT" sz="1100" b="1" smtClean="0"/>
-              <a:t>	public</a:t>
-            </a:r>
-            <a:r>
-              <a:rPr lang="it-IT" sz="1100" smtClean="0"/>
-              <a:t> </a:t>
-            </a:r>
-            <a:r>
-              <a:rPr lang="it-IT" sz="1100" b="1" smtClean="0"/>
-              <a:t>int</a:t>
-            </a:r>
-            <a:r>
-              <a:rPr lang="it-IT" sz="1100" smtClean="0"/>
-              <a:t> reserveItem(String transactionId, Item item, </a:t>
-            </a:r>
-            <a:r>
-              <a:rPr lang="it-IT" sz="1100" b="1" smtClean="0"/>
-              <a:t>int</a:t>
-            </a:r>
-            <a:r>
-              <a:rPr lang="it-IT" sz="1100" smtClean="0"/>
-              <a:t> minimalQuantity, </a:t>
-            </a:r>
-            <a:r>
-              <a:rPr lang="it-IT" sz="1100" b="1" smtClean="0"/>
-              <a:t>int</a:t>
-            </a:r>
-            <a:r>
-              <a:rPr lang="it-IT" sz="1100" smtClean="0"/>
-              <a:t> quantity);</a:t>
-            </a:r>
-          </a:p>
-          <a:p>
-            <a:pPr>
-              <a:lnSpc>
-                <a:spcPct val="80000"/>
-              </a:lnSpc>
-              <a:buFont typeface="Wingdings 2" pitchFamily="18" charset="2"/>
-              <a:buNone/>
-            </a:pPr>
-            <a:endParaRPr lang="it-IT" sz="1100" smtClean="0"/>
-          </a:p>
-          <a:p>
-            <a:pPr>
-              <a:lnSpc>
-                <a:spcPct val="80000"/>
-              </a:lnSpc>
-              <a:buFont typeface="Wingdings 2" pitchFamily="18" charset="2"/>
-              <a:buNone/>
-            </a:pPr>
-            <a:r>
-              <a:rPr lang="it-IT" sz="1100" b="1" smtClean="0"/>
-              <a:t>	public</a:t>
-            </a:r>
-            <a:r>
-              <a:rPr lang="it-IT" sz="1100" smtClean="0"/>
-              <a:t> </a:t>
-            </a:r>
-            <a:r>
-              <a:rPr lang="it-IT" sz="1100" b="1" smtClean="0"/>
-              <a:t>long</a:t>
-            </a:r>
-            <a:r>
-              <a:rPr lang="it-IT" sz="1100" smtClean="0"/>
-              <a:t> rollBackTransaction(String transactionId);</a:t>
-            </a:r>
-          </a:p>
-          <a:p>
-            <a:pPr>
-              <a:lnSpc>
-                <a:spcPct val="80000"/>
-              </a:lnSpc>
-              <a:buFont typeface="Wingdings 2" pitchFamily="18" charset="2"/>
-              <a:buNone/>
-            </a:pPr>
-            <a:endParaRPr lang="it-IT" sz="1100" smtClean="0"/>
-          </a:p>
-          <a:p>
-            <a:pPr>
-              <a:lnSpc>
-                <a:spcPct val="80000"/>
-              </a:lnSpc>
-              <a:buFont typeface="Wingdings 2" pitchFamily="18" charset="2"/>
-              <a:buNone/>
-            </a:pPr>
-            <a:r>
-              <a:rPr lang="it-IT" sz="1100" b="1" smtClean="0"/>
-              <a:t>	public</a:t>
-            </a:r>
-            <a:r>
-              <a:rPr lang="it-IT" sz="1100" smtClean="0"/>
-              <a:t> </a:t>
-            </a:r>
-            <a:r>
-              <a:rPr lang="it-IT" sz="1100" b="1" smtClean="0"/>
-              <a:t>long</a:t>
-            </a:r>
-            <a:r>
-              <a:rPr lang="it-IT" sz="1100" smtClean="0"/>
-              <a:t> commitTransaction(String transactionId);</a:t>
-            </a:r>
-          </a:p>
-          <a:p>
-            <a:pPr>
-              <a:lnSpc>
-                <a:spcPct val="80000"/>
-              </a:lnSpc>
-              <a:buFont typeface="Wingdings 2" pitchFamily="18" charset="2"/>
-              <a:buNone/>
-            </a:pPr>
-            <a:r>
-              <a:rPr lang="it-IT" sz="1100" smtClean="0"/>
-              <a:t>}</a:t>
             </a:r>
           </a:p>
         </p:txBody>
@@ -39445,7 +40969,7 @@
       </p:grpSpPr>
       <p:sp>
         <p:nvSpPr>
-          <p:cNvPr id="54274" name="Rectangle 2"/>
+          <p:cNvPr id="51202" name="Rectangle 2"/>
           <p:cNvSpPr>
             <a:spLocks noGrp="1"/>
           </p:cNvSpPr>
@@ -39460,14 +40984,14 @@
           <a:p>
             <a:r>
               <a:rPr lang="it-IT" smtClean="0"/>
-              <a:t>Interfaccia WSDL(2/2)</a:t>
+              <a:t>Registro UDDI</a:t>
             </a:r>
           </a:p>
         </p:txBody>
       </p:sp>
       <p:sp>
         <p:nvSpPr>
-          <p:cNvPr id="54275" name="Rectangle 3"/>
+          <p:cNvPr id="51203" name="Rectangle 3"/>
           <p:cNvSpPr>
             <a:spLocks noGrp="1"/>
           </p:cNvSpPr>
@@ -39475,528 +40999,56 @@
             <p:ph type="body" idx="4294967295"/>
           </p:nvPr>
         </p:nvSpPr>
-        <p:spPr>
-          <a:xfrm>
-            <a:off x="628596" y="1935480"/>
-            <a:ext cx="8058204" cy="4389120"/>
-          </a:xfrm>
-        </p:spPr>
+        <p:spPr/>
         <p:txBody>
           <a:bodyPr/>
           <a:lstStyle/>
           <a:p>
-            <a:pPr>
-              <a:lnSpc>
-                <a:spcPct val="80000"/>
-              </a:lnSpc>
-            </a:pPr>
-            <a:r>
-              <a:rPr lang="it-IT" sz="1300" dirty="0" smtClean="0"/>
-              <a:t>Possiamo controllare le caratteristiche dell’interfaccia generata annotando opportunamente lo SLSB  che implementa l’interfaccia Java</a:t>
-            </a:r>
-          </a:p>
-          <a:p>
-            <a:pPr>
-              <a:lnSpc>
-                <a:spcPct val="80000"/>
-              </a:lnSpc>
-              <a:buFont typeface="Wingdings 2" pitchFamily="18" charset="2"/>
-              <a:buNone/>
-            </a:pPr>
-            <a:endParaRPr lang="it-IT" sz="1300" dirty="0" smtClean="0"/>
-          </a:p>
-          <a:p>
-            <a:pPr>
-              <a:lnSpc>
-                <a:spcPct val="80000"/>
-              </a:lnSpc>
-              <a:buFont typeface="Wingdings 2" pitchFamily="18" charset="2"/>
-              <a:buNone/>
-            </a:pPr>
-            <a:r>
-              <a:rPr lang="it-IT" sz="1300" dirty="0" err="1" smtClean="0"/>
-              <a:t>@Stateless</a:t>
-            </a:r>
-            <a:endParaRPr lang="it-IT" sz="1300" dirty="0" smtClean="0"/>
-          </a:p>
-          <a:p>
-            <a:pPr>
-              <a:lnSpc>
-                <a:spcPct val="80000"/>
-              </a:lnSpc>
-              <a:buFont typeface="Wingdings 2" pitchFamily="18" charset="2"/>
-              <a:buNone/>
-            </a:pPr>
-            <a:r>
-              <a:rPr lang="it-IT" sz="1300" dirty="0" err="1" smtClean="0"/>
-              <a:t>@Name</a:t>
-            </a:r>
-            <a:r>
-              <a:rPr lang="it-IT" sz="1300" dirty="0" smtClean="0"/>
-              <a:t>("</a:t>
-            </a:r>
-            <a:r>
-              <a:rPr lang="it-IT" sz="1300" dirty="0" err="1" smtClean="0"/>
-              <a:t>catalogService</a:t>
-            </a:r>
-            <a:r>
-              <a:rPr lang="it-IT" sz="1300" dirty="0" smtClean="0"/>
-              <a:t>")</a:t>
-            </a:r>
-          </a:p>
-          <a:p>
-            <a:pPr>
-              <a:lnSpc>
-                <a:spcPct val="80000"/>
-              </a:lnSpc>
-              <a:buFont typeface="Wingdings 2" pitchFamily="18" charset="2"/>
-              <a:buNone/>
-            </a:pPr>
-            <a:r>
-              <a:rPr lang="it-IT" sz="1300" dirty="0" err="1" smtClean="0"/>
-              <a:t>@Scope</a:t>
-            </a:r>
-            <a:r>
-              <a:rPr lang="it-IT" sz="1300" dirty="0" smtClean="0"/>
-              <a:t>(</a:t>
-            </a:r>
-            <a:r>
-              <a:rPr lang="it-IT" sz="1300" dirty="0" err="1" smtClean="0"/>
-              <a:t>ScopeType.</a:t>
-            </a:r>
-            <a:r>
-              <a:rPr lang="it-IT" sz="1300" i="1" dirty="0" err="1" smtClean="0"/>
-              <a:t>SESSION</a:t>
-            </a:r>
-            <a:r>
-              <a:rPr lang="it-IT" sz="1300" dirty="0" smtClean="0"/>
-              <a:t>)</a:t>
-            </a:r>
-          </a:p>
-          <a:p>
-            <a:pPr>
-              <a:lnSpc>
-                <a:spcPct val="80000"/>
-              </a:lnSpc>
-              <a:buFont typeface="Wingdings 2" pitchFamily="18" charset="2"/>
-              <a:buNone/>
-            </a:pPr>
-            <a:r>
-              <a:rPr lang="it-IT" sz="1300" dirty="0" err="1" smtClean="0"/>
-              <a:t>@WebService</a:t>
-            </a:r>
-            <a:r>
-              <a:rPr lang="it-IT" sz="1300" dirty="0" smtClean="0"/>
-              <a:t>(</a:t>
-            </a:r>
-            <a:r>
-              <a:rPr lang="it-IT" sz="1300" dirty="0" err="1" smtClean="0"/>
-              <a:t>name=</a:t>
-            </a:r>
-            <a:r>
-              <a:rPr lang="it-IT" sz="1300" dirty="0" smtClean="0"/>
-              <a:t>"</a:t>
-            </a:r>
-            <a:r>
-              <a:rPr lang="it-IT" sz="1300" dirty="0" err="1" smtClean="0"/>
-              <a:t>CatalogService</a:t>
-            </a:r>
-            <a:r>
-              <a:rPr lang="it-IT" sz="1300" dirty="0" smtClean="0"/>
-              <a:t>", </a:t>
-            </a:r>
-            <a:r>
-              <a:rPr lang="it-IT" sz="1300" dirty="0" err="1" smtClean="0"/>
-              <a:t>serviceName=</a:t>
-            </a:r>
-            <a:r>
-              <a:rPr lang="it-IT" sz="1300" dirty="0" smtClean="0"/>
-              <a:t>"</a:t>
-            </a:r>
-            <a:r>
-              <a:rPr lang="it-IT" sz="1300" dirty="0" err="1" smtClean="0"/>
-              <a:t>CatalogService</a:t>
-            </a:r>
-            <a:r>
-              <a:rPr lang="it-IT" sz="1300" dirty="0" smtClean="0"/>
-              <a:t>")</a:t>
-            </a:r>
-          </a:p>
-          <a:p>
-            <a:pPr>
-              <a:lnSpc>
-                <a:spcPct val="80000"/>
-              </a:lnSpc>
-              <a:buFont typeface="Wingdings 2" pitchFamily="18" charset="2"/>
-              <a:buNone/>
-            </a:pPr>
-            <a:r>
-              <a:rPr lang="it-IT" sz="1300" dirty="0" err="1" smtClean="0"/>
-              <a:t>@SOAPBinding</a:t>
-            </a:r>
-            <a:r>
-              <a:rPr lang="it-IT" sz="1300" dirty="0" smtClean="0"/>
-              <a:t>(style = </a:t>
-            </a:r>
-            <a:r>
-              <a:rPr lang="it-IT" sz="1300" dirty="0" err="1" smtClean="0"/>
-              <a:t>SOAPBinding.Style.</a:t>
-            </a:r>
-            <a:r>
-              <a:rPr lang="it-IT" sz="1300" i="1" dirty="0" err="1" smtClean="0"/>
-              <a:t>DOCUMENT</a:t>
-            </a:r>
-            <a:r>
-              <a:rPr lang="it-IT" sz="1300" dirty="0" smtClean="0"/>
-              <a:t>,</a:t>
-            </a:r>
-            <a:r>
-              <a:rPr lang="it-IT" sz="1300" dirty="0" err="1" smtClean="0"/>
-              <a:t>use=Use</a:t>
-            </a:r>
-            <a:r>
-              <a:rPr lang="it-IT" sz="1300" dirty="0" smtClean="0"/>
-              <a:t>.</a:t>
-            </a:r>
-            <a:r>
-              <a:rPr lang="it-IT" sz="1300" i="1" dirty="0" smtClean="0"/>
-              <a:t>LITERAL</a:t>
-            </a:r>
-            <a:r>
-              <a:rPr lang="it-IT" sz="1300" dirty="0" smtClean="0"/>
-              <a:t>)</a:t>
-            </a:r>
-          </a:p>
-          <a:p>
-            <a:pPr>
-              <a:lnSpc>
-                <a:spcPct val="80000"/>
-              </a:lnSpc>
-              <a:buFont typeface="Wingdings 2" pitchFamily="18" charset="2"/>
-              <a:buNone/>
-            </a:pPr>
-            <a:r>
-              <a:rPr lang="it-IT" sz="1300" b="1" dirty="0" smtClean="0"/>
-              <a:t>public</a:t>
-            </a:r>
-            <a:r>
-              <a:rPr lang="it-IT" sz="1300" dirty="0" smtClean="0"/>
-              <a:t> </a:t>
-            </a:r>
-            <a:r>
-              <a:rPr lang="it-IT" sz="1300" b="1" dirty="0" err="1" smtClean="0"/>
-              <a:t>class</a:t>
-            </a:r>
-            <a:r>
-              <a:rPr lang="it-IT" sz="1300" dirty="0" smtClean="0"/>
-              <a:t> </a:t>
-            </a:r>
-            <a:r>
-              <a:rPr lang="it-IT" sz="1300" dirty="0" err="1" smtClean="0"/>
-              <a:t>CatalogService</a:t>
-            </a:r>
-            <a:r>
-              <a:rPr lang="it-IT" sz="1300" dirty="0" smtClean="0"/>
-              <a:t> </a:t>
-            </a:r>
-            <a:r>
-              <a:rPr lang="it-IT" sz="1300" b="1" dirty="0" err="1" smtClean="0"/>
-              <a:t>implements</a:t>
-            </a:r>
-            <a:r>
-              <a:rPr lang="it-IT" sz="1300" dirty="0" smtClean="0"/>
-              <a:t> </a:t>
-            </a:r>
-            <a:r>
-              <a:rPr lang="it-IT" sz="1300" dirty="0" err="1" smtClean="0"/>
-              <a:t>CatalogInterface</a:t>
-            </a:r>
-            <a:r>
-              <a:rPr lang="it-IT" sz="1300" dirty="0" smtClean="0"/>
-              <a:t>{</a:t>
-            </a:r>
-          </a:p>
-          <a:p>
-            <a:pPr>
-              <a:lnSpc>
-                <a:spcPct val="80000"/>
-              </a:lnSpc>
-              <a:buFont typeface="Wingdings 2" pitchFamily="18" charset="2"/>
-              <a:buNone/>
-            </a:pPr>
-            <a:endParaRPr lang="it-IT" sz="1300" dirty="0" smtClean="0"/>
-          </a:p>
-          <a:p>
-            <a:pPr>
-              <a:lnSpc>
-                <a:spcPct val="80000"/>
-              </a:lnSpc>
-              <a:buFont typeface="Wingdings 2" pitchFamily="18" charset="2"/>
-              <a:buNone/>
-            </a:pPr>
-            <a:r>
-              <a:rPr lang="it-IT" sz="1300" dirty="0" smtClean="0"/>
-              <a:t>	</a:t>
-            </a:r>
-            <a:r>
-              <a:rPr lang="it-IT" sz="1300" dirty="0" err="1" smtClean="0"/>
-              <a:t>@WebMethod</a:t>
-            </a:r>
-            <a:r>
-              <a:rPr lang="it-IT" sz="1300" dirty="0" smtClean="0"/>
-              <a:t> </a:t>
-            </a:r>
-            <a:r>
-              <a:rPr lang="it-IT" sz="1300" dirty="0" err="1" smtClean="0"/>
-              <a:t>@Transactional</a:t>
-            </a:r>
-            <a:endParaRPr lang="it-IT" sz="1300" dirty="0" smtClean="0"/>
-          </a:p>
-          <a:p>
-            <a:pPr>
-              <a:lnSpc>
-                <a:spcPct val="80000"/>
-              </a:lnSpc>
-              <a:buFont typeface="Wingdings 2" pitchFamily="18" charset="2"/>
-              <a:buNone/>
-            </a:pPr>
-            <a:r>
-              <a:rPr lang="it-IT" sz="1300" b="1" dirty="0" smtClean="0"/>
-              <a:t>	public</a:t>
-            </a:r>
-            <a:r>
-              <a:rPr lang="it-IT" sz="1300" dirty="0" smtClean="0"/>
-              <a:t> </a:t>
-            </a:r>
-            <a:r>
-              <a:rPr lang="it-IT" sz="1300" dirty="0" err="1" smtClean="0"/>
-              <a:t>String</a:t>
-            </a:r>
-            <a:r>
-              <a:rPr lang="it-IT" sz="1300" dirty="0" smtClean="0"/>
-              <a:t> </a:t>
-            </a:r>
-            <a:r>
-              <a:rPr lang="it-IT" sz="1300" dirty="0" err="1" smtClean="0"/>
-              <a:t>beginTransaction</a:t>
-            </a:r>
-            <a:r>
-              <a:rPr lang="it-IT" sz="1300" dirty="0" smtClean="0"/>
-              <a:t>(Date </a:t>
-            </a:r>
-            <a:r>
-              <a:rPr lang="it-IT" sz="1300" dirty="0" err="1" smtClean="0"/>
-              <a:t>deliveryDate</a:t>
-            </a:r>
-            <a:r>
-              <a:rPr lang="it-IT" sz="1300" dirty="0" smtClean="0"/>
-              <a:t>){</a:t>
-            </a:r>
-          </a:p>
-          <a:p>
-            <a:pPr>
-              <a:lnSpc>
-                <a:spcPct val="80000"/>
-              </a:lnSpc>
-              <a:buFont typeface="Wingdings 2" pitchFamily="18" charset="2"/>
-              <a:buNone/>
-            </a:pPr>
-            <a:r>
-              <a:rPr lang="it-IT" sz="1300" dirty="0" smtClean="0"/>
-              <a:t>		UUID </a:t>
-            </a:r>
-            <a:r>
-              <a:rPr lang="it-IT" sz="1300" dirty="0" err="1" smtClean="0"/>
-              <a:t>transactionIdentifier=</a:t>
-            </a:r>
-            <a:r>
-              <a:rPr lang="it-IT" sz="1300" dirty="0" smtClean="0"/>
-              <a:t> </a:t>
-            </a:r>
-            <a:r>
-              <a:rPr lang="it-IT" sz="1300" dirty="0" err="1" smtClean="0"/>
-              <a:t>UUID.</a:t>
-            </a:r>
-            <a:r>
-              <a:rPr lang="it-IT" sz="1300" i="1" dirty="0" err="1" smtClean="0"/>
-              <a:t>randomUUID</a:t>
-            </a:r>
-            <a:r>
-              <a:rPr lang="it-IT" sz="1300" dirty="0" smtClean="0"/>
-              <a:t>();</a:t>
-            </a:r>
-          </a:p>
-          <a:p>
-            <a:pPr>
-              <a:lnSpc>
-                <a:spcPct val="80000"/>
-              </a:lnSpc>
-              <a:buFont typeface="Wingdings 2" pitchFamily="18" charset="2"/>
-              <a:buNone/>
-            </a:pPr>
-            <a:r>
-              <a:rPr lang="it-IT" sz="1300" dirty="0" smtClean="0"/>
-              <a:t>		Transazione transazione=transazioneHome.getInstance();</a:t>
-            </a:r>
-          </a:p>
-          <a:p>
-            <a:pPr>
-              <a:lnSpc>
-                <a:spcPct val="80000"/>
-              </a:lnSpc>
-              <a:buFont typeface="Wingdings 2" pitchFamily="18" charset="2"/>
-              <a:buNone/>
-            </a:pPr>
-            <a:r>
-              <a:rPr lang="it-IT" sz="1300" dirty="0" smtClean="0"/>
-              <a:t>		</a:t>
-            </a:r>
-            <a:r>
-              <a:rPr lang="it-IT" sz="1300" dirty="0" err="1" smtClean="0"/>
-              <a:t>transazione.setTransactionUuid</a:t>
-            </a:r>
-            <a:r>
-              <a:rPr lang="it-IT" sz="1300" dirty="0" smtClean="0"/>
-              <a:t>(</a:t>
-            </a:r>
-            <a:r>
-              <a:rPr lang="it-IT" sz="1300" dirty="0" err="1" smtClean="0"/>
-              <a:t>transactionIdentifier</a:t>
-            </a:r>
-            <a:r>
-              <a:rPr lang="it-IT" sz="1300" dirty="0" smtClean="0"/>
-              <a:t>);</a:t>
-            </a:r>
-          </a:p>
-          <a:p>
-            <a:pPr>
-              <a:lnSpc>
-                <a:spcPct val="80000"/>
-              </a:lnSpc>
-              <a:buFont typeface="Wingdings 2" pitchFamily="18" charset="2"/>
-              <a:buNone/>
-            </a:pPr>
-            <a:r>
-              <a:rPr lang="it-IT" sz="1300" dirty="0" smtClean="0"/>
-              <a:t>		</a:t>
-            </a:r>
-            <a:r>
-              <a:rPr lang="it-IT" sz="1300" dirty="0" err="1" smtClean="0"/>
-              <a:t>transazione.setDataConsegna</a:t>
-            </a:r>
-            <a:r>
-              <a:rPr lang="it-IT" sz="1300" dirty="0" smtClean="0"/>
-              <a:t>(</a:t>
-            </a:r>
-            <a:r>
-              <a:rPr lang="it-IT" sz="1300" dirty="0" err="1" smtClean="0"/>
-              <a:t>deliveryDate</a:t>
-            </a:r>
-            <a:r>
-              <a:rPr lang="it-IT" sz="1300" dirty="0" smtClean="0"/>
-              <a:t>);</a:t>
-            </a:r>
-          </a:p>
-          <a:p>
-            <a:pPr>
-              <a:lnSpc>
-                <a:spcPct val="80000"/>
-              </a:lnSpc>
-              <a:buFont typeface="Wingdings 2" pitchFamily="18" charset="2"/>
-              <a:buNone/>
-            </a:pPr>
-            <a:r>
-              <a:rPr lang="it-IT" sz="1300" dirty="0" smtClean="0"/>
-              <a:t>		</a:t>
-            </a:r>
-            <a:r>
-              <a:rPr lang="it-IT" sz="1300" dirty="0" err="1" smtClean="0"/>
-              <a:t>transazioneHome.persist</a:t>
-            </a:r>
-            <a:r>
-              <a:rPr lang="it-IT" sz="1300" dirty="0" smtClean="0"/>
-              <a:t>();</a:t>
-            </a:r>
-          </a:p>
-          <a:p>
-            <a:pPr>
-              <a:lnSpc>
-                <a:spcPct val="80000"/>
-              </a:lnSpc>
-              <a:buFont typeface="Wingdings 2" pitchFamily="18" charset="2"/>
-              <a:buNone/>
-            </a:pPr>
-            <a:r>
-              <a:rPr lang="it-IT" sz="1300" b="1" dirty="0" smtClean="0"/>
-              <a:t>	</a:t>
-            </a:r>
-            <a:r>
-              <a:rPr lang="it-IT" sz="1300" b="1" dirty="0" err="1" smtClean="0"/>
-              <a:t>return</a:t>
-            </a:r>
-            <a:r>
-              <a:rPr lang="it-IT" sz="1300" dirty="0" smtClean="0"/>
-              <a:t> </a:t>
-            </a:r>
-            <a:r>
-              <a:rPr lang="it-IT" sz="1300" dirty="0" err="1" smtClean="0"/>
-              <a:t>transactionIdentifier.toString</a:t>
-            </a:r>
-            <a:r>
-              <a:rPr lang="it-IT" sz="1300" dirty="0" smtClean="0"/>
-              <a:t>();</a:t>
-            </a:r>
-          </a:p>
-          <a:p>
-            <a:pPr>
-              <a:lnSpc>
-                <a:spcPct val="80000"/>
-              </a:lnSpc>
-              <a:buFont typeface="Wingdings 2" pitchFamily="18" charset="2"/>
-              <a:buNone/>
-            </a:pPr>
-            <a:r>
-              <a:rPr lang="it-IT" sz="1300" dirty="0" smtClean="0"/>
-              <a:t>	}</a:t>
-            </a:r>
-          </a:p>
-          <a:p>
-            <a:pPr>
-              <a:lnSpc>
-                <a:spcPct val="80000"/>
-              </a:lnSpc>
-              <a:buFont typeface="Wingdings 2" pitchFamily="18" charset="2"/>
-              <a:buNone/>
-            </a:pPr>
-            <a:r>
-              <a:rPr lang="it-IT" sz="1300" dirty="0" smtClean="0"/>
-              <a:t>	</a:t>
-            </a:r>
-            <a:r>
-              <a:rPr lang="it-IT" sz="1300" dirty="0" err="1" smtClean="0"/>
-              <a:t>…altri</a:t>
-            </a:r>
-            <a:r>
-              <a:rPr lang="it-IT" sz="1300" dirty="0" smtClean="0"/>
-              <a:t> </a:t>
-            </a:r>
-            <a:r>
-              <a:rPr lang="it-IT" sz="1300" dirty="0" err="1" smtClean="0"/>
-              <a:t>metodi…</a:t>
-            </a:r>
-            <a:endParaRPr lang="it-IT" sz="1300" dirty="0" smtClean="0"/>
-          </a:p>
-          <a:p>
-            <a:pPr>
-              <a:lnSpc>
-                <a:spcPct val="80000"/>
-              </a:lnSpc>
-              <a:buFont typeface="Wingdings 2" pitchFamily="18" charset="2"/>
-              <a:buNone/>
-            </a:pPr>
-            <a:r>
-              <a:rPr lang="it-IT" sz="1300" dirty="0" smtClean="0"/>
-              <a:t>}</a:t>
+            <a:r>
+              <a:rPr lang="it-IT" dirty="0" smtClean="0">
+                <a:latin typeface="+mj-lt"/>
+              </a:rPr>
+              <a:t>All’atto della registrazione, il contadino indica la URL e il </a:t>
+            </a:r>
+            <a:r>
+              <a:rPr lang="it-IT" dirty="0" err="1" smtClean="0">
+                <a:latin typeface="+mj-lt"/>
+              </a:rPr>
+              <a:t>namespace</a:t>
+            </a:r>
+            <a:r>
+              <a:rPr lang="it-IT" dirty="0" smtClean="0">
+                <a:latin typeface="+mj-lt"/>
+              </a:rPr>
+              <a:t>  del WSDL che descrive il proprio servizio;</a:t>
+            </a:r>
+          </a:p>
+          <a:p>
+            <a:r>
+              <a:rPr lang="it-IT" dirty="0" smtClean="0">
+                <a:latin typeface="+mj-lt"/>
+              </a:rPr>
+              <a:t>Queste informazioni vengono memorizzate nel registro UDDI privato del nostro sistema;</a:t>
+            </a:r>
+          </a:p>
+          <a:p>
+            <a:r>
+              <a:rPr lang="it-IT" dirty="0" smtClean="0">
+                <a:latin typeface="+mj-lt"/>
+              </a:rPr>
+              <a:t>L’implementazione del registro UDDI utilizzata è il sistema </a:t>
+            </a:r>
+            <a:r>
+              <a:rPr lang="it-IT" dirty="0" err="1" smtClean="0">
+                <a:latin typeface="+mj-lt"/>
+              </a:rPr>
+              <a:t>jUDDI</a:t>
+            </a:r>
+            <a:r>
+              <a:rPr lang="it-IT" dirty="0" smtClean="0">
+                <a:latin typeface="+mj-lt"/>
+              </a:rPr>
+              <a:t>, al quale si accede da Java utilizzando la libreria UDDI4j;</a:t>
             </a:r>
           </a:p>
         </p:txBody>
@@ -40035,7 +41087,7 @@
       </p:grpSpPr>
       <p:sp>
         <p:nvSpPr>
-          <p:cNvPr id="55298" name="Rectangle 2"/>
+          <p:cNvPr id="53250" name="Rectangle 2"/>
           <p:cNvSpPr>
             <a:spLocks noGrp="1"/>
           </p:cNvSpPr>
@@ -40050,14 +41102,14 @@
           <a:p>
             <a:r>
               <a:rPr lang="it-IT" smtClean="0"/>
-              <a:t>Utilizzo del servizio</a:t>
+              <a:t>Registro UDDI- Utilizzo</a:t>
             </a:r>
           </a:p>
         </p:txBody>
       </p:sp>
       <p:sp>
         <p:nvSpPr>
-          <p:cNvPr id="55299" name="Rectangle 3"/>
+          <p:cNvPr id="53251" name="Rectangle 3"/>
           <p:cNvSpPr>
             <a:spLocks noGrp="1"/>
           </p:cNvSpPr>
@@ -40074,7 +41126,7 @@
               <a:rPr lang="it-IT" dirty="0" smtClean="0">
                 <a:latin typeface="+mj-lt"/>
               </a:rPr>
-              <a:t>Il servizio è nascosto dal lato consumer da un’interfaccia Java equivalente;</a:t>
+              <a:t>Quando la registrazione del contadino viene accettata, il sistema crea le entità necessarie a rappresentare il servizio nel registro UDDI, in particolare:</a:t>
             </a:r>
           </a:p>
           <a:p>
@@ -40082,122 +41134,72 @@
               <a:rPr lang="it-IT" dirty="0" smtClean="0">
                 <a:latin typeface="+mj-lt"/>
               </a:rPr>
-              <a:t>All’atto dell’</a:t>
+              <a:t> Una nuova </a:t>
             </a:r>
             <a:r>
               <a:rPr lang="it-IT" dirty="0" err="1" smtClean="0">
                 <a:latin typeface="+mj-lt"/>
               </a:rPr>
-              <a:t>istanziazione</a:t>
+              <a:t>BusinessEntity</a:t>
             </a:r>
             <a:r>
               <a:rPr lang="it-IT" dirty="0" smtClean="0">
                 <a:latin typeface="+mj-lt"/>
               </a:rPr>
-              <a:t> vengono generati dinamicamente i </a:t>
+              <a:t> che rappresenta l’azienda del contadino;</a:t>
+            </a:r>
+          </a:p>
+          <a:p>
+            <a:r>
+              <a:rPr lang="it-IT" dirty="0" smtClean="0">
+                <a:latin typeface="+mj-lt"/>
+              </a:rPr>
+              <a:t> Un nuovo </a:t>
             </a:r>
             <a:r>
               <a:rPr lang="it-IT" dirty="0" err="1" smtClean="0">
                 <a:latin typeface="+mj-lt"/>
               </a:rPr>
-              <a:t>proxy</a:t>
+              <a:t>BusinessService</a:t>
             </a:r>
             <a:r>
               <a:rPr lang="it-IT" dirty="0" smtClean="0">
                 <a:latin typeface="+mj-lt"/>
               </a:rPr>
-              <a:t> corrispondenti all’interfaccia, attraverso </a:t>
+              <a:t> che rappresenta il servizio</a:t>
+            </a:r>
+          </a:p>
+          <a:p>
+            <a:r>
+              <a:rPr lang="it-IT" dirty="0" smtClean="0">
+                <a:latin typeface="+mj-lt"/>
+              </a:rPr>
+              <a:t>Un nuova istanza di </a:t>
             </a:r>
             <a:r>
               <a:rPr lang="it-IT" dirty="0" err="1" smtClean="0">
                 <a:latin typeface="+mj-lt"/>
               </a:rPr>
-              <a:t>JBossWs</a:t>
+              <a:t>T-Model</a:t>
             </a:r>
             <a:r>
               <a:rPr lang="it-IT" dirty="0" smtClean="0">
                 <a:latin typeface="+mj-lt"/>
               </a:rPr>
-              <a:t>:</a:t>
-            </a:r>
-          </a:p>
-          <a:p>
-            <a:pPr lvl="1"/>
-            <a:r>
-              <a:rPr lang="it-IT" sz="1600" u="sng" dirty="0" smtClean="0">
+              <a:t> che mantiene nella </a:t>
+            </a:r>
+            <a:r>
+              <a:rPr lang="it-IT" dirty="0" err="1" smtClean="0">
                 <a:latin typeface="+mj-lt"/>
               </a:rPr>
-              <a:t>Remote</a:t>
-            </a:r>
-            <a:r>
-              <a:rPr lang="it-IT" sz="1600" dirty="0" smtClean="0">
+              <a:t>overview</a:t>
+            </a:r>
+            <a:r>
+              <a:rPr lang="it-IT" dirty="0" smtClean="0">
                 <a:latin typeface="+mj-lt"/>
               </a:rPr>
-              <a:t> </a:t>
-            </a:r>
-            <a:r>
-              <a:rPr lang="it-IT" sz="1600" dirty="0" err="1" smtClean="0">
-                <a:latin typeface="+mj-lt"/>
-              </a:rPr>
-              <a:t>rProxy=</a:t>
-            </a:r>
-            <a:r>
-              <a:rPr lang="it-IT" sz="1600" dirty="0" smtClean="0">
-                <a:latin typeface="+mj-lt"/>
-              </a:rPr>
-              <a:t> </a:t>
-            </a:r>
-            <a:r>
-              <a:rPr lang="it-IT" sz="1600" dirty="0" err="1" smtClean="0">
-                <a:latin typeface="+mj-lt"/>
-              </a:rPr>
-              <a:t>afs.getPort</a:t>
-            </a:r>
-            <a:r>
-              <a:rPr lang="it-IT" sz="1600" dirty="0" smtClean="0">
-                <a:latin typeface="+mj-lt"/>
-              </a:rPr>
-              <a:t>(</a:t>
-            </a:r>
-            <a:r>
-              <a:rPr lang="it-IT" sz="1600" dirty="0" err="1" smtClean="0">
-                <a:latin typeface="+mj-lt"/>
-              </a:rPr>
-              <a:t>portName</a:t>
-            </a:r>
-            <a:r>
-              <a:rPr lang="it-IT" sz="1600" dirty="0" smtClean="0">
-                <a:latin typeface="+mj-lt"/>
-              </a:rPr>
-              <a:t>, </a:t>
-            </a:r>
-            <a:r>
-              <a:rPr lang="it-IT" sz="1600" dirty="0" err="1" smtClean="0">
-                <a:latin typeface="+mj-lt"/>
-              </a:rPr>
-              <a:t>CatalogInterface.</a:t>
-            </a:r>
-            <a:r>
-              <a:rPr lang="it-IT" sz="1600" b="1" dirty="0" err="1" smtClean="0">
-                <a:latin typeface="+mj-lt"/>
-              </a:rPr>
-              <a:t>class</a:t>
-            </a:r>
-            <a:r>
-              <a:rPr lang="it-IT" sz="1600" dirty="0" smtClean="0">
-                <a:latin typeface="+mj-lt"/>
-              </a:rPr>
-              <a:t>);</a:t>
-            </a:r>
-          </a:p>
-          <a:p>
-            <a:pPr>
-              <a:buFont typeface="Wingdings 2" pitchFamily="18" charset="2"/>
-              <a:buNone/>
-            </a:pPr>
-            <a:endParaRPr lang="it-IT" sz="1600" dirty="0" smtClean="0">
-              <a:latin typeface="+mj-lt"/>
-            </a:endParaRPr>
+              <a:t> URL </a:t>
+            </a:r>
           </a:p>
         </p:txBody>
       </p:sp>
@@ -41512,6 +42514,1335 @@
               </a:rPr>
               <a:t>Visualizza dati</a:t>
             </a:r>
+          </a:p>
+        </p:txBody>
+      </p:sp>
+    </p:spTree>
+  </p:cSld>
+  <p:clrMapOvr>
+    <a:masterClrMapping/>
+  </p:clrMapOvr>
+  <p:timing>
+    <p:tnLst>
+      <p:par>
+        <p:cTn id="1" dur="indefinite" restart="never" nodeType="tmRoot"/>
+      </p:par>
+    </p:tnLst>
+  </p:timing>
+</p:sld>
+</file>
+
+<file path=ppt/slides/slide60.xml><?xml version="1.0" encoding="utf-8"?>
+<p:sld xmlns:a="http://schemas.openxmlformats.org/drawingml/2006/main" xmlns:r="http://schemas.openxmlformats.org/officeDocument/2006/relationships" xmlns:p="http://schemas.openxmlformats.org/presentationml/2006/main">
+  <p:cSld>
+    <p:spTree>
+      <p:nvGrpSpPr>
+        <p:cNvPr id="1" name=""/>
+        <p:cNvGrpSpPr/>
+        <p:nvPr/>
+      </p:nvGrpSpPr>
+      <p:grpSpPr>
+        <a:xfrm>
+          <a:off x="0" y="0"/>
+          <a:ext cx="0" cy="0"/>
+          <a:chOff x="0" y="0"/>
+          <a:chExt cx="0" cy="0"/>
+        </a:xfrm>
+      </p:grpSpPr>
+      <p:sp>
+        <p:nvSpPr>
+          <p:cNvPr id="56322" name="Rectangle 2"/>
+          <p:cNvSpPr>
+            <a:spLocks noGrp="1"/>
+          </p:cNvSpPr>
+          <p:nvPr>
+            <p:ph type="title" idx="4294967295"/>
+          </p:nvPr>
+        </p:nvSpPr>
+        <p:spPr/>
+        <p:txBody>
+          <a:bodyPr>
+            <a:normAutofit fontScale="90000"/>
+          </a:bodyPr>
+          <a:lstStyle/>
+          <a:p>
+            <a:pPr algn="ctr"/>
+            <a:r>
+              <a:rPr lang="it-IT" sz="4600" dirty="0" smtClean="0"/>
+              <a:t>Registro UDDI- una soluzione più generica</a:t>
+            </a:r>
+          </a:p>
+        </p:txBody>
+      </p:sp>
+      <p:sp>
+        <p:nvSpPr>
+          <p:cNvPr id="56323" name="Rectangle 3"/>
+          <p:cNvSpPr>
+            <a:spLocks noGrp="1"/>
+          </p:cNvSpPr>
+          <p:nvPr>
+            <p:ph type="body" idx="4294967295"/>
+          </p:nvPr>
+        </p:nvSpPr>
+        <p:spPr/>
+        <p:txBody>
+          <a:bodyPr/>
+          <a:lstStyle/>
+          <a:p>
+            <a:r>
+              <a:rPr lang="it-IT" dirty="0" smtClean="0">
+                <a:latin typeface="+mj-lt"/>
+              </a:rPr>
+              <a:t>L’implementazione attuale prevede che il ruolo di </a:t>
+            </a:r>
+            <a:r>
+              <a:rPr lang="it-IT" dirty="0" err="1" smtClean="0">
+                <a:latin typeface="+mj-lt"/>
+              </a:rPr>
+              <a:t>publisher</a:t>
+            </a:r>
+            <a:r>
+              <a:rPr lang="it-IT" dirty="0" smtClean="0">
+                <a:latin typeface="+mj-lt"/>
+              </a:rPr>
+              <a:t> sia sempre svolto dal sistema, che utilizza le informazioni ottenute dal contadino in fase di registrazione;</a:t>
+            </a:r>
+          </a:p>
+          <a:p>
+            <a:r>
+              <a:rPr lang="it-IT" dirty="0" smtClean="0">
+                <a:latin typeface="+mj-lt"/>
+              </a:rPr>
+              <a:t>Una migliore soluzione consiste nel fornire le credenziali di </a:t>
+            </a:r>
+            <a:r>
+              <a:rPr lang="it-IT" dirty="0" err="1" smtClean="0">
+                <a:latin typeface="+mj-lt"/>
+              </a:rPr>
+              <a:t>publisher</a:t>
+            </a:r>
+            <a:r>
+              <a:rPr lang="it-IT" dirty="0" smtClean="0">
+                <a:latin typeface="+mj-lt"/>
+              </a:rPr>
+              <a:t> al contadino dopo l’accettazione, in maniera tale che possa gestire direttamente la pubblicazione dei propri servizi;</a:t>
+            </a:r>
+          </a:p>
+          <a:p>
+            <a:r>
+              <a:rPr lang="it-IT" dirty="0" smtClean="0">
+                <a:latin typeface="+mj-lt"/>
+              </a:rPr>
+              <a:t>Per ottenere questa funzionalità sono necessari pochi cambiamenti al sistema; </a:t>
+            </a:r>
+          </a:p>
+        </p:txBody>
+      </p:sp>
+    </p:spTree>
+  </p:cSld>
+  <p:clrMapOvr>
+    <a:masterClrMapping/>
+  </p:clrMapOvr>
+  <p:timing>
+    <p:tnLst>
+      <p:par>
+        <p:cTn id="1" dur="indefinite" restart="never" nodeType="tmRoot"/>
+      </p:par>
+    </p:tnLst>
+  </p:timing>
+</p:sld>
+</file>
+
+<file path=ppt/slides/slide61.xml><?xml version="1.0" encoding="utf-8"?>
+<p:sld xmlns:a="http://schemas.openxmlformats.org/drawingml/2006/main" xmlns:r="http://schemas.openxmlformats.org/officeDocument/2006/relationships" xmlns:p="http://schemas.openxmlformats.org/presentationml/2006/main">
+  <p:cSld>
+    <p:spTree>
+      <p:nvGrpSpPr>
+        <p:cNvPr id="1" name=""/>
+        <p:cNvGrpSpPr/>
+        <p:nvPr/>
+      </p:nvGrpSpPr>
+      <p:grpSpPr>
+        <a:xfrm>
+          <a:off x="0" y="0"/>
+          <a:ext cx="0" cy="0"/>
+          <a:chOff x="0" y="0"/>
+          <a:chExt cx="0" cy="0"/>
+        </a:xfrm>
+      </p:grpSpPr>
+      <p:sp>
+        <p:nvSpPr>
+          <p:cNvPr id="52226" name="Rectangle 2"/>
+          <p:cNvSpPr>
+            <a:spLocks noGrp="1"/>
+          </p:cNvSpPr>
+          <p:nvPr>
+            <p:ph type="title" idx="4294967295"/>
+          </p:nvPr>
+        </p:nvSpPr>
+        <p:spPr/>
+        <p:txBody>
+          <a:bodyPr/>
+          <a:lstStyle/>
+          <a:p>
+            <a:r>
+              <a:rPr lang="it-IT" smtClean="0"/>
+              <a:t>Interfaccia WSDL(1/2)</a:t>
+            </a:r>
+          </a:p>
+        </p:txBody>
+      </p:sp>
+      <p:sp>
+        <p:nvSpPr>
+          <p:cNvPr id="52227" name="Rectangle 3"/>
+          <p:cNvSpPr>
+            <a:spLocks noGrp="1"/>
+          </p:cNvSpPr>
+          <p:nvPr>
+            <p:ph type="body" idx="4294967295"/>
+          </p:nvPr>
+        </p:nvSpPr>
+        <p:spPr/>
+        <p:txBody>
+          <a:bodyPr/>
+          <a:lstStyle/>
+          <a:p>
+            <a:pPr>
+              <a:lnSpc>
+                <a:spcPct val="80000"/>
+              </a:lnSpc>
+            </a:pPr>
+            <a:r>
+              <a:rPr lang="it-IT" sz="1100" smtClean="0"/>
+              <a:t>L’interfaccia Wsdl è generata attraverso JBossws a partire dalla seguente interfaccia Java:</a:t>
+            </a:r>
+          </a:p>
+          <a:p>
+            <a:pPr>
+              <a:lnSpc>
+                <a:spcPct val="80000"/>
+              </a:lnSpc>
+            </a:pPr>
+            <a:endParaRPr lang="it-IT" sz="1100" smtClean="0"/>
+          </a:p>
+          <a:p>
+            <a:pPr>
+              <a:lnSpc>
+                <a:spcPct val="80000"/>
+              </a:lnSpc>
+              <a:buFont typeface="Wingdings 2" pitchFamily="18" charset="2"/>
+              <a:buNone/>
+            </a:pPr>
+            <a:r>
+              <a:rPr lang="it-IT" sz="1100" b="1" smtClean="0"/>
+              <a:t>public</a:t>
+            </a:r>
+            <a:r>
+              <a:rPr lang="it-IT" sz="1100" smtClean="0"/>
+              <a:t> </a:t>
+            </a:r>
+            <a:r>
+              <a:rPr lang="it-IT" sz="1100" b="1" smtClean="0"/>
+              <a:t>interface</a:t>
+            </a:r>
+            <a:r>
+              <a:rPr lang="it-IT" sz="1100" smtClean="0"/>
+              <a:t> CatalogInterface{</a:t>
+            </a:r>
+          </a:p>
+          <a:p>
+            <a:pPr>
+              <a:lnSpc>
+                <a:spcPct val="80000"/>
+              </a:lnSpc>
+              <a:buFont typeface="Wingdings 2" pitchFamily="18" charset="2"/>
+              <a:buNone/>
+            </a:pPr>
+            <a:endParaRPr lang="it-IT" sz="1100" smtClean="0"/>
+          </a:p>
+          <a:p>
+            <a:pPr>
+              <a:lnSpc>
+                <a:spcPct val="80000"/>
+              </a:lnSpc>
+              <a:buFont typeface="Wingdings 2" pitchFamily="18" charset="2"/>
+              <a:buNone/>
+            </a:pPr>
+            <a:r>
+              <a:rPr lang="it-IT" sz="1100" b="1" smtClean="0"/>
+              <a:t>	public</a:t>
+            </a:r>
+            <a:r>
+              <a:rPr lang="it-IT" sz="1100" smtClean="0"/>
+              <a:t> List&lt;Item&gt; getItems();</a:t>
+            </a:r>
+          </a:p>
+          <a:p>
+            <a:pPr>
+              <a:lnSpc>
+                <a:spcPct val="80000"/>
+              </a:lnSpc>
+              <a:buFont typeface="Wingdings 2" pitchFamily="18" charset="2"/>
+              <a:buNone/>
+            </a:pPr>
+            <a:endParaRPr lang="it-IT" sz="1100" smtClean="0"/>
+          </a:p>
+          <a:p>
+            <a:pPr>
+              <a:lnSpc>
+                <a:spcPct val="80000"/>
+              </a:lnSpc>
+              <a:buFont typeface="Wingdings 2" pitchFamily="18" charset="2"/>
+              <a:buNone/>
+            </a:pPr>
+            <a:r>
+              <a:rPr lang="it-IT" sz="1100" b="1" smtClean="0"/>
+              <a:t>	public</a:t>
+            </a:r>
+            <a:r>
+              <a:rPr lang="it-IT" sz="1100" smtClean="0"/>
+              <a:t> String getDescription();</a:t>
+            </a:r>
+          </a:p>
+          <a:p>
+            <a:pPr>
+              <a:lnSpc>
+                <a:spcPct val="80000"/>
+              </a:lnSpc>
+              <a:buFont typeface="Wingdings 2" pitchFamily="18" charset="2"/>
+              <a:buNone/>
+            </a:pPr>
+            <a:endParaRPr lang="it-IT" sz="1100" smtClean="0"/>
+          </a:p>
+          <a:p>
+            <a:pPr>
+              <a:lnSpc>
+                <a:spcPct val="80000"/>
+              </a:lnSpc>
+              <a:buFont typeface="Wingdings 2" pitchFamily="18" charset="2"/>
+              <a:buNone/>
+            </a:pPr>
+            <a:r>
+              <a:rPr lang="it-IT" sz="1100" b="1" smtClean="0"/>
+              <a:t>	public</a:t>
+            </a:r>
+            <a:r>
+              <a:rPr lang="it-IT" sz="1100" smtClean="0"/>
+              <a:t> List&lt;String&gt; getCategories();</a:t>
+            </a:r>
+          </a:p>
+          <a:p>
+            <a:pPr>
+              <a:lnSpc>
+                <a:spcPct val="80000"/>
+              </a:lnSpc>
+              <a:buFont typeface="Wingdings 2" pitchFamily="18" charset="2"/>
+              <a:buNone/>
+            </a:pPr>
+            <a:endParaRPr lang="it-IT" sz="1100" smtClean="0"/>
+          </a:p>
+          <a:p>
+            <a:pPr>
+              <a:lnSpc>
+                <a:spcPct val="80000"/>
+              </a:lnSpc>
+              <a:buFont typeface="Wingdings 2" pitchFamily="18" charset="2"/>
+              <a:buNone/>
+            </a:pPr>
+            <a:r>
+              <a:rPr lang="it-IT" sz="1100" b="1" smtClean="0"/>
+              <a:t>	public</a:t>
+            </a:r>
+            <a:r>
+              <a:rPr lang="it-IT" sz="1100" smtClean="0"/>
+              <a:t> List&lt;Item&gt; getItemsForCategory(String category);</a:t>
+            </a:r>
+          </a:p>
+          <a:p>
+            <a:pPr>
+              <a:lnSpc>
+                <a:spcPct val="80000"/>
+              </a:lnSpc>
+              <a:buFont typeface="Wingdings 2" pitchFamily="18" charset="2"/>
+              <a:buNone/>
+            </a:pPr>
+            <a:endParaRPr lang="it-IT" sz="1100" smtClean="0"/>
+          </a:p>
+          <a:p>
+            <a:pPr>
+              <a:lnSpc>
+                <a:spcPct val="80000"/>
+              </a:lnSpc>
+              <a:buFont typeface="Wingdings 2" pitchFamily="18" charset="2"/>
+              <a:buNone/>
+            </a:pPr>
+            <a:r>
+              <a:rPr lang="it-IT" sz="1100" b="1" smtClean="0"/>
+              <a:t>	public</a:t>
+            </a:r>
+            <a:r>
+              <a:rPr lang="it-IT" sz="1100" smtClean="0"/>
+              <a:t> String beginTransaction(Date deliveryDate);</a:t>
+            </a:r>
+          </a:p>
+          <a:p>
+            <a:pPr>
+              <a:lnSpc>
+                <a:spcPct val="80000"/>
+              </a:lnSpc>
+              <a:buFont typeface="Wingdings 2" pitchFamily="18" charset="2"/>
+              <a:buNone/>
+            </a:pPr>
+            <a:endParaRPr lang="it-IT" sz="1100" smtClean="0"/>
+          </a:p>
+          <a:p>
+            <a:pPr>
+              <a:lnSpc>
+                <a:spcPct val="80000"/>
+              </a:lnSpc>
+              <a:buFont typeface="Wingdings 2" pitchFamily="18" charset="2"/>
+              <a:buNone/>
+            </a:pPr>
+            <a:r>
+              <a:rPr lang="it-IT" sz="1100" b="1" smtClean="0"/>
+              <a:t>	public</a:t>
+            </a:r>
+            <a:r>
+              <a:rPr lang="it-IT" sz="1100" smtClean="0"/>
+              <a:t> </a:t>
+            </a:r>
+            <a:r>
+              <a:rPr lang="it-IT" sz="1100" b="1" smtClean="0"/>
+              <a:t>long</a:t>
+            </a:r>
+            <a:r>
+              <a:rPr lang="it-IT" sz="1100" smtClean="0"/>
+              <a:t> getAvailableQuantity(Item item);</a:t>
+            </a:r>
+          </a:p>
+          <a:p>
+            <a:pPr>
+              <a:lnSpc>
+                <a:spcPct val="80000"/>
+              </a:lnSpc>
+              <a:buFont typeface="Wingdings 2" pitchFamily="18" charset="2"/>
+              <a:buNone/>
+            </a:pPr>
+            <a:endParaRPr lang="it-IT" sz="1100" smtClean="0"/>
+          </a:p>
+          <a:p>
+            <a:pPr>
+              <a:lnSpc>
+                <a:spcPct val="80000"/>
+              </a:lnSpc>
+              <a:buFont typeface="Wingdings 2" pitchFamily="18" charset="2"/>
+              <a:buNone/>
+            </a:pPr>
+            <a:r>
+              <a:rPr lang="it-IT" sz="1100" b="1" smtClean="0"/>
+              <a:t>	public</a:t>
+            </a:r>
+            <a:r>
+              <a:rPr lang="it-IT" sz="1100" smtClean="0"/>
+              <a:t> </a:t>
+            </a:r>
+            <a:r>
+              <a:rPr lang="it-IT" sz="1100" b="1" smtClean="0"/>
+              <a:t>int</a:t>
+            </a:r>
+            <a:r>
+              <a:rPr lang="it-IT" sz="1100" smtClean="0"/>
+              <a:t> reserveItem(String transactionId, Item item, </a:t>
+            </a:r>
+            <a:r>
+              <a:rPr lang="it-IT" sz="1100" b="1" smtClean="0"/>
+              <a:t>int</a:t>
+            </a:r>
+            <a:r>
+              <a:rPr lang="it-IT" sz="1100" smtClean="0"/>
+              <a:t> minimalQuantity, </a:t>
+            </a:r>
+            <a:r>
+              <a:rPr lang="it-IT" sz="1100" b="1" smtClean="0"/>
+              <a:t>int</a:t>
+            </a:r>
+            <a:r>
+              <a:rPr lang="it-IT" sz="1100" smtClean="0"/>
+              <a:t> quantity);</a:t>
+            </a:r>
+          </a:p>
+          <a:p>
+            <a:pPr>
+              <a:lnSpc>
+                <a:spcPct val="80000"/>
+              </a:lnSpc>
+              <a:buFont typeface="Wingdings 2" pitchFamily="18" charset="2"/>
+              <a:buNone/>
+            </a:pPr>
+            <a:endParaRPr lang="it-IT" sz="1100" smtClean="0"/>
+          </a:p>
+          <a:p>
+            <a:pPr>
+              <a:lnSpc>
+                <a:spcPct val="80000"/>
+              </a:lnSpc>
+              <a:buFont typeface="Wingdings 2" pitchFamily="18" charset="2"/>
+              <a:buNone/>
+            </a:pPr>
+            <a:r>
+              <a:rPr lang="it-IT" sz="1100" b="1" smtClean="0"/>
+              <a:t>	public</a:t>
+            </a:r>
+            <a:r>
+              <a:rPr lang="it-IT" sz="1100" smtClean="0"/>
+              <a:t> </a:t>
+            </a:r>
+            <a:r>
+              <a:rPr lang="it-IT" sz="1100" b="1" smtClean="0"/>
+              <a:t>long</a:t>
+            </a:r>
+            <a:r>
+              <a:rPr lang="it-IT" sz="1100" smtClean="0"/>
+              <a:t> rollBackTransaction(String transactionId);</a:t>
+            </a:r>
+          </a:p>
+          <a:p>
+            <a:pPr>
+              <a:lnSpc>
+                <a:spcPct val="80000"/>
+              </a:lnSpc>
+              <a:buFont typeface="Wingdings 2" pitchFamily="18" charset="2"/>
+              <a:buNone/>
+            </a:pPr>
+            <a:endParaRPr lang="it-IT" sz="1100" smtClean="0"/>
+          </a:p>
+          <a:p>
+            <a:pPr>
+              <a:lnSpc>
+                <a:spcPct val="80000"/>
+              </a:lnSpc>
+              <a:buFont typeface="Wingdings 2" pitchFamily="18" charset="2"/>
+              <a:buNone/>
+            </a:pPr>
+            <a:r>
+              <a:rPr lang="it-IT" sz="1100" b="1" smtClean="0"/>
+              <a:t>	public</a:t>
+            </a:r>
+            <a:r>
+              <a:rPr lang="it-IT" sz="1100" smtClean="0"/>
+              <a:t> </a:t>
+            </a:r>
+            <a:r>
+              <a:rPr lang="it-IT" sz="1100" b="1" smtClean="0"/>
+              <a:t>long</a:t>
+            </a:r>
+            <a:r>
+              <a:rPr lang="it-IT" sz="1100" smtClean="0"/>
+              <a:t> commitTransaction(String transactionId);</a:t>
+            </a:r>
+          </a:p>
+          <a:p>
+            <a:pPr>
+              <a:lnSpc>
+                <a:spcPct val="80000"/>
+              </a:lnSpc>
+              <a:buFont typeface="Wingdings 2" pitchFamily="18" charset="2"/>
+              <a:buNone/>
+            </a:pPr>
+            <a:r>
+              <a:rPr lang="it-IT" sz="1100" smtClean="0"/>
+              <a:t>}</a:t>
+            </a:r>
+          </a:p>
+        </p:txBody>
+      </p:sp>
+    </p:spTree>
+  </p:cSld>
+  <p:clrMapOvr>
+    <a:masterClrMapping/>
+  </p:clrMapOvr>
+  <p:timing>
+    <p:tnLst>
+      <p:par>
+        <p:cTn id="1" dur="indefinite" restart="never" nodeType="tmRoot"/>
+      </p:par>
+    </p:tnLst>
+  </p:timing>
+</p:sld>
+</file>
+
+<file path=ppt/slides/slide62.xml><?xml version="1.0" encoding="utf-8"?>
+<p:sld xmlns:a="http://schemas.openxmlformats.org/drawingml/2006/main" xmlns:r="http://schemas.openxmlformats.org/officeDocument/2006/relationships" xmlns:p="http://schemas.openxmlformats.org/presentationml/2006/main">
+  <p:cSld>
+    <p:spTree>
+      <p:nvGrpSpPr>
+        <p:cNvPr id="1" name=""/>
+        <p:cNvGrpSpPr/>
+        <p:nvPr/>
+      </p:nvGrpSpPr>
+      <p:grpSpPr>
+        <a:xfrm>
+          <a:off x="0" y="0"/>
+          <a:ext cx="0" cy="0"/>
+          <a:chOff x="0" y="0"/>
+          <a:chExt cx="0" cy="0"/>
+        </a:xfrm>
+      </p:grpSpPr>
+      <p:sp>
+        <p:nvSpPr>
+          <p:cNvPr id="54274" name="Rectangle 2"/>
+          <p:cNvSpPr>
+            <a:spLocks noGrp="1"/>
+          </p:cNvSpPr>
+          <p:nvPr>
+            <p:ph type="title" idx="4294967295"/>
+          </p:nvPr>
+        </p:nvSpPr>
+        <p:spPr/>
+        <p:txBody>
+          <a:bodyPr/>
+          <a:lstStyle/>
+          <a:p>
+            <a:r>
+              <a:rPr lang="it-IT" smtClean="0"/>
+              <a:t>Interfaccia WSDL(2/2)</a:t>
+            </a:r>
+          </a:p>
+        </p:txBody>
+      </p:sp>
+      <p:sp>
+        <p:nvSpPr>
+          <p:cNvPr id="54275" name="Rectangle 3"/>
+          <p:cNvSpPr>
+            <a:spLocks noGrp="1"/>
+          </p:cNvSpPr>
+          <p:nvPr>
+            <p:ph type="body" idx="4294967295"/>
+          </p:nvPr>
+        </p:nvSpPr>
+        <p:spPr>
+          <a:xfrm>
+            <a:off x="628596" y="1935480"/>
+            <a:ext cx="8058204" cy="4389120"/>
+          </a:xfrm>
+        </p:spPr>
+        <p:txBody>
+          <a:bodyPr/>
+          <a:lstStyle/>
+          <a:p>
+            <a:pPr>
+              <a:lnSpc>
+                <a:spcPct val="80000"/>
+              </a:lnSpc>
+            </a:pPr>
+            <a:r>
+              <a:rPr lang="it-IT" sz="1300" dirty="0" smtClean="0"/>
+              <a:t>Possiamo controllare le caratteristiche dell’interfaccia generata annotando opportunamente lo SLSB  che implementa l’interfaccia Java</a:t>
+            </a:r>
+          </a:p>
+          <a:p>
+            <a:pPr>
+              <a:lnSpc>
+                <a:spcPct val="80000"/>
+              </a:lnSpc>
+              <a:buFont typeface="Wingdings 2" pitchFamily="18" charset="2"/>
+              <a:buNone/>
+            </a:pPr>
+            <a:endParaRPr lang="it-IT" sz="1300" dirty="0" smtClean="0"/>
+          </a:p>
+          <a:p>
+            <a:pPr>
+              <a:lnSpc>
+                <a:spcPct val="80000"/>
+              </a:lnSpc>
+              <a:buFont typeface="Wingdings 2" pitchFamily="18" charset="2"/>
+              <a:buNone/>
+            </a:pPr>
+            <a:r>
+              <a:rPr lang="it-IT" sz="1300" dirty="0" err="1" smtClean="0"/>
+              <a:t>@Stateless</a:t>
+            </a:r>
+            <a:endParaRPr lang="it-IT" sz="1300" dirty="0" smtClean="0"/>
+          </a:p>
+          <a:p>
+            <a:pPr>
+              <a:lnSpc>
+                <a:spcPct val="80000"/>
+              </a:lnSpc>
+              <a:buFont typeface="Wingdings 2" pitchFamily="18" charset="2"/>
+              <a:buNone/>
+            </a:pPr>
+            <a:r>
+              <a:rPr lang="it-IT" sz="1300" dirty="0" err="1" smtClean="0"/>
+              <a:t>@Name</a:t>
+            </a:r>
+            <a:r>
+              <a:rPr lang="it-IT" sz="1300" dirty="0" smtClean="0"/>
+              <a:t>("</a:t>
+            </a:r>
+            <a:r>
+              <a:rPr lang="it-IT" sz="1300" dirty="0" err="1" smtClean="0"/>
+              <a:t>catalogService</a:t>
+            </a:r>
+            <a:r>
+              <a:rPr lang="it-IT" sz="1300" dirty="0" smtClean="0"/>
+              <a:t>")</a:t>
+            </a:r>
+          </a:p>
+          <a:p>
+            <a:pPr>
+              <a:lnSpc>
+                <a:spcPct val="80000"/>
+              </a:lnSpc>
+              <a:buFont typeface="Wingdings 2" pitchFamily="18" charset="2"/>
+              <a:buNone/>
+            </a:pPr>
+            <a:r>
+              <a:rPr lang="it-IT" sz="1300" dirty="0" err="1" smtClean="0"/>
+              <a:t>@Scope</a:t>
+            </a:r>
+            <a:r>
+              <a:rPr lang="it-IT" sz="1300" dirty="0" smtClean="0"/>
+              <a:t>(</a:t>
+            </a:r>
+            <a:r>
+              <a:rPr lang="it-IT" sz="1300" dirty="0" err="1" smtClean="0"/>
+              <a:t>ScopeType.</a:t>
+            </a:r>
+            <a:r>
+              <a:rPr lang="it-IT" sz="1300" i="1" dirty="0" err="1" smtClean="0"/>
+              <a:t>SESSION</a:t>
+            </a:r>
+            <a:r>
+              <a:rPr lang="it-IT" sz="1300" dirty="0" smtClean="0"/>
+              <a:t>)</a:t>
+            </a:r>
+          </a:p>
+          <a:p>
+            <a:pPr>
+              <a:lnSpc>
+                <a:spcPct val="80000"/>
+              </a:lnSpc>
+              <a:buFont typeface="Wingdings 2" pitchFamily="18" charset="2"/>
+              <a:buNone/>
+            </a:pPr>
+            <a:r>
+              <a:rPr lang="it-IT" sz="1300" dirty="0" err="1" smtClean="0"/>
+              <a:t>@WebService</a:t>
+            </a:r>
+            <a:r>
+              <a:rPr lang="it-IT" sz="1300" dirty="0" smtClean="0"/>
+              <a:t>(</a:t>
+            </a:r>
+            <a:r>
+              <a:rPr lang="it-IT" sz="1300" dirty="0" err="1" smtClean="0"/>
+              <a:t>name=</a:t>
+            </a:r>
+            <a:r>
+              <a:rPr lang="it-IT" sz="1300" dirty="0" smtClean="0"/>
+              <a:t>"</a:t>
+            </a:r>
+            <a:r>
+              <a:rPr lang="it-IT" sz="1300" dirty="0" err="1" smtClean="0"/>
+              <a:t>CatalogService</a:t>
+            </a:r>
+            <a:r>
+              <a:rPr lang="it-IT" sz="1300" dirty="0" smtClean="0"/>
+              <a:t>", </a:t>
+            </a:r>
+            <a:r>
+              <a:rPr lang="it-IT" sz="1300" dirty="0" err="1" smtClean="0"/>
+              <a:t>serviceName=</a:t>
+            </a:r>
+            <a:r>
+              <a:rPr lang="it-IT" sz="1300" dirty="0" smtClean="0"/>
+              <a:t>"</a:t>
+            </a:r>
+            <a:r>
+              <a:rPr lang="it-IT" sz="1300" dirty="0" err="1" smtClean="0"/>
+              <a:t>CatalogService</a:t>
+            </a:r>
+            <a:r>
+              <a:rPr lang="it-IT" sz="1300" dirty="0" smtClean="0"/>
+              <a:t>")</a:t>
+            </a:r>
+          </a:p>
+          <a:p>
+            <a:pPr>
+              <a:lnSpc>
+                <a:spcPct val="80000"/>
+              </a:lnSpc>
+              <a:buFont typeface="Wingdings 2" pitchFamily="18" charset="2"/>
+              <a:buNone/>
+            </a:pPr>
+            <a:r>
+              <a:rPr lang="it-IT" sz="1300" dirty="0" err="1" smtClean="0"/>
+              <a:t>@SOAPBinding</a:t>
+            </a:r>
+            <a:r>
+              <a:rPr lang="it-IT" sz="1300" dirty="0" smtClean="0"/>
+              <a:t>(style = </a:t>
+            </a:r>
+            <a:r>
+              <a:rPr lang="it-IT" sz="1300" dirty="0" err="1" smtClean="0"/>
+              <a:t>SOAPBinding.Style.</a:t>
+            </a:r>
+            <a:r>
+              <a:rPr lang="it-IT" sz="1300" i="1" dirty="0" err="1" smtClean="0"/>
+              <a:t>DOCUMENT</a:t>
+            </a:r>
+            <a:r>
+              <a:rPr lang="it-IT" sz="1300" dirty="0" smtClean="0"/>
+              <a:t>,</a:t>
+            </a:r>
+            <a:r>
+              <a:rPr lang="it-IT" sz="1300" dirty="0" err="1" smtClean="0"/>
+              <a:t>use=Use</a:t>
+            </a:r>
+            <a:r>
+              <a:rPr lang="it-IT" sz="1300" dirty="0" smtClean="0"/>
+              <a:t>.</a:t>
+            </a:r>
+            <a:r>
+              <a:rPr lang="it-IT" sz="1300" i="1" dirty="0" smtClean="0"/>
+              <a:t>LITERAL</a:t>
+            </a:r>
+            <a:r>
+              <a:rPr lang="it-IT" sz="1300" dirty="0" smtClean="0"/>
+              <a:t>)</a:t>
+            </a:r>
+          </a:p>
+          <a:p>
+            <a:pPr>
+              <a:lnSpc>
+                <a:spcPct val="80000"/>
+              </a:lnSpc>
+              <a:buFont typeface="Wingdings 2" pitchFamily="18" charset="2"/>
+              <a:buNone/>
+            </a:pPr>
+            <a:r>
+              <a:rPr lang="it-IT" sz="1300" b="1" dirty="0" smtClean="0"/>
+              <a:t>public</a:t>
+            </a:r>
+            <a:r>
+              <a:rPr lang="it-IT" sz="1300" dirty="0" smtClean="0"/>
+              <a:t> </a:t>
+            </a:r>
+            <a:r>
+              <a:rPr lang="it-IT" sz="1300" b="1" dirty="0" err="1" smtClean="0"/>
+              <a:t>class</a:t>
+            </a:r>
+            <a:r>
+              <a:rPr lang="it-IT" sz="1300" dirty="0" smtClean="0"/>
+              <a:t> </a:t>
+            </a:r>
+            <a:r>
+              <a:rPr lang="it-IT" sz="1300" dirty="0" err="1" smtClean="0"/>
+              <a:t>CatalogService</a:t>
+            </a:r>
+            <a:r>
+              <a:rPr lang="it-IT" sz="1300" dirty="0" smtClean="0"/>
+              <a:t> </a:t>
+            </a:r>
+            <a:r>
+              <a:rPr lang="it-IT" sz="1300" b="1" dirty="0" err="1" smtClean="0"/>
+              <a:t>implements</a:t>
+            </a:r>
+            <a:r>
+              <a:rPr lang="it-IT" sz="1300" dirty="0" smtClean="0"/>
+              <a:t> </a:t>
+            </a:r>
+            <a:r>
+              <a:rPr lang="it-IT" sz="1300" dirty="0" err="1" smtClean="0"/>
+              <a:t>CatalogInterface</a:t>
+            </a:r>
+            <a:r>
+              <a:rPr lang="it-IT" sz="1300" dirty="0" smtClean="0"/>
+              <a:t>{</a:t>
+            </a:r>
+          </a:p>
+          <a:p>
+            <a:pPr>
+              <a:lnSpc>
+                <a:spcPct val="80000"/>
+              </a:lnSpc>
+              <a:buFont typeface="Wingdings 2" pitchFamily="18" charset="2"/>
+              <a:buNone/>
+            </a:pPr>
+            <a:endParaRPr lang="it-IT" sz="1300" dirty="0" smtClean="0"/>
+          </a:p>
+          <a:p>
+            <a:pPr>
+              <a:lnSpc>
+                <a:spcPct val="80000"/>
+              </a:lnSpc>
+              <a:buFont typeface="Wingdings 2" pitchFamily="18" charset="2"/>
+              <a:buNone/>
+            </a:pPr>
+            <a:r>
+              <a:rPr lang="it-IT" sz="1300" dirty="0" smtClean="0"/>
+              <a:t>	</a:t>
+            </a:r>
+            <a:r>
+              <a:rPr lang="it-IT" sz="1300" dirty="0" err="1" smtClean="0"/>
+              <a:t>@WebMethod</a:t>
+            </a:r>
+            <a:r>
+              <a:rPr lang="it-IT" sz="1300" dirty="0" smtClean="0"/>
+              <a:t> </a:t>
+            </a:r>
+            <a:r>
+              <a:rPr lang="it-IT" sz="1300" dirty="0" err="1" smtClean="0"/>
+              <a:t>@Transactional</a:t>
+            </a:r>
+            <a:endParaRPr lang="it-IT" sz="1300" dirty="0" smtClean="0"/>
+          </a:p>
+          <a:p>
+            <a:pPr>
+              <a:lnSpc>
+                <a:spcPct val="80000"/>
+              </a:lnSpc>
+              <a:buFont typeface="Wingdings 2" pitchFamily="18" charset="2"/>
+              <a:buNone/>
+            </a:pPr>
+            <a:r>
+              <a:rPr lang="it-IT" sz="1300" b="1" dirty="0" smtClean="0"/>
+              <a:t>	public</a:t>
+            </a:r>
+            <a:r>
+              <a:rPr lang="it-IT" sz="1300" dirty="0" smtClean="0"/>
+              <a:t> </a:t>
+            </a:r>
+            <a:r>
+              <a:rPr lang="it-IT" sz="1300" dirty="0" err="1" smtClean="0"/>
+              <a:t>String</a:t>
+            </a:r>
+            <a:r>
+              <a:rPr lang="it-IT" sz="1300" dirty="0" smtClean="0"/>
+              <a:t> </a:t>
+            </a:r>
+            <a:r>
+              <a:rPr lang="it-IT" sz="1300" dirty="0" err="1" smtClean="0"/>
+              <a:t>beginTransaction</a:t>
+            </a:r>
+            <a:r>
+              <a:rPr lang="it-IT" sz="1300" dirty="0" smtClean="0"/>
+              <a:t>(Date </a:t>
+            </a:r>
+            <a:r>
+              <a:rPr lang="it-IT" sz="1300" dirty="0" err="1" smtClean="0"/>
+              <a:t>deliveryDate</a:t>
+            </a:r>
+            <a:r>
+              <a:rPr lang="it-IT" sz="1300" dirty="0" smtClean="0"/>
+              <a:t>){</a:t>
+            </a:r>
+          </a:p>
+          <a:p>
+            <a:pPr>
+              <a:lnSpc>
+                <a:spcPct val="80000"/>
+              </a:lnSpc>
+              <a:buFont typeface="Wingdings 2" pitchFamily="18" charset="2"/>
+              <a:buNone/>
+            </a:pPr>
+            <a:r>
+              <a:rPr lang="it-IT" sz="1300" dirty="0" smtClean="0"/>
+              <a:t>		UUID </a:t>
+            </a:r>
+            <a:r>
+              <a:rPr lang="it-IT" sz="1300" dirty="0" err="1" smtClean="0"/>
+              <a:t>transactionIdentifier=</a:t>
+            </a:r>
+            <a:r>
+              <a:rPr lang="it-IT" sz="1300" dirty="0" smtClean="0"/>
+              <a:t> </a:t>
+            </a:r>
+            <a:r>
+              <a:rPr lang="it-IT" sz="1300" dirty="0" err="1" smtClean="0"/>
+              <a:t>UUID.</a:t>
+            </a:r>
+            <a:r>
+              <a:rPr lang="it-IT" sz="1300" i="1" dirty="0" err="1" smtClean="0"/>
+              <a:t>randomUUID</a:t>
+            </a:r>
+            <a:r>
+              <a:rPr lang="it-IT" sz="1300" dirty="0" smtClean="0"/>
+              <a:t>();</a:t>
+            </a:r>
+          </a:p>
+          <a:p>
+            <a:pPr>
+              <a:lnSpc>
+                <a:spcPct val="80000"/>
+              </a:lnSpc>
+              <a:buFont typeface="Wingdings 2" pitchFamily="18" charset="2"/>
+              <a:buNone/>
+            </a:pPr>
+            <a:r>
+              <a:rPr lang="it-IT" sz="1300" dirty="0" smtClean="0"/>
+              <a:t>		Transazione transazione=transazioneHome.getInstance();</a:t>
+            </a:r>
+          </a:p>
+          <a:p>
+            <a:pPr>
+              <a:lnSpc>
+                <a:spcPct val="80000"/>
+              </a:lnSpc>
+              <a:buFont typeface="Wingdings 2" pitchFamily="18" charset="2"/>
+              <a:buNone/>
+            </a:pPr>
+            <a:r>
+              <a:rPr lang="it-IT" sz="1300" dirty="0" smtClean="0"/>
+              <a:t>		</a:t>
+            </a:r>
+            <a:r>
+              <a:rPr lang="it-IT" sz="1300" dirty="0" err="1" smtClean="0"/>
+              <a:t>transazione.setTransactionUuid</a:t>
+            </a:r>
+            <a:r>
+              <a:rPr lang="it-IT" sz="1300" dirty="0" smtClean="0"/>
+              <a:t>(</a:t>
+            </a:r>
+            <a:r>
+              <a:rPr lang="it-IT" sz="1300" dirty="0" err="1" smtClean="0"/>
+              <a:t>transactionIdentifier</a:t>
+            </a:r>
+            <a:r>
+              <a:rPr lang="it-IT" sz="1300" dirty="0" smtClean="0"/>
+              <a:t>);</a:t>
+            </a:r>
+          </a:p>
+          <a:p>
+            <a:pPr>
+              <a:lnSpc>
+                <a:spcPct val="80000"/>
+              </a:lnSpc>
+              <a:buFont typeface="Wingdings 2" pitchFamily="18" charset="2"/>
+              <a:buNone/>
+            </a:pPr>
+            <a:r>
+              <a:rPr lang="it-IT" sz="1300" dirty="0" smtClean="0"/>
+              <a:t>		</a:t>
+            </a:r>
+            <a:r>
+              <a:rPr lang="it-IT" sz="1300" dirty="0" err="1" smtClean="0"/>
+              <a:t>transazione.setDataConsegna</a:t>
+            </a:r>
+            <a:r>
+              <a:rPr lang="it-IT" sz="1300" dirty="0" smtClean="0"/>
+              <a:t>(</a:t>
+            </a:r>
+            <a:r>
+              <a:rPr lang="it-IT" sz="1300" dirty="0" err="1" smtClean="0"/>
+              <a:t>deliveryDate</a:t>
+            </a:r>
+            <a:r>
+              <a:rPr lang="it-IT" sz="1300" dirty="0" smtClean="0"/>
+              <a:t>);</a:t>
+            </a:r>
+          </a:p>
+          <a:p>
+            <a:pPr>
+              <a:lnSpc>
+                <a:spcPct val="80000"/>
+              </a:lnSpc>
+              <a:buFont typeface="Wingdings 2" pitchFamily="18" charset="2"/>
+              <a:buNone/>
+            </a:pPr>
+            <a:r>
+              <a:rPr lang="it-IT" sz="1300" dirty="0" smtClean="0"/>
+              <a:t>		</a:t>
+            </a:r>
+            <a:r>
+              <a:rPr lang="it-IT" sz="1300" dirty="0" err="1" smtClean="0"/>
+              <a:t>transazioneHome.persist</a:t>
+            </a:r>
+            <a:r>
+              <a:rPr lang="it-IT" sz="1300" dirty="0" smtClean="0"/>
+              <a:t>();</a:t>
+            </a:r>
+          </a:p>
+          <a:p>
+            <a:pPr>
+              <a:lnSpc>
+                <a:spcPct val="80000"/>
+              </a:lnSpc>
+              <a:buFont typeface="Wingdings 2" pitchFamily="18" charset="2"/>
+              <a:buNone/>
+            </a:pPr>
+            <a:r>
+              <a:rPr lang="it-IT" sz="1300" b="1" dirty="0" smtClean="0"/>
+              <a:t>	</a:t>
+            </a:r>
+            <a:r>
+              <a:rPr lang="it-IT" sz="1300" b="1" dirty="0" err="1" smtClean="0"/>
+              <a:t>return</a:t>
+            </a:r>
+            <a:r>
+              <a:rPr lang="it-IT" sz="1300" dirty="0" smtClean="0"/>
+              <a:t> </a:t>
+            </a:r>
+            <a:r>
+              <a:rPr lang="it-IT" sz="1300" dirty="0" err="1" smtClean="0"/>
+              <a:t>transactionIdentifier.toString</a:t>
+            </a:r>
+            <a:r>
+              <a:rPr lang="it-IT" sz="1300" dirty="0" smtClean="0"/>
+              <a:t>();</a:t>
+            </a:r>
+          </a:p>
+          <a:p>
+            <a:pPr>
+              <a:lnSpc>
+                <a:spcPct val="80000"/>
+              </a:lnSpc>
+              <a:buFont typeface="Wingdings 2" pitchFamily="18" charset="2"/>
+              <a:buNone/>
+            </a:pPr>
+            <a:r>
+              <a:rPr lang="it-IT" sz="1300" dirty="0" smtClean="0"/>
+              <a:t>	}</a:t>
+            </a:r>
+          </a:p>
+          <a:p>
+            <a:pPr>
+              <a:lnSpc>
+                <a:spcPct val="80000"/>
+              </a:lnSpc>
+              <a:buFont typeface="Wingdings 2" pitchFamily="18" charset="2"/>
+              <a:buNone/>
+            </a:pPr>
+            <a:r>
+              <a:rPr lang="it-IT" sz="1300" dirty="0" smtClean="0"/>
+              <a:t>	</a:t>
+            </a:r>
+            <a:r>
+              <a:rPr lang="it-IT" sz="1300" dirty="0" err="1" smtClean="0"/>
+              <a:t>…altri</a:t>
+            </a:r>
+            <a:r>
+              <a:rPr lang="it-IT" sz="1300" dirty="0" smtClean="0"/>
+              <a:t> </a:t>
+            </a:r>
+            <a:r>
+              <a:rPr lang="it-IT" sz="1300" dirty="0" err="1" smtClean="0"/>
+              <a:t>metodi…</a:t>
+            </a:r>
+            <a:endParaRPr lang="it-IT" sz="1300" dirty="0" smtClean="0"/>
+          </a:p>
+          <a:p>
+            <a:pPr>
+              <a:lnSpc>
+                <a:spcPct val="80000"/>
+              </a:lnSpc>
+              <a:buFont typeface="Wingdings 2" pitchFamily="18" charset="2"/>
+              <a:buNone/>
+            </a:pPr>
+            <a:r>
+              <a:rPr lang="it-IT" sz="1300" dirty="0" smtClean="0"/>
+              <a:t>}</a:t>
+            </a:r>
+          </a:p>
+        </p:txBody>
+      </p:sp>
+    </p:spTree>
+  </p:cSld>
+  <p:clrMapOvr>
+    <a:masterClrMapping/>
+  </p:clrMapOvr>
+  <p:timing>
+    <p:tnLst>
+      <p:par>
+        <p:cTn id="1" dur="indefinite" restart="never" nodeType="tmRoot"/>
+      </p:par>
+    </p:tnLst>
+  </p:timing>
+</p:sld>
+</file>
+
+<file path=ppt/slides/slide63.xml><?xml version="1.0" encoding="utf-8"?>
+<p:sld xmlns:a="http://schemas.openxmlformats.org/drawingml/2006/main" xmlns:r="http://schemas.openxmlformats.org/officeDocument/2006/relationships" xmlns:p="http://schemas.openxmlformats.org/presentationml/2006/main">
+  <p:cSld>
+    <p:spTree>
+      <p:nvGrpSpPr>
+        <p:cNvPr id="1" name=""/>
+        <p:cNvGrpSpPr/>
+        <p:nvPr/>
+      </p:nvGrpSpPr>
+      <p:grpSpPr>
+        <a:xfrm>
+          <a:off x="0" y="0"/>
+          <a:ext cx="0" cy="0"/>
+          <a:chOff x="0" y="0"/>
+          <a:chExt cx="0" cy="0"/>
+        </a:xfrm>
+      </p:grpSpPr>
+      <p:sp>
+        <p:nvSpPr>
+          <p:cNvPr id="55298" name="Rectangle 2"/>
+          <p:cNvSpPr>
+            <a:spLocks noGrp="1"/>
+          </p:cNvSpPr>
+          <p:nvPr>
+            <p:ph type="title" idx="4294967295"/>
+          </p:nvPr>
+        </p:nvSpPr>
+        <p:spPr/>
+        <p:txBody>
+          <a:bodyPr/>
+          <a:lstStyle/>
+          <a:p>
+            <a:r>
+              <a:rPr lang="it-IT" smtClean="0"/>
+              <a:t>Utilizzo del servizio</a:t>
+            </a:r>
+          </a:p>
+        </p:txBody>
+      </p:sp>
+      <p:sp>
+        <p:nvSpPr>
+          <p:cNvPr id="55299" name="Rectangle 3"/>
+          <p:cNvSpPr>
+            <a:spLocks noGrp="1"/>
+          </p:cNvSpPr>
+          <p:nvPr>
+            <p:ph type="body" idx="4294967295"/>
+          </p:nvPr>
+        </p:nvSpPr>
+        <p:spPr/>
+        <p:txBody>
+          <a:bodyPr/>
+          <a:lstStyle/>
+          <a:p>
+            <a:r>
+              <a:rPr lang="it-IT" dirty="0" smtClean="0">
+                <a:latin typeface="+mj-lt"/>
+              </a:rPr>
+              <a:t>Il servizio è nascosto dal lato consumer da un’interfaccia Java equivalente;</a:t>
+            </a:r>
+          </a:p>
+          <a:p>
+            <a:r>
+              <a:rPr lang="it-IT" dirty="0" smtClean="0">
+                <a:latin typeface="+mj-lt"/>
+              </a:rPr>
+              <a:t>All’atto dell’</a:t>
+            </a:r>
+            <a:r>
+              <a:rPr lang="it-IT" dirty="0" err="1" smtClean="0">
+                <a:latin typeface="+mj-lt"/>
+              </a:rPr>
+              <a:t>istanziazione</a:t>
+            </a:r>
+            <a:r>
+              <a:rPr lang="it-IT" dirty="0" smtClean="0">
+                <a:latin typeface="+mj-lt"/>
+              </a:rPr>
+              <a:t> vengono generati dinamicamente i </a:t>
+            </a:r>
+            <a:r>
+              <a:rPr lang="it-IT" dirty="0" err="1" smtClean="0">
+                <a:latin typeface="+mj-lt"/>
+              </a:rPr>
+              <a:t>proxy</a:t>
+            </a:r>
+            <a:r>
+              <a:rPr lang="it-IT" dirty="0" smtClean="0">
+                <a:latin typeface="+mj-lt"/>
+              </a:rPr>
+              <a:t> corrispondenti all’interfaccia, attraverso </a:t>
+            </a:r>
+            <a:r>
+              <a:rPr lang="it-IT" dirty="0" err="1" smtClean="0">
+                <a:latin typeface="+mj-lt"/>
+              </a:rPr>
+              <a:t>JBossWs</a:t>
+            </a:r>
+            <a:r>
+              <a:rPr lang="it-IT" dirty="0" smtClean="0">
+                <a:latin typeface="+mj-lt"/>
+              </a:rPr>
+              <a:t>:</a:t>
+            </a:r>
+          </a:p>
+          <a:p>
+            <a:pPr lvl="1"/>
+            <a:r>
+              <a:rPr lang="it-IT" sz="1600" u="sng" dirty="0" smtClean="0">
+                <a:latin typeface="+mj-lt"/>
+              </a:rPr>
+              <a:t>Remote</a:t>
+            </a:r>
+            <a:r>
+              <a:rPr lang="it-IT" sz="1600" dirty="0" smtClean="0">
+                <a:latin typeface="+mj-lt"/>
+              </a:rPr>
+              <a:t> </a:t>
+            </a:r>
+            <a:r>
+              <a:rPr lang="it-IT" sz="1600" dirty="0" err="1" smtClean="0">
+                <a:latin typeface="+mj-lt"/>
+              </a:rPr>
+              <a:t>rProxy=</a:t>
+            </a:r>
+            <a:r>
+              <a:rPr lang="it-IT" sz="1600" dirty="0" smtClean="0">
+                <a:latin typeface="+mj-lt"/>
+              </a:rPr>
+              <a:t> </a:t>
+            </a:r>
+            <a:r>
+              <a:rPr lang="it-IT" sz="1600" dirty="0" err="1" smtClean="0">
+                <a:latin typeface="+mj-lt"/>
+              </a:rPr>
+              <a:t>afs.getPort</a:t>
+            </a:r>
+            <a:r>
+              <a:rPr lang="it-IT" sz="1600" dirty="0" smtClean="0">
+                <a:latin typeface="+mj-lt"/>
+              </a:rPr>
+              <a:t>(</a:t>
+            </a:r>
+            <a:r>
+              <a:rPr lang="it-IT" sz="1600" dirty="0" err="1" smtClean="0">
+                <a:latin typeface="+mj-lt"/>
+              </a:rPr>
+              <a:t>portName</a:t>
+            </a:r>
+            <a:r>
+              <a:rPr lang="it-IT" sz="1600" dirty="0" smtClean="0">
+                <a:latin typeface="+mj-lt"/>
+              </a:rPr>
+              <a:t>, </a:t>
+            </a:r>
+            <a:r>
+              <a:rPr lang="it-IT" sz="1600" dirty="0" err="1" smtClean="0">
+                <a:latin typeface="+mj-lt"/>
+              </a:rPr>
+              <a:t>CatalogInterface.</a:t>
+            </a:r>
+            <a:r>
+              <a:rPr lang="it-IT" sz="1600" b="1" dirty="0" err="1" smtClean="0">
+                <a:latin typeface="+mj-lt"/>
+              </a:rPr>
+              <a:t>class</a:t>
+            </a:r>
+            <a:r>
+              <a:rPr lang="it-IT" sz="1600" dirty="0" smtClean="0">
+                <a:latin typeface="+mj-lt"/>
+              </a:rPr>
+              <a:t>);</a:t>
+            </a:r>
+          </a:p>
+          <a:p>
+            <a:pPr>
+              <a:buFont typeface="Wingdings 2" pitchFamily="18" charset="2"/>
+              <a:buNone/>
+            </a:pPr>
+            <a:endParaRPr lang="it-IT" sz="1600" dirty="0" smtClean="0">
+              <a:latin typeface="+mj-lt"/>
+            </a:endParaRPr>
           </a:p>
         </p:txBody>
       </p:sp>
